--- a/猫でもわかるKaggle.pptx
+++ b/猫でもわかるKaggle.pptx
@@ -2,7 +2,7 @@
 <file path=ppt/presentation.xml><?xml version="1.0" encoding="utf-8"?>
 <p:presentation xmlns:a="http://schemas.openxmlformats.org/drawingml/2006/main" xmlns:r="http://schemas.openxmlformats.org/officeDocument/2006/relationships" xmlns:p="http://schemas.openxmlformats.org/presentationml/2006/main" saveSubsetFonts="1">
   <p:sldMasterIdLst>
-    <p:sldMasterId id="2147483678" r:id="rId1"/>
+    <p:sldMasterId id="2147483707" r:id="rId1"/>
   </p:sldMasterIdLst>
   <p:sldIdLst>
     <p:sldId id="256" r:id="rId2"/>
@@ -11,17 +11,19 @@
     <p:sldId id="259" r:id="rId5"/>
     <p:sldId id="260" r:id="rId6"/>
     <p:sldId id="261" r:id="rId7"/>
-    <p:sldId id="262" r:id="rId8"/>
-    <p:sldId id="263" r:id="rId9"/>
-    <p:sldId id="264" r:id="rId10"/>
-    <p:sldId id="265" r:id="rId11"/>
-    <p:sldId id="266" r:id="rId12"/>
-    <p:sldId id="267" r:id="rId13"/>
-    <p:sldId id="268" r:id="rId14"/>
-    <p:sldId id="269" r:id="rId15"/>
-    <p:sldId id="270" r:id="rId16"/>
-    <p:sldId id="271" r:id="rId17"/>
-    <p:sldId id="272" r:id="rId18"/>
+    <p:sldId id="273" r:id="rId8"/>
+    <p:sldId id="262" r:id="rId9"/>
+    <p:sldId id="263" r:id="rId10"/>
+    <p:sldId id="264" r:id="rId11"/>
+    <p:sldId id="265" r:id="rId12"/>
+    <p:sldId id="274" r:id="rId13"/>
+    <p:sldId id="266" r:id="rId14"/>
+    <p:sldId id="267" r:id="rId15"/>
+    <p:sldId id="268" r:id="rId16"/>
+    <p:sldId id="269" r:id="rId17"/>
+    <p:sldId id="275" r:id="rId18"/>
+    <p:sldId id="271" r:id="rId19"/>
+    <p:sldId id="272" r:id="rId20"/>
   </p:sldIdLst>
   <p:sldSz cx="12192000" cy="6858000"/>
   <p:notesSz cx="6858000" cy="9144000"/>
@@ -852,7 +854,7 @@
               <a:rPr kumimoji="1" lang="ja-JP" altLang="en-US" smtClean="0"/>
               <a:t>2018/2/18</a:t>
             </a:fld>
-            <a:endParaRPr kumimoji="1" lang="ja-JP" altLang="en-US"/>
+            <a:endParaRPr kumimoji="1" lang="ja-JP" altLang="en-US" dirty="0"/>
           </a:p>
         </p:txBody>
       </p:sp>
@@ -871,7 +873,7 @@
           <a:bodyPr/>
           <a:lstStyle/>
           <a:p>
-            <a:endParaRPr kumimoji="1" lang="ja-JP" altLang="en-US"/>
+            <a:endParaRPr kumimoji="1" lang="ja-JP" altLang="en-US" dirty="0"/>
           </a:p>
         </p:txBody>
       </p:sp>
@@ -894,14 +896,14 @@
               <a:rPr kumimoji="1" lang="ja-JP" altLang="en-US" smtClean="0"/>
               <a:t>‹#›</a:t>
             </a:fld>
-            <a:endParaRPr kumimoji="1" lang="ja-JP" altLang="en-US"/>
+            <a:endParaRPr kumimoji="1" lang="ja-JP" altLang="en-US" dirty="0"/>
           </a:p>
         </p:txBody>
       </p:sp>
     </p:spTree>
     <p:extLst>
       <p:ext uri="{BB962C8B-B14F-4D97-AF65-F5344CB8AC3E}">
-        <p14:creationId xmlns:p14="http://schemas.microsoft.com/office/powerpoint/2010/main" val="1667323456"/>
+        <p14:creationId xmlns:p14="http://schemas.microsoft.com/office/powerpoint/2010/main" val="3888747483"/>
       </p:ext>
     </p:extLst>
   </p:cSld>
@@ -1103,7 +1105,7 @@
               <a:rPr kumimoji="1" lang="ja-JP" altLang="en-US" smtClean="0"/>
               <a:t>2018/2/18</a:t>
             </a:fld>
-            <a:endParaRPr kumimoji="1" lang="ja-JP" altLang="en-US"/>
+            <a:endParaRPr kumimoji="1" lang="ja-JP" altLang="en-US" dirty="0"/>
           </a:p>
         </p:txBody>
       </p:sp>
@@ -1122,7 +1124,7 @@
           <a:bodyPr/>
           <a:lstStyle/>
           <a:p>
-            <a:endParaRPr kumimoji="1" lang="ja-JP" altLang="en-US"/>
+            <a:endParaRPr kumimoji="1" lang="ja-JP" altLang="en-US" dirty="0"/>
           </a:p>
         </p:txBody>
       </p:sp>
@@ -1145,14 +1147,14 @@
               <a:rPr kumimoji="1" lang="ja-JP" altLang="en-US" smtClean="0"/>
               <a:t>‹#›</a:t>
             </a:fld>
-            <a:endParaRPr kumimoji="1" lang="ja-JP" altLang="en-US"/>
+            <a:endParaRPr kumimoji="1" lang="ja-JP" altLang="en-US" dirty="0"/>
           </a:p>
         </p:txBody>
       </p:sp>
     </p:spTree>
     <p:extLst>
       <p:ext uri="{BB962C8B-B14F-4D97-AF65-F5344CB8AC3E}">
-        <p14:creationId xmlns:p14="http://schemas.microsoft.com/office/powerpoint/2010/main" val="3858614152"/>
+        <p14:creationId xmlns:p14="http://schemas.microsoft.com/office/powerpoint/2010/main" val="2859047131"/>
       </p:ext>
     </p:extLst>
   </p:cSld>
@@ -1417,7 +1419,7 @@
               <a:rPr kumimoji="1" lang="ja-JP" altLang="en-US" smtClean="0"/>
               <a:t>2018/2/18</a:t>
             </a:fld>
-            <a:endParaRPr kumimoji="1" lang="ja-JP" altLang="en-US"/>
+            <a:endParaRPr kumimoji="1" lang="ja-JP" altLang="en-US" dirty="0"/>
           </a:p>
         </p:txBody>
       </p:sp>
@@ -1436,7 +1438,7 @@
           <a:bodyPr/>
           <a:lstStyle/>
           <a:p>
-            <a:endParaRPr kumimoji="1" lang="ja-JP" altLang="en-US"/>
+            <a:endParaRPr kumimoji="1" lang="ja-JP" altLang="en-US" dirty="0"/>
           </a:p>
         </p:txBody>
       </p:sp>
@@ -1459,7 +1461,7 @@
               <a:rPr kumimoji="1" lang="ja-JP" altLang="en-US" smtClean="0"/>
               <a:t>‹#›</a:t>
             </a:fld>
-            <a:endParaRPr kumimoji="1" lang="ja-JP" altLang="en-US"/>
+            <a:endParaRPr kumimoji="1" lang="ja-JP" altLang="en-US" dirty="0"/>
           </a:p>
         </p:txBody>
       </p:sp>
@@ -1556,7 +1558,7 @@
     </p:spTree>
     <p:extLst>
       <p:ext uri="{BB962C8B-B14F-4D97-AF65-F5344CB8AC3E}">
-        <p14:creationId xmlns:p14="http://schemas.microsoft.com/office/powerpoint/2010/main" val="2294337997"/>
+        <p14:creationId xmlns:p14="http://schemas.microsoft.com/office/powerpoint/2010/main" val="1972872072"/>
       </p:ext>
     </p:extLst>
   </p:cSld>
@@ -1758,7 +1760,7 @@
               <a:rPr kumimoji="1" lang="ja-JP" altLang="en-US" smtClean="0"/>
               <a:t>2018/2/18</a:t>
             </a:fld>
-            <a:endParaRPr kumimoji="1" lang="ja-JP" altLang="en-US"/>
+            <a:endParaRPr kumimoji="1" lang="ja-JP" altLang="en-US" dirty="0"/>
           </a:p>
         </p:txBody>
       </p:sp>
@@ -1777,7 +1779,7 @@
           <a:bodyPr/>
           <a:lstStyle/>
           <a:p>
-            <a:endParaRPr kumimoji="1" lang="ja-JP" altLang="en-US"/>
+            <a:endParaRPr kumimoji="1" lang="ja-JP" altLang="en-US" dirty="0"/>
           </a:p>
         </p:txBody>
       </p:sp>
@@ -1800,14 +1802,14 @@
               <a:rPr kumimoji="1" lang="ja-JP" altLang="en-US" smtClean="0"/>
               <a:t>‹#›</a:t>
             </a:fld>
-            <a:endParaRPr kumimoji="1" lang="ja-JP" altLang="en-US"/>
+            <a:endParaRPr kumimoji="1" lang="ja-JP" altLang="en-US" dirty="0"/>
           </a:p>
         </p:txBody>
       </p:sp>
     </p:spTree>
     <p:extLst>
       <p:ext uri="{BB962C8B-B14F-4D97-AF65-F5344CB8AC3E}">
-        <p14:creationId xmlns:p14="http://schemas.microsoft.com/office/powerpoint/2010/main" val="3969618830"/>
+        <p14:creationId xmlns:p14="http://schemas.microsoft.com/office/powerpoint/2010/main" val="1299939505"/>
       </p:ext>
     </p:extLst>
   </p:cSld>
@@ -2072,7 +2074,7 @@
               <a:rPr kumimoji="1" lang="ja-JP" altLang="en-US" smtClean="0"/>
               <a:t>2018/2/18</a:t>
             </a:fld>
-            <a:endParaRPr kumimoji="1" lang="ja-JP" altLang="en-US"/>
+            <a:endParaRPr kumimoji="1" lang="ja-JP" altLang="en-US" dirty="0"/>
           </a:p>
         </p:txBody>
       </p:sp>
@@ -2091,7 +2093,7 @@
           <a:bodyPr/>
           <a:lstStyle/>
           <a:p>
-            <a:endParaRPr kumimoji="1" lang="ja-JP" altLang="en-US"/>
+            <a:endParaRPr kumimoji="1" lang="ja-JP" altLang="en-US" dirty="0"/>
           </a:p>
         </p:txBody>
       </p:sp>
@@ -2114,7 +2116,7 @@
               <a:rPr kumimoji="1" lang="ja-JP" altLang="en-US" smtClean="0"/>
               <a:t>‹#›</a:t>
             </a:fld>
-            <a:endParaRPr kumimoji="1" lang="ja-JP" altLang="en-US"/>
+            <a:endParaRPr kumimoji="1" lang="ja-JP" altLang="en-US" dirty="0"/>
           </a:p>
         </p:txBody>
       </p:sp>
@@ -2203,7 +2205,7 @@
     </p:spTree>
     <p:extLst>
       <p:ext uri="{BB962C8B-B14F-4D97-AF65-F5344CB8AC3E}">
-        <p14:creationId xmlns:p14="http://schemas.microsoft.com/office/powerpoint/2010/main" val="2366270802"/>
+        <p14:creationId xmlns:p14="http://schemas.microsoft.com/office/powerpoint/2010/main" val="159732158"/>
       </p:ext>
     </p:extLst>
   </p:cSld>
@@ -2465,7 +2467,7 @@
               <a:rPr kumimoji="1" lang="ja-JP" altLang="en-US" smtClean="0"/>
               <a:t>2018/2/18</a:t>
             </a:fld>
-            <a:endParaRPr kumimoji="1" lang="ja-JP" altLang="en-US"/>
+            <a:endParaRPr kumimoji="1" lang="ja-JP" altLang="en-US" dirty="0"/>
           </a:p>
         </p:txBody>
       </p:sp>
@@ -2484,7 +2486,7 @@
           <a:bodyPr/>
           <a:lstStyle/>
           <a:p>
-            <a:endParaRPr kumimoji="1" lang="ja-JP" altLang="en-US"/>
+            <a:endParaRPr kumimoji="1" lang="ja-JP" altLang="en-US" dirty="0"/>
           </a:p>
         </p:txBody>
       </p:sp>
@@ -2507,14 +2509,14 @@
               <a:rPr kumimoji="1" lang="ja-JP" altLang="en-US" smtClean="0"/>
               <a:t>‹#›</a:t>
             </a:fld>
-            <a:endParaRPr kumimoji="1" lang="ja-JP" altLang="en-US"/>
+            <a:endParaRPr kumimoji="1" lang="ja-JP" altLang="en-US" dirty="0"/>
           </a:p>
         </p:txBody>
       </p:sp>
     </p:spTree>
     <p:extLst>
       <p:ext uri="{BB962C8B-B14F-4D97-AF65-F5344CB8AC3E}">
-        <p14:creationId xmlns:p14="http://schemas.microsoft.com/office/powerpoint/2010/main" val="2816041483"/>
+        <p14:creationId xmlns:p14="http://schemas.microsoft.com/office/powerpoint/2010/main" val="46373122"/>
       </p:ext>
     </p:extLst>
   </p:cSld>
@@ -2667,7 +2669,7 @@
               <a:rPr kumimoji="1" lang="ja-JP" altLang="en-US" smtClean="0"/>
               <a:t>2018/2/18</a:t>
             </a:fld>
-            <a:endParaRPr kumimoji="1" lang="ja-JP" altLang="en-US"/>
+            <a:endParaRPr kumimoji="1" lang="ja-JP" altLang="en-US" dirty="0"/>
           </a:p>
         </p:txBody>
       </p:sp>
@@ -2686,7 +2688,7 @@
           <a:bodyPr/>
           <a:lstStyle/>
           <a:p>
-            <a:endParaRPr kumimoji="1" lang="ja-JP" altLang="en-US"/>
+            <a:endParaRPr kumimoji="1" lang="ja-JP" altLang="en-US" dirty="0"/>
           </a:p>
         </p:txBody>
       </p:sp>
@@ -2709,14 +2711,14 @@
               <a:rPr kumimoji="1" lang="ja-JP" altLang="en-US" smtClean="0"/>
               <a:t>‹#›</a:t>
             </a:fld>
-            <a:endParaRPr kumimoji="1" lang="ja-JP" altLang="en-US"/>
+            <a:endParaRPr kumimoji="1" lang="ja-JP" altLang="en-US" dirty="0"/>
           </a:p>
         </p:txBody>
       </p:sp>
     </p:spTree>
     <p:extLst>
       <p:ext uri="{BB962C8B-B14F-4D97-AF65-F5344CB8AC3E}">
-        <p14:creationId xmlns:p14="http://schemas.microsoft.com/office/powerpoint/2010/main" val="295472981"/>
+        <p14:creationId xmlns:p14="http://schemas.microsoft.com/office/powerpoint/2010/main" val="3855583069"/>
       </p:ext>
     </p:extLst>
   </p:cSld>
@@ -2879,7 +2881,7 @@
               <a:rPr kumimoji="1" lang="ja-JP" altLang="en-US" smtClean="0"/>
               <a:t>2018/2/18</a:t>
             </a:fld>
-            <a:endParaRPr kumimoji="1" lang="ja-JP" altLang="en-US"/>
+            <a:endParaRPr kumimoji="1" lang="ja-JP" altLang="en-US" dirty="0"/>
           </a:p>
         </p:txBody>
       </p:sp>
@@ -2898,7 +2900,7 @@
           <a:bodyPr/>
           <a:lstStyle/>
           <a:p>
-            <a:endParaRPr kumimoji="1" lang="ja-JP" altLang="en-US"/>
+            <a:endParaRPr kumimoji="1" lang="ja-JP" altLang="en-US" dirty="0"/>
           </a:p>
         </p:txBody>
       </p:sp>
@@ -2921,14 +2923,14 @@
               <a:rPr kumimoji="1" lang="ja-JP" altLang="en-US" smtClean="0"/>
               <a:t>‹#›</a:t>
             </a:fld>
-            <a:endParaRPr kumimoji="1" lang="ja-JP" altLang="en-US"/>
+            <a:endParaRPr kumimoji="1" lang="ja-JP" altLang="en-US" dirty="0"/>
           </a:p>
         </p:txBody>
       </p:sp>
     </p:spTree>
     <p:extLst>
       <p:ext uri="{BB962C8B-B14F-4D97-AF65-F5344CB8AC3E}">
-        <p14:creationId xmlns:p14="http://schemas.microsoft.com/office/powerpoint/2010/main" val="1193876276"/>
+        <p14:creationId xmlns:p14="http://schemas.microsoft.com/office/powerpoint/2010/main" val="2033133074"/>
       </p:ext>
     </p:extLst>
   </p:cSld>
@@ -3087,7 +3089,7 @@
               <a:rPr kumimoji="1" lang="ja-JP" altLang="en-US" smtClean="0"/>
               <a:t>2018/2/18</a:t>
             </a:fld>
-            <a:endParaRPr kumimoji="1" lang="ja-JP" altLang="en-US"/>
+            <a:endParaRPr kumimoji="1" lang="ja-JP" altLang="en-US" dirty="0"/>
           </a:p>
         </p:txBody>
       </p:sp>
@@ -3106,7 +3108,7 @@
           <a:bodyPr/>
           <a:lstStyle/>
           <a:p>
-            <a:endParaRPr kumimoji="1" lang="ja-JP" altLang="en-US"/>
+            <a:endParaRPr kumimoji="1" lang="ja-JP" altLang="en-US" dirty="0"/>
           </a:p>
         </p:txBody>
       </p:sp>
@@ -3129,14 +3131,14 @@
               <a:rPr kumimoji="1" lang="ja-JP" altLang="en-US" smtClean="0"/>
               <a:t>‹#›</a:t>
             </a:fld>
-            <a:endParaRPr kumimoji="1" lang="ja-JP" altLang="en-US"/>
+            <a:endParaRPr kumimoji="1" lang="ja-JP" altLang="en-US" dirty="0"/>
           </a:p>
         </p:txBody>
       </p:sp>
     </p:spTree>
     <p:extLst>
       <p:ext uri="{BB962C8B-B14F-4D97-AF65-F5344CB8AC3E}">
-        <p14:creationId xmlns:p14="http://schemas.microsoft.com/office/powerpoint/2010/main" val="1397719673"/>
+        <p14:creationId xmlns:p14="http://schemas.microsoft.com/office/powerpoint/2010/main" val="2760528771"/>
       </p:ext>
     </p:extLst>
   </p:cSld>
@@ -3334,7 +3336,7 @@
               <a:rPr kumimoji="1" lang="ja-JP" altLang="en-US" smtClean="0"/>
               <a:t>2018/2/18</a:t>
             </a:fld>
-            <a:endParaRPr kumimoji="1" lang="ja-JP" altLang="en-US"/>
+            <a:endParaRPr kumimoji="1" lang="ja-JP" altLang="en-US" dirty="0"/>
           </a:p>
         </p:txBody>
       </p:sp>
@@ -3353,7 +3355,7 @@
           <a:bodyPr/>
           <a:lstStyle/>
           <a:p>
-            <a:endParaRPr kumimoji="1" lang="ja-JP" altLang="en-US"/>
+            <a:endParaRPr kumimoji="1" lang="ja-JP" altLang="en-US" dirty="0"/>
           </a:p>
         </p:txBody>
       </p:sp>
@@ -3376,14 +3378,14 @@
               <a:rPr kumimoji="1" lang="ja-JP" altLang="en-US" smtClean="0"/>
               <a:t>‹#›</a:t>
             </a:fld>
-            <a:endParaRPr kumimoji="1" lang="ja-JP" altLang="en-US"/>
+            <a:endParaRPr kumimoji="1" lang="ja-JP" altLang="en-US" dirty="0"/>
           </a:p>
         </p:txBody>
       </p:sp>
     </p:spTree>
     <p:extLst>
       <p:ext uri="{BB962C8B-B14F-4D97-AF65-F5344CB8AC3E}">
-        <p14:creationId xmlns:p14="http://schemas.microsoft.com/office/powerpoint/2010/main" val="2121421161"/>
+        <p14:creationId xmlns:p14="http://schemas.microsoft.com/office/powerpoint/2010/main" val="3617561414"/>
       </p:ext>
     </p:extLst>
   </p:cSld>
@@ -3630,7 +3632,7 @@
               <a:rPr kumimoji="1" lang="ja-JP" altLang="en-US" smtClean="0"/>
               <a:t>2018/2/18</a:t>
             </a:fld>
-            <a:endParaRPr kumimoji="1" lang="ja-JP" altLang="en-US"/>
+            <a:endParaRPr kumimoji="1" lang="ja-JP" altLang="en-US" dirty="0"/>
           </a:p>
         </p:txBody>
       </p:sp>
@@ -3649,7 +3651,7 @@
           <a:bodyPr/>
           <a:lstStyle/>
           <a:p>
-            <a:endParaRPr kumimoji="1" lang="ja-JP" altLang="en-US"/>
+            <a:endParaRPr kumimoji="1" lang="ja-JP" altLang="en-US" dirty="0"/>
           </a:p>
         </p:txBody>
       </p:sp>
@@ -3672,14 +3674,14 @@
               <a:rPr kumimoji="1" lang="ja-JP" altLang="en-US" smtClean="0"/>
               <a:t>‹#›</a:t>
             </a:fld>
-            <a:endParaRPr kumimoji="1" lang="ja-JP" altLang="en-US"/>
+            <a:endParaRPr kumimoji="1" lang="ja-JP" altLang="en-US" dirty="0"/>
           </a:p>
         </p:txBody>
       </p:sp>
     </p:spTree>
     <p:extLst>
       <p:ext uri="{BB962C8B-B14F-4D97-AF65-F5344CB8AC3E}">
-        <p14:creationId xmlns:p14="http://schemas.microsoft.com/office/powerpoint/2010/main" val="1692395616"/>
+        <p14:creationId xmlns:p14="http://schemas.microsoft.com/office/powerpoint/2010/main" val="1509877954"/>
       </p:ext>
     </p:extLst>
   </p:cSld>
@@ -4068,7 +4070,7 @@
               <a:rPr kumimoji="1" lang="ja-JP" altLang="en-US" smtClean="0"/>
               <a:t>2018/2/18</a:t>
             </a:fld>
-            <a:endParaRPr kumimoji="1" lang="ja-JP" altLang="en-US"/>
+            <a:endParaRPr kumimoji="1" lang="ja-JP" altLang="en-US" dirty="0"/>
           </a:p>
         </p:txBody>
       </p:sp>
@@ -4087,7 +4089,7 @@
           <a:bodyPr/>
           <a:lstStyle/>
           <a:p>
-            <a:endParaRPr kumimoji="1" lang="ja-JP" altLang="en-US"/>
+            <a:endParaRPr kumimoji="1" lang="ja-JP" altLang="en-US" dirty="0"/>
           </a:p>
         </p:txBody>
       </p:sp>
@@ -4110,14 +4112,14 @@
               <a:rPr kumimoji="1" lang="ja-JP" altLang="en-US" smtClean="0"/>
               <a:t>‹#›</a:t>
             </a:fld>
-            <a:endParaRPr kumimoji="1" lang="ja-JP" altLang="en-US"/>
+            <a:endParaRPr kumimoji="1" lang="ja-JP" altLang="en-US" dirty="0"/>
           </a:p>
         </p:txBody>
       </p:sp>
     </p:spTree>
     <p:extLst>
       <p:ext uri="{BB962C8B-B14F-4D97-AF65-F5344CB8AC3E}">
-        <p14:creationId xmlns:p14="http://schemas.microsoft.com/office/powerpoint/2010/main" val="3302461115"/>
+        <p14:creationId xmlns:p14="http://schemas.microsoft.com/office/powerpoint/2010/main" val="1823225951"/>
       </p:ext>
     </p:extLst>
   </p:cSld>
@@ -4191,7 +4193,7 @@
               <a:rPr kumimoji="1" lang="ja-JP" altLang="en-US" smtClean="0"/>
               <a:t>2018/2/18</a:t>
             </a:fld>
-            <a:endParaRPr kumimoji="1" lang="ja-JP" altLang="en-US"/>
+            <a:endParaRPr kumimoji="1" lang="ja-JP" altLang="en-US" dirty="0"/>
           </a:p>
         </p:txBody>
       </p:sp>
@@ -4210,7 +4212,7 @@
           <a:bodyPr/>
           <a:lstStyle/>
           <a:p>
-            <a:endParaRPr kumimoji="1" lang="ja-JP" altLang="en-US"/>
+            <a:endParaRPr kumimoji="1" lang="ja-JP" altLang="en-US" dirty="0"/>
           </a:p>
         </p:txBody>
       </p:sp>
@@ -4233,14 +4235,14 @@
               <a:rPr kumimoji="1" lang="ja-JP" altLang="en-US" smtClean="0"/>
               <a:t>‹#›</a:t>
             </a:fld>
-            <a:endParaRPr kumimoji="1" lang="ja-JP" altLang="en-US"/>
+            <a:endParaRPr kumimoji="1" lang="ja-JP" altLang="en-US" dirty="0"/>
           </a:p>
         </p:txBody>
       </p:sp>
     </p:spTree>
     <p:extLst>
       <p:ext uri="{BB962C8B-B14F-4D97-AF65-F5344CB8AC3E}">
-        <p14:creationId xmlns:p14="http://schemas.microsoft.com/office/powerpoint/2010/main" val="3495452153"/>
+        <p14:creationId xmlns:p14="http://schemas.microsoft.com/office/powerpoint/2010/main" val="1644076909"/>
       </p:ext>
     </p:extLst>
   </p:cSld>
@@ -4286,7 +4288,7 @@
               <a:rPr kumimoji="1" lang="ja-JP" altLang="en-US" smtClean="0"/>
               <a:t>2018/2/18</a:t>
             </a:fld>
-            <a:endParaRPr kumimoji="1" lang="ja-JP" altLang="en-US"/>
+            <a:endParaRPr kumimoji="1" lang="ja-JP" altLang="en-US" dirty="0"/>
           </a:p>
         </p:txBody>
       </p:sp>
@@ -4305,7 +4307,7 @@
           <a:bodyPr/>
           <a:lstStyle/>
           <a:p>
-            <a:endParaRPr kumimoji="1" lang="ja-JP" altLang="en-US"/>
+            <a:endParaRPr kumimoji="1" lang="ja-JP" altLang="en-US" dirty="0"/>
           </a:p>
         </p:txBody>
       </p:sp>
@@ -4328,14 +4330,14 @@
               <a:rPr kumimoji="1" lang="ja-JP" altLang="en-US" smtClean="0"/>
               <a:t>‹#›</a:t>
             </a:fld>
-            <a:endParaRPr kumimoji="1" lang="ja-JP" altLang="en-US"/>
+            <a:endParaRPr kumimoji="1" lang="ja-JP" altLang="en-US" dirty="0"/>
           </a:p>
         </p:txBody>
       </p:sp>
     </p:spTree>
     <p:extLst>
       <p:ext uri="{BB962C8B-B14F-4D97-AF65-F5344CB8AC3E}">
-        <p14:creationId xmlns:p14="http://schemas.microsoft.com/office/powerpoint/2010/main" val="3689839194"/>
+        <p14:creationId xmlns:p14="http://schemas.microsoft.com/office/powerpoint/2010/main" val="3376725471"/>
       </p:ext>
     </p:extLst>
   </p:cSld>
@@ -4573,7 +4575,7 @@
               <a:rPr kumimoji="1" lang="ja-JP" altLang="en-US" smtClean="0"/>
               <a:t>2018/2/18</a:t>
             </a:fld>
-            <a:endParaRPr kumimoji="1" lang="ja-JP" altLang="en-US"/>
+            <a:endParaRPr kumimoji="1" lang="ja-JP" altLang="en-US" dirty="0"/>
           </a:p>
         </p:txBody>
       </p:sp>
@@ -4592,7 +4594,7 @@
           <a:bodyPr/>
           <a:lstStyle/>
           <a:p>
-            <a:endParaRPr kumimoji="1" lang="ja-JP" altLang="en-US"/>
+            <a:endParaRPr kumimoji="1" lang="ja-JP" altLang="en-US" dirty="0"/>
           </a:p>
         </p:txBody>
       </p:sp>
@@ -4615,14 +4617,14 @@
               <a:rPr kumimoji="1" lang="ja-JP" altLang="en-US" smtClean="0"/>
               <a:t>‹#›</a:t>
             </a:fld>
-            <a:endParaRPr kumimoji="1" lang="ja-JP" altLang="en-US"/>
+            <a:endParaRPr kumimoji="1" lang="ja-JP" altLang="en-US" dirty="0"/>
           </a:p>
         </p:txBody>
       </p:sp>
     </p:spTree>
     <p:extLst>
       <p:ext uri="{BB962C8B-B14F-4D97-AF65-F5344CB8AC3E}">
-        <p14:creationId xmlns:p14="http://schemas.microsoft.com/office/powerpoint/2010/main" val="3701437492"/>
+        <p14:creationId xmlns:p14="http://schemas.microsoft.com/office/powerpoint/2010/main" val="4104640890"/>
       </p:ext>
     </p:extLst>
   </p:cSld>
@@ -4743,7 +4745,7 @@
           </a:lstStyle>
           <a:p>
             <a:r>
-              <a:rPr lang="ja-JP" altLang="en-US"/>
+              <a:rPr lang="ja-JP" altLang="en-US" dirty="0"/>
               <a:t>アイコンをクリックして図を追加</a:t>
             </a:r>
             <a:endParaRPr lang="en-US" dirty="0"/>
@@ -4836,7 +4838,7 @@
               <a:rPr kumimoji="1" lang="ja-JP" altLang="en-US" smtClean="0"/>
               <a:t>2018/2/18</a:t>
             </a:fld>
-            <a:endParaRPr kumimoji="1" lang="ja-JP" altLang="en-US"/>
+            <a:endParaRPr kumimoji="1" lang="ja-JP" altLang="en-US" dirty="0"/>
           </a:p>
         </p:txBody>
       </p:sp>
@@ -4855,7 +4857,7 @@
           <a:bodyPr/>
           <a:lstStyle/>
           <a:p>
-            <a:endParaRPr kumimoji="1" lang="ja-JP" altLang="en-US"/>
+            <a:endParaRPr kumimoji="1" lang="ja-JP" altLang="en-US" dirty="0"/>
           </a:p>
         </p:txBody>
       </p:sp>
@@ -4878,14 +4880,14 @@
               <a:rPr kumimoji="1" lang="ja-JP" altLang="en-US" smtClean="0"/>
               <a:t>‹#›</a:t>
             </a:fld>
-            <a:endParaRPr kumimoji="1" lang="ja-JP" altLang="en-US"/>
+            <a:endParaRPr kumimoji="1" lang="ja-JP" altLang="en-US" dirty="0"/>
           </a:p>
         </p:txBody>
       </p:sp>
     </p:spTree>
     <p:extLst>
       <p:ext uri="{BB962C8B-B14F-4D97-AF65-F5344CB8AC3E}">
-        <p14:creationId xmlns:p14="http://schemas.microsoft.com/office/powerpoint/2010/main" val="3693695114"/>
+        <p14:creationId xmlns:p14="http://schemas.microsoft.com/office/powerpoint/2010/main" val="4209980017"/>
       </p:ext>
     </p:extLst>
   </p:cSld>
@@ -5611,7 +5613,7 @@
               <a:rPr kumimoji="1" lang="ja-JP" altLang="en-US" smtClean="0"/>
               <a:t>2018/2/18</a:t>
             </a:fld>
-            <a:endParaRPr kumimoji="1" lang="ja-JP" altLang="en-US"/>
+            <a:endParaRPr kumimoji="1" lang="ja-JP" altLang="en-US" dirty="0"/>
           </a:p>
         </p:txBody>
       </p:sp>
@@ -5648,7 +5650,7 @@
             </a:lvl1pPr>
           </a:lstStyle>
           <a:p>
-            <a:endParaRPr kumimoji="1" lang="ja-JP" altLang="en-US"/>
+            <a:endParaRPr kumimoji="1" lang="ja-JP" altLang="en-US" dirty="0"/>
           </a:p>
         </p:txBody>
       </p:sp>
@@ -5687,35 +5689,35 @@
               <a:rPr kumimoji="1" lang="ja-JP" altLang="en-US" smtClean="0"/>
               <a:t>‹#›</a:t>
             </a:fld>
-            <a:endParaRPr kumimoji="1" lang="ja-JP" altLang="en-US"/>
+            <a:endParaRPr kumimoji="1" lang="ja-JP" altLang="en-US" dirty="0"/>
           </a:p>
         </p:txBody>
       </p:sp>
     </p:spTree>
     <p:extLst>
       <p:ext uri="{BB962C8B-B14F-4D97-AF65-F5344CB8AC3E}">
-        <p14:creationId xmlns:p14="http://schemas.microsoft.com/office/powerpoint/2010/main" val="3309285157"/>
+        <p14:creationId xmlns:p14="http://schemas.microsoft.com/office/powerpoint/2010/main" val="3983119500"/>
       </p:ext>
     </p:extLst>
   </p:cSld>
   <p:clrMap bg1="lt1" tx1="dk1" bg2="lt2" tx2="dk2" accent1="accent1" accent2="accent2" accent3="accent3" accent4="accent4" accent5="accent5" accent6="accent6" hlink="hlink" folHlink="folHlink"/>
   <p:sldLayoutIdLst>
-    <p:sldLayoutId id="2147483679" r:id="rId1"/>
-    <p:sldLayoutId id="2147483680" r:id="rId2"/>
-    <p:sldLayoutId id="2147483681" r:id="rId3"/>
-    <p:sldLayoutId id="2147483682" r:id="rId4"/>
-    <p:sldLayoutId id="2147483683" r:id="rId5"/>
-    <p:sldLayoutId id="2147483684" r:id="rId6"/>
-    <p:sldLayoutId id="2147483685" r:id="rId7"/>
-    <p:sldLayoutId id="2147483686" r:id="rId8"/>
-    <p:sldLayoutId id="2147483687" r:id="rId9"/>
-    <p:sldLayoutId id="2147483688" r:id="rId10"/>
-    <p:sldLayoutId id="2147483689" r:id="rId11"/>
-    <p:sldLayoutId id="2147483690" r:id="rId12"/>
-    <p:sldLayoutId id="2147483691" r:id="rId13"/>
-    <p:sldLayoutId id="2147483692" r:id="rId14"/>
-    <p:sldLayoutId id="2147483693" r:id="rId15"/>
-    <p:sldLayoutId id="2147483694" r:id="rId16"/>
+    <p:sldLayoutId id="2147483708" r:id="rId1"/>
+    <p:sldLayoutId id="2147483709" r:id="rId2"/>
+    <p:sldLayoutId id="2147483710" r:id="rId3"/>
+    <p:sldLayoutId id="2147483711" r:id="rId4"/>
+    <p:sldLayoutId id="2147483712" r:id="rId5"/>
+    <p:sldLayoutId id="2147483713" r:id="rId6"/>
+    <p:sldLayoutId id="2147483714" r:id="rId7"/>
+    <p:sldLayoutId id="2147483715" r:id="rId8"/>
+    <p:sldLayoutId id="2147483716" r:id="rId9"/>
+    <p:sldLayoutId id="2147483717" r:id="rId10"/>
+    <p:sldLayoutId id="2147483718" r:id="rId11"/>
+    <p:sldLayoutId id="2147483719" r:id="rId12"/>
+    <p:sldLayoutId id="2147483720" r:id="rId13"/>
+    <p:sldLayoutId id="2147483721" r:id="rId14"/>
+    <p:sldLayoutId id="2147483722" r:id="rId15"/>
+    <p:sldLayoutId id="2147483723" r:id="rId16"/>
   </p:sldLayoutIdLst>
   <p:txStyles>
     <p:titleStyle>
@@ -6229,7 +6231,7 @@
           <p:cNvPr id="2" name="タイトル 1">
             <a:extLst>
               <a:ext uri="{FF2B5EF4-FFF2-40B4-BE49-F238E27FC236}">
-                <a16:creationId xmlns:a16="http://schemas.microsoft.com/office/drawing/2014/main" id="{33FF0FF6-1AEA-455D-89CE-6192B9C724CC}"/>
+                <a16:creationId xmlns:a16="http://schemas.microsoft.com/office/drawing/2014/main" id="{34BF4CE2-4D90-47D2-A31D-D1E20A49B71A}"/>
               </a:ext>
             </a:extLst>
           </p:cNvPr>
@@ -6247,15 +6249,1621 @@
           <a:p>
             <a:r>
               <a:rPr kumimoji="1" lang="ja-JP" altLang="en-US" dirty="0"/>
-              <a:t>え？それだけ？どこで差がつくの？</a:t>
-            </a:r>
+              <a:t>その引数なに？</a:t>
+            </a:r>
+          </a:p>
+        </p:txBody>
+      </p:sp>
+      <p:graphicFrame>
+        <p:nvGraphicFramePr>
+          <p:cNvPr id="3" name="表 2">
+            <a:extLst>
+              <a:ext uri="{FF2B5EF4-FFF2-40B4-BE49-F238E27FC236}">
+                <a16:creationId xmlns:a16="http://schemas.microsoft.com/office/drawing/2014/main" id="{DC9169F0-AB6C-413C-ABDE-D4B831B572CE}"/>
+              </a:ext>
+            </a:extLst>
+          </p:cNvPr>
+          <p:cNvGraphicFramePr>
+            <a:graphicFrameLocks noGrp="1"/>
+          </p:cNvGraphicFramePr>
+          <p:nvPr>
+            <p:extLst>
+              <p:ext uri="{D42A27DB-BD31-4B8C-83A1-F6EECF244321}">
+                <p14:modId xmlns:p14="http://schemas.microsoft.com/office/powerpoint/2010/main" val="1200180540"/>
+              </p:ext>
+            </p:extLst>
+          </p:nvPr>
+        </p:nvGraphicFramePr>
+        <p:xfrm>
+          <a:off x="829332" y="2657179"/>
+          <a:ext cx="6280308" cy="1543641"/>
+        </p:xfrm>
+        <a:graphic>
+          <a:graphicData uri="http://schemas.openxmlformats.org/drawingml/2006/table">
+            <a:tbl>
+              <a:tblPr firstRow="1" bandRow="1">
+                <a:tableStyleId>{5C22544A-7EE6-4342-B048-85BDC9FD1C3A}</a:tableStyleId>
+              </a:tblPr>
+              <a:tblGrid>
+                <a:gridCol w="1046718">
+                  <a:extLst>
+                    <a:ext uri="{9D8B030D-6E8A-4147-A177-3AD203B41FA5}">
+                      <a16:colId xmlns:a16="http://schemas.microsoft.com/office/drawing/2014/main" val="3472953002"/>
+                    </a:ext>
+                  </a:extLst>
+                </a:gridCol>
+                <a:gridCol w="1046718">
+                  <a:extLst>
+                    <a:ext uri="{9D8B030D-6E8A-4147-A177-3AD203B41FA5}">
+                      <a16:colId xmlns:a16="http://schemas.microsoft.com/office/drawing/2014/main" val="1567616906"/>
+                    </a:ext>
+                  </a:extLst>
+                </a:gridCol>
+                <a:gridCol w="1046718">
+                  <a:extLst>
+                    <a:ext uri="{9D8B030D-6E8A-4147-A177-3AD203B41FA5}">
+                      <a16:colId xmlns:a16="http://schemas.microsoft.com/office/drawing/2014/main" val="3216724867"/>
+                    </a:ext>
+                  </a:extLst>
+                </a:gridCol>
+                <a:gridCol w="1046718">
+                  <a:extLst>
+                    <a:ext uri="{9D8B030D-6E8A-4147-A177-3AD203B41FA5}">
+                      <a16:colId xmlns:a16="http://schemas.microsoft.com/office/drawing/2014/main" val="659707241"/>
+                    </a:ext>
+                  </a:extLst>
+                </a:gridCol>
+                <a:gridCol w="1046718">
+                  <a:extLst>
+                    <a:ext uri="{9D8B030D-6E8A-4147-A177-3AD203B41FA5}">
+                      <a16:colId xmlns:a16="http://schemas.microsoft.com/office/drawing/2014/main" val="2288569116"/>
+                    </a:ext>
+                  </a:extLst>
+                </a:gridCol>
+                <a:gridCol w="1046718">
+                  <a:extLst>
+                    <a:ext uri="{9D8B030D-6E8A-4147-A177-3AD203B41FA5}">
+                      <a16:colId xmlns:a16="http://schemas.microsoft.com/office/drawing/2014/main" val="2439958870"/>
+                    </a:ext>
+                  </a:extLst>
+                </a:gridCol>
+              </a:tblGrid>
+              <a:tr h="294885">
+                <a:tc>
+                  <a:txBody>
+                    <a:bodyPr/>
+                    <a:lstStyle/>
+                    <a:p>
+                      <a:r>
+                        <a:rPr kumimoji="1" lang="ja-JP" altLang="en-US" sz="1100" baseline="0" dirty="0"/>
+                        <a:t>日付</a:t>
+                      </a:r>
+                    </a:p>
+                  </a:txBody>
+                  <a:tcPr/>
+                </a:tc>
+                <a:tc>
+                  <a:txBody>
+                    <a:bodyPr/>
+                    <a:lstStyle/>
+                    <a:p>
+                      <a:r>
+                        <a:rPr kumimoji="1" lang="ja-JP" altLang="en-US" sz="1100" dirty="0"/>
+                        <a:t>店名</a:t>
+                      </a:r>
+                    </a:p>
+                  </a:txBody>
+                  <a:tcPr/>
+                </a:tc>
+                <a:tc>
+                  <a:txBody>
+                    <a:bodyPr/>
+                    <a:lstStyle/>
+                    <a:p>
+                      <a:r>
+                        <a:rPr kumimoji="1" lang="ja-JP" altLang="en-US" sz="1100" dirty="0"/>
+                        <a:t>ジャンル</a:t>
+                      </a:r>
+                    </a:p>
+                  </a:txBody>
+                  <a:tcPr/>
+                </a:tc>
+                <a:tc>
+                  <a:txBody>
+                    <a:bodyPr/>
+                    <a:lstStyle/>
+                    <a:p>
+                      <a:r>
+                        <a:rPr kumimoji="1" lang="ja-JP" altLang="en-US" sz="1100" dirty="0"/>
+                        <a:t>場所</a:t>
+                      </a:r>
+                    </a:p>
+                  </a:txBody>
+                  <a:tcPr/>
+                </a:tc>
+                <a:tc>
+                  <a:txBody>
+                    <a:bodyPr/>
+                    <a:lstStyle/>
+                    <a:p>
+                      <a:r>
+                        <a:rPr kumimoji="1" lang="ja-JP" altLang="en-US" sz="1100" dirty="0"/>
+                        <a:t>予約</a:t>
+                      </a:r>
+                    </a:p>
+                  </a:txBody>
+                  <a:tcPr/>
+                </a:tc>
+                <a:tc>
+                  <a:txBody>
+                    <a:bodyPr/>
+                    <a:lstStyle/>
+                    <a:p>
+                      <a:r>
+                        <a:rPr kumimoji="1" lang="ja-JP" altLang="en-US" sz="1100" dirty="0"/>
+                        <a:t>来客数</a:t>
+                      </a:r>
+                    </a:p>
+                  </a:txBody>
+                  <a:tcPr/>
+                </a:tc>
+                <a:extLst>
+                  <a:ext uri="{0D108BD9-81ED-4DB2-BD59-A6C34878D82A}">
+                    <a16:rowId xmlns:a16="http://schemas.microsoft.com/office/drawing/2014/main" val="2541452345"/>
+                  </a:ext>
+                </a:extLst>
+              </a:tr>
+              <a:tr h="312189">
+                <a:tc>
+                  <a:txBody>
+                    <a:bodyPr/>
+                    <a:lstStyle/>
+                    <a:p>
+                      <a:r>
+                        <a:rPr kumimoji="1" lang="en-US" altLang="ja-JP" sz="1100" dirty="0"/>
+                        <a:t>2016/01/01</a:t>
+                      </a:r>
+                      <a:endParaRPr kumimoji="1" lang="ja-JP" altLang="en-US" sz="1100" dirty="0"/>
+                    </a:p>
+                  </a:txBody>
+                  <a:tcPr/>
+                </a:tc>
+                <a:tc>
+                  <a:txBody>
+                    <a:bodyPr/>
+                    <a:lstStyle/>
+                    <a:p>
+                      <a:r>
+                        <a:rPr kumimoji="1" lang="en-US" altLang="ja-JP" sz="1100" dirty="0"/>
+                        <a:t>A</a:t>
+                      </a:r>
+                      <a:r>
+                        <a:rPr kumimoji="1" lang="ja-JP" altLang="en-US" sz="1100" dirty="0"/>
+                        <a:t>店</a:t>
+                      </a:r>
+                    </a:p>
+                  </a:txBody>
+                  <a:tcPr/>
+                </a:tc>
+                <a:tc>
+                  <a:txBody>
+                    <a:bodyPr/>
+                    <a:lstStyle/>
+                    <a:p>
+                      <a:r>
+                        <a:rPr kumimoji="1" lang="ja-JP" altLang="en-US" sz="1100" dirty="0"/>
+                        <a:t>焼き肉</a:t>
+                      </a:r>
+                    </a:p>
+                  </a:txBody>
+                  <a:tcPr/>
+                </a:tc>
+                <a:tc>
+                  <a:txBody>
+                    <a:bodyPr/>
+                    <a:lstStyle/>
+                    <a:p>
+                      <a:r>
+                        <a:rPr kumimoji="1" lang="ja-JP" altLang="en-US" sz="1100" dirty="0"/>
+                        <a:t>東京</a:t>
+                      </a:r>
+                    </a:p>
+                  </a:txBody>
+                  <a:tcPr/>
+                </a:tc>
+                <a:tc>
+                  <a:txBody>
+                    <a:bodyPr/>
+                    <a:lstStyle/>
+                    <a:p>
+                      <a:r>
+                        <a:rPr kumimoji="1" lang="en-US" altLang="ja-JP" sz="1100" dirty="0"/>
+                        <a:t>10</a:t>
+                      </a:r>
+                      <a:r>
+                        <a:rPr kumimoji="1" lang="ja-JP" altLang="en-US" sz="1100" dirty="0"/>
+                        <a:t>名</a:t>
+                      </a:r>
+                    </a:p>
+                  </a:txBody>
+                  <a:tcPr/>
+                </a:tc>
+                <a:tc>
+                  <a:txBody>
+                    <a:bodyPr/>
+                    <a:lstStyle/>
+                    <a:p>
+                      <a:r>
+                        <a:rPr kumimoji="1" lang="en-US" altLang="ja-JP" sz="1100" dirty="0"/>
+                        <a:t>20</a:t>
+                      </a:r>
+                      <a:r>
+                        <a:rPr kumimoji="1" lang="ja-JP" altLang="en-US" sz="1100" dirty="0"/>
+                        <a:t>名</a:t>
+                      </a:r>
+                    </a:p>
+                  </a:txBody>
+                  <a:tcPr/>
+                </a:tc>
+                <a:extLst>
+                  <a:ext uri="{0D108BD9-81ED-4DB2-BD59-A6C34878D82A}">
+                    <a16:rowId xmlns:a16="http://schemas.microsoft.com/office/drawing/2014/main" val="2235806074"/>
+                  </a:ext>
+                </a:extLst>
+              </a:tr>
+              <a:tr h="312189">
+                <a:tc>
+                  <a:txBody>
+                    <a:bodyPr/>
+                    <a:lstStyle/>
+                    <a:p>
+                      <a:r>
+                        <a:rPr kumimoji="1" lang="en-US" altLang="ja-JP" sz="1100" dirty="0"/>
+                        <a:t>2016/01/01</a:t>
+                      </a:r>
+                      <a:endParaRPr kumimoji="1" lang="ja-JP" altLang="en-US" sz="1100" dirty="0"/>
+                    </a:p>
+                  </a:txBody>
+                  <a:tcPr/>
+                </a:tc>
+                <a:tc>
+                  <a:txBody>
+                    <a:bodyPr/>
+                    <a:lstStyle/>
+                    <a:p>
+                      <a:r>
+                        <a:rPr kumimoji="1" lang="en-US" altLang="ja-JP" sz="1100" dirty="0"/>
+                        <a:t>B</a:t>
+                      </a:r>
+                      <a:r>
+                        <a:rPr kumimoji="1" lang="ja-JP" altLang="en-US" sz="1100" dirty="0"/>
+                        <a:t>店</a:t>
+                      </a:r>
+                    </a:p>
+                  </a:txBody>
+                  <a:tcPr/>
+                </a:tc>
+                <a:tc>
+                  <a:txBody>
+                    <a:bodyPr/>
+                    <a:lstStyle/>
+                    <a:p>
+                      <a:r>
+                        <a:rPr kumimoji="1" lang="ja-JP" altLang="en-US" sz="1100" dirty="0"/>
+                        <a:t>そば</a:t>
+                      </a:r>
+                    </a:p>
+                  </a:txBody>
+                  <a:tcPr/>
+                </a:tc>
+                <a:tc>
+                  <a:txBody>
+                    <a:bodyPr/>
+                    <a:lstStyle/>
+                    <a:p>
+                      <a:r>
+                        <a:rPr kumimoji="1" lang="ja-JP" altLang="en-US" sz="1100" dirty="0"/>
+                        <a:t>福岡</a:t>
+                      </a:r>
+                    </a:p>
+                  </a:txBody>
+                  <a:tcPr/>
+                </a:tc>
+                <a:tc>
+                  <a:txBody>
+                    <a:bodyPr/>
+                    <a:lstStyle/>
+                    <a:p>
+                      <a:r>
+                        <a:rPr kumimoji="1" lang="en-US" altLang="ja-JP" sz="1100" dirty="0"/>
+                        <a:t>3</a:t>
+                      </a:r>
+                      <a:r>
+                        <a:rPr kumimoji="1" lang="ja-JP" altLang="en-US" sz="1100" dirty="0"/>
+                        <a:t>名</a:t>
+                      </a:r>
+                    </a:p>
+                  </a:txBody>
+                  <a:tcPr/>
+                </a:tc>
+                <a:tc>
+                  <a:txBody>
+                    <a:bodyPr/>
+                    <a:lstStyle/>
+                    <a:p>
+                      <a:r>
+                        <a:rPr kumimoji="1" lang="en-US" altLang="ja-JP" sz="1100" dirty="0"/>
+                        <a:t>1</a:t>
+                      </a:r>
+                      <a:r>
+                        <a:rPr kumimoji="1" lang="ja-JP" altLang="en-US" sz="1100" dirty="0"/>
+                        <a:t>名</a:t>
+                      </a:r>
+                    </a:p>
+                  </a:txBody>
+                  <a:tcPr/>
+                </a:tc>
+                <a:extLst>
+                  <a:ext uri="{0D108BD9-81ED-4DB2-BD59-A6C34878D82A}">
+                    <a16:rowId xmlns:a16="http://schemas.microsoft.com/office/drawing/2014/main" val="1872554097"/>
+                  </a:ext>
+                </a:extLst>
+              </a:tr>
+              <a:tr h="312189">
+                <a:tc>
+                  <a:txBody>
+                    <a:bodyPr/>
+                    <a:lstStyle/>
+                    <a:p>
+                      <a:r>
+                        <a:rPr kumimoji="1" lang="en-US" altLang="ja-JP" sz="1100" dirty="0"/>
+                        <a:t>2016/01/02</a:t>
+                      </a:r>
+                      <a:endParaRPr kumimoji="1" lang="ja-JP" altLang="en-US" sz="1100" dirty="0"/>
+                    </a:p>
+                  </a:txBody>
+                  <a:tcPr/>
+                </a:tc>
+                <a:tc>
+                  <a:txBody>
+                    <a:bodyPr/>
+                    <a:lstStyle/>
+                    <a:p>
+                      <a:r>
+                        <a:rPr kumimoji="1" lang="en-US" altLang="ja-JP" sz="1100" dirty="0"/>
+                        <a:t>A</a:t>
+                      </a:r>
+                      <a:r>
+                        <a:rPr kumimoji="1" lang="ja-JP" altLang="en-US" sz="1100" dirty="0"/>
+                        <a:t>店</a:t>
+                      </a:r>
+                    </a:p>
+                  </a:txBody>
+                  <a:tcPr/>
+                </a:tc>
+                <a:tc>
+                  <a:txBody>
+                    <a:bodyPr/>
+                    <a:lstStyle/>
+                    <a:p>
+                      <a:r>
+                        <a:rPr kumimoji="1" lang="ja-JP" altLang="en-US" sz="1100" dirty="0"/>
+                        <a:t>焼き肉</a:t>
+                      </a:r>
+                    </a:p>
+                  </a:txBody>
+                  <a:tcPr/>
+                </a:tc>
+                <a:tc>
+                  <a:txBody>
+                    <a:bodyPr/>
+                    <a:lstStyle/>
+                    <a:p>
+                      <a:r>
+                        <a:rPr kumimoji="1" lang="ja-JP" altLang="en-US" sz="1100" dirty="0"/>
+                        <a:t>東京</a:t>
+                      </a:r>
+                    </a:p>
+                  </a:txBody>
+                  <a:tcPr/>
+                </a:tc>
+                <a:tc>
+                  <a:txBody>
+                    <a:bodyPr/>
+                    <a:lstStyle/>
+                    <a:p>
+                      <a:r>
+                        <a:rPr kumimoji="1" lang="en-US" altLang="ja-JP" sz="1100" dirty="0"/>
+                        <a:t>20</a:t>
+                      </a:r>
+                      <a:r>
+                        <a:rPr kumimoji="1" lang="ja-JP" altLang="en-US" sz="1100" dirty="0"/>
+                        <a:t>名</a:t>
+                      </a:r>
+                    </a:p>
+                  </a:txBody>
+                  <a:tcPr/>
+                </a:tc>
+                <a:tc>
+                  <a:txBody>
+                    <a:bodyPr/>
+                    <a:lstStyle/>
+                    <a:p>
+                      <a:r>
+                        <a:rPr kumimoji="1" lang="en-US" altLang="ja-JP" sz="1100" dirty="0"/>
+                        <a:t>30</a:t>
+                      </a:r>
+                      <a:r>
+                        <a:rPr kumimoji="1" lang="ja-JP" altLang="en-US" sz="1100" dirty="0"/>
+                        <a:t>名</a:t>
+                      </a:r>
+                    </a:p>
+                  </a:txBody>
+                  <a:tcPr/>
+                </a:tc>
+                <a:extLst>
+                  <a:ext uri="{0D108BD9-81ED-4DB2-BD59-A6C34878D82A}">
+                    <a16:rowId xmlns:a16="http://schemas.microsoft.com/office/drawing/2014/main" val="683497724"/>
+                  </a:ext>
+                </a:extLst>
+              </a:tr>
+              <a:tr h="312189">
+                <a:tc>
+                  <a:txBody>
+                    <a:bodyPr/>
+                    <a:lstStyle/>
+                    <a:p>
+                      <a:r>
+                        <a:rPr kumimoji="1" lang="en-US" altLang="ja-JP" sz="1100" dirty="0"/>
+                        <a:t>2016/01/02</a:t>
+                      </a:r>
+                      <a:endParaRPr kumimoji="1" lang="ja-JP" altLang="en-US" sz="1100" dirty="0"/>
+                    </a:p>
+                  </a:txBody>
+                  <a:tcPr/>
+                </a:tc>
+                <a:tc>
+                  <a:txBody>
+                    <a:bodyPr/>
+                    <a:lstStyle/>
+                    <a:p>
+                      <a:r>
+                        <a:rPr kumimoji="1" lang="en-US" altLang="ja-JP" sz="1100" dirty="0"/>
+                        <a:t>B</a:t>
+                      </a:r>
+                      <a:r>
+                        <a:rPr kumimoji="1" lang="ja-JP" altLang="en-US" sz="1100" dirty="0"/>
+                        <a:t>店</a:t>
+                      </a:r>
+                    </a:p>
+                  </a:txBody>
+                  <a:tcPr/>
+                </a:tc>
+                <a:tc>
+                  <a:txBody>
+                    <a:bodyPr/>
+                    <a:lstStyle/>
+                    <a:p>
+                      <a:r>
+                        <a:rPr kumimoji="1" lang="ja-JP" altLang="en-US" sz="1100" dirty="0"/>
+                        <a:t>そば</a:t>
+                      </a:r>
+                    </a:p>
+                  </a:txBody>
+                  <a:tcPr/>
+                </a:tc>
+                <a:tc>
+                  <a:txBody>
+                    <a:bodyPr/>
+                    <a:lstStyle/>
+                    <a:p>
+                      <a:r>
+                        <a:rPr kumimoji="1" lang="ja-JP" altLang="en-US" sz="1100" dirty="0"/>
+                        <a:t>福岡</a:t>
+                      </a:r>
+                    </a:p>
+                  </a:txBody>
+                  <a:tcPr/>
+                </a:tc>
+                <a:tc>
+                  <a:txBody>
+                    <a:bodyPr/>
+                    <a:lstStyle/>
+                    <a:p>
+                      <a:r>
+                        <a:rPr kumimoji="1" lang="en-US" altLang="ja-JP" sz="1100" dirty="0"/>
+                        <a:t>3</a:t>
+                      </a:r>
+                      <a:r>
+                        <a:rPr kumimoji="1" lang="ja-JP" altLang="en-US" sz="1100" dirty="0"/>
+                        <a:t>名</a:t>
+                      </a:r>
+                    </a:p>
+                  </a:txBody>
+                  <a:tcPr/>
+                </a:tc>
+                <a:tc>
+                  <a:txBody>
+                    <a:bodyPr/>
+                    <a:lstStyle/>
+                    <a:p>
+                      <a:r>
+                        <a:rPr kumimoji="1" lang="en-US" altLang="ja-JP" sz="1100" dirty="0"/>
+                        <a:t>5</a:t>
+                      </a:r>
+                      <a:r>
+                        <a:rPr kumimoji="1" lang="ja-JP" altLang="en-US" sz="1100" dirty="0"/>
+                        <a:t>名</a:t>
+                      </a:r>
+                    </a:p>
+                  </a:txBody>
+                  <a:tcPr/>
+                </a:tc>
+                <a:extLst>
+                  <a:ext uri="{0D108BD9-81ED-4DB2-BD59-A6C34878D82A}">
+                    <a16:rowId xmlns:a16="http://schemas.microsoft.com/office/drawing/2014/main" val="936262606"/>
+                  </a:ext>
+                </a:extLst>
+              </a:tr>
+            </a:tbl>
+          </a:graphicData>
+        </a:graphic>
+      </p:graphicFrame>
+      <p:graphicFrame>
+        <p:nvGraphicFramePr>
+          <p:cNvPr id="4" name="表 3">
+            <a:extLst>
+              <a:ext uri="{FF2B5EF4-FFF2-40B4-BE49-F238E27FC236}">
+                <a16:creationId xmlns:a16="http://schemas.microsoft.com/office/drawing/2014/main" id="{8986CC0F-438D-4A55-A750-5772FE5695BF}"/>
+              </a:ext>
+            </a:extLst>
+          </p:cNvPr>
+          <p:cNvGraphicFramePr>
+            <a:graphicFrameLocks noGrp="1"/>
+          </p:cNvGraphicFramePr>
+          <p:nvPr>
+            <p:extLst>
+              <p:ext uri="{D42A27DB-BD31-4B8C-83A1-F6EECF244321}">
+                <p14:modId xmlns:p14="http://schemas.microsoft.com/office/powerpoint/2010/main" val="3338698130"/>
+              </p:ext>
+            </p:extLst>
+          </p:nvPr>
+        </p:nvGraphicFramePr>
+        <p:xfrm>
+          <a:off x="828728" y="4791170"/>
+          <a:ext cx="6280308" cy="1543640"/>
+        </p:xfrm>
+        <a:graphic>
+          <a:graphicData uri="http://schemas.openxmlformats.org/drawingml/2006/table">
+            <a:tbl>
+              <a:tblPr firstRow="1" bandRow="1">
+                <a:tableStyleId>{5C22544A-7EE6-4342-B048-85BDC9FD1C3A}</a:tableStyleId>
+              </a:tblPr>
+              <a:tblGrid>
+                <a:gridCol w="1046718">
+                  <a:extLst>
+                    <a:ext uri="{9D8B030D-6E8A-4147-A177-3AD203B41FA5}">
+                      <a16:colId xmlns:a16="http://schemas.microsoft.com/office/drawing/2014/main" val="3472953002"/>
+                    </a:ext>
+                  </a:extLst>
+                </a:gridCol>
+                <a:gridCol w="1046718">
+                  <a:extLst>
+                    <a:ext uri="{9D8B030D-6E8A-4147-A177-3AD203B41FA5}">
+                      <a16:colId xmlns:a16="http://schemas.microsoft.com/office/drawing/2014/main" val="1567616906"/>
+                    </a:ext>
+                  </a:extLst>
+                </a:gridCol>
+                <a:gridCol w="1046718">
+                  <a:extLst>
+                    <a:ext uri="{9D8B030D-6E8A-4147-A177-3AD203B41FA5}">
+                      <a16:colId xmlns:a16="http://schemas.microsoft.com/office/drawing/2014/main" val="3216724867"/>
+                    </a:ext>
+                  </a:extLst>
+                </a:gridCol>
+                <a:gridCol w="1046718">
+                  <a:extLst>
+                    <a:ext uri="{9D8B030D-6E8A-4147-A177-3AD203B41FA5}">
+                      <a16:colId xmlns:a16="http://schemas.microsoft.com/office/drawing/2014/main" val="659707241"/>
+                    </a:ext>
+                  </a:extLst>
+                </a:gridCol>
+                <a:gridCol w="1046718">
+                  <a:extLst>
+                    <a:ext uri="{9D8B030D-6E8A-4147-A177-3AD203B41FA5}">
+                      <a16:colId xmlns:a16="http://schemas.microsoft.com/office/drawing/2014/main" val="2288569116"/>
+                    </a:ext>
+                  </a:extLst>
+                </a:gridCol>
+                <a:gridCol w="1046718">
+                  <a:extLst>
+                    <a:ext uri="{9D8B030D-6E8A-4147-A177-3AD203B41FA5}">
+                      <a16:colId xmlns:a16="http://schemas.microsoft.com/office/drawing/2014/main" val="2439958870"/>
+                    </a:ext>
+                  </a:extLst>
+                </a:gridCol>
+              </a:tblGrid>
+              <a:tr h="308728">
+                <a:tc>
+                  <a:txBody>
+                    <a:bodyPr/>
+                    <a:lstStyle/>
+                    <a:p>
+                      <a:r>
+                        <a:rPr kumimoji="1" lang="ja-JP" altLang="en-US" sz="1200" baseline="0" dirty="0"/>
+                        <a:t>日付</a:t>
+                      </a:r>
+                    </a:p>
+                  </a:txBody>
+                  <a:tcPr/>
+                </a:tc>
+                <a:tc>
+                  <a:txBody>
+                    <a:bodyPr/>
+                    <a:lstStyle/>
+                    <a:p>
+                      <a:r>
+                        <a:rPr kumimoji="1" lang="ja-JP" altLang="en-US" sz="1200" dirty="0"/>
+                        <a:t>店名</a:t>
+                      </a:r>
+                    </a:p>
+                  </a:txBody>
+                  <a:tcPr/>
+                </a:tc>
+                <a:tc>
+                  <a:txBody>
+                    <a:bodyPr/>
+                    <a:lstStyle/>
+                    <a:p>
+                      <a:r>
+                        <a:rPr kumimoji="1" lang="ja-JP" altLang="en-US" sz="1200" dirty="0"/>
+                        <a:t>ジャンル</a:t>
+                      </a:r>
+                    </a:p>
+                  </a:txBody>
+                  <a:tcPr/>
+                </a:tc>
+                <a:tc>
+                  <a:txBody>
+                    <a:bodyPr/>
+                    <a:lstStyle/>
+                    <a:p>
+                      <a:r>
+                        <a:rPr kumimoji="1" lang="ja-JP" altLang="en-US" sz="1200" dirty="0"/>
+                        <a:t>場所</a:t>
+                      </a:r>
+                    </a:p>
+                  </a:txBody>
+                  <a:tcPr/>
+                </a:tc>
+                <a:tc>
+                  <a:txBody>
+                    <a:bodyPr/>
+                    <a:lstStyle/>
+                    <a:p>
+                      <a:r>
+                        <a:rPr kumimoji="1" lang="ja-JP" altLang="en-US" sz="1200" dirty="0"/>
+                        <a:t>予約</a:t>
+                      </a:r>
+                    </a:p>
+                  </a:txBody>
+                  <a:tcPr/>
+                </a:tc>
+                <a:tc>
+                  <a:txBody>
+                    <a:bodyPr/>
+                    <a:lstStyle/>
+                    <a:p>
+                      <a:r>
+                        <a:rPr kumimoji="1" lang="ja-JP" altLang="en-US" sz="1200" dirty="0"/>
+                        <a:t>来客数</a:t>
+                      </a:r>
+                    </a:p>
+                  </a:txBody>
+                  <a:tcPr/>
+                </a:tc>
+                <a:extLst>
+                  <a:ext uri="{0D108BD9-81ED-4DB2-BD59-A6C34878D82A}">
+                    <a16:rowId xmlns:a16="http://schemas.microsoft.com/office/drawing/2014/main" val="2541452345"/>
+                  </a:ext>
+                </a:extLst>
+              </a:tr>
+              <a:tr h="308728">
+                <a:tc>
+                  <a:txBody>
+                    <a:bodyPr/>
+                    <a:lstStyle/>
+                    <a:p>
+                      <a:r>
+                        <a:rPr kumimoji="1" lang="en-US" altLang="ja-JP" sz="1200" dirty="0"/>
+                        <a:t>2017/04/23</a:t>
+                      </a:r>
+                      <a:endParaRPr kumimoji="1" lang="ja-JP" altLang="en-US" sz="1200" dirty="0"/>
+                    </a:p>
+                  </a:txBody>
+                  <a:tcPr/>
+                </a:tc>
+                <a:tc>
+                  <a:txBody>
+                    <a:bodyPr/>
+                    <a:lstStyle/>
+                    <a:p>
+                      <a:r>
+                        <a:rPr kumimoji="1" lang="en-US" altLang="ja-JP" sz="1200" dirty="0"/>
+                        <a:t>A</a:t>
+                      </a:r>
+                      <a:r>
+                        <a:rPr kumimoji="1" lang="ja-JP" altLang="en-US" sz="1200" dirty="0"/>
+                        <a:t>店</a:t>
+                      </a:r>
+                    </a:p>
+                  </a:txBody>
+                  <a:tcPr/>
+                </a:tc>
+                <a:tc>
+                  <a:txBody>
+                    <a:bodyPr/>
+                    <a:lstStyle/>
+                    <a:p>
+                      <a:r>
+                        <a:rPr kumimoji="1" lang="ja-JP" altLang="en-US" sz="1200" dirty="0"/>
+                        <a:t>焼き肉</a:t>
+                      </a:r>
+                    </a:p>
+                  </a:txBody>
+                  <a:tcPr/>
+                </a:tc>
+                <a:tc>
+                  <a:txBody>
+                    <a:bodyPr/>
+                    <a:lstStyle/>
+                    <a:p>
+                      <a:r>
+                        <a:rPr kumimoji="1" lang="ja-JP" altLang="en-US" sz="1200" dirty="0"/>
+                        <a:t>東京</a:t>
+                      </a:r>
+                    </a:p>
+                  </a:txBody>
+                  <a:tcPr/>
+                </a:tc>
+                <a:tc>
+                  <a:txBody>
+                    <a:bodyPr/>
+                    <a:lstStyle/>
+                    <a:p>
+                      <a:r>
+                        <a:rPr kumimoji="1" lang="en-US" altLang="ja-JP" sz="1200" dirty="0"/>
+                        <a:t>10</a:t>
+                      </a:r>
+                      <a:r>
+                        <a:rPr kumimoji="1" lang="ja-JP" altLang="en-US" sz="1200" dirty="0"/>
+                        <a:t>名</a:t>
+                      </a:r>
+                    </a:p>
+                  </a:txBody>
+                  <a:tcPr/>
+                </a:tc>
+                <a:tc>
+                  <a:txBody>
+                    <a:bodyPr/>
+                    <a:lstStyle/>
+                    <a:p>
+                      <a:r>
+                        <a:rPr kumimoji="1" lang="ja-JP" altLang="en-US" sz="1200" dirty="0"/>
+                        <a:t>？</a:t>
+                      </a:r>
+                    </a:p>
+                  </a:txBody>
+                  <a:tcPr/>
+                </a:tc>
+                <a:extLst>
+                  <a:ext uri="{0D108BD9-81ED-4DB2-BD59-A6C34878D82A}">
+                    <a16:rowId xmlns:a16="http://schemas.microsoft.com/office/drawing/2014/main" val="2235806074"/>
+                  </a:ext>
+                </a:extLst>
+              </a:tr>
+              <a:tr h="308728">
+                <a:tc>
+                  <a:txBody>
+                    <a:bodyPr/>
+                    <a:lstStyle/>
+                    <a:p>
+                      <a:r>
+                        <a:rPr kumimoji="1" lang="en-US" altLang="ja-JP" sz="1200" dirty="0"/>
+                        <a:t>2017/04/23</a:t>
+                      </a:r>
+                      <a:endParaRPr kumimoji="1" lang="ja-JP" altLang="en-US" sz="1200" dirty="0"/>
+                    </a:p>
+                  </a:txBody>
+                  <a:tcPr/>
+                </a:tc>
+                <a:tc>
+                  <a:txBody>
+                    <a:bodyPr/>
+                    <a:lstStyle/>
+                    <a:p>
+                      <a:r>
+                        <a:rPr kumimoji="1" lang="en-US" altLang="ja-JP" sz="1200" dirty="0"/>
+                        <a:t>B</a:t>
+                      </a:r>
+                      <a:r>
+                        <a:rPr kumimoji="1" lang="ja-JP" altLang="en-US" sz="1200" dirty="0"/>
+                        <a:t>店</a:t>
+                      </a:r>
+                    </a:p>
+                  </a:txBody>
+                  <a:tcPr/>
+                </a:tc>
+                <a:tc>
+                  <a:txBody>
+                    <a:bodyPr/>
+                    <a:lstStyle/>
+                    <a:p>
+                      <a:r>
+                        <a:rPr kumimoji="1" lang="ja-JP" altLang="en-US" sz="1200" dirty="0"/>
+                        <a:t>そば</a:t>
+                      </a:r>
+                    </a:p>
+                  </a:txBody>
+                  <a:tcPr/>
+                </a:tc>
+                <a:tc>
+                  <a:txBody>
+                    <a:bodyPr/>
+                    <a:lstStyle/>
+                    <a:p>
+                      <a:r>
+                        <a:rPr kumimoji="1" lang="ja-JP" altLang="en-US" sz="1200" dirty="0"/>
+                        <a:t>福岡</a:t>
+                      </a:r>
+                    </a:p>
+                  </a:txBody>
+                  <a:tcPr/>
+                </a:tc>
+                <a:tc>
+                  <a:txBody>
+                    <a:bodyPr/>
+                    <a:lstStyle/>
+                    <a:p>
+                      <a:r>
+                        <a:rPr kumimoji="1" lang="en-US" altLang="ja-JP" sz="1200" dirty="0"/>
+                        <a:t>3</a:t>
+                      </a:r>
+                      <a:r>
+                        <a:rPr kumimoji="1" lang="ja-JP" altLang="en-US" sz="1200" dirty="0"/>
+                        <a:t>名</a:t>
+                      </a:r>
+                    </a:p>
+                  </a:txBody>
+                  <a:tcPr/>
+                </a:tc>
+                <a:tc>
+                  <a:txBody>
+                    <a:bodyPr/>
+                    <a:lstStyle/>
+                    <a:p>
+                      <a:r>
+                        <a:rPr kumimoji="1" lang="ja-JP" altLang="en-US" sz="1200" dirty="0"/>
+                        <a:t>？</a:t>
+                      </a:r>
+                    </a:p>
+                  </a:txBody>
+                  <a:tcPr/>
+                </a:tc>
+                <a:extLst>
+                  <a:ext uri="{0D108BD9-81ED-4DB2-BD59-A6C34878D82A}">
+                    <a16:rowId xmlns:a16="http://schemas.microsoft.com/office/drawing/2014/main" val="1872554097"/>
+                  </a:ext>
+                </a:extLst>
+              </a:tr>
+              <a:tr h="308728">
+                <a:tc>
+                  <a:txBody>
+                    <a:bodyPr/>
+                    <a:lstStyle/>
+                    <a:p>
+                      <a:r>
+                        <a:rPr kumimoji="1" lang="en-US" altLang="ja-JP" sz="1200" dirty="0"/>
+                        <a:t>2017/04/24</a:t>
+                      </a:r>
+                      <a:endParaRPr kumimoji="1" lang="ja-JP" altLang="en-US" sz="1200" dirty="0"/>
+                    </a:p>
+                  </a:txBody>
+                  <a:tcPr/>
+                </a:tc>
+                <a:tc>
+                  <a:txBody>
+                    <a:bodyPr/>
+                    <a:lstStyle/>
+                    <a:p>
+                      <a:r>
+                        <a:rPr kumimoji="1" lang="en-US" altLang="ja-JP" sz="1200" dirty="0"/>
+                        <a:t>A</a:t>
+                      </a:r>
+                      <a:r>
+                        <a:rPr kumimoji="1" lang="ja-JP" altLang="en-US" sz="1200" dirty="0"/>
+                        <a:t>店</a:t>
+                      </a:r>
+                    </a:p>
+                  </a:txBody>
+                  <a:tcPr/>
+                </a:tc>
+                <a:tc>
+                  <a:txBody>
+                    <a:bodyPr/>
+                    <a:lstStyle/>
+                    <a:p>
+                      <a:r>
+                        <a:rPr kumimoji="1" lang="ja-JP" altLang="en-US" sz="1200" dirty="0"/>
+                        <a:t>焼き肉</a:t>
+                      </a:r>
+                    </a:p>
+                  </a:txBody>
+                  <a:tcPr/>
+                </a:tc>
+                <a:tc>
+                  <a:txBody>
+                    <a:bodyPr/>
+                    <a:lstStyle/>
+                    <a:p>
+                      <a:r>
+                        <a:rPr kumimoji="1" lang="ja-JP" altLang="en-US" sz="1200" dirty="0"/>
+                        <a:t>東京</a:t>
+                      </a:r>
+                    </a:p>
+                  </a:txBody>
+                  <a:tcPr/>
+                </a:tc>
+                <a:tc>
+                  <a:txBody>
+                    <a:bodyPr/>
+                    <a:lstStyle/>
+                    <a:p>
+                      <a:r>
+                        <a:rPr kumimoji="1" lang="en-US" altLang="ja-JP" sz="1200" dirty="0"/>
+                        <a:t>20</a:t>
+                      </a:r>
+                      <a:r>
+                        <a:rPr kumimoji="1" lang="ja-JP" altLang="en-US" sz="1200" dirty="0"/>
+                        <a:t>名</a:t>
+                      </a:r>
+                    </a:p>
+                  </a:txBody>
+                  <a:tcPr/>
+                </a:tc>
+                <a:tc>
+                  <a:txBody>
+                    <a:bodyPr/>
+                    <a:lstStyle/>
+                    <a:p>
+                      <a:r>
+                        <a:rPr kumimoji="1" lang="ja-JP" altLang="en-US" sz="1200" dirty="0"/>
+                        <a:t>？</a:t>
+                      </a:r>
+                    </a:p>
+                  </a:txBody>
+                  <a:tcPr/>
+                </a:tc>
+                <a:extLst>
+                  <a:ext uri="{0D108BD9-81ED-4DB2-BD59-A6C34878D82A}">
+                    <a16:rowId xmlns:a16="http://schemas.microsoft.com/office/drawing/2014/main" val="683497724"/>
+                  </a:ext>
+                </a:extLst>
+              </a:tr>
+              <a:tr h="308728">
+                <a:tc>
+                  <a:txBody>
+                    <a:bodyPr/>
+                    <a:lstStyle/>
+                    <a:p>
+                      <a:r>
+                        <a:rPr kumimoji="1" lang="en-US" altLang="ja-JP" sz="1200" dirty="0"/>
+                        <a:t>2017/04/24</a:t>
+                      </a:r>
+                      <a:endParaRPr kumimoji="1" lang="ja-JP" altLang="en-US" sz="1200" dirty="0"/>
+                    </a:p>
+                  </a:txBody>
+                  <a:tcPr/>
+                </a:tc>
+                <a:tc>
+                  <a:txBody>
+                    <a:bodyPr/>
+                    <a:lstStyle/>
+                    <a:p>
+                      <a:r>
+                        <a:rPr kumimoji="1" lang="en-US" altLang="ja-JP" sz="1200" dirty="0"/>
+                        <a:t>B</a:t>
+                      </a:r>
+                      <a:r>
+                        <a:rPr kumimoji="1" lang="ja-JP" altLang="en-US" sz="1200" dirty="0"/>
+                        <a:t>店</a:t>
+                      </a:r>
+                    </a:p>
+                  </a:txBody>
+                  <a:tcPr/>
+                </a:tc>
+                <a:tc>
+                  <a:txBody>
+                    <a:bodyPr/>
+                    <a:lstStyle/>
+                    <a:p>
+                      <a:r>
+                        <a:rPr kumimoji="1" lang="ja-JP" altLang="en-US" sz="1200" dirty="0"/>
+                        <a:t>そば</a:t>
+                      </a:r>
+                    </a:p>
+                  </a:txBody>
+                  <a:tcPr/>
+                </a:tc>
+                <a:tc>
+                  <a:txBody>
+                    <a:bodyPr/>
+                    <a:lstStyle/>
+                    <a:p>
+                      <a:r>
+                        <a:rPr kumimoji="1" lang="ja-JP" altLang="en-US" sz="1200" dirty="0"/>
+                        <a:t>福岡</a:t>
+                      </a:r>
+                    </a:p>
+                  </a:txBody>
+                  <a:tcPr/>
+                </a:tc>
+                <a:tc>
+                  <a:txBody>
+                    <a:bodyPr/>
+                    <a:lstStyle/>
+                    <a:p>
+                      <a:r>
+                        <a:rPr kumimoji="1" lang="en-US" altLang="ja-JP" sz="1200" dirty="0"/>
+                        <a:t>3</a:t>
+                      </a:r>
+                      <a:r>
+                        <a:rPr kumimoji="1" lang="ja-JP" altLang="en-US" sz="1200" dirty="0"/>
+                        <a:t>名</a:t>
+                      </a:r>
+                    </a:p>
+                  </a:txBody>
+                  <a:tcPr/>
+                </a:tc>
+                <a:tc>
+                  <a:txBody>
+                    <a:bodyPr/>
+                    <a:lstStyle/>
+                    <a:p>
+                      <a:r>
+                        <a:rPr kumimoji="1" lang="ja-JP" altLang="en-US" sz="1200" dirty="0"/>
+                        <a:t>？</a:t>
+                      </a:r>
+                    </a:p>
+                  </a:txBody>
+                  <a:tcPr/>
+                </a:tc>
+                <a:extLst>
+                  <a:ext uri="{0D108BD9-81ED-4DB2-BD59-A6C34878D82A}">
+                    <a16:rowId xmlns:a16="http://schemas.microsoft.com/office/drawing/2014/main" val="936262606"/>
+                  </a:ext>
+                </a:extLst>
+              </a:tr>
+            </a:tbl>
+          </a:graphicData>
+        </a:graphic>
+      </p:graphicFrame>
+      <p:sp>
+        <p:nvSpPr>
+          <p:cNvPr id="5" name="正方形/長方形 4">
+            <a:extLst>
+              <a:ext uri="{FF2B5EF4-FFF2-40B4-BE49-F238E27FC236}">
+                <a16:creationId xmlns:a16="http://schemas.microsoft.com/office/drawing/2014/main" id="{665856C7-043D-45A1-9E26-832266389F77}"/>
+              </a:ext>
+            </a:extLst>
+          </p:cNvPr>
+          <p:cNvSpPr/>
+          <p:nvPr/>
+        </p:nvSpPr>
+        <p:spPr>
+          <a:xfrm>
+            <a:off x="6076446" y="5096734"/>
+            <a:ext cx="1031986" cy="1238076"/>
+          </a:xfrm>
+          <a:prstGeom prst="rect">
+            <a:avLst/>
+          </a:prstGeom>
+          <a:noFill/>
+          <a:ln w="50800"/>
+        </p:spPr>
+        <p:style>
+          <a:lnRef idx="2">
+            <a:schemeClr val="accent3"/>
+          </a:lnRef>
+          <a:fillRef idx="1">
+            <a:schemeClr val="lt1"/>
+          </a:fillRef>
+          <a:effectRef idx="0">
+            <a:schemeClr val="accent3"/>
+          </a:effectRef>
+          <a:fontRef idx="minor">
+            <a:schemeClr val="dk1"/>
+          </a:fontRef>
+        </p:style>
+        <p:txBody>
+          <a:bodyPr rtlCol="0" anchor="ctr"/>
+          <a:lstStyle/>
+          <a:p>
+            <a:pPr algn="ctr"/>
+            <a:endParaRPr kumimoji="1" lang="ja-JP" altLang="en-US" dirty="0"/>
+          </a:p>
+        </p:txBody>
+      </p:sp>
+      <p:sp>
+        <p:nvSpPr>
+          <p:cNvPr id="6" name="正方形/長方形 5">
+            <a:extLst>
+              <a:ext uri="{FF2B5EF4-FFF2-40B4-BE49-F238E27FC236}">
+                <a16:creationId xmlns:a16="http://schemas.microsoft.com/office/drawing/2014/main" id="{E87736A7-40AC-4A62-B792-33CE0C03BFAF}"/>
+              </a:ext>
+            </a:extLst>
+          </p:cNvPr>
+          <p:cNvSpPr/>
+          <p:nvPr/>
+        </p:nvSpPr>
+        <p:spPr>
+          <a:xfrm>
+            <a:off x="828727" y="5096734"/>
+            <a:ext cx="5183403" cy="1238076"/>
+          </a:xfrm>
+          <a:prstGeom prst="rect">
+            <a:avLst/>
+          </a:prstGeom>
+          <a:noFill/>
+          <a:ln w="50800">
+            <a:solidFill>
+              <a:schemeClr val="accent5">
+                <a:lumMod val="60000"/>
+                <a:lumOff val="40000"/>
+              </a:schemeClr>
+            </a:solidFill>
+          </a:ln>
+        </p:spPr>
+        <p:style>
+          <a:lnRef idx="2">
+            <a:schemeClr val="accent3"/>
+          </a:lnRef>
+          <a:fillRef idx="1">
+            <a:schemeClr val="lt1"/>
+          </a:fillRef>
+          <a:effectRef idx="0">
+            <a:schemeClr val="accent3"/>
+          </a:effectRef>
+          <a:fontRef idx="minor">
+            <a:schemeClr val="dk1"/>
+          </a:fontRef>
+        </p:style>
+        <p:txBody>
+          <a:bodyPr rtlCol="0" anchor="ctr"/>
+          <a:lstStyle/>
+          <a:p>
+            <a:pPr algn="ctr"/>
+            <a:endParaRPr kumimoji="1" lang="ja-JP" altLang="en-US" dirty="0"/>
+          </a:p>
+        </p:txBody>
+      </p:sp>
+      <p:sp>
+        <p:nvSpPr>
+          <p:cNvPr id="7" name="正方形/長方形 6">
+            <a:extLst>
+              <a:ext uri="{FF2B5EF4-FFF2-40B4-BE49-F238E27FC236}">
+                <a16:creationId xmlns:a16="http://schemas.microsoft.com/office/drawing/2014/main" id="{0680962F-1FA9-4E93-B290-C9AB9216DCFE}"/>
+              </a:ext>
+            </a:extLst>
+          </p:cNvPr>
+          <p:cNvSpPr/>
+          <p:nvPr/>
+        </p:nvSpPr>
+        <p:spPr>
+          <a:xfrm>
+            <a:off x="829331" y="2962744"/>
+            <a:ext cx="5183403" cy="1238076"/>
+          </a:xfrm>
+          <a:prstGeom prst="rect">
+            <a:avLst/>
+          </a:prstGeom>
+          <a:noFill/>
+          <a:ln w="50800">
+            <a:solidFill>
+              <a:schemeClr val="accent5">
+                <a:lumMod val="60000"/>
+                <a:lumOff val="40000"/>
+              </a:schemeClr>
+            </a:solidFill>
+          </a:ln>
+        </p:spPr>
+        <p:style>
+          <a:lnRef idx="2">
+            <a:schemeClr val="accent3"/>
+          </a:lnRef>
+          <a:fillRef idx="1">
+            <a:schemeClr val="lt1"/>
+          </a:fillRef>
+          <a:effectRef idx="0">
+            <a:schemeClr val="accent3"/>
+          </a:effectRef>
+          <a:fontRef idx="minor">
+            <a:schemeClr val="dk1"/>
+          </a:fontRef>
+        </p:style>
+        <p:txBody>
+          <a:bodyPr rtlCol="0" anchor="ctr"/>
+          <a:lstStyle/>
+          <a:p>
+            <a:pPr algn="ctr"/>
+            <a:endParaRPr kumimoji="1" lang="ja-JP" altLang="en-US" dirty="0"/>
+          </a:p>
+        </p:txBody>
+      </p:sp>
+      <p:sp>
+        <p:nvSpPr>
+          <p:cNvPr id="8" name="正方形/長方形 7">
+            <a:extLst>
+              <a:ext uri="{FF2B5EF4-FFF2-40B4-BE49-F238E27FC236}">
+                <a16:creationId xmlns:a16="http://schemas.microsoft.com/office/drawing/2014/main" id="{CA1E2602-DF3F-43EA-94B0-E3FC77C47057}"/>
+              </a:ext>
+            </a:extLst>
+          </p:cNvPr>
+          <p:cNvSpPr/>
+          <p:nvPr/>
+        </p:nvSpPr>
+        <p:spPr>
+          <a:xfrm>
+            <a:off x="6077050" y="2962744"/>
+            <a:ext cx="1031986" cy="1238076"/>
+          </a:xfrm>
+          <a:prstGeom prst="rect">
+            <a:avLst/>
+          </a:prstGeom>
+          <a:noFill/>
+          <a:ln w="50800"/>
+        </p:spPr>
+        <p:style>
+          <a:lnRef idx="2">
+            <a:schemeClr val="accent3"/>
+          </a:lnRef>
+          <a:fillRef idx="1">
+            <a:schemeClr val="lt1"/>
+          </a:fillRef>
+          <a:effectRef idx="0">
+            <a:schemeClr val="accent3"/>
+          </a:effectRef>
+          <a:fontRef idx="minor">
+            <a:schemeClr val="dk1"/>
+          </a:fontRef>
+        </p:style>
+        <p:txBody>
+          <a:bodyPr rtlCol="0" anchor="ctr"/>
+          <a:lstStyle/>
+          <a:p>
+            <a:pPr algn="ctr"/>
+            <a:endParaRPr kumimoji="1" lang="ja-JP" altLang="en-US" dirty="0"/>
+          </a:p>
+        </p:txBody>
+      </p:sp>
+      <p:sp>
+        <p:nvSpPr>
+          <p:cNvPr id="9" name="テキスト ボックス 8">
+            <a:extLst>
+              <a:ext uri="{FF2B5EF4-FFF2-40B4-BE49-F238E27FC236}">
+                <a16:creationId xmlns:a16="http://schemas.microsoft.com/office/drawing/2014/main" id="{BF88322A-0C78-4218-9FD8-B2A6AA6E9630}"/>
+              </a:ext>
+            </a:extLst>
+          </p:cNvPr>
+          <p:cNvSpPr txBox="1"/>
+          <p:nvPr/>
+        </p:nvSpPr>
+        <p:spPr>
+          <a:xfrm>
+            <a:off x="829331" y="2272742"/>
+            <a:ext cx="1174459" cy="369332"/>
+          </a:xfrm>
+          <a:prstGeom prst="rect">
+            <a:avLst/>
+          </a:prstGeom>
+          <a:noFill/>
+        </p:spPr>
+        <p:txBody>
+          <a:bodyPr wrap="square" rtlCol="0">
+            <a:spAutoFit/>
+          </a:bodyPr>
+          <a:lstStyle/>
+          <a:p>
+            <a:r>
+              <a:rPr kumimoji="1" lang="en-US" altLang="ja-JP" dirty="0"/>
+              <a:t>train</a:t>
+            </a:r>
+            <a:endParaRPr kumimoji="1" lang="ja-JP" altLang="en-US" dirty="0"/>
+          </a:p>
+        </p:txBody>
+      </p:sp>
+      <p:sp>
+        <p:nvSpPr>
+          <p:cNvPr id="10" name="テキスト ボックス 9">
+            <a:extLst>
+              <a:ext uri="{FF2B5EF4-FFF2-40B4-BE49-F238E27FC236}">
+                <a16:creationId xmlns:a16="http://schemas.microsoft.com/office/drawing/2014/main" id="{2D21D5FA-A6F5-43DC-B4AF-46E424482870}"/>
+              </a:ext>
+            </a:extLst>
+          </p:cNvPr>
+          <p:cNvSpPr txBox="1"/>
+          <p:nvPr/>
+        </p:nvSpPr>
+        <p:spPr>
+          <a:xfrm>
+            <a:off x="828727" y="4409613"/>
+            <a:ext cx="1174459" cy="369332"/>
+          </a:xfrm>
+          <a:prstGeom prst="rect">
+            <a:avLst/>
+          </a:prstGeom>
+          <a:noFill/>
+        </p:spPr>
+        <p:txBody>
+          <a:bodyPr wrap="square" rtlCol="0">
+            <a:spAutoFit/>
+          </a:bodyPr>
+          <a:lstStyle/>
+          <a:p>
+            <a:r>
+              <a:rPr kumimoji="1" lang="en-US" altLang="ja-JP" dirty="0"/>
+              <a:t>predict</a:t>
+            </a:r>
+            <a:endParaRPr kumimoji="1" lang="ja-JP" altLang="en-US" dirty="0"/>
+          </a:p>
+        </p:txBody>
+      </p:sp>
+      <p:sp>
+        <p:nvSpPr>
+          <p:cNvPr id="11" name="テキスト ボックス 10">
+            <a:extLst>
+              <a:ext uri="{FF2B5EF4-FFF2-40B4-BE49-F238E27FC236}">
+                <a16:creationId xmlns:a16="http://schemas.microsoft.com/office/drawing/2014/main" id="{02D42549-4D1B-4F09-879B-36D7618E781F}"/>
+              </a:ext>
+            </a:extLst>
+          </p:cNvPr>
+          <p:cNvSpPr txBox="1"/>
+          <p:nvPr/>
+        </p:nvSpPr>
+        <p:spPr>
+          <a:xfrm>
+            <a:off x="523538" y="2782050"/>
+            <a:ext cx="1174459" cy="369332"/>
+          </a:xfrm>
+          <a:prstGeom prst="rect">
+            <a:avLst/>
+          </a:prstGeom>
+          <a:noFill/>
+        </p:spPr>
+        <p:txBody>
+          <a:bodyPr wrap="square" rtlCol="0">
+            <a:spAutoFit/>
+          </a:bodyPr>
+          <a:lstStyle/>
+          <a:p>
+            <a:r>
+              <a:rPr kumimoji="1" lang="en-US" altLang="ja-JP" dirty="0"/>
+              <a:t>X</a:t>
+            </a:r>
+            <a:endParaRPr kumimoji="1" lang="ja-JP" altLang="en-US" dirty="0"/>
+          </a:p>
+        </p:txBody>
+      </p:sp>
+      <p:sp>
+        <p:nvSpPr>
+          <p:cNvPr id="12" name="テキスト ボックス 11">
+            <a:extLst>
+              <a:ext uri="{FF2B5EF4-FFF2-40B4-BE49-F238E27FC236}">
+                <a16:creationId xmlns:a16="http://schemas.microsoft.com/office/drawing/2014/main" id="{8A9EC6E6-A465-42F1-B55B-C324458A67C1}"/>
+              </a:ext>
+            </a:extLst>
+          </p:cNvPr>
+          <p:cNvSpPr txBox="1"/>
+          <p:nvPr/>
+        </p:nvSpPr>
+        <p:spPr>
+          <a:xfrm>
+            <a:off x="541312" y="4908804"/>
+            <a:ext cx="1174459" cy="369332"/>
+          </a:xfrm>
+          <a:prstGeom prst="rect">
+            <a:avLst/>
+          </a:prstGeom>
+          <a:noFill/>
+        </p:spPr>
+        <p:txBody>
+          <a:bodyPr wrap="square" rtlCol="0">
+            <a:spAutoFit/>
+          </a:bodyPr>
+          <a:lstStyle/>
+          <a:p>
+            <a:r>
+              <a:rPr kumimoji="1" lang="en-US" altLang="ja-JP" dirty="0"/>
+              <a:t>X</a:t>
+            </a:r>
+            <a:endParaRPr kumimoji="1" lang="ja-JP" altLang="en-US" dirty="0"/>
+          </a:p>
+        </p:txBody>
+      </p:sp>
+      <p:sp>
+        <p:nvSpPr>
+          <p:cNvPr id="13" name="テキスト ボックス 12">
+            <a:extLst>
+              <a:ext uri="{FF2B5EF4-FFF2-40B4-BE49-F238E27FC236}">
+                <a16:creationId xmlns:a16="http://schemas.microsoft.com/office/drawing/2014/main" id="{2EB063D1-9C0C-420B-B1AD-FC28EAB51F4D}"/>
+              </a:ext>
+            </a:extLst>
+          </p:cNvPr>
+          <p:cNvSpPr txBox="1"/>
+          <p:nvPr/>
+        </p:nvSpPr>
+        <p:spPr>
+          <a:xfrm>
+            <a:off x="7173352" y="2827369"/>
+            <a:ext cx="1174459" cy="369332"/>
+          </a:xfrm>
+          <a:prstGeom prst="rect">
+            <a:avLst/>
+          </a:prstGeom>
+          <a:noFill/>
+        </p:spPr>
+        <p:txBody>
+          <a:bodyPr wrap="square" rtlCol="0">
+            <a:spAutoFit/>
+          </a:bodyPr>
+          <a:lstStyle/>
+          <a:p>
+            <a:r>
+              <a:rPr kumimoji="1" lang="en-US" altLang="ja-JP" dirty="0"/>
+              <a:t>y</a:t>
+            </a:r>
+            <a:endParaRPr kumimoji="1" lang="ja-JP" altLang="en-US" dirty="0"/>
+          </a:p>
+        </p:txBody>
+      </p:sp>
+      <p:sp>
+        <p:nvSpPr>
+          <p:cNvPr id="14" name="テキスト ボックス 13">
+            <a:extLst>
+              <a:ext uri="{FF2B5EF4-FFF2-40B4-BE49-F238E27FC236}">
+                <a16:creationId xmlns:a16="http://schemas.microsoft.com/office/drawing/2014/main" id="{F83CAE5E-69BE-4F50-B6E6-51D3B01FF007}"/>
+              </a:ext>
+            </a:extLst>
+          </p:cNvPr>
+          <p:cNvSpPr txBox="1"/>
+          <p:nvPr/>
+        </p:nvSpPr>
+        <p:spPr>
+          <a:xfrm>
+            <a:off x="7173352" y="4873271"/>
+            <a:ext cx="1174459" cy="369332"/>
+          </a:xfrm>
+          <a:prstGeom prst="rect">
+            <a:avLst/>
+          </a:prstGeom>
+          <a:noFill/>
+        </p:spPr>
+        <p:txBody>
+          <a:bodyPr wrap="square" rtlCol="0">
+            <a:spAutoFit/>
+          </a:bodyPr>
+          <a:lstStyle/>
+          <a:p>
+            <a:r>
+              <a:rPr kumimoji="1" lang="en-US" altLang="ja-JP" dirty="0"/>
+              <a:t>y</a:t>
+            </a:r>
+            <a:endParaRPr kumimoji="1" lang="ja-JP" altLang="en-US" dirty="0"/>
+          </a:p>
+        </p:txBody>
+      </p:sp>
+      <p:sp>
+        <p:nvSpPr>
+          <p:cNvPr id="15" name="テキスト ボックス 14">
+            <a:extLst>
+              <a:ext uri="{FF2B5EF4-FFF2-40B4-BE49-F238E27FC236}">
+                <a16:creationId xmlns:a16="http://schemas.microsoft.com/office/drawing/2014/main" id="{C36BA588-4C5E-4DE9-A904-C5D1F7DDB03F}"/>
+              </a:ext>
+            </a:extLst>
+          </p:cNvPr>
+          <p:cNvSpPr txBox="1"/>
+          <p:nvPr/>
+        </p:nvSpPr>
+        <p:spPr>
+          <a:xfrm>
+            <a:off x="677334" y="1376828"/>
+            <a:ext cx="4938319" cy="646331"/>
+          </a:xfrm>
+          <a:prstGeom prst="rect">
+            <a:avLst/>
+          </a:prstGeom>
+          <a:noFill/>
+        </p:spPr>
+        <p:txBody>
+          <a:bodyPr wrap="square" rtlCol="0">
+            <a:spAutoFit/>
+          </a:bodyPr>
+          <a:lstStyle/>
+          <a:p>
+            <a:r>
+              <a:rPr kumimoji="1" lang="en-US" altLang="ja-JP" dirty="0"/>
+              <a:t>model.fit(</a:t>
+            </a:r>
+            <a:r>
+              <a:rPr kumimoji="1" lang="en-US" altLang="ja-JP" dirty="0">
+                <a:solidFill>
+                  <a:schemeClr val="accent5">
+                    <a:lumMod val="60000"/>
+                    <a:lumOff val="40000"/>
+                  </a:schemeClr>
+                </a:solidFill>
+              </a:rPr>
+              <a:t>train_X</a:t>
+            </a:r>
+            <a:r>
+              <a:rPr kumimoji="1" lang="en-US" altLang="ja-JP" dirty="0"/>
+              <a:t>, </a:t>
+            </a:r>
+            <a:r>
+              <a:rPr kumimoji="1" lang="en-US" altLang="ja-JP" dirty="0">
+                <a:solidFill>
+                  <a:schemeClr val="accent3">
+                    <a:lumMod val="60000"/>
+                    <a:lumOff val="40000"/>
+                  </a:schemeClr>
+                </a:solidFill>
+              </a:rPr>
+              <a:t>train_y</a:t>
+            </a:r>
+            <a:r>
+              <a:rPr kumimoji="1" lang="en-US" altLang="ja-JP" dirty="0"/>
+              <a:t>)</a:t>
+            </a:r>
+          </a:p>
+          <a:p>
+            <a:r>
+              <a:rPr kumimoji="1" lang="en-US" altLang="ja-JP" dirty="0">
+                <a:solidFill>
+                  <a:schemeClr val="accent3">
+                    <a:lumMod val="60000"/>
+                    <a:lumOff val="40000"/>
+                  </a:schemeClr>
+                </a:solidFill>
+              </a:rPr>
+              <a:t>pred_y </a:t>
+            </a:r>
+            <a:r>
+              <a:rPr kumimoji="1" lang="en-US" altLang="ja-JP" dirty="0"/>
+              <a:t>= model.predict(</a:t>
+            </a:r>
+            <a:r>
+              <a:rPr kumimoji="1" lang="en-US" altLang="ja-JP" dirty="0">
+                <a:solidFill>
+                  <a:schemeClr val="accent5">
+                    <a:lumMod val="60000"/>
+                    <a:lumOff val="40000"/>
+                  </a:schemeClr>
+                </a:solidFill>
+              </a:rPr>
+              <a:t>pred_X</a:t>
+            </a:r>
+            <a:r>
+              <a:rPr kumimoji="1" lang="en-US" altLang="ja-JP" dirty="0"/>
+              <a:t>)</a:t>
+            </a:r>
+            <a:endParaRPr kumimoji="1" lang="ja-JP" altLang="en-US" dirty="0"/>
           </a:p>
         </p:txBody>
       </p:sp>
     </p:spTree>
     <p:extLst>
       <p:ext uri="{BB962C8B-B14F-4D97-AF65-F5344CB8AC3E}">
-        <p14:creationId xmlns:p14="http://schemas.microsoft.com/office/powerpoint/2010/main" val="1789593949"/>
+        <p14:creationId xmlns:p14="http://schemas.microsoft.com/office/powerpoint/2010/main" val="4243882953"/>
       </p:ext>
     </p:extLst>
   </p:cSld>
@@ -6287,7 +7895,7 @@
           <p:cNvPr id="2" name="タイトル 1">
             <a:extLst>
               <a:ext uri="{FF2B5EF4-FFF2-40B4-BE49-F238E27FC236}">
-                <a16:creationId xmlns:a16="http://schemas.microsoft.com/office/drawing/2014/main" id="{E567FD24-35B9-4E70-9647-710ED57172A7}"/>
+                <a16:creationId xmlns:a16="http://schemas.microsoft.com/office/drawing/2014/main" id="{33FF0FF6-1AEA-455D-89CE-6192B9C724CC}"/>
               </a:ext>
             </a:extLst>
           </p:cNvPr>
@@ -6305,7 +7913,7 @@
           <a:p>
             <a:r>
               <a:rPr kumimoji="1" lang="ja-JP" altLang="en-US" dirty="0"/>
-              <a:t>精度を上げるには？</a:t>
+              <a:t>え？それだけ？どこで差がつくの？</a:t>
             </a:r>
           </a:p>
         </p:txBody>
@@ -6313,7 +7921,7 @@
     </p:spTree>
     <p:extLst>
       <p:ext uri="{BB962C8B-B14F-4D97-AF65-F5344CB8AC3E}">
-        <p14:creationId xmlns:p14="http://schemas.microsoft.com/office/powerpoint/2010/main" val="1581099463"/>
+        <p14:creationId xmlns:p14="http://schemas.microsoft.com/office/powerpoint/2010/main" val="1789593949"/>
       </p:ext>
     </p:extLst>
   </p:cSld>
@@ -6345,7 +7953,7 @@
           <p:cNvPr id="2" name="タイトル 1">
             <a:extLst>
               <a:ext uri="{FF2B5EF4-FFF2-40B4-BE49-F238E27FC236}">
-                <a16:creationId xmlns:a16="http://schemas.microsoft.com/office/drawing/2014/main" id="{7F368366-7555-47D0-9E82-2B18E21076B9}"/>
+                <a16:creationId xmlns:a16="http://schemas.microsoft.com/office/drawing/2014/main" id="{F480397A-140C-44BE-8A43-5DFDF9FC12EC}"/>
               </a:ext>
             </a:extLst>
           </p:cNvPr>
@@ -6363,15 +7971,103 @@
           <a:p>
             <a:r>
               <a:rPr kumimoji="1" lang="ja-JP" altLang="en-US" dirty="0"/>
-              <a:t>ほんとに精度、上がってるの？</a:t>
-            </a:r>
+              <a:t>目次</a:t>
+            </a:r>
+          </a:p>
+        </p:txBody>
+      </p:sp>
+      <p:sp>
+        <p:nvSpPr>
+          <p:cNvPr id="3" name="テキスト ボックス 2">
+            <a:extLst>
+              <a:ext uri="{FF2B5EF4-FFF2-40B4-BE49-F238E27FC236}">
+                <a16:creationId xmlns:a16="http://schemas.microsoft.com/office/drawing/2014/main" id="{4627DE24-5E37-45F7-88D8-4AE6C424AD6E}"/>
+              </a:ext>
+            </a:extLst>
+          </p:cNvPr>
+          <p:cNvSpPr txBox="1"/>
+          <p:nvPr/>
+        </p:nvSpPr>
+        <p:spPr>
+          <a:xfrm>
+            <a:off x="838200" y="1874728"/>
+            <a:ext cx="10083800" cy="3108543"/>
+          </a:xfrm>
+          <a:prstGeom prst="rect">
+            <a:avLst/>
+          </a:prstGeom>
+          <a:noFill/>
+        </p:spPr>
+        <p:txBody>
+          <a:bodyPr wrap="square" rtlCol="0">
+            <a:spAutoFit/>
+          </a:bodyPr>
+          <a:lstStyle/>
+          <a:p>
+            <a:r>
+              <a:rPr kumimoji="1" lang="ja-JP" altLang="en-US" sz="2800" dirty="0"/>
+              <a:t>・</a:t>
+            </a:r>
+            <a:r>
+              <a:rPr kumimoji="1" lang="en-US" altLang="ja-JP" sz="2800" dirty="0"/>
+              <a:t>Kaggle</a:t>
+            </a:r>
+            <a:r>
+              <a:rPr kumimoji="1" lang="ja-JP" altLang="en-US" sz="2800" dirty="0"/>
+              <a:t>概要</a:t>
+            </a:r>
+            <a:endParaRPr kumimoji="1" lang="en-US" altLang="ja-JP" sz="2800" dirty="0"/>
+          </a:p>
+          <a:p>
+            <a:endParaRPr kumimoji="1" lang="en-US" altLang="ja-JP" sz="2800" dirty="0"/>
+          </a:p>
+          <a:p>
+            <a:r>
+              <a:rPr lang="ja-JP" altLang="en-US" sz="2800" dirty="0"/>
+              <a:t>・どう予測するか</a:t>
+            </a:r>
+            <a:endParaRPr lang="en-US" altLang="ja-JP" sz="2800" dirty="0"/>
+          </a:p>
+          <a:p>
+            <a:endParaRPr lang="en-US" altLang="ja-JP" sz="2800" dirty="0"/>
+          </a:p>
+          <a:p>
+            <a:r>
+              <a:rPr kumimoji="1" lang="ja-JP" altLang="en-US" sz="2800" dirty="0">
+                <a:solidFill>
+                  <a:schemeClr val="accent3">
+                    <a:lumMod val="60000"/>
+                    <a:lumOff val="40000"/>
+                  </a:schemeClr>
+                </a:solidFill>
+              </a:rPr>
+              <a:t>・ライバルに差をつけろ</a:t>
+            </a:r>
+            <a:endParaRPr kumimoji="1" lang="en-US" altLang="ja-JP" sz="2800" dirty="0">
+              <a:solidFill>
+                <a:schemeClr val="accent3">
+                  <a:lumMod val="60000"/>
+                  <a:lumOff val="40000"/>
+                </a:schemeClr>
+              </a:solidFill>
+            </a:endParaRPr>
+          </a:p>
+          <a:p>
+            <a:endParaRPr kumimoji="1" lang="en-US" altLang="ja-JP" sz="2800" dirty="0"/>
+          </a:p>
+          <a:p>
+            <a:r>
+              <a:rPr lang="ja-JP" altLang="en-US" sz="2800" dirty="0"/>
+              <a:t>・結論</a:t>
+            </a:r>
+            <a:endParaRPr lang="en-US" altLang="ja-JP" sz="2800" dirty="0"/>
           </a:p>
         </p:txBody>
       </p:sp>
     </p:spTree>
     <p:extLst>
       <p:ext uri="{BB962C8B-B14F-4D97-AF65-F5344CB8AC3E}">
-        <p14:creationId xmlns:p14="http://schemas.microsoft.com/office/powerpoint/2010/main" val="4007155836"/>
+        <p14:creationId xmlns:p14="http://schemas.microsoft.com/office/powerpoint/2010/main" val="4076453716"/>
       </p:ext>
     </p:extLst>
   </p:cSld>
@@ -6403,7 +8099,7 @@
           <p:cNvPr id="2" name="タイトル 1">
             <a:extLst>
               <a:ext uri="{FF2B5EF4-FFF2-40B4-BE49-F238E27FC236}">
-                <a16:creationId xmlns:a16="http://schemas.microsoft.com/office/drawing/2014/main" id="{2ED6D2FB-8DF7-4A43-B2CF-B5111B2D58DA}"/>
+                <a16:creationId xmlns:a16="http://schemas.microsoft.com/office/drawing/2014/main" id="{E567FD24-35B9-4E70-9647-710ED57172A7}"/>
               </a:ext>
             </a:extLst>
           </p:cNvPr>
@@ -6420,17 +8116,16 @@
           <a:lstStyle/>
           <a:p>
             <a:r>
-              <a:rPr kumimoji="1" lang="en-US" altLang="ja-JP" dirty="0"/>
-              <a:t>Validation</a:t>
-            </a:r>
-            <a:endParaRPr kumimoji="1" lang="ja-JP" altLang="en-US" dirty="0"/>
+              <a:rPr kumimoji="1" lang="ja-JP" altLang="en-US" dirty="0"/>
+              <a:t>精度を上げるには？</a:t>
+            </a:r>
           </a:p>
         </p:txBody>
       </p:sp>
     </p:spTree>
     <p:extLst>
       <p:ext uri="{BB962C8B-B14F-4D97-AF65-F5344CB8AC3E}">
-        <p14:creationId xmlns:p14="http://schemas.microsoft.com/office/powerpoint/2010/main" val="3611210133"/>
+        <p14:creationId xmlns:p14="http://schemas.microsoft.com/office/powerpoint/2010/main" val="1581099463"/>
       </p:ext>
     </p:extLst>
   </p:cSld>
@@ -6462,7 +8157,7 @@
           <p:cNvPr id="2" name="タイトル 1">
             <a:extLst>
               <a:ext uri="{FF2B5EF4-FFF2-40B4-BE49-F238E27FC236}">
-                <a16:creationId xmlns:a16="http://schemas.microsoft.com/office/drawing/2014/main" id="{F9390E12-BB6D-49FC-B83B-1B601BFF6E75}"/>
+                <a16:creationId xmlns:a16="http://schemas.microsoft.com/office/drawing/2014/main" id="{7F368366-7555-47D0-9E82-2B18E21076B9}"/>
               </a:ext>
             </a:extLst>
           </p:cNvPr>
@@ -6479,17 +8174,16 @@
           <a:lstStyle/>
           <a:p>
             <a:r>
-              <a:rPr lang="ja-JP" altLang="en-US" dirty="0"/>
-              <a:t>決勝点を一つだけ紹介</a:t>
-            </a:r>
-            <a:endParaRPr kumimoji="1" lang="ja-JP" altLang="en-US" dirty="0"/>
+              <a:rPr kumimoji="1" lang="ja-JP" altLang="en-US" dirty="0"/>
+              <a:t>ほんとに精度、上がってるの？</a:t>
+            </a:r>
           </a:p>
         </p:txBody>
       </p:sp>
     </p:spTree>
     <p:extLst>
       <p:ext uri="{BB962C8B-B14F-4D97-AF65-F5344CB8AC3E}">
-        <p14:creationId xmlns:p14="http://schemas.microsoft.com/office/powerpoint/2010/main" val="1868239854"/>
+        <p14:creationId xmlns:p14="http://schemas.microsoft.com/office/powerpoint/2010/main" val="4007155836"/>
       </p:ext>
     </p:extLst>
   </p:cSld>
@@ -6521,7 +8215,7 @@
           <p:cNvPr id="2" name="タイトル 1">
             <a:extLst>
               <a:ext uri="{FF2B5EF4-FFF2-40B4-BE49-F238E27FC236}">
-                <a16:creationId xmlns:a16="http://schemas.microsoft.com/office/drawing/2014/main" id="{A93DD019-E189-44AA-BC86-C7F23C896E71}"/>
+                <a16:creationId xmlns:a16="http://schemas.microsoft.com/office/drawing/2014/main" id="{2ED6D2FB-8DF7-4A43-B2CF-B5111B2D58DA}"/>
               </a:ext>
             </a:extLst>
           </p:cNvPr>
@@ -6538,23 +8232,17 @@
           <a:lstStyle/>
           <a:p>
             <a:r>
-              <a:rPr kumimoji="1" lang="ja-JP" altLang="en-US" dirty="0"/>
-              <a:t>プログラマーから見た機械学習</a:t>
-            </a:r>
-            <a:br>
               <a:rPr kumimoji="1" lang="en-US" altLang="ja-JP" dirty="0"/>
-            </a:br>
-            <a:r>
-              <a:rPr kumimoji="1" lang="ja-JP" altLang="en-US" dirty="0"/>
-              <a:t>⇒大衆化</a:t>
-            </a:r>
+              <a:t>Validation</a:t>
+            </a:r>
+            <a:endParaRPr kumimoji="1" lang="ja-JP" altLang="en-US" dirty="0"/>
           </a:p>
         </p:txBody>
       </p:sp>
     </p:spTree>
     <p:extLst>
       <p:ext uri="{BB962C8B-B14F-4D97-AF65-F5344CB8AC3E}">
-        <p14:creationId xmlns:p14="http://schemas.microsoft.com/office/powerpoint/2010/main" val="264908808"/>
+        <p14:creationId xmlns:p14="http://schemas.microsoft.com/office/powerpoint/2010/main" val="3611210133"/>
       </p:ext>
     </p:extLst>
   </p:cSld>
@@ -6586,6 +8274,211 @@
           <p:cNvPr id="2" name="タイトル 1">
             <a:extLst>
               <a:ext uri="{FF2B5EF4-FFF2-40B4-BE49-F238E27FC236}">
+                <a16:creationId xmlns:a16="http://schemas.microsoft.com/office/drawing/2014/main" id="{F9390E12-BB6D-49FC-B83B-1B601BFF6E75}"/>
+              </a:ext>
+            </a:extLst>
+          </p:cNvPr>
+          <p:cNvSpPr>
+            <a:spLocks noGrp="1"/>
+          </p:cNvSpPr>
+          <p:nvPr>
+            <p:ph type="title"/>
+          </p:nvPr>
+        </p:nvSpPr>
+        <p:spPr/>
+        <p:txBody>
+          <a:bodyPr/>
+          <a:lstStyle/>
+          <a:p>
+            <a:r>
+              <a:rPr lang="ja-JP" altLang="en-US" dirty="0"/>
+              <a:t>決勝点を一つだけ紹介</a:t>
+            </a:r>
+            <a:endParaRPr kumimoji="1" lang="ja-JP" altLang="en-US" dirty="0"/>
+          </a:p>
+        </p:txBody>
+      </p:sp>
+    </p:spTree>
+    <p:extLst>
+      <p:ext uri="{BB962C8B-B14F-4D97-AF65-F5344CB8AC3E}">
+        <p14:creationId xmlns:p14="http://schemas.microsoft.com/office/powerpoint/2010/main" val="1868239854"/>
+      </p:ext>
+    </p:extLst>
+  </p:cSld>
+  <p:clrMapOvr>
+    <a:masterClrMapping/>
+  </p:clrMapOvr>
+</p:sld>
+</file>
+
+<file path=ppt/slides/slide17.xml><?xml version="1.0" encoding="utf-8"?>
+<p:sld xmlns:a="http://schemas.openxmlformats.org/drawingml/2006/main" xmlns:r="http://schemas.openxmlformats.org/officeDocument/2006/relationships" xmlns:p="http://schemas.openxmlformats.org/presentationml/2006/main">
+  <p:cSld>
+    <p:spTree>
+      <p:nvGrpSpPr>
+        <p:cNvPr id="1" name=""/>
+        <p:cNvGrpSpPr/>
+        <p:nvPr/>
+      </p:nvGrpSpPr>
+      <p:grpSpPr>
+        <a:xfrm>
+          <a:off x="0" y="0"/>
+          <a:ext cx="0" cy="0"/>
+          <a:chOff x="0" y="0"/>
+          <a:chExt cx="0" cy="0"/>
+        </a:xfrm>
+      </p:grpSpPr>
+      <p:sp>
+        <p:nvSpPr>
+          <p:cNvPr id="2" name="タイトル 1">
+            <a:extLst>
+              <a:ext uri="{FF2B5EF4-FFF2-40B4-BE49-F238E27FC236}">
+                <a16:creationId xmlns:a16="http://schemas.microsoft.com/office/drawing/2014/main" id="{F480397A-140C-44BE-8A43-5DFDF9FC12EC}"/>
+              </a:ext>
+            </a:extLst>
+          </p:cNvPr>
+          <p:cNvSpPr>
+            <a:spLocks noGrp="1"/>
+          </p:cNvSpPr>
+          <p:nvPr>
+            <p:ph type="title"/>
+          </p:nvPr>
+        </p:nvSpPr>
+        <p:spPr/>
+        <p:txBody>
+          <a:bodyPr/>
+          <a:lstStyle/>
+          <a:p>
+            <a:r>
+              <a:rPr kumimoji="1" lang="ja-JP" altLang="en-US" dirty="0"/>
+              <a:t>目次</a:t>
+            </a:r>
+          </a:p>
+        </p:txBody>
+      </p:sp>
+      <p:sp>
+        <p:nvSpPr>
+          <p:cNvPr id="3" name="テキスト ボックス 2">
+            <a:extLst>
+              <a:ext uri="{FF2B5EF4-FFF2-40B4-BE49-F238E27FC236}">
+                <a16:creationId xmlns:a16="http://schemas.microsoft.com/office/drawing/2014/main" id="{4627DE24-5E37-45F7-88D8-4AE6C424AD6E}"/>
+              </a:ext>
+            </a:extLst>
+          </p:cNvPr>
+          <p:cNvSpPr txBox="1"/>
+          <p:nvPr/>
+        </p:nvSpPr>
+        <p:spPr>
+          <a:xfrm>
+            <a:off x="838200" y="1874728"/>
+            <a:ext cx="10083800" cy="3108543"/>
+          </a:xfrm>
+          <a:prstGeom prst="rect">
+            <a:avLst/>
+          </a:prstGeom>
+          <a:noFill/>
+        </p:spPr>
+        <p:txBody>
+          <a:bodyPr wrap="square" rtlCol="0">
+            <a:spAutoFit/>
+          </a:bodyPr>
+          <a:lstStyle/>
+          <a:p>
+            <a:r>
+              <a:rPr kumimoji="1" lang="ja-JP" altLang="en-US" sz="2800" dirty="0"/>
+              <a:t>・</a:t>
+            </a:r>
+            <a:r>
+              <a:rPr kumimoji="1" lang="en-US" altLang="ja-JP" sz="2800" dirty="0"/>
+              <a:t>Kaggle</a:t>
+            </a:r>
+            <a:r>
+              <a:rPr kumimoji="1" lang="ja-JP" altLang="en-US" sz="2800" dirty="0"/>
+              <a:t>概要</a:t>
+            </a:r>
+            <a:endParaRPr kumimoji="1" lang="en-US" altLang="ja-JP" sz="2800" dirty="0"/>
+          </a:p>
+          <a:p>
+            <a:endParaRPr kumimoji="1" lang="en-US" altLang="ja-JP" sz="2800" dirty="0"/>
+          </a:p>
+          <a:p>
+            <a:r>
+              <a:rPr lang="ja-JP" altLang="en-US" sz="2800" dirty="0"/>
+              <a:t>・どう予測するか</a:t>
+            </a:r>
+            <a:endParaRPr lang="en-US" altLang="ja-JP" sz="2800" dirty="0"/>
+          </a:p>
+          <a:p>
+            <a:endParaRPr lang="en-US" altLang="ja-JP" sz="2800" dirty="0"/>
+          </a:p>
+          <a:p>
+            <a:r>
+              <a:rPr kumimoji="1" lang="ja-JP" altLang="en-US" sz="2800" dirty="0"/>
+              <a:t>・ライバルに差をつけろ</a:t>
+            </a:r>
+            <a:endParaRPr kumimoji="1" lang="en-US" altLang="ja-JP" sz="2800" dirty="0"/>
+          </a:p>
+          <a:p>
+            <a:endParaRPr kumimoji="1" lang="en-US" altLang="ja-JP" sz="2800" dirty="0"/>
+          </a:p>
+          <a:p>
+            <a:r>
+              <a:rPr lang="ja-JP" altLang="en-US" sz="2800" dirty="0">
+                <a:solidFill>
+                  <a:schemeClr val="accent3">
+                    <a:lumMod val="60000"/>
+                    <a:lumOff val="40000"/>
+                  </a:schemeClr>
+                </a:solidFill>
+              </a:rPr>
+              <a:t>・結論</a:t>
+            </a:r>
+            <a:endParaRPr lang="en-US" altLang="ja-JP" sz="2800" dirty="0">
+              <a:solidFill>
+                <a:schemeClr val="accent3">
+                  <a:lumMod val="60000"/>
+                  <a:lumOff val="40000"/>
+                </a:schemeClr>
+              </a:solidFill>
+            </a:endParaRPr>
+          </a:p>
+        </p:txBody>
+      </p:sp>
+    </p:spTree>
+    <p:extLst>
+      <p:ext uri="{BB962C8B-B14F-4D97-AF65-F5344CB8AC3E}">
+        <p14:creationId xmlns:p14="http://schemas.microsoft.com/office/powerpoint/2010/main" val="393251407"/>
+      </p:ext>
+    </p:extLst>
+  </p:cSld>
+  <p:clrMapOvr>
+    <a:masterClrMapping/>
+  </p:clrMapOvr>
+</p:sld>
+</file>
+
+<file path=ppt/slides/slide18.xml><?xml version="1.0" encoding="utf-8"?>
+<p:sld xmlns:a="http://schemas.openxmlformats.org/drawingml/2006/main" xmlns:r="http://schemas.openxmlformats.org/officeDocument/2006/relationships" xmlns:p="http://schemas.openxmlformats.org/presentationml/2006/main">
+  <p:cSld>
+    <p:spTree>
+      <p:nvGrpSpPr>
+        <p:cNvPr id="1" name=""/>
+        <p:cNvGrpSpPr/>
+        <p:nvPr/>
+      </p:nvGrpSpPr>
+      <p:grpSpPr>
+        <a:xfrm>
+          <a:off x="0" y="0"/>
+          <a:ext cx="0" cy="0"/>
+          <a:chOff x="0" y="0"/>
+          <a:chExt cx="0" cy="0"/>
+        </a:xfrm>
+      </p:grpSpPr>
+      <p:sp>
+        <p:nvSpPr>
+          <p:cNvPr id="2" name="タイトル 1">
+            <a:extLst>
+              <a:ext uri="{FF2B5EF4-FFF2-40B4-BE49-F238E27FC236}">
                 <a16:creationId xmlns:a16="http://schemas.microsoft.com/office/drawing/2014/main" id="{4051BBCD-F401-4AC6-AFA5-B48E1030E891}"/>
               </a:ext>
             </a:extLst>
@@ -6604,7 +8497,14 @@
           <a:p>
             <a:r>
               <a:rPr lang="ja-JP" altLang="en-US" dirty="0"/>
-              <a:t>大衆化</a:t>
+              <a:t>プログラマーから見た機械学習</a:t>
+            </a:r>
+            <a:br>
+              <a:rPr lang="en-US" altLang="ja-JP" dirty="0"/>
+            </a:br>
+            <a:r>
+              <a:rPr lang="ja-JP" altLang="en-US" dirty="0"/>
+              <a:t>⇒大衆化</a:t>
             </a:r>
             <a:endParaRPr kumimoji="1" lang="ja-JP" altLang="en-US" dirty="0"/>
           </a:p>
@@ -6624,8 +8524,8 @@
         </p:nvSpPr>
         <p:spPr>
           <a:xfrm>
-            <a:off x="977900" y="1879600"/>
-            <a:ext cx="8191500" cy="646331"/>
+            <a:off x="677334" y="2902926"/>
+            <a:ext cx="8191500" cy="2246769"/>
           </a:xfrm>
           <a:prstGeom prst="rect">
             <a:avLst/>
@@ -6639,25 +8539,57 @@
           <a:lstStyle/>
           <a:p>
             <a:r>
-              <a:rPr kumimoji="1" lang="ja-JP" altLang="en-US" dirty="0"/>
+              <a:rPr kumimoji="1" lang="ja-JP" altLang="en-US" sz="2800" dirty="0"/>
               <a:t>・コードが書ければ誰でもできる（予測は）</a:t>
             </a:r>
-            <a:endParaRPr kumimoji="1" lang="en-US" altLang="ja-JP" dirty="0"/>
-          </a:p>
-          <a:p>
-            <a:r>
-              <a:rPr lang="ja-JP" altLang="en-US" dirty="0"/>
+            <a:endParaRPr kumimoji="1" lang="en-US" altLang="ja-JP" sz="2800" dirty="0"/>
+          </a:p>
+          <a:p>
+            <a:endParaRPr kumimoji="1" lang="en-US" altLang="ja-JP" sz="2800" dirty="0"/>
+          </a:p>
+          <a:p>
+            <a:r>
+              <a:rPr lang="ja-JP" altLang="en-US" sz="2800" dirty="0"/>
               <a:t>・</a:t>
             </a:r>
             <a:r>
-              <a:rPr lang="en-US" altLang="ja-JP" dirty="0"/>
+              <a:rPr lang="en-US" altLang="ja-JP" sz="2800" dirty="0"/>
               <a:t>Windows</a:t>
             </a:r>
             <a:r>
-              <a:rPr lang="ja-JP" altLang="en-US" dirty="0"/>
+              <a:rPr lang="ja-JP" altLang="en-US" sz="2800" dirty="0"/>
               <a:t>でも環境を簡単に構築できる</a:t>
             </a:r>
-            <a:endParaRPr kumimoji="1" lang="ja-JP" altLang="en-US" dirty="0"/>
+            <a:endParaRPr lang="en-US" altLang="ja-JP" sz="2800" dirty="0"/>
+          </a:p>
+          <a:p>
+            <a:r>
+              <a:rPr kumimoji="1" lang="en-US" altLang="ja-JP" sz="2800" dirty="0"/>
+              <a:t>	</a:t>
+            </a:r>
+            <a:r>
+              <a:rPr kumimoji="1" lang="ja-JP" altLang="en-US" sz="2800" dirty="0"/>
+              <a:t>・</a:t>
+            </a:r>
+            <a:r>
+              <a:rPr kumimoji="1" lang="en-US" altLang="ja-JP" sz="2800" dirty="0"/>
+              <a:t>Anaconda</a:t>
+            </a:r>
+          </a:p>
+          <a:p>
+            <a:r>
+              <a:rPr kumimoji="1" lang="en-US" altLang="ja-JP" sz="2800" dirty="0"/>
+              <a:t>	</a:t>
+            </a:r>
+            <a:r>
+              <a:rPr kumimoji="1" lang="ja-JP" altLang="en-US" sz="2800" dirty="0"/>
+              <a:t>・</a:t>
+            </a:r>
+            <a:r>
+              <a:rPr kumimoji="1" lang="en-US" altLang="ja-JP" sz="2800" dirty="0"/>
+              <a:t>LightGBM</a:t>
+            </a:r>
+            <a:endParaRPr kumimoji="1" lang="ja-JP" altLang="en-US" sz="2800" dirty="0"/>
           </a:p>
         </p:txBody>
       </p:sp>
@@ -6674,7 +8606,7 @@
 </p:sld>
 </file>
 
-<file path=ppt/slides/slide17.xml><?xml version="1.0" encoding="utf-8"?>
+<file path=ppt/slides/slide19.xml><?xml version="1.0" encoding="utf-8"?>
 <p:sld xmlns:a="http://schemas.openxmlformats.org/drawingml/2006/main" xmlns:r="http://schemas.openxmlformats.org/officeDocument/2006/relationships" xmlns:p="http://schemas.openxmlformats.org/presentationml/2006/main">
   <p:cSld>
     <p:spTree>
@@ -7009,18 +8941,46 @@
           <a:lstStyle/>
           <a:p>
             <a:r>
-              <a:rPr kumimoji="1" lang="ja-JP" altLang="en-US" sz="2800" dirty="0"/>
+              <a:rPr kumimoji="1" lang="ja-JP" altLang="en-US" sz="2800" dirty="0">
+                <a:solidFill>
+                  <a:schemeClr val="accent3">
+                    <a:lumMod val="60000"/>
+                    <a:lumOff val="40000"/>
+                  </a:schemeClr>
+                </a:solidFill>
+              </a:rPr>
               <a:t>・</a:t>
             </a:r>
             <a:r>
-              <a:rPr kumimoji="1" lang="en-US" altLang="ja-JP" sz="2800" dirty="0"/>
+              <a:rPr kumimoji="1" lang="en-US" altLang="ja-JP" sz="2800" dirty="0">
+                <a:solidFill>
+                  <a:schemeClr val="accent3">
+                    <a:lumMod val="60000"/>
+                    <a:lumOff val="40000"/>
+                  </a:schemeClr>
+                </a:solidFill>
+              </a:rPr>
               <a:t>Kaggle</a:t>
             </a:r>
             <a:r>
-              <a:rPr kumimoji="1" lang="ja-JP" altLang="en-US" sz="2800" dirty="0"/>
+              <a:rPr kumimoji="1" lang="ja-JP" altLang="en-US" sz="2800" dirty="0">
+                <a:solidFill>
+                  <a:schemeClr val="accent3">
+                    <a:lumMod val="60000"/>
+                    <a:lumOff val="40000"/>
+                  </a:schemeClr>
+                </a:solidFill>
+              </a:rPr>
               <a:t>概要</a:t>
             </a:r>
-            <a:endParaRPr kumimoji="1" lang="en-US" altLang="ja-JP" sz="2800" dirty="0"/>
+            <a:endParaRPr kumimoji="1" lang="en-US" altLang="ja-JP" sz="2800" dirty="0">
+              <a:solidFill>
+                <a:schemeClr val="accent3">
+                  <a:lumMod val="60000"/>
+                  <a:lumOff val="40000"/>
+                </a:schemeClr>
+              </a:solidFill>
+            </a:endParaRPr>
           </a:p>
           <a:p>
             <a:endParaRPr kumimoji="1" lang="en-US" altLang="ja-JP" sz="2800" dirty="0"/>
@@ -7616,6 +9576,1294 @@
           </a:p>
         </p:txBody>
       </p:sp>
+      <p:sp>
+        <p:nvSpPr>
+          <p:cNvPr id="8" name="テキスト ボックス 7">
+            <a:extLst>
+              <a:ext uri="{FF2B5EF4-FFF2-40B4-BE49-F238E27FC236}">
+                <a16:creationId xmlns:a16="http://schemas.microsoft.com/office/drawing/2014/main" id="{D338C503-B9C1-463D-86BD-1FB81567F58B}"/>
+              </a:ext>
+            </a:extLst>
+          </p:cNvPr>
+          <p:cNvSpPr txBox="1"/>
+          <p:nvPr/>
+        </p:nvSpPr>
+        <p:spPr>
+          <a:xfrm>
+            <a:off x="805342" y="1280158"/>
+            <a:ext cx="5567466" cy="369332"/>
+          </a:xfrm>
+          <a:prstGeom prst="rect">
+            <a:avLst/>
+          </a:prstGeom>
+          <a:noFill/>
+        </p:spPr>
+        <p:txBody>
+          <a:bodyPr wrap="square" rtlCol="0">
+            <a:spAutoFit/>
+          </a:bodyPr>
+          <a:lstStyle/>
+          <a:p>
+            <a:r>
+              <a:rPr kumimoji="1" lang="ja-JP" altLang="en-US" dirty="0"/>
+              <a:t>リクルートコンペ　⇒　飲食店の来客数を予測する</a:t>
+            </a:r>
+            <a:endParaRPr kumimoji="1" lang="en-US" altLang="ja-JP" dirty="0"/>
+          </a:p>
+        </p:txBody>
+      </p:sp>
+      <p:graphicFrame>
+        <p:nvGraphicFramePr>
+          <p:cNvPr id="10" name="表 9">
+            <a:extLst>
+              <a:ext uri="{FF2B5EF4-FFF2-40B4-BE49-F238E27FC236}">
+                <a16:creationId xmlns:a16="http://schemas.microsoft.com/office/drawing/2014/main" id="{E2DA48B1-64BD-49EE-9858-F0CCE37817B7}"/>
+              </a:ext>
+            </a:extLst>
+          </p:cNvPr>
+          <p:cNvGraphicFramePr>
+            <a:graphicFrameLocks noGrp="1"/>
+          </p:cNvGraphicFramePr>
+          <p:nvPr>
+            <p:extLst>
+              <p:ext uri="{D42A27DB-BD31-4B8C-83A1-F6EECF244321}">
+                <p14:modId xmlns:p14="http://schemas.microsoft.com/office/powerpoint/2010/main" val="2148110552"/>
+              </p:ext>
+            </p:extLst>
+          </p:nvPr>
+        </p:nvGraphicFramePr>
+        <p:xfrm>
+          <a:off x="848282" y="2344489"/>
+          <a:ext cx="6280308" cy="1543641"/>
+        </p:xfrm>
+        <a:graphic>
+          <a:graphicData uri="http://schemas.openxmlformats.org/drawingml/2006/table">
+            <a:tbl>
+              <a:tblPr firstRow="1" bandRow="1">
+                <a:tableStyleId>{5C22544A-7EE6-4342-B048-85BDC9FD1C3A}</a:tableStyleId>
+              </a:tblPr>
+              <a:tblGrid>
+                <a:gridCol w="1046718">
+                  <a:extLst>
+                    <a:ext uri="{9D8B030D-6E8A-4147-A177-3AD203B41FA5}">
+                      <a16:colId xmlns:a16="http://schemas.microsoft.com/office/drawing/2014/main" val="3472953002"/>
+                    </a:ext>
+                  </a:extLst>
+                </a:gridCol>
+                <a:gridCol w="1046718">
+                  <a:extLst>
+                    <a:ext uri="{9D8B030D-6E8A-4147-A177-3AD203B41FA5}">
+                      <a16:colId xmlns:a16="http://schemas.microsoft.com/office/drawing/2014/main" val="1567616906"/>
+                    </a:ext>
+                  </a:extLst>
+                </a:gridCol>
+                <a:gridCol w="1046718">
+                  <a:extLst>
+                    <a:ext uri="{9D8B030D-6E8A-4147-A177-3AD203B41FA5}">
+                      <a16:colId xmlns:a16="http://schemas.microsoft.com/office/drawing/2014/main" val="3216724867"/>
+                    </a:ext>
+                  </a:extLst>
+                </a:gridCol>
+                <a:gridCol w="1046718">
+                  <a:extLst>
+                    <a:ext uri="{9D8B030D-6E8A-4147-A177-3AD203B41FA5}">
+                      <a16:colId xmlns:a16="http://schemas.microsoft.com/office/drawing/2014/main" val="659707241"/>
+                    </a:ext>
+                  </a:extLst>
+                </a:gridCol>
+                <a:gridCol w="1046718">
+                  <a:extLst>
+                    <a:ext uri="{9D8B030D-6E8A-4147-A177-3AD203B41FA5}">
+                      <a16:colId xmlns:a16="http://schemas.microsoft.com/office/drawing/2014/main" val="2288569116"/>
+                    </a:ext>
+                  </a:extLst>
+                </a:gridCol>
+                <a:gridCol w="1046718">
+                  <a:extLst>
+                    <a:ext uri="{9D8B030D-6E8A-4147-A177-3AD203B41FA5}">
+                      <a16:colId xmlns:a16="http://schemas.microsoft.com/office/drawing/2014/main" val="2439958870"/>
+                    </a:ext>
+                  </a:extLst>
+                </a:gridCol>
+              </a:tblGrid>
+              <a:tr h="294885">
+                <a:tc>
+                  <a:txBody>
+                    <a:bodyPr/>
+                    <a:lstStyle/>
+                    <a:p>
+                      <a:r>
+                        <a:rPr kumimoji="1" lang="ja-JP" altLang="en-US" sz="1100" baseline="0" dirty="0"/>
+                        <a:t>日付</a:t>
+                      </a:r>
+                    </a:p>
+                  </a:txBody>
+                  <a:tcPr/>
+                </a:tc>
+                <a:tc>
+                  <a:txBody>
+                    <a:bodyPr/>
+                    <a:lstStyle/>
+                    <a:p>
+                      <a:r>
+                        <a:rPr kumimoji="1" lang="ja-JP" altLang="en-US" sz="1100" dirty="0"/>
+                        <a:t>店名</a:t>
+                      </a:r>
+                    </a:p>
+                  </a:txBody>
+                  <a:tcPr/>
+                </a:tc>
+                <a:tc>
+                  <a:txBody>
+                    <a:bodyPr/>
+                    <a:lstStyle/>
+                    <a:p>
+                      <a:r>
+                        <a:rPr kumimoji="1" lang="ja-JP" altLang="en-US" sz="1100" dirty="0"/>
+                        <a:t>ジャンル</a:t>
+                      </a:r>
+                    </a:p>
+                  </a:txBody>
+                  <a:tcPr/>
+                </a:tc>
+                <a:tc>
+                  <a:txBody>
+                    <a:bodyPr/>
+                    <a:lstStyle/>
+                    <a:p>
+                      <a:r>
+                        <a:rPr kumimoji="1" lang="ja-JP" altLang="en-US" sz="1100" dirty="0"/>
+                        <a:t>場所</a:t>
+                      </a:r>
+                    </a:p>
+                  </a:txBody>
+                  <a:tcPr/>
+                </a:tc>
+                <a:tc>
+                  <a:txBody>
+                    <a:bodyPr/>
+                    <a:lstStyle/>
+                    <a:p>
+                      <a:r>
+                        <a:rPr kumimoji="1" lang="ja-JP" altLang="en-US" sz="1100" dirty="0"/>
+                        <a:t>予約</a:t>
+                      </a:r>
+                    </a:p>
+                  </a:txBody>
+                  <a:tcPr/>
+                </a:tc>
+                <a:tc>
+                  <a:txBody>
+                    <a:bodyPr/>
+                    <a:lstStyle/>
+                    <a:p>
+                      <a:r>
+                        <a:rPr kumimoji="1" lang="ja-JP" altLang="en-US" sz="1100" dirty="0"/>
+                        <a:t>来客数</a:t>
+                      </a:r>
+                    </a:p>
+                  </a:txBody>
+                  <a:tcPr/>
+                </a:tc>
+                <a:extLst>
+                  <a:ext uri="{0D108BD9-81ED-4DB2-BD59-A6C34878D82A}">
+                    <a16:rowId xmlns:a16="http://schemas.microsoft.com/office/drawing/2014/main" val="2541452345"/>
+                  </a:ext>
+                </a:extLst>
+              </a:tr>
+              <a:tr h="312189">
+                <a:tc>
+                  <a:txBody>
+                    <a:bodyPr/>
+                    <a:lstStyle/>
+                    <a:p>
+                      <a:r>
+                        <a:rPr kumimoji="1" lang="en-US" altLang="ja-JP" sz="1100" dirty="0"/>
+                        <a:t>2016/01/01</a:t>
+                      </a:r>
+                      <a:endParaRPr kumimoji="1" lang="ja-JP" altLang="en-US" sz="1100" dirty="0"/>
+                    </a:p>
+                  </a:txBody>
+                  <a:tcPr/>
+                </a:tc>
+                <a:tc>
+                  <a:txBody>
+                    <a:bodyPr/>
+                    <a:lstStyle/>
+                    <a:p>
+                      <a:r>
+                        <a:rPr kumimoji="1" lang="en-US" altLang="ja-JP" sz="1100" dirty="0"/>
+                        <a:t>A</a:t>
+                      </a:r>
+                      <a:r>
+                        <a:rPr kumimoji="1" lang="ja-JP" altLang="en-US" sz="1100" dirty="0"/>
+                        <a:t>店</a:t>
+                      </a:r>
+                    </a:p>
+                  </a:txBody>
+                  <a:tcPr/>
+                </a:tc>
+                <a:tc>
+                  <a:txBody>
+                    <a:bodyPr/>
+                    <a:lstStyle/>
+                    <a:p>
+                      <a:r>
+                        <a:rPr kumimoji="1" lang="ja-JP" altLang="en-US" sz="1100" dirty="0"/>
+                        <a:t>焼き肉</a:t>
+                      </a:r>
+                    </a:p>
+                  </a:txBody>
+                  <a:tcPr/>
+                </a:tc>
+                <a:tc>
+                  <a:txBody>
+                    <a:bodyPr/>
+                    <a:lstStyle/>
+                    <a:p>
+                      <a:r>
+                        <a:rPr kumimoji="1" lang="ja-JP" altLang="en-US" sz="1100" dirty="0"/>
+                        <a:t>東京</a:t>
+                      </a:r>
+                    </a:p>
+                  </a:txBody>
+                  <a:tcPr/>
+                </a:tc>
+                <a:tc>
+                  <a:txBody>
+                    <a:bodyPr/>
+                    <a:lstStyle/>
+                    <a:p>
+                      <a:r>
+                        <a:rPr kumimoji="1" lang="en-US" altLang="ja-JP" sz="1100" dirty="0"/>
+                        <a:t>10</a:t>
+                      </a:r>
+                      <a:r>
+                        <a:rPr kumimoji="1" lang="ja-JP" altLang="en-US" sz="1100" dirty="0"/>
+                        <a:t>名</a:t>
+                      </a:r>
+                    </a:p>
+                  </a:txBody>
+                  <a:tcPr/>
+                </a:tc>
+                <a:tc>
+                  <a:txBody>
+                    <a:bodyPr/>
+                    <a:lstStyle/>
+                    <a:p>
+                      <a:r>
+                        <a:rPr kumimoji="1" lang="en-US" altLang="ja-JP" sz="1100" dirty="0"/>
+                        <a:t>20</a:t>
+                      </a:r>
+                      <a:r>
+                        <a:rPr kumimoji="1" lang="ja-JP" altLang="en-US" sz="1100" dirty="0"/>
+                        <a:t>名</a:t>
+                      </a:r>
+                    </a:p>
+                  </a:txBody>
+                  <a:tcPr/>
+                </a:tc>
+                <a:extLst>
+                  <a:ext uri="{0D108BD9-81ED-4DB2-BD59-A6C34878D82A}">
+                    <a16:rowId xmlns:a16="http://schemas.microsoft.com/office/drawing/2014/main" val="2235806074"/>
+                  </a:ext>
+                </a:extLst>
+              </a:tr>
+              <a:tr h="312189">
+                <a:tc>
+                  <a:txBody>
+                    <a:bodyPr/>
+                    <a:lstStyle/>
+                    <a:p>
+                      <a:r>
+                        <a:rPr kumimoji="1" lang="en-US" altLang="ja-JP" sz="1100" dirty="0"/>
+                        <a:t>2016/01/01</a:t>
+                      </a:r>
+                      <a:endParaRPr kumimoji="1" lang="ja-JP" altLang="en-US" sz="1100" dirty="0"/>
+                    </a:p>
+                  </a:txBody>
+                  <a:tcPr/>
+                </a:tc>
+                <a:tc>
+                  <a:txBody>
+                    <a:bodyPr/>
+                    <a:lstStyle/>
+                    <a:p>
+                      <a:r>
+                        <a:rPr kumimoji="1" lang="en-US" altLang="ja-JP" sz="1100" dirty="0"/>
+                        <a:t>B</a:t>
+                      </a:r>
+                      <a:r>
+                        <a:rPr kumimoji="1" lang="ja-JP" altLang="en-US" sz="1100" dirty="0"/>
+                        <a:t>店</a:t>
+                      </a:r>
+                    </a:p>
+                  </a:txBody>
+                  <a:tcPr/>
+                </a:tc>
+                <a:tc>
+                  <a:txBody>
+                    <a:bodyPr/>
+                    <a:lstStyle/>
+                    <a:p>
+                      <a:r>
+                        <a:rPr kumimoji="1" lang="ja-JP" altLang="en-US" sz="1100" dirty="0"/>
+                        <a:t>そば</a:t>
+                      </a:r>
+                    </a:p>
+                  </a:txBody>
+                  <a:tcPr/>
+                </a:tc>
+                <a:tc>
+                  <a:txBody>
+                    <a:bodyPr/>
+                    <a:lstStyle/>
+                    <a:p>
+                      <a:r>
+                        <a:rPr kumimoji="1" lang="ja-JP" altLang="en-US" sz="1100" dirty="0"/>
+                        <a:t>福岡</a:t>
+                      </a:r>
+                    </a:p>
+                  </a:txBody>
+                  <a:tcPr/>
+                </a:tc>
+                <a:tc>
+                  <a:txBody>
+                    <a:bodyPr/>
+                    <a:lstStyle/>
+                    <a:p>
+                      <a:r>
+                        <a:rPr kumimoji="1" lang="en-US" altLang="ja-JP" sz="1100" dirty="0"/>
+                        <a:t>3</a:t>
+                      </a:r>
+                      <a:r>
+                        <a:rPr kumimoji="1" lang="ja-JP" altLang="en-US" sz="1100" dirty="0"/>
+                        <a:t>名</a:t>
+                      </a:r>
+                    </a:p>
+                  </a:txBody>
+                  <a:tcPr/>
+                </a:tc>
+                <a:tc>
+                  <a:txBody>
+                    <a:bodyPr/>
+                    <a:lstStyle/>
+                    <a:p>
+                      <a:r>
+                        <a:rPr kumimoji="1" lang="en-US" altLang="ja-JP" sz="1100" dirty="0"/>
+                        <a:t>1</a:t>
+                      </a:r>
+                      <a:r>
+                        <a:rPr kumimoji="1" lang="ja-JP" altLang="en-US" sz="1100" dirty="0"/>
+                        <a:t>名</a:t>
+                      </a:r>
+                    </a:p>
+                  </a:txBody>
+                  <a:tcPr/>
+                </a:tc>
+                <a:extLst>
+                  <a:ext uri="{0D108BD9-81ED-4DB2-BD59-A6C34878D82A}">
+                    <a16:rowId xmlns:a16="http://schemas.microsoft.com/office/drawing/2014/main" val="1872554097"/>
+                  </a:ext>
+                </a:extLst>
+              </a:tr>
+              <a:tr h="312189">
+                <a:tc>
+                  <a:txBody>
+                    <a:bodyPr/>
+                    <a:lstStyle/>
+                    <a:p>
+                      <a:r>
+                        <a:rPr kumimoji="1" lang="en-US" altLang="ja-JP" sz="1100" dirty="0"/>
+                        <a:t>2016/01/02</a:t>
+                      </a:r>
+                      <a:endParaRPr kumimoji="1" lang="ja-JP" altLang="en-US" sz="1100" dirty="0"/>
+                    </a:p>
+                  </a:txBody>
+                  <a:tcPr/>
+                </a:tc>
+                <a:tc>
+                  <a:txBody>
+                    <a:bodyPr/>
+                    <a:lstStyle/>
+                    <a:p>
+                      <a:r>
+                        <a:rPr kumimoji="1" lang="en-US" altLang="ja-JP" sz="1100" dirty="0"/>
+                        <a:t>A</a:t>
+                      </a:r>
+                      <a:r>
+                        <a:rPr kumimoji="1" lang="ja-JP" altLang="en-US" sz="1100" dirty="0"/>
+                        <a:t>店</a:t>
+                      </a:r>
+                    </a:p>
+                  </a:txBody>
+                  <a:tcPr/>
+                </a:tc>
+                <a:tc>
+                  <a:txBody>
+                    <a:bodyPr/>
+                    <a:lstStyle/>
+                    <a:p>
+                      <a:r>
+                        <a:rPr kumimoji="1" lang="ja-JP" altLang="en-US" sz="1100" dirty="0"/>
+                        <a:t>焼き肉</a:t>
+                      </a:r>
+                    </a:p>
+                  </a:txBody>
+                  <a:tcPr/>
+                </a:tc>
+                <a:tc>
+                  <a:txBody>
+                    <a:bodyPr/>
+                    <a:lstStyle/>
+                    <a:p>
+                      <a:r>
+                        <a:rPr kumimoji="1" lang="ja-JP" altLang="en-US" sz="1100" dirty="0"/>
+                        <a:t>東京</a:t>
+                      </a:r>
+                    </a:p>
+                  </a:txBody>
+                  <a:tcPr/>
+                </a:tc>
+                <a:tc>
+                  <a:txBody>
+                    <a:bodyPr/>
+                    <a:lstStyle/>
+                    <a:p>
+                      <a:r>
+                        <a:rPr kumimoji="1" lang="en-US" altLang="ja-JP" sz="1100" dirty="0"/>
+                        <a:t>20</a:t>
+                      </a:r>
+                      <a:r>
+                        <a:rPr kumimoji="1" lang="ja-JP" altLang="en-US" sz="1100" dirty="0"/>
+                        <a:t>名</a:t>
+                      </a:r>
+                    </a:p>
+                  </a:txBody>
+                  <a:tcPr/>
+                </a:tc>
+                <a:tc>
+                  <a:txBody>
+                    <a:bodyPr/>
+                    <a:lstStyle/>
+                    <a:p>
+                      <a:r>
+                        <a:rPr kumimoji="1" lang="en-US" altLang="ja-JP" sz="1100" dirty="0"/>
+                        <a:t>30</a:t>
+                      </a:r>
+                      <a:r>
+                        <a:rPr kumimoji="1" lang="ja-JP" altLang="en-US" sz="1100" dirty="0"/>
+                        <a:t>名</a:t>
+                      </a:r>
+                    </a:p>
+                  </a:txBody>
+                  <a:tcPr/>
+                </a:tc>
+                <a:extLst>
+                  <a:ext uri="{0D108BD9-81ED-4DB2-BD59-A6C34878D82A}">
+                    <a16:rowId xmlns:a16="http://schemas.microsoft.com/office/drawing/2014/main" val="683497724"/>
+                  </a:ext>
+                </a:extLst>
+              </a:tr>
+              <a:tr h="312189">
+                <a:tc>
+                  <a:txBody>
+                    <a:bodyPr/>
+                    <a:lstStyle/>
+                    <a:p>
+                      <a:r>
+                        <a:rPr kumimoji="1" lang="en-US" altLang="ja-JP" sz="1100" dirty="0"/>
+                        <a:t>2016/01/02</a:t>
+                      </a:r>
+                      <a:endParaRPr kumimoji="1" lang="ja-JP" altLang="en-US" sz="1100" dirty="0"/>
+                    </a:p>
+                  </a:txBody>
+                  <a:tcPr/>
+                </a:tc>
+                <a:tc>
+                  <a:txBody>
+                    <a:bodyPr/>
+                    <a:lstStyle/>
+                    <a:p>
+                      <a:r>
+                        <a:rPr kumimoji="1" lang="en-US" altLang="ja-JP" sz="1100" dirty="0"/>
+                        <a:t>B</a:t>
+                      </a:r>
+                      <a:r>
+                        <a:rPr kumimoji="1" lang="ja-JP" altLang="en-US" sz="1100" dirty="0"/>
+                        <a:t>店</a:t>
+                      </a:r>
+                    </a:p>
+                  </a:txBody>
+                  <a:tcPr/>
+                </a:tc>
+                <a:tc>
+                  <a:txBody>
+                    <a:bodyPr/>
+                    <a:lstStyle/>
+                    <a:p>
+                      <a:r>
+                        <a:rPr kumimoji="1" lang="ja-JP" altLang="en-US" sz="1100" dirty="0"/>
+                        <a:t>そば</a:t>
+                      </a:r>
+                    </a:p>
+                  </a:txBody>
+                  <a:tcPr/>
+                </a:tc>
+                <a:tc>
+                  <a:txBody>
+                    <a:bodyPr/>
+                    <a:lstStyle/>
+                    <a:p>
+                      <a:r>
+                        <a:rPr kumimoji="1" lang="ja-JP" altLang="en-US" sz="1100" dirty="0"/>
+                        <a:t>福岡</a:t>
+                      </a:r>
+                    </a:p>
+                  </a:txBody>
+                  <a:tcPr/>
+                </a:tc>
+                <a:tc>
+                  <a:txBody>
+                    <a:bodyPr/>
+                    <a:lstStyle/>
+                    <a:p>
+                      <a:r>
+                        <a:rPr kumimoji="1" lang="en-US" altLang="ja-JP" sz="1100" dirty="0"/>
+                        <a:t>3</a:t>
+                      </a:r>
+                      <a:r>
+                        <a:rPr kumimoji="1" lang="ja-JP" altLang="en-US" sz="1100" dirty="0"/>
+                        <a:t>名</a:t>
+                      </a:r>
+                    </a:p>
+                  </a:txBody>
+                  <a:tcPr/>
+                </a:tc>
+                <a:tc>
+                  <a:txBody>
+                    <a:bodyPr/>
+                    <a:lstStyle/>
+                    <a:p>
+                      <a:r>
+                        <a:rPr kumimoji="1" lang="en-US" altLang="ja-JP" sz="1100" dirty="0"/>
+                        <a:t>5</a:t>
+                      </a:r>
+                      <a:r>
+                        <a:rPr kumimoji="1" lang="ja-JP" altLang="en-US" sz="1100" dirty="0"/>
+                        <a:t>名</a:t>
+                      </a:r>
+                    </a:p>
+                  </a:txBody>
+                  <a:tcPr/>
+                </a:tc>
+                <a:extLst>
+                  <a:ext uri="{0D108BD9-81ED-4DB2-BD59-A6C34878D82A}">
+                    <a16:rowId xmlns:a16="http://schemas.microsoft.com/office/drawing/2014/main" val="936262606"/>
+                  </a:ext>
+                </a:extLst>
+              </a:tr>
+            </a:tbl>
+          </a:graphicData>
+        </a:graphic>
+      </p:graphicFrame>
+      <p:graphicFrame>
+        <p:nvGraphicFramePr>
+          <p:cNvPr id="11" name="表 10">
+            <a:extLst>
+              <a:ext uri="{FF2B5EF4-FFF2-40B4-BE49-F238E27FC236}">
+                <a16:creationId xmlns:a16="http://schemas.microsoft.com/office/drawing/2014/main" id="{79045226-B9AC-46B2-92AA-3C6910C7390A}"/>
+              </a:ext>
+            </a:extLst>
+          </p:cNvPr>
+          <p:cNvGraphicFramePr>
+            <a:graphicFrameLocks noGrp="1"/>
+          </p:cNvGraphicFramePr>
+          <p:nvPr>
+            <p:extLst>
+              <p:ext uri="{D42A27DB-BD31-4B8C-83A1-F6EECF244321}">
+                <p14:modId xmlns:p14="http://schemas.microsoft.com/office/powerpoint/2010/main" val="759901417"/>
+              </p:ext>
+            </p:extLst>
+          </p:nvPr>
+        </p:nvGraphicFramePr>
+        <p:xfrm>
+          <a:off x="848282" y="4499069"/>
+          <a:ext cx="6280308" cy="1543640"/>
+        </p:xfrm>
+        <a:graphic>
+          <a:graphicData uri="http://schemas.openxmlformats.org/drawingml/2006/table">
+            <a:tbl>
+              <a:tblPr firstRow="1" bandRow="1">
+                <a:tableStyleId>{5C22544A-7EE6-4342-B048-85BDC9FD1C3A}</a:tableStyleId>
+              </a:tblPr>
+              <a:tblGrid>
+                <a:gridCol w="1046718">
+                  <a:extLst>
+                    <a:ext uri="{9D8B030D-6E8A-4147-A177-3AD203B41FA5}">
+                      <a16:colId xmlns:a16="http://schemas.microsoft.com/office/drawing/2014/main" val="3472953002"/>
+                    </a:ext>
+                  </a:extLst>
+                </a:gridCol>
+                <a:gridCol w="1046718">
+                  <a:extLst>
+                    <a:ext uri="{9D8B030D-6E8A-4147-A177-3AD203B41FA5}">
+                      <a16:colId xmlns:a16="http://schemas.microsoft.com/office/drawing/2014/main" val="1567616906"/>
+                    </a:ext>
+                  </a:extLst>
+                </a:gridCol>
+                <a:gridCol w="1046718">
+                  <a:extLst>
+                    <a:ext uri="{9D8B030D-6E8A-4147-A177-3AD203B41FA5}">
+                      <a16:colId xmlns:a16="http://schemas.microsoft.com/office/drawing/2014/main" val="3216724867"/>
+                    </a:ext>
+                  </a:extLst>
+                </a:gridCol>
+                <a:gridCol w="1046718">
+                  <a:extLst>
+                    <a:ext uri="{9D8B030D-6E8A-4147-A177-3AD203B41FA5}">
+                      <a16:colId xmlns:a16="http://schemas.microsoft.com/office/drawing/2014/main" val="659707241"/>
+                    </a:ext>
+                  </a:extLst>
+                </a:gridCol>
+                <a:gridCol w="1046718">
+                  <a:extLst>
+                    <a:ext uri="{9D8B030D-6E8A-4147-A177-3AD203B41FA5}">
+                      <a16:colId xmlns:a16="http://schemas.microsoft.com/office/drawing/2014/main" val="2288569116"/>
+                    </a:ext>
+                  </a:extLst>
+                </a:gridCol>
+                <a:gridCol w="1046718">
+                  <a:extLst>
+                    <a:ext uri="{9D8B030D-6E8A-4147-A177-3AD203B41FA5}">
+                      <a16:colId xmlns:a16="http://schemas.microsoft.com/office/drawing/2014/main" val="2439958870"/>
+                    </a:ext>
+                  </a:extLst>
+                </a:gridCol>
+              </a:tblGrid>
+              <a:tr h="308728">
+                <a:tc>
+                  <a:txBody>
+                    <a:bodyPr/>
+                    <a:lstStyle/>
+                    <a:p>
+                      <a:r>
+                        <a:rPr kumimoji="1" lang="ja-JP" altLang="en-US" sz="1200" baseline="0" dirty="0"/>
+                        <a:t>日付</a:t>
+                      </a:r>
+                    </a:p>
+                  </a:txBody>
+                  <a:tcPr/>
+                </a:tc>
+                <a:tc>
+                  <a:txBody>
+                    <a:bodyPr/>
+                    <a:lstStyle/>
+                    <a:p>
+                      <a:r>
+                        <a:rPr kumimoji="1" lang="ja-JP" altLang="en-US" sz="1200" dirty="0"/>
+                        <a:t>店名</a:t>
+                      </a:r>
+                    </a:p>
+                  </a:txBody>
+                  <a:tcPr/>
+                </a:tc>
+                <a:tc>
+                  <a:txBody>
+                    <a:bodyPr/>
+                    <a:lstStyle/>
+                    <a:p>
+                      <a:r>
+                        <a:rPr kumimoji="1" lang="ja-JP" altLang="en-US" sz="1200" dirty="0"/>
+                        <a:t>ジャンル</a:t>
+                      </a:r>
+                    </a:p>
+                  </a:txBody>
+                  <a:tcPr/>
+                </a:tc>
+                <a:tc>
+                  <a:txBody>
+                    <a:bodyPr/>
+                    <a:lstStyle/>
+                    <a:p>
+                      <a:r>
+                        <a:rPr kumimoji="1" lang="ja-JP" altLang="en-US" sz="1200" dirty="0"/>
+                        <a:t>場所</a:t>
+                      </a:r>
+                    </a:p>
+                  </a:txBody>
+                  <a:tcPr/>
+                </a:tc>
+                <a:tc>
+                  <a:txBody>
+                    <a:bodyPr/>
+                    <a:lstStyle/>
+                    <a:p>
+                      <a:r>
+                        <a:rPr kumimoji="1" lang="ja-JP" altLang="en-US" sz="1200" dirty="0"/>
+                        <a:t>予約</a:t>
+                      </a:r>
+                    </a:p>
+                  </a:txBody>
+                  <a:tcPr/>
+                </a:tc>
+                <a:tc>
+                  <a:txBody>
+                    <a:bodyPr/>
+                    <a:lstStyle/>
+                    <a:p>
+                      <a:r>
+                        <a:rPr kumimoji="1" lang="ja-JP" altLang="en-US" sz="1200" dirty="0"/>
+                        <a:t>来客数</a:t>
+                      </a:r>
+                    </a:p>
+                  </a:txBody>
+                  <a:tcPr/>
+                </a:tc>
+                <a:extLst>
+                  <a:ext uri="{0D108BD9-81ED-4DB2-BD59-A6C34878D82A}">
+                    <a16:rowId xmlns:a16="http://schemas.microsoft.com/office/drawing/2014/main" val="2541452345"/>
+                  </a:ext>
+                </a:extLst>
+              </a:tr>
+              <a:tr h="308728">
+                <a:tc>
+                  <a:txBody>
+                    <a:bodyPr/>
+                    <a:lstStyle/>
+                    <a:p>
+                      <a:r>
+                        <a:rPr kumimoji="1" lang="en-US" altLang="ja-JP" sz="1200" dirty="0"/>
+                        <a:t>2017/04/23</a:t>
+                      </a:r>
+                      <a:endParaRPr kumimoji="1" lang="ja-JP" altLang="en-US" sz="1200" dirty="0"/>
+                    </a:p>
+                  </a:txBody>
+                  <a:tcPr/>
+                </a:tc>
+                <a:tc>
+                  <a:txBody>
+                    <a:bodyPr/>
+                    <a:lstStyle/>
+                    <a:p>
+                      <a:r>
+                        <a:rPr kumimoji="1" lang="en-US" altLang="ja-JP" sz="1200" dirty="0"/>
+                        <a:t>A</a:t>
+                      </a:r>
+                      <a:r>
+                        <a:rPr kumimoji="1" lang="ja-JP" altLang="en-US" sz="1200" dirty="0"/>
+                        <a:t>店</a:t>
+                      </a:r>
+                    </a:p>
+                  </a:txBody>
+                  <a:tcPr/>
+                </a:tc>
+                <a:tc>
+                  <a:txBody>
+                    <a:bodyPr/>
+                    <a:lstStyle/>
+                    <a:p>
+                      <a:r>
+                        <a:rPr kumimoji="1" lang="ja-JP" altLang="en-US" sz="1200" dirty="0"/>
+                        <a:t>焼き肉</a:t>
+                      </a:r>
+                    </a:p>
+                  </a:txBody>
+                  <a:tcPr/>
+                </a:tc>
+                <a:tc>
+                  <a:txBody>
+                    <a:bodyPr/>
+                    <a:lstStyle/>
+                    <a:p>
+                      <a:r>
+                        <a:rPr kumimoji="1" lang="ja-JP" altLang="en-US" sz="1200" dirty="0"/>
+                        <a:t>東京</a:t>
+                      </a:r>
+                    </a:p>
+                  </a:txBody>
+                  <a:tcPr/>
+                </a:tc>
+                <a:tc>
+                  <a:txBody>
+                    <a:bodyPr/>
+                    <a:lstStyle/>
+                    <a:p>
+                      <a:r>
+                        <a:rPr kumimoji="1" lang="en-US" altLang="ja-JP" sz="1200" dirty="0"/>
+                        <a:t>10</a:t>
+                      </a:r>
+                      <a:r>
+                        <a:rPr kumimoji="1" lang="ja-JP" altLang="en-US" sz="1200" dirty="0"/>
+                        <a:t>名</a:t>
+                      </a:r>
+                    </a:p>
+                  </a:txBody>
+                  <a:tcPr/>
+                </a:tc>
+                <a:tc>
+                  <a:txBody>
+                    <a:bodyPr/>
+                    <a:lstStyle/>
+                    <a:p>
+                      <a:r>
+                        <a:rPr kumimoji="1" lang="ja-JP" altLang="en-US" sz="1200" dirty="0"/>
+                        <a:t>？</a:t>
+                      </a:r>
+                    </a:p>
+                  </a:txBody>
+                  <a:tcPr/>
+                </a:tc>
+                <a:extLst>
+                  <a:ext uri="{0D108BD9-81ED-4DB2-BD59-A6C34878D82A}">
+                    <a16:rowId xmlns:a16="http://schemas.microsoft.com/office/drawing/2014/main" val="2235806074"/>
+                  </a:ext>
+                </a:extLst>
+              </a:tr>
+              <a:tr h="308728">
+                <a:tc>
+                  <a:txBody>
+                    <a:bodyPr/>
+                    <a:lstStyle/>
+                    <a:p>
+                      <a:r>
+                        <a:rPr kumimoji="1" lang="en-US" altLang="ja-JP" sz="1200" dirty="0"/>
+                        <a:t>2017/04/23</a:t>
+                      </a:r>
+                      <a:endParaRPr kumimoji="1" lang="ja-JP" altLang="en-US" sz="1200" dirty="0"/>
+                    </a:p>
+                  </a:txBody>
+                  <a:tcPr/>
+                </a:tc>
+                <a:tc>
+                  <a:txBody>
+                    <a:bodyPr/>
+                    <a:lstStyle/>
+                    <a:p>
+                      <a:r>
+                        <a:rPr kumimoji="1" lang="en-US" altLang="ja-JP" sz="1200" dirty="0"/>
+                        <a:t>B</a:t>
+                      </a:r>
+                      <a:r>
+                        <a:rPr kumimoji="1" lang="ja-JP" altLang="en-US" sz="1200" dirty="0"/>
+                        <a:t>店</a:t>
+                      </a:r>
+                    </a:p>
+                  </a:txBody>
+                  <a:tcPr/>
+                </a:tc>
+                <a:tc>
+                  <a:txBody>
+                    <a:bodyPr/>
+                    <a:lstStyle/>
+                    <a:p>
+                      <a:r>
+                        <a:rPr kumimoji="1" lang="ja-JP" altLang="en-US" sz="1200" dirty="0"/>
+                        <a:t>そば</a:t>
+                      </a:r>
+                    </a:p>
+                  </a:txBody>
+                  <a:tcPr/>
+                </a:tc>
+                <a:tc>
+                  <a:txBody>
+                    <a:bodyPr/>
+                    <a:lstStyle/>
+                    <a:p>
+                      <a:r>
+                        <a:rPr kumimoji="1" lang="ja-JP" altLang="en-US" sz="1200" dirty="0"/>
+                        <a:t>福岡</a:t>
+                      </a:r>
+                    </a:p>
+                  </a:txBody>
+                  <a:tcPr/>
+                </a:tc>
+                <a:tc>
+                  <a:txBody>
+                    <a:bodyPr/>
+                    <a:lstStyle/>
+                    <a:p>
+                      <a:r>
+                        <a:rPr kumimoji="1" lang="en-US" altLang="ja-JP" sz="1200" dirty="0"/>
+                        <a:t>3</a:t>
+                      </a:r>
+                      <a:r>
+                        <a:rPr kumimoji="1" lang="ja-JP" altLang="en-US" sz="1200" dirty="0"/>
+                        <a:t>名</a:t>
+                      </a:r>
+                    </a:p>
+                  </a:txBody>
+                  <a:tcPr/>
+                </a:tc>
+                <a:tc>
+                  <a:txBody>
+                    <a:bodyPr/>
+                    <a:lstStyle/>
+                    <a:p>
+                      <a:r>
+                        <a:rPr kumimoji="1" lang="ja-JP" altLang="en-US" sz="1200" dirty="0"/>
+                        <a:t>？</a:t>
+                      </a:r>
+                    </a:p>
+                  </a:txBody>
+                  <a:tcPr/>
+                </a:tc>
+                <a:extLst>
+                  <a:ext uri="{0D108BD9-81ED-4DB2-BD59-A6C34878D82A}">
+                    <a16:rowId xmlns:a16="http://schemas.microsoft.com/office/drawing/2014/main" val="1872554097"/>
+                  </a:ext>
+                </a:extLst>
+              </a:tr>
+              <a:tr h="308728">
+                <a:tc>
+                  <a:txBody>
+                    <a:bodyPr/>
+                    <a:lstStyle/>
+                    <a:p>
+                      <a:r>
+                        <a:rPr kumimoji="1" lang="en-US" altLang="ja-JP" sz="1200" dirty="0"/>
+                        <a:t>2017/04/24</a:t>
+                      </a:r>
+                      <a:endParaRPr kumimoji="1" lang="ja-JP" altLang="en-US" sz="1200" dirty="0"/>
+                    </a:p>
+                  </a:txBody>
+                  <a:tcPr/>
+                </a:tc>
+                <a:tc>
+                  <a:txBody>
+                    <a:bodyPr/>
+                    <a:lstStyle/>
+                    <a:p>
+                      <a:r>
+                        <a:rPr kumimoji="1" lang="en-US" altLang="ja-JP" sz="1200" dirty="0"/>
+                        <a:t>A</a:t>
+                      </a:r>
+                      <a:r>
+                        <a:rPr kumimoji="1" lang="ja-JP" altLang="en-US" sz="1200" dirty="0"/>
+                        <a:t>店</a:t>
+                      </a:r>
+                    </a:p>
+                  </a:txBody>
+                  <a:tcPr/>
+                </a:tc>
+                <a:tc>
+                  <a:txBody>
+                    <a:bodyPr/>
+                    <a:lstStyle/>
+                    <a:p>
+                      <a:r>
+                        <a:rPr kumimoji="1" lang="ja-JP" altLang="en-US" sz="1200" dirty="0"/>
+                        <a:t>焼き肉</a:t>
+                      </a:r>
+                    </a:p>
+                  </a:txBody>
+                  <a:tcPr/>
+                </a:tc>
+                <a:tc>
+                  <a:txBody>
+                    <a:bodyPr/>
+                    <a:lstStyle/>
+                    <a:p>
+                      <a:r>
+                        <a:rPr kumimoji="1" lang="ja-JP" altLang="en-US" sz="1200" dirty="0"/>
+                        <a:t>東京</a:t>
+                      </a:r>
+                    </a:p>
+                  </a:txBody>
+                  <a:tcPr/>
+                </a:tc>
+                <a:tc>
+                  <a:txBody>
+                    <a:bodyPr/>
+                    <a:lstStyle/>
+                    <a:p>
+                      <a:r>
+                        <a:rPr kumimoji="1" lang="en-US" altLang="ja-JP" sz="1200" dirty="0"/>
+                        <a:t>20</a:t>
+                      </a:r>
+                      <a:r>
+                        <a:rPr kumimoji="1" lang="ja-JP" altLang="en-US" sz="1200" dirty="0"/>
+                        <a:t>名</a:t>
+                      </a:r>
+                    </a:p>
+                  </a:txBody>
+                  <a:tcPr/>
+                </a:tc>
+                <a:tc>
+                  <a:txBody>
+                    <a:bodyPr/>
+                    <a:lstStyle/>
+                    <a:p>
+                      <a:r>
+                        <a:rPr kumimoji="1" lang="ja-JP" altLang="en-US" sz="1200" dirty="0"/>
+                        <a:t>？</a:t>
+                      </a:r>
+                    </a:p>
+                  </a:txBody>
+                  <a:tcPr/>
+                </a:tc>
+                <a:extLst>
+                  <a:ext uri="{0D108BD9-81ED-4DB2-BD59-A6C34878D82A}">
+                    <a16:rowId xmlns:a16="http://schemas.microsoft.com/office/drawing/2014/main" val="683497724"/>
+                  </a:ext>
+                </a:extLst>
+              </a:tr>
+              <a:tr h="308728">
+                <a:tc>
+                  <a:txBody>
+                    <a:bodyPr/>
+                    <a:lstStyle/>
+                    <a:p>
+                      <a:r>
+                        <a:rPr kumimoji="1" lang="en-US" altLang="ja-JP" sz="1200" dirty="0"/>
+                        <a:t>2017/04/24</a:t>
+                      </a:r>
+                      <a:endParaRPr kumimoji="1" lang="ja-JP" altLang="en-US" sz="1200" dirty="0"/>
+                    </a:p>
+                  </a:txBody>
+                  <a:tcPr/>
+                </a:tc>
+                <a:tc>
+                  <a:txBody>
+                    <a:bodyPr/>
+                    <a:lstStyle/>
+                    <a:p>
+                      <a:r>
+                        <a:rPr kumimoji="1" lang="en-US" altLang="ja-JP" sz="1200" dirty="0"/>
+                        <a:t>B</a:t>
+                      </a:r>
+                      <a:r>
+                        <a:rPr kumimoji="1" lang="ja-JP" altLang="en-US" sz="1200" dirty="0"/>
+                        <a:t>店</a:t>
+                      </a:r>
+                    </a:p>
+                  </a:txBody>
+                  <a:tcPr/>
+                </a:tc>
+                <a:tc>
+                  <a:txBody>
+                    <a:bodyPr/>
+                    <a:lstStyle/>
+                    <a:p>
+                      <a:r>
+                        <a:rPr kumimoji="1" lang="ja-JP" altLang="en-US" sz="1200" dirty="0"/>
+                        <a:t>そば</a:t>
+                      </a:r>
+                    </a:p>
+                  </a:txBody>
+                  <a:tcPr/>
+                </a:tc>
+                <a:tc>
+                  <a:txBody>
+                    <a:bodyPr/>
+                    <a:lstStyle/>
+                    <a:p>
+                      <a:r>
+                        <a:rPr kumimoji="1" lang="ja-JP" altLang="en-US" sz="1200" dirty="0"/>
+                        <a:t>福岡</a:t>
+                      </a:r>
+                    </a:p>
+                  </a:txBody>
+                  <a:tcPr/>
+                </a:tc>
+                <a:tc>
+                  <a:txBody>
+                    <a:bodyPr/>
+                    <a:lstStyle/>
+                    <a:p>
+                      <a:r>
+                        <a:rPr kumimoji="1" lang="en-US" altLang="ja-JP" sz="1200" dirty="0"/>
+                        <a:t>3</a:t>
+                      </a:r>
+                      <a:r>
+                        <a:rPr kumimoji="1" lang="ja-JP" altLang="en-US" sz="1200" dirty="0"/>
+                        <a:t>名</a:t>
+                      </a:r>
+                    </a:p>
+                  </a:txBody>
+                  <a:tcPr/>
+                </a:tc>
+                <a:tc>
+                  <a:txBody>
+                    <a:bodyPr/>
+                    <a:lstStyle/>
+                    <a:p>
+                      <a:r>
+                        <a:rPr kumimoji="1" lang="ja-JP" altLang="en-US" sz="1200" dirty="0"/>
+                        <a:t>？</a:t>
+                      </a:r>
+                    </a:p>
+                  </a:txBody>
+                  <a:tcPr/>
+                </a:tc>
+                <a:extLst>
+                  <a:ext uri="{0D108BD9-81ED-4DB2-BD59-A6C34878D82A}">
+                    <a16:rowId xmlns:a16="http://schemas.microsoft.com/office/drawing/2014/main" val="936262606"/>
+                  </a:ext>
+                </a:extLst>
+              </a:tr>
+            </a:tbl>
+          </a:graphicData>
+        </a:graphic>
+      </p:graphicFrame>
+      <p:sp>
+        <p:nvSpPr>
+          <p:cNvPr id="13" name="正方形/長方形 12">
+            <a:extLst>
+              <a:ext uri="{FF2B5EF4-FFF2-40B4-BE49-F238E27FC236}">
+                <a16:creationId xmlns:a16="http://schemas.microsoft.com/office/drawing/2014/main" id="{3F42C1AF-E8B7-4FDC-A84D-013C4E1E3B0A}"/>
+              </a:ext>
+            </a:extLst>
+          </p:cNvPr>
+          <p:cNvSpPr/>
+          <p:nvPr/>
+        </p:nvSpPr>
+        <p:spPr>
+          <a:xfrm>
+            <a:off x="6096000" y="4804633"/>
+            <a:ext cx="1031986" cy="1238076"/>
+          </a:xfrm>
+          <a:prstGeom prst="rect">
+            <a:avLst/>
+          </a:prstGeom>
+          <a:noFill/>
+          <a:ln w="50800"/>
+        </p:spPr>
+        <p:style>
+          <a:lnRef idx="2">
+            <a:schemeClr val="accent3"/>
+          </a:lnRef>
+          <a:fillRef idx="1">
+            <a:schemeClr val="lt1"/>
+          </a:fillRef>
+          <a:effectRef idx="0">
+            <a:schemeClr val="accent3"/>
+          </a:effectRef>
+          <a:fontRef idx="minor">
+            <a:schemeClr val="dk1"/>
+          </a:fontRef>
+        </p:style>
+        <p:txBody>
+          <a:bodyPr rtlCol="0" anchor="ctr"/>
+          <a:lstStyle/>
+          <a:p>
+            <a:pPr algn="ctr"/>
+            <a:endParaRPr kumimoji="1" lang="ja-JP" altLang="en-US" dirty="0"/>
+          </a:p>
+        </p:txBody>
+      </p:sp>
+      <p:sp>
+        <p:nvSpPr>
+          <p:cNvPr id="14" name="テキスト ボックス 13">
+            <a:extLst>
+              <a:ext uri="{FF2B5EF4-FFF2-40B4-BE49-F238E27FC236}">
+                <a16:creationId xmlns:a16="http://schemas.microsoft.com/office/drawing/2014/main" id="{138FABC1-D87D-4F8F-8682-86545E89D4AC}"/>
+              </a:ext>
+            </a:extLst>
+          </p:cNvPr>
+          <p:cNvSpPr txBox="1"/>
+          <p:nvPr/>
+        </p:nvSpPr>
+        <p:spPr>
+          <a:xfrm>
+            <a:off x="848282" y="1950716"/>
+            <a:ext cx="5035621" cy="369332"/>
+          </a:xfrm>
+          <a:prstGeom prst="rect">
+            <a:avLst/>
+          </a:prstGeom>
+          <a:noFill/>
+        </p:spPr>
+        <p:txBody>
+          <a:bodyPr wrap="square" rtlCol="0">
+            <a:spAutoFit/>
+          </a:bodyPr>
+          <a:lstStyle/>
+          <a:p>
+            <a:r>
+              <a:rPr kumimoji="1" lang="en-US" altLang="ja-JP" dirty="0"/>
+              <a:t>2016/01/01</a:t>
+            </a:r>
+            <a:r>
+              <a:rPr kumimoji="1" lang="ja-JP" altLang="en-US" dirty="0"/>
+              <a:t>～</a:t>
+            </a:r>
+            <a:r>
+              <a:rPr kumimoji="1" lang="en-US" altLang="ja-JP" dirty="0"/>
+              <a:t>2017/04/22</a:t>
+            </a:r>
+            <a:r>
+              <a:rPr kumimoji="1" lang="ja-JP" altLang="en-US" dirty="0"/>
+              <a:t>の</a:t>
+            </a:r>
+            <a:r>
+              <a:rPr kumimoji="1" lang="en-US" altLang="ja-JP" dirty="0"/>
+              <a:t>CSV</a:t>
+            </a:r>
+            <a:r>
+              <a:rPr kumimoji="1" lang="ja-JP" altLang="en-US" dirty="0"/>
+              <a:t>データをもらい</a:t>
+            </a:r>
+            <a:endParaRPr kumimoji="1" lang="en-US" altLang="ja-JP" dirty="0"/>
+          </a:p>
+        </p:txBody>
+      </p:sp>
+      <p:sp>
+        <p:nvSpPr>
+          <p:cNvPr id="15" name="テキスト ボックス 14">
+            <a:extLst>
+              <a:ext uri="{FF2B5EF4-FFF2-40B4-BE49-F238E27FC236}">
+                <a16:creationId xmlns:a16="http://schemas.microsoft.com/office/drawing/2014/main" id="{D340F21A-6EC6-4D6E-A879-7FE50AA39939}"/>
+              </a:ext>
+            </a:extLst>
+          </p:cNvPr>
+          <p:cNvSpPr txBox="1"/>
+          <p:nvPr/>
+        </p:nvSpPr>
+        <p:spPr>
+          <a:xfrm>
+            <a:off x="848282" y="4097853"/>
+            <a:ext cx="6024666" cy="369332"/>
+          </a:xfrm>
+          <a:prstGeom prst="rect">
+            <a:avLst/>
+          </a:prstGeom>
+          <a:noFill/>
+        </p:spPr>
+        <p:txBody>
+          <a:bodyPr wrap="square" rtlCol="0">
+            <a:spAutoFit/>
+          </a:bodyPr>
+          <a:lstStyle/>
+          <a:p>
+            <a:r>
+              <a:rPr kumimoji="1" lang="en-US" altLang="ja-JP" dirty="0"/>
+              <a:t>2017/04/23</a:t>
+            </a:r>
+            <a:r>
+              <a:rPr kumimoji="1" lang="ja-JP" altLang="en-US" dirty="0"/>
+              <a:t>～</a:t>
+            </a:r>
+            <a:r>
+              <a:rPr kumimoji="1" lang="en-US" altLang="ja-JP" dirty="0"/>
+              <a:t>2017/05/30</a:t>
+            </a:r>
+            <a:r>
+              <a:rPr kumimoji="1" lang="ja-JP" altLang="en-US" dirty="0"/>
+              <a:t>の来客数を予測、</a:t>
+            </a:r>
+            <a:r>
+              <a:rPr kumimoji="1" lang="en-US" altLang="ja-JP" dirty="0"/>
+              <a:t>CSV</a:t>
+            </a:r>
+            <a:r>
+              <a:rPr kumimoji="1" lang="ja-JP" altLang="en-US" dirty="0"/>
+              <a:t>提出</a:t>
+            </a:r>
+            <a:endParaRPr kumimoji="1" lang="en-US" altLang="ja-JP" dirty="0"/>
+          </a:p>
+        </p:txBody>
+      </p:sp>
     </p:spTree>
     <p:extLst>
       <p:ext uri="{BB962C8B-B14F-4D97-AF65-F5344CB8AC3E}">
@@ -7674,6 +10922,844 @@
           </a:p>
         </p:txBody>
       </p:sp>
+      <p:graphicFrame>
+        <p:nvGraphicFramePr>
+          <p:cNvPr id="3" name="表 2">
+            <a:extLst>
+              <a:ext uri="{FF2B5EF4-FFF2-40B4-BE49-F238E27FC236}">
+                <a16:creationId xmlns:a16="http://schemas.microsoft.com/office/drawing/2014/main" id="{8B2AC6A3-7F94-4131-9776-612241CBAE9B}"/>
+              </a:ext>
+            </a:extLst>
+          </p:cNvPr>
+          <p:cNvGraphicFramePr>
+            <a:graphicFrameLocks noGrp="1"/>
+          </p:cNvGraphicFramePr>
+          <p:nvPr>
+            <p:extLst>
+              <p:ext uri="{D42A27DB-BD31-4B8C-83A1-F6EECF244321}">
+                <p14:modId xmlns:p14="http://schemas.microsoft.com/office/powerpoint/2010/main" val="3969672585"/>
+              </p:ext>
+            </p:extLst>
+          </p:nvPr>
+        </p:nvGraphicFramePr>
+        <p:xfrm>
+          <a:off x="677331" y="2146949"/>
+          <a:ext cx="8290496" cy="2780650"/>
+        </p:xfrm>
+        <a:graphic>
+          <a:graphicData uri="http://schemas.openxmlformats.org/drawingml/2006/table">
+            <a:tbl>
+              <a:tblPr firstRow="1" bandRow="1">
+                <a:tableStyleId>{5C22544A-7EE6-4342-B048-85BDC9FD1C3A}</a:tableStyleId>
+              </a:tblPr>
+              <a:tblGrid>
+                <a:gridCol w="1036312">
+                  <a:extLst>
+                    <a:ext uri="{9D8B030D-6E8A-4147-A177-3AD203B41FA5}">
+                      <a16:colId xmlns:a16="http://schemas.microsoft.com/office/drawing/2014/main" val="3472953002"/>
+                    </a:ext>
+                  </a:extLst>
+                </a:gridCol>
+                <a:gridCol w="1036312">
+                  <a:extLst>
+                    <a:ext uri="{9D8B030D-6E8A-4147-A177-3AD203B41FA5}">
+                      <a16:colId xmlns:a16="http://schemas.microsoft.com/office/drawing/2014/main" val="1567616906"/>
+                    </a:ext>
+                  </a:extLst>
+                </a:gridCol>
+                <a:gridCol w="1036312">
+                  <a:extLst>
+                    <a:ext uri="{9D8B030D-6E8A-4147-A177-3AD203B41FA5}">
+                      <a16:colId xmlns:a16="http://schemas.microsoft.com/office/drawing/2014/main" val="3216724867"/>
+                    </a:ext>
+                  </a:extLst>
+                </a:gridCol>
+                <a:gridCol w="1036312">
+                  <a:extLst>
+                    <a:ext uri="{9D8B030D-6E8A-4147-A177-3AD203B41FA5}">
+                      <a16:colId xmlns:a16="http://schemas.microsoft.com/office/drawing/2014/main" val="659707241"/>
+                    </a:ext>
+                  </a:extLst>
+                </a:gridCol>
+                <a:gridCol w="1036312">
+                  <a:extLst>
+                    <a:ext uri="{9D8B030D-6E8A-4147-A177-3AD203B41FA5}">
+                      <a16:colId xmlns:a16="http://schemas.microsoft.com/office/drawing/2014/main" val="2288569116"/>
+                    </a:ext>
+                  </a:extLst>
+                </a:gridCol>
+                <a:gridCol w="1036312">
+                  <a:extLst>
+                    <a:ext uri="{9D8B030D-6E8A-4147-A177-3AD203B41FA5}">
+                      <a16:colId xmlns:a16="http://schemas.microsoft.com/office/drawing/2014/main" val="2439958870"/>
+                    </a:ext>
+                  </a:extLst>
+                </a:gridCol>
+                <a:gridCol w="1036312">
+                  <a:extLst>
+                    <a:ext uri="{9D8B030D-6E8A-4147-A177-3AD203B41FA5}">
+                      <a16:colId xmlns:a16="http://schemas.microsoft.com/office/drawing/2014/main" val="1498219054"/>
+                    </a:ext>
+                  </a:extLst>
+                </a:gridCol>
+                <a:gridCol w="1036312">
+                  <a:extLst>
+                    <a:ext uri="{9D8B030D-6E8A-4147-A177-3AD203B41FA5}">
+                      <a16:colId xmlns:a16="http://schemas.microsoft.com/office/drawing/2014/main" val="3041155175"/>
+                    </a:ext>
+                  </a:extLst>
+                </a:gridCol>
+              </a:tblGrid>
+              <a:tr h="556130">
+                <a:tc>
+                  <a:txBody>
+                    <a:bodyPr/>
+                    <a:lstStyle/>
+                    <a:p>
+                      <a:r>
+                        <a:rPr kumimoji="1" lang="ja-JP" altLang="en-US" sz="1200" baseline="0" dirty="0"/>
+                        <a:t>日付</a:t>
+                      </a:r>
+                    </a:p>
+                  </a:txBody>
+                  <a:tcPr/>
+                </a:tc>
+                <a:tc>
+                  <a:txBody>
+                    <a:bodyPr/>
+                    <a:lstStyle/>
+                    <a:p>
+                      <a:r>
+                        <a:rPr kumimoji="1" lang="ja-JP" altLang="en-US" sz="1200" dirty="0"/>
+                        <a:t>店名</a:t>
+                      </a:r>
+                    </a:p>
+                  </a:txBody>
+                  <a:tcPr/>
+                </a:tc>
+                <a:tc>
+                  <a:txBody>
+                    <a:bodyPr/>
+                    <a:lstStyle/>
+                    <a:p>
+                      <a:r>
+                        <a:rPr kumimoji="1" lang="ja-JP" altLang="en-US" sz="1200" dirty="0"/>
+                        <a:t>ジャンル</a:t>
+                      </a:r>
+                    </a:p>
+                  </a:txBody>
+                  <a:tcPr/>
+                </a:tc>
+                <a:tc>
+                  <a:txBody>
+                    <a:bodyPr/>
+                    <a:lstStyle/>
+                    <a:p>
+                      <a:r>
+                        <a:rPr kumimoji="1" lang="ja-JP" altLang="en-US" sz="1200" dirty="0"/>
+                        <a:t>場所</a:t>
+                      </a:r>
+                    </a:p>
+                  </a:txBody>
+                  <a:tcPr/>
+                </a:tc>
+                <a:tc>
+                  <a:txBody>
+                    <a:bodyPr/>
+                    <a:lstStyle/>
+                    <a:p>
+                      <a:r>
+                        <a:rPr kumimoji="1" lang="ja-JP" altLang="en-US" sz="1200" dirty="0"/>
+                        <a:t>予約</a:t>
+                      </a:r>
+                    </a:p>
+                  </a:txBody>
+                  <a:tcPr/>
+                </a:tc>
+                <a:tc>
+                  <a:txBody>
+                    <a:bodyPr/>
+                    <a:lstStyle/>
+                    <a:p>
+                      <a:r>
+                        <a:rPr kumimoji="1" lang="ja-JP" altLang="en-US" sz="1200" dirty="0"/>
+                        <a:t>予想</a:t>
+                      </a:r>
+                    </a:p>
+                  </a:txBody>
+                  <a:tcPr/>
+                </a:tc>
+                <a:tc>
+                  <a:txBody>
+                    <a:bodyPr/>
+                    <a:lstStyle/>
+                    <a:p>
+                      <a:r>
+                        <a:rPr kumimoji="1" lang="ja-JP" altLang="en-US" sz="1200" dirty="0"/>
+                        <a:t>実際</a:t>
+                      </a:r>
+                    </a:p>
+                  </a:txBody>
+                  <a:tcPr/>
+                </a:tc>
+                <a:tc>
+                  <a:txBody>
+                    <a:bodyPr/>
+                    <a:lstStyle/>
+                    <a:p>
+                      <a:r>
+                        <a:rPr kumimoji="1" lang="ja-JP" altLang="en-US" sz="1200" dirty="0"/>
+                        <a:t>誤差</a:t>
+                      </a:r>
+                    </a:p>
+                  </a:txBody>
+                  <a:tcPr/>
+                </a:tc>
+                <a:extLst>
+                  <a:ext uri="{0D108BD9-81ED-4DB2-BD59-A6C34878D82A}">
+                    <a16:rowId xmlns:a16="http://schemas.microsoft.com/office/drawing/2014/main" val="2541452345"/>
+                  </a:ext>
+                </a:extLst>
+              </a:tr>
+              <a:tr h="556130">
+                <a:tc>
+                  <a:txBody>
+                    <a:bodyPr/>
+                    <a:lstStyle/>
+                    <a:p>
+                      <a:r>
+                        <a:rPr kumimoji="1" lang="en-US" altLang="ja-JP" sz="1200" dirty="0"/>
+                        <a:t>2017/04/23</a:t>
+                      </a:r>
+                      <a:endParaRPr kumimoji="1" lang="ja-JP" altLang="en-US" sz="1200" dirty="0"/>
+                    </a:p>
+                  </a:txBody>
+                  <a:tcPr/>
+                </a:tc>
+                <a:tc>
+                  <a:txBody>
+                    <a:bodyPr/>
+                    <a:lstStyle/>
+                    <a:p>
+                      <a:r>
+                        <a:rPr kumimoji="1" lang="en-US" altLang="ja-JP" sz="1200" dirty="0"/>
+                        <a:t>A</a:t>
+                      </a:r>
+                      <a:r>
+                        <a:rPr kumimoji="1" lang="ja-JP" altLang="en-US" sz="1200" dirty="0"/>
+                        <a:t>店</a:t>
+                      </a:r>
+                    </a:p>
+                  </a:txBody>
+                  <a:tcPr/>
+                </a:tc>
+                <a:tc>
+                  <a:txBody>
+                    <a:bodyPr/>
+                    <a:lstStyle/>
+                    <a:p>
+                      <a:r>
+                        <a:rPr kumimoji="1" lang="ja-JP" altLang="en-US" sz="1200" dirty="0"/>
+                        <a:t>焼き肉</a:t>
+                      </a:r>
+                    </a:p>
+                  </a:txBody>
+                  <a:tcPr/>
+                </a:tc>
+                <a:tc>
+                  <a:txBody>
+                    <a:bodyPr/>
+                    <a:lstStyle/>
+                    <a:p>
+                      <a:r>
+                        <a:rPr kumimoji="1" lang="ja-JP" altLang="en-US" sz="1200" dirty="0"/>
+                        <a:t>東京</a:t>
+                      </a:r>
+                    </a:p>
+                  </a:txBody>
+                  <a:tcPr/>
+                </a:tc>
+                <a:tc>
+                  <a:txBody>
+                    <a:bodyPr/>
+                    <a:lstStyle/>
+                    <a:p>
+                      <a:r>
+                        <a:rPr kumimoji="1" lang="en-US" altLang="ja-JP" sz="1200" dirty="0"/>
+                        <a:t>10</a:t>
+                      </a:r>
+                      <a:r>
+                        <a:rPr kumimoji="1" lang="ja-JP" altLang="en-US" sz="1200" dirty="0"/>
+                        <a:t>名</a:t>
+                      </a:r>
+                    </a:p>
+                  </a:txBody>
+                  <a:tcPr/>
+                </a:tc>
+                <a:tc>
+                  <a:txBody>
+                    <a:bodyPr/>
+                    <a:lstStyle/>
+                    <a:p>
+                      <a:r>
+                        <a:rPr kumimoji="1" lang="en-US" altLang="ja-JP" sz="1200" dirty="0"/>
+                        <a:t>19</a:t>
+                      </a:r>
+                      <a:r>
+                        <a:rPr kumimoji="1" lang="ja-JP" altLang="en-US" sz="1200" dirty="0"/>
+                        <a:t>？</a:t>
+                      </a:r>
+                    </a:p>
+                  </a:txBody>
+                  <a:tcPr/>
+                </a:tc>
+                <a:tc>
+                  <a:txBody>
+                    <a:bodyPr/>
+                    <a:lstStyle/>
+                    <a:p>
+                      <a:r>
+                        <a:rPr kumimoji="1" lang="en-US" altLang="ja-JP" sz="1200" dirty="0"/>
+                        <a:t>21</a:t>
+                      </a:r>
+                      <a:endParaRPr kumimoji="1" lang="ja-JP" altLang="en-US" sz="1200" dirty="0"/>
+                    </a:p>
+                  </a:txBody>
+                  <a:tcPr/>
+                </a:tc>
+                <a:tc>
+                  <a:txBody>
+                    <a:bodyPr/>
+                    <a:lstStyle/>
+                    <a:p>
+                      <a:r>
+                        <a:rPr kumimoji="1" lang="en-US" altLang="ja-JP" sz="1200" dirty="0"/>
+                        <a:t>2</a:t>
+                      </a:r>
+                      <a:endParaRPr kumimoji="1" lang="ja-JP" altLang="en-US" sz="1200" dirty="0"/>
+                    </a:p>
+                  </a:txBody>
+                  <a:tcPr/>
+                </a:tc>
+                <a:extLst>
+                  <a:ext uri="{0D108BD9-81ED-4DB2-BD59-A6C34878D82A}">
+                    <a16:rowId xmlns:a16="http://schemas.microsoft.com/office/drawing/2014/main" val="2235806074"/>
+                  </a:ext>
+                </a:extLst>
+              </a:tr>
+              <a:tr h="556130">
+                <a:tc>
+                  <a:txBody>
+                    <a:bodyPr/>
+                    <a:lstStyle/>
+                    <a:p>
+                      <a:r>
+                        <a:rPr kumimoji="1" lang="en-US" altLang="ja-JP" sz="1200" dirty="0"/>
+                        <a:t>2017/04/23</a:t>
+                      </a:r>
+                      <a:endParaRPr kumimoji="1" lang="ja-JP" altLang="en-US" sz="1200" dirty="0"/>
+                    </a:p>
+                  </a:txBody>
+                  <a:tcPr/>
+                </a:tc>
+                <a:tc>
+                  <a:txBody>
+                    <a:bodyPr/>
+                    <a:lstStyle/>
+                    <a:p>
+                      <a:r>
+                        <a:rPr kumimoji="1" lang="en-US" altLang="ja-JP" sz="1200" dirty="0"/>
+                        <a:t>B</a:t>
+                      </a:r>
+                      <a:r>
+                        <a:rPr kumimoji="1" lang="ja-JP" altLang="en-US" sz="1200" dirty="0"/>
+                        <a:t>店</a:t>
+                      </a:r>
+                    </a:p>
+                  </a:txBody>
+                  <a:tcPr/>
+                </a:tc>
+                <a:tc>
+                  <a:txBody>
+                    <a:bodyPr/>
+                    <a:lstStyle/>
+                    <a:p>
+                      <a:r>
+                        <a:rPr kumimoji="1" lang="ja-JP" altLang="en-US" sz="1200" dirty="0"/>
+                        <a:t>そば</a:t>
+                      </a:r>
+                    </a:p>
+                  </a:txBody>
+                  <a:tcPr/>
+                </a:tc>
+                <a:tc>
+                  <a:txBody>
+                    <a:bodyPr/>
+                    <a:lstStyle/>
+                    <a:p>
+                      <a:r>
+                        <a:rPr kumimoji="1" lang="ja-JP" altLang="en-US" sz="1200" dirty="0"/>
+                        <a:t>福岡</a:t>
+                      </a:r>
+                    </a:p>
+                  </a:txBody>
+                  <a:tcPr/>
+                </a:tc>
+                <a:tc>
+                  <a:txBody>
+                    <a:bodyPr/>
+                    <a:lstStyle/>
+                    <a:p>
+                      <a:r>
+                        <a:rPr kumimoji="1" lang="en-US" altLang="ja-JP" sz="1200" dirty="0"/>
+                        <a:t>3</a:t>
+                      </a:r>
+                      <a:r>
+                        <a:rPr kumimoji="1" lang="ja-JP" altLang="en-US" sz="1200" dirty="0"/>
+                        <a:t>名</a:t>
+                      </a:r>
+                    </a:p>
+                  </a:txBody>
+                  <a:tcPr/>
+                </a:tc>
+                <a:tc>
+                  <a:txBody>
+                    <a:bodyPr/>
+                    <a:lstStyle/>
+                    <a:p>
+                      <a:r>
+                        <a:rPr kumimoji="1" lang="en-US" altLang="ja-JP" sz="1200" dirty="0"/>
+                        <a:t>3</a:t>
+                      </a:r>
+                      <a:r>
+                        <a:rPr kumimoji="1" lang="ja-JP" altLang="en-US" sz="1200" dirty="0"/>
+                        <a:t>？</a:t>
+                      </a:r>
+                    </a:p>
+                  </a:txBody>
+                  <a:tcPr/>
+                </a:tc>
+                <a:tc>
+                  <a:txBody>
+                    <a:bodyPr/>
+                    <a:lstStyle/>
+                    <a:p>
+                      <a:r>
+                        <a:rPr kumimoji="1" lang="en-US" altLang="ja-JP" sz="1200" dirty="0"/>
+                        <a:t>1</a:t>
+                      </a:r>
+                    </a:p>
+                  </a:txBody>
+                  <a:tcPr/>
+                </a:tc>
+                <a:tc>
+                  <a:txBody>
+                    <a:bodyPr/>
+                    <a:lstStyle/>
+                    <a:p>
+                      <a:r>
+                        <a:rPr kumimoji="1" lang="en-US" altLang="ja-JP" sz="1200" dirty="0"/>
+                        <a:t>2</a:t>
+                      </a:r>
+                    </a:p>
+                  </a:txBody>
+                  <a:tcPr/>
+                </a:tc>
+                <a:extLst>
+                  <a:ext uri="{0D108BD9-81ED-4DB2-BD59-A6C34878D82A}">
+                    <a16:rowId xmlns:a16="http://schemas.microsoft.com/office/drawing/2014/main" val="1872554097"/>
+                  </a:ext>
+                </a:extLst>
+              </a:tr>
+              <a:tr h="556130">
+                <a:tc>
+                  <a:txBody>
+                    <a:bodyPr/>
+                    <a:lstStyle/>
+                    <a:p>
+                      <a:r>
+                        <a:rPr kumimoji="1" lang="en-US" altLang="ja-JP" sz="1200" dirty="0"/>
+                        <a:t>2017/04/24</a:t>
+                      </a:r>
+                      <a:endParaRPr kumimoji="1" lang="ja-JP" altLang="en-US" sz="1200" dirty="0"/>
+                    </a:p>
+                  </a:txBody>
+                  <a:tcPr/>
+                </a:tc>
+                <a:tc>
+                  <a:txBody>
+                    <a:bodyPr/>
+                    <a:lstStyle/>
+                    <a:p>
+                      <a:r>
+                        <a:rPr kumimoji="1" lang="en-US" altLang="ja-JP" sz="1200" dirty="0"/>
+                        <a:t>A</a:t>
+                      </a:r>
+                      <a:r>
+                        <a:rPr kumimoji="1" lang="ja-JP" altLang="en-US" sz="1200" dirty="0"/>
+                        <a:t>店</a:t>
+                      </a:r>
+                    </a:p>
+                  </a:txBody>
+                  <a:tcPr/>
+                </a:tc>
+                <a:tc>
+                  <a:txBody>
+                    <a:bodyPr/>
+                    <a:lstStyle/>
+                    <a:p>
+                      <a:r>
+                        <a:rPr kumimoji="1" lang="ja-JP" altLang="en-US" sz="1200" dirty="0"/>
+                        <a:t>焼き肉</a:t>
+                      </a:r>
+                    </a:p>
+                  </a:txBody>
+                  <a:tcPr/>
+                </a:tc>
+                <a:tc>
+                  <a:txBody>
+                    <a:bodyPr/>
+                    <a:lstStyle/>
+                    <a:p>
+                      <a:r>
+                        <a:rPr kumimoji="1" lang="ja-JP" altLang="en-US" sz="1200" dirty="0"/>
+                        <a:t>東京</a:t>
+                      </a:r>
+                    </a:p>
+                  </a:txBody>
+                  <a:tcPr/>
+                </a:tc>
+                <a:tc>
+                  <a:txBody>
+                    <a:bodyPr/>
+                    <a:lstStyle/>
+                    <a:p>
+                      <a:r>
+                        <a:rPr kumimoji="1" lang="en-US" altLang="ja-JP" sz="1200" dirty="0"/>
+                        <a:t>20</a:t>
+                      </a:r>
+                      <a:r>
+                        <a:rPr kumimoji="1" lang="ja-JP" altLang="en-US" sz="1200" dirty="0"/>
+                        <a:t>名</a:t>
+                      </a:r>
+                    </a:p>
+                  </a:txBody>
+                  <a:tcPr/>
+                </a:tc>
+                <a:tc>
+                  <a:txBody>
+                    <a:bodyPr/>
+                    <a:lstStyle/>
+                    <a:p>
+                      <a:r>
+                        <a:rPr kumimoji="1" lang="en-US" altLang="ja-JP" sz="1200" dirty="0"/>
+                        <a:t>23</a:t>
+                      </a:r>
+                      <a:r>
+                        <a:rPr kumimoji="1" lang="ja-JP" altLang="en-US" sz="1200" dirty="0"/>
+                        <a:t>？</a:t>
+                      </a:r>
+                    </a:p>
+                  </a:txBody>
+                  <a:tcPr/>
+                </a:tc>
+                <a:tc>
+                  <a:txBody>
+                    <a:bodyPr/>
+                    <a:lstStyle/>
+                    <a:p>
+                      <a:r>
+                        <a:rPr kumimoji="1" lang="en-US" altLang="ja-JP" sz="1200" dirty="0"/>
+                        <a:t>30</a:t>
+                      </a:r>
+                      <a:endParaRPr kumimoji="1" lang="ja-JP" altLang="en-US" sz="1200" dirty="0"/>
+                    </a:p>
+                  </a:txBody>
+                  <a:tcPr/>
+                </a:tc>
+                <a:tc>
+                  <a:txBody>
+                    <a:bodyPr/>
+                    <a:lstStyle/>
+                    <a:p>
+                      <a:r>
+                        <a:rPr kumimoji="1" lang="en-US" altLang="ja-JP" sz="1200" dirty="0"/>
+                        <a:t>7</a:t>
+                      </a:r>
+                      <a:endParaRPr kumimoji="1" lang="ja-JP" altLang="en-US" sz="1200" dirty="0"/>
+                    </a:p>
+                  </a:txBody>
+                  <a:tcPr/>
+                </a:tc>
+                <a:extLst>
+                  <a:ext uri="{0D108BD9-81ED-4DB2-BD59-A6C34878D82A}">
+                    <a16:rowId xmlns:a16="http://schemas.microsoft.com/office/drawing/2014/main" val="683497724"/>
+                  </a:ext>
+                </a:extLst>
+              </a:tr>
+              <a:tr h="556130">
+                <a:tc>
+                  <a:txBody>
+                    <a:bodyPr/>
+                    <a:lstStyle/>
+                    <a:p>
+                      <a:r>
+                        <a:rPr kumimoji="1" lang="en-US" altLang="ja-JP" sz="1200" dirty="0"/>
+                        <a:t>2017/04/24</a:t>
+                      </a:r>
+                      <a:endParaRPr kumimoji="1" lang="ja-JP" altLang="en-US" sz="1200" dirty="0"/>
+                    </a:p>
+                  </a:txBody>
+                  <a:tcPr/>
+                </a:tc>
+                <a:tc>
+                  <a:txBody>
+                    <a:bodyPr/>
+                    <a:lstStyle/>
+                    <a:p>
+                      <a:r>
+                        <a:rPr kumimoji="1" lang="en-US" altLang="ja-JP" sz="1200" dirty="0"/>
+                        <a:t>B</a:t>
+                      </a:r>
+                      <a:r>
+                        <a:rPr kumimoji="1" lang="ja-JP" altLang="en-US" sz="1200" dirty="0"/>
+                        <a:t>店</a:t>
+                      </a:r>
+                    </a:p>
+                  </a:txBody>
+                  <a:tcPr/>
+                </a:tc>
+                <a:tc>
+                  <a:txBody>
+                    <a:bodyPr/>
+                    <a:lstStyle/>
+                    <a:p>
+                      <a:r>
+                        <a:rPr kumimoji="1" lang="ja-JP" altLang="en-US" sz="1200" dirty="0"/>
+                        <a:t>そば</a:t>
+                      </a:r>
+                    </a:p>
+                  </a:txBody>
+                  <a:tcPr/>
+                </a:tc>
+                <a:tc>
+                  <a:txBody>
+                    <a:bodyPr/>
+                    <a:lstStyle/>
+                    <a:p>
+                      <a:r>
+                        <a:rPr kumimoji="1" lang="ja-JP" altLang="en-US" sz="1200" dirty="0"/>
+                        <a:t>福岡</a:t>
+                      </a:r>
+                    </a:p>
+                  </a:txBody>
+                  <a:tcPr/>
+                </a:tc>
+                <a:tc>
+                  <a:txBody>
+                    <a:bodyPr/>
+                    <a:lstStyle/>
+                    <a:p>
+                      <a:r>
+                        <a:rPr kumimoji="1" lang="en-US" altLang="ja-JP" sz="1200" dirty="0"/>
+                        <a:t>3</a:t>
+                      </a:r>
+                      <a:r>
+                        <a:rPr kumimoji="1" lang="ja-JP" altLang="en-US" sz="1200" dirty="0"/>
+                        <a:t>名</a:t>
+                      </a:r>
+                    </a:p>
+                  </a:txBody>
+                  <a:tcPr/>
+                </a:tc>
+                <a:tc>
+                  <a:txBody>
+                    <a:bodyPr/>
+                    <a:lstStyle/>
+                    <a:p>
+                      <a:r>
+                        <a:rPr kumimoji="1" lang="en-US" altLang="ja-JP" sz="1200" dirty="0"/>
+                        <a:t>4</a:t>
+                      </a:r>
+                      <a:r>
+                        <a:rPr kumimoji="1" lang="ja-JP" altLang="en-US" sz="1200" dirty="0"/>
+                        <a:t>？</a:t>
+                      </a:r>
+                    </a:p>
+                  </a:txBody>
+                  <a:tcPr/>
+                </a:tc>
+                <a:tc>
+                  <a:txBody>
+                    <a:bodyPr/>
+                    <a:lstStyle/>
+                    <a:p>
+                      <a:r>
+                        <a:rPr kumimoji="1" lang="en-US" altLang="ja-JP" sz="1200" dirty="0"/>
+                        <a:t>5</a:t>
+                      </a:r>
+                      <a:endParaRPr kumimoji="1" lang="ja-JP" altLang="en-US" sz="1200" dirty="0"/>
+                    </a:p>
+                  </a:txBody>
+                  <a:tcPr/>
+                </a:tc>
+                <a:tc>
+                  <a:txBody>
+                    <a:bodyPr/>
+                    <a:lstStyle/>
+                    <a:p>
+                      <a:r>
+                        <a:rPr kumimoji="1" lang="en-US" altLang="ja-JP" sz="1200" dirty="0"/>
+                        <a:t>1</a:t>
+                      </a:r>
+                      <a:endParaRPr kumimoji="1" lang="ja-JP" altLang="en-US" sz="1200" dirty="0"/>
+                    </a:p>
+                  </a:txBody>
+                  <a:tcPr/>
+                </a:tc>
+                <a:extLst>
+                  <a:ext uri="{0D108BD9-81ED-4DB2-BD59-A6C34878D82A}">
+                    <a16:rowId xmlns:a16="http://schemas.microsoft.com/office/drawing/2014/main" val="936262606"/>
+                  </a:ext>
+                </a:extLst>
+              </a:tr>
+            </a:tbl>
+          </a:graphicData>
+        </a:graphic>
+      </p:graphicFrame>
+      <p:sp>
+        <p:nvSpPr>
+          <p:cNvPr id="4" name="正方形/長方形 3">
+            <a:extLst>
+              <a:ext uri="{FF2B5EF4-FFF2-40B4-BE49-F238E27FC236}">
+                <a16:creationId xmlns:a16="http://schemas.microsoft.com/office/drawing/2014/main" id="{6F980F84-AC5C-41F6-A62E-88A582285178}"/>
+              </a:ext>
+            </a:extLst>
+          </p:cNvPr>
+          <p:cNvSpPr/>
+          <p:nvPr/>
+        </p:nvSpPr>
+        <p:spPr>
+          <a:xfrm>
+            <a:off x="5855515" y="2146949"/>
+            <a:ext cx="3112312" cy="2780650"/>
+          </a:xfrm>
+          <a:prstGeom prst="rect">
+            <a:avLst/>
+          </a:prstGeom>
+          <a:noFill/>
+          <a:ln w="50800"/>
+        </p:spPr>
+        <p:style>
+          <a:lnRef idx="2">
+            <a:schemeClr val="accent3"/>
+          </a:lnRef>
+          <a:fillRef idx="1">
+            <a:schemeClr val="lt1"/>
+          </a:fillRef>
+          <a:effectRef idx="0">
+            <a:schemeClr val="accent3"/>
+          </a:effectRef>
+          <a:fontRef idx="minor">
+            <a:schemeClr val="dk1"/>
+          </a:fontRef>
+        </p:style>
+        <p:txBody>
+          <a:bodyPr rtlCol="0" anchor="ctr"/>
+          <a:lstStyle/>
+          <a:p>
+            <a:pPr algn="ctr"/>
+            <a:endParaRPr kumimoji="1" lang="ja-JP" altLang="en-US" dirty="0"/>
+          </a:p>
+        </p:txBody>
+      </p:sp>
+      <p:sp>
+        <p:nvSpPr>
+          <p:cNvPr id="6" name="テキスト ボックス 5">
+            <a:extLst>
+              <a:ext uri="{FF2B5EF4-FFF2-40B4-BE49-F238E27FC236}">
+                <a16:creationId xmlns:a16="http://schemas.microsoft.com/office/drawing/2014/main" id="{4BAEB42C-6EB2-4ADF-ACB9-CBF4B3F40110}"/>
+              </a:ext>
+            </a:extLst>
+          </p:cNvPr>
+          <p:cNvSpPr txBox="1"/>
+          <p:nvPr/>
+        </p:nvSpPr>
+        <p:spPr>
+          <a:xfrm>
+            <a:off x="677334" y="1279321"/>
+            <a:ext cx="6024666" cy="369332"/>
+          </a:xfrm>
+          <a:prstGeom prst="rect">
+            <a:avLst/>
+          </a:prstGeom>
+          <a:noFill/>
+        </p:spPr>
+        <p:txBody>
+          <a:bodyPr wrap="square" rtlCol="0">
+            <a:spAutoFit/>
+          </a:bodyPr>
+          <a:lstStyle/>
+          <a:p>
+            <a:r>
+              <a:rPr kumimoji="1" lang="ja-JP" altLang="en-US" dirty="0"/>
+              <a:t>予測値と実際の来客数の誤差が少ない人が優勝</a:t>
+            </a:r>
+            <a:endParaRPr kumimoji="1" lang="en-US" altLang="ja-JP" dirty="0"/>
+          </a:p>
+        </p:txBody>
+      </p:sp>
+      <p:sp>
+        <p:nvSpPr>
+          <p:cNvPr id="7" name="テキスト ボックス 6">
+            <a:extLst>
+              <a:ext uri="{FF2B5EF4-FFF2-40B4-BE49-F238E27FC236}">
+                <a16:creationId xmlns:a16="http://schemas.microsoft.com/office/drawing/2014/main" id="{034513FC-A7FE-46F4-AD4C-0415CBBE05C5}"/>
+              </a:ext>
+            </a:extLst>
+          </p:cNvPr>
+          <p:cNvSpPr txBox="1"/>
+          <p:nvPr/>
+        </p:nvSpPr>
+        <p:spPr>
+          <a:xfrm>
+            <a:off x="677331" y="6063734"/>
+            <a:ext cx="7074094" cy="276999"/>
+          </a:xfrm>
+          <a:prstGeom prst="rect">
+            <a:avLst/>
+          </a:prstGeom>
+          <a:noFill/>
+        </p:spPr>
+        <p:txBody>
+          <a:bodyPr wrap="square" rtlCol="0">
+            <a:spAutoFit/>
+          </a:bodyPr>
+          <a:lstStyle/>
+          <a:p>
+            <a:r>
+              <a:rPr kumimoji="1" lang="en-US" altLang="ja-JP" sz="1200" dirty="0"/>
+              <a:t>※</a:t>
+            </a:r>
+            <a:r>
+              <a:rPr kumimoji="1" lang="ja-JP" altLang="en-US" sz="1200" dirty="0"/>
+              <a:t>プロ向け：正確に言うと</a:t>
+            </a:r>
+            <a:r>
+              <a:rPr kumimoji="1" lang="en-US" altLang="ja-JP" sz="1200" dirty="0"/>
+              <a:t>RMSLE</a:t>
+            </a:r>
+            <a:r>
+              <a:rPr kumimoji="1" lang="ja-JP" altLang="en-US" sz="1200" dirty="0"/>
+              <a:t>（来客数の対数をとって</a:t>
+            </a:r>
+            <a:r>
+              <a:rPr kumimoji="1" lang="en-US" altLang="ja-JP" sz="1200" dirty="0"/>
+              <a:t>RMSE)</a:t>
+            </a:r>
+          </a:p>
+        </p:txBody>
+      </p:sp>
     </p:spTree>
     <p:extLst>
       <p:ext uri="{BB962C8B-B14F-4D97-AF65-F5344CB8AC3E}">
@@ -7709,7 +11795,7 @@
           <p:cNvPr id="2" name="タイトル 1">
             <a:extLst>
               <a:ext uri="{FF2B5EF4-FFF2-40B4-BE49-F238E27FC236}">
-                <a16:creationId xmlns:a16="http://schemas.microsoft.com/office/drawing/2014/main" id="{549BEA2E-1757-42D4-9782-A988E97CA25F}"/>
+                <a16:creationId xmlns:a16="http://schemas.microsoft.com/office/drawing/2014/main" id="{F480397A-140C-44BE-8A43-5DFDF9FC12EC}"/>
               </a:ext>
             </a:extLst>
           </p:cNvPr>
@@ -7726,17 +11812,104 @@
           <a:lstStyle/>
           <a:p>
             <a:r>
-              <a:rPr lang="ja-JP" altLang="en-US" dirty="0"/>
-              <a:t>どう予測する？</a:t>
-            </a:r>
-            <a:endParaRPr kumimoji="1" lang="ja-JP" altLang="en-US" dirty="0"/>
+              <a:rPr kumimoji="1" lang="ja-JP" altLang="en-US" dirty="0"/>
+              <a:t>目次</a:t>
+            </a:r>
+          </a:p>
+        </p:txBody>
+      </p:sp>
+      <p:sp>
+        <p:nvSpPr>
+          <p:cNvPr id="3" name="テキスト ボックス 2">
+            <a:extLst>
+              <a:ext uri="{FF2B5EF4-FFF2-40B4-BE49-F238E27FC236}">
+                <a16:creationId xmlns:a16="http://schemas.microsoft.com/office/drawing/2014/main" id="{4627DE24-5E37-45F7-88D8-4AE6C424AD6E}"/>
+              </a:ext>
+            </a:extLst>
+          </p:cNvPr>
+          <p:cNvSpPr txBox="1"/>
+          <p:nvPr/>
+        </p:nvSpPr>
+        <p:spPr>
+          <a:xfrm>
+            <a:off x="838200" y="1874728"/>
+            <a:ext cx="10083800" cy="3108543"/>
+          </a:xfrm>
+          <a:prstGeom prst="rect">
+            <a:avLst/>
+          </a:prstGeom>
+          <a:noFill/>
+        </p:spPr>
+        <p:txBody>
+          <a:bodyPr wrap="square" rtlCol="0">
+            <a:spAutoFit/>
+          </a:bodyPr>
+          <a:lstStyle/>
+          <a:p>
+            <a:r>
+              <a:rPr kumimoji="1" lang="ja-JP" altLang="en-US" sz="2800" dirty="0"/>
+              <a:t>・</a:t>
+            </a:r>
+            <a:r>
+              <a:rPr kumimoji="1" lang="en-US" altLang="ja-JP" sz="2800" dirty="0"/>
+              <a:t>Kaggle</a:t>
+            </a:r>
+            <a:r>
+              <a:rPr kumimoji="1" lang="ja-JP" altLang="en-US" sz="2800" dirty="0"/>
+              <a:t>概要</a:t>
+            </a:r>
+            <a:endParaRPr kumimoji="1" lang="en-US" altLang="ja-JP" sz="2800" dirty="0"/>
+          </a:p>
+          <a:p>
+            <a:endParaRPr kumimoji="1" lang="en-US" altLang="ja-JP" sz="2800" dirty="0"/>
+          </a:p>
+          <a:p>
+            <a:r>
+              <a:rPr lang="ja-JP" altLang="en-US" sz="2800" dirty="0">
+                <a:solidFill>
+                  <a:schemeClr val="accent3">
+                    <a:lumMod val="60000"/>
+                    <a:lumOff val="40000"/>
+                  </a:schemeClr>
+                </a:solidFill>
+              </a:rPr>
+              <a:t>・どう予測するか</a:t>
+            </a:r>
+            <a:endParaRPr lang="en-US" altLang="ja-JP" sz="2800" dirty="0">
+              <a:solidFill>
+                <a:schemeClr val="accent3">
+                  <a:lumMod val="60000"/>
+                  <a:lumOff val="40000"/>
+                </a:schemeClr>
+              </a:solidFill>
+            </a:endParaRPr>
+          </a:p>
+          <a:p>
+            <a:endParaRPr lang="en-US" altLang="ja-JP" sz="2800" dirty="0"/>
+          </a:p>
+          <a:p>
+            <a:r>
+              <a:rPr kumimoji="1" lang="ja-JP" altLang="en-US" sz="2800" dirty="0"/>
+              <a:t>・ライバルに差をつけろ</a:t>
+            </a:r>
+            <a:endParaRPr kumimoji="1" lang="en-US" altLang="ja-JP" sz="2800" dirty="0"/>
+          </a:p>
+          <a:p>
+            <a:endParaRPr kumimoji="1" lang="en-US" altLang="ja-JP" sz="2800" dirty="0"/>
+          </a:p>
+          <a:p>
+            <a:r>
+              <a:rPr lang="ja-JP" altLang="en-US" sz="2800" dirty="0"/>
+              <a:t>・結論</a:t>
+            </a:r>
+            <a:endParaRPr lang="en-US" altLang="ja-JP" sz="2800" dirty="0"/>
           </a:p>
         </p:txBody>
       </p:sp>
     </p:spTree>
     <p:extLst>
       <p:ext uri="{BB962C8B-B14F-4D97-AF65-F5344CB8AC3E}">
-        <p14:creationId xmlns:p14="http://schemas.microsoft.com/office/powerpoint/2010/main" val="3295197827"/>
+        <p14:creationId xmlns:p14="http://schemas.microsoft.com/office/powerpoint/2010/main" val="3521395441"/>
       </p:ext>
     </p:extLst>
   </p:cSld>
@@ -7768,7 +11941,7 @@
           <p:cNvPr id="2" name="タイトル 1">
             <a:extLst>
               <a:ext uri="{FF2B5EF4-FFF2-40B4-BE49-F238E27FC236}">
-                <a16:creationId xmlns:a16="http://schemas.microsoft.com/office/drawing/2014/main" id="{DC54F768-E619-41EE-83B4-4C7A8A678C28}"/>
+                <a16:creationId xmlns:a16="http://schemas.microsoft.com/office/drawing/2014/main" id="{549BEA2E-1757-42D4-9782-A988E97CA25F}"/>
               </a:ext>
             </a:extLst>
           </p:cNvPr>
@@ -7785,8 +11958,142 @@
           <a:lstStyle/>
           <a:p>
             <a:r>
+              <a:rPr lang="ja-JP" altLang="en-US" dirty="0"/>
+              <a:t>どう予測する？</a:t>
+            </a:r>
+            <a:endParaRPr kumimoji="1" lang="ja-JP" altLang="en-US" dirty="0"/>
+          </a:p>
+        </p:txBody>
+      </p:sp>
+      <p:sp>
+        <p:nvSpPr>
+          <p:cNvPr id="4" name="テキスト ボックス 3">
+            <a:extLst>
+              <a:ext uri="{FF2B5EF4-FFF2-40B4-BE49-F238E27FC236}">
+                <a16:creationId xmlns:a16="http://schemas.microsoft.com/office/drawing/2014/main" id="{ACEC0054-DCEF-4E73-92E7-7833C3D9B512}"/>
+              </a:ext>
+            </a:extLst>
+          </p:cNvPr>
+          <p:cNvSpPr txBox="1"/>
+          <p:nvPr/>
+        </p:nvSpPr>
+        <p:spPr>
+          <a:xfrm>
+            <a:off x="1201023" y="4604434"/>
+            <a:ext cx="6696589" cy="646331"/>
+          </a:xfrm>
+          <a:prstGeom prst="rect">
+            <a:avLst/>
+          </a:prstGeom>
+          <a:noFill/>
+        </p:spPr>
+        <p:txBody>
+          <a:bodyPr wrap="square" rtlCol="0">
+            <a:spAutoFit/>
+          </a:bodyPr>
+          <a:lstStyle/>
+          <a:p>
+            <a:r>
               <a:rPr kumimoji="1" lang="ja-JP" altLang="en-US" dirty="0"/>
-              <a:t>具体的には？</a:t>
+              <a:t>使いません。</a:t>
+            </a:r>
+            <a:endParaRPr kumimoji="1" lang="en-US" altLang="ja-JP" dirty="0"/>
+          </a:p>
+          <a:p>
+            <a:r>
+              <a:rPr kumimoji="1" lang="ja-JP" altLang="en-US" dirty="0"/>
+              <a:t>難しいことは全てライブラリにお任せ。</a:t>
+            </a:r>
+          </a:p>
+        </p:txBody>
+      </p:sp>
+      <p:pic>
+        <p:nvPicPr>
+          <p:cNvPr id="6" name="グラフィックス 5" descr="驚いた顔 (塗りつぶしなし)">
+            <a:extLst>
+              <a:ext uri="{FF2B5EF4-FFF2-40B4-BE49-F238E27FC236}">
+                <a16:creationId xmlns:a16="http://schemas.microsoft.com/office/drawing/2014/main" id="{3F8F7AFA-87E7-4B7F-81EA-EF3CC84171F6}"/>
+              </a:ext>
+            </a:extLst>
+          </p:cNvPr>
+          <p:cNvPicPr>
+            <a:picLocks noChangeAspect="1"/>
+          </p:cNvPicPr>
+          <p:nvPr/>
+        </p:nvPicPr>
+        <p:blipFill>
+          <a:blip r:embed="rId2">
+            <a:extLst>
+              <a:ext uri="{28A0092B-C50C-407E-A947-70E740481C1C}">
+                <a14:useLocalDpi xmlns:a14="http://schemas.microsoft.com/office/drawing/2010/main" val="0"/>
+              </a:ext>
+              <a:ext uri="{96DAC541-7B7A-43D3-8B79-37D633B846F1}">
+                <asvg:svgBlip xmlns:asvg="http://schemas.microsoft.com/office/drawing/2016/SVG/main" r:embed="rId3"/>
+              </a:ext>
+            </a:extLst>
+          </a:blip>
+          <a:stretch>
+            <a:fillRect/>
+          </a:stretch>
+        </p:blipFill>
+        <p:spPr>
+          <a:xfrm>
+            <a:off x="1201023" y="2971800"/>
+            <a:ext cx="914400" cy="914400"/>
+          </a:xfrm>
+          <a:prstGeom prst="rect">
+            <a:avLst/>
+          </a:prstGeom>
+        </p:spPr>
+      </p:pic>
+      <p:sp>
+        <p:nvSpPr>
+          <p:cNvPr id="7" name="思考の吹き出し: 雲形 6">
+            <a:extLst>
+              <a:ext uri="{FF2B5EF4-FFF2-40B4-BE49-F238E27FC236}">
+                <a16:creationId xmlns:a16="http://schemas.microsoft.com/office/drawing/2014/main" id="{559731EE-5DB0-4EC7-9DBB-B34E20F128E5}"/>
+              </a:ext>
+            </a:extLst>
+          </p:cNvPr>
+          <p:cNvSpPr/>
+          <p:nvPr/>
+        </p:nvSpPr>
+        <p:spPr>
+          <a:xfrm>
+            <a:off x="1429699" y="1814139"/>
+            <a:ext cx="4887210" cy="1141128"/>
+          </a:xfrm>
+          <a:prstGeom prst="cloudCallout">
+            <a:avLst>
+              <a:gd name="adj1" fmla="val -35080"/>
+              <a:gd name="adj2" fmla="val 71322"/>
+            </a:avLst>
+          </a:prstGeom>
+        </p:spPr>
+        <p:style>
+          <a:lnRef idx="2">
+            <a:schemeClr val="accent1">
+              <a:shade val="50000"/>
+            </a:schemeClr>
+          </a:lnRef>
+          <a:fillRef idx="1">
+            <a:schemeClr val="accent1"/>
+          </a:fillRef>
+          <a:effectRef idx="0">
+            <a:schemeClr val="accent1"/>
+          </a:effectRef>
+          <a:fontRef idx="minor">
+            <a:schemeClr val="lt1"/>
+          </a:fontRef>
+        </p:style>
+        <p:txBody>
+          <a:bodyPr rtlCol="0" anchor="ctr"/>
+          <a:lstStyle/>
+          <a:p>
+            <a:pPr algn="ctr"/>
+            <a:r>
+              <a:rPr kumimoji="1" lang="ja-JP" altLang="en-US" sz="1400" dirty="0"/>
+              <a:t>難しい数式、使うんでしょ？</a:t>
             </a:r>
           </a:p>
         </p:txBody>
@@ -7794,7 +12101,7 @@
     </p:spTree>
     <p:extLst>
       <p:ext uri="{BB962C8B-B14F-4D97-AF65-F5344CB8AC3E}">
-        <p14:creationId xmlns:p14="http://schemas.microsoft.com/office/powerpoint/2010/main" val="1859440434"/>
+        <p14:creationId xmlns:p14="http://schemas.microsoft.com/office/powerpoint/2010/main" val="3295197827"/>
       </p:ext>
     </p:extLst>
   </p:cSld>
@@ -7826,7 +12133,7 @@
           <p:cNvPr id="2" name="タイトル 1">
             <a:extLst>
               <a:ext uri="{FF2B5EF4-FFF2-40B4-BE49-F238E27FC236}">
-                <a16:creationId xmlns:a16="http://schemas.microsoft.com/office/drawing/2014/main" id="{34BF4CE2-4D90-47D2-A31D-D1E20A49B71A}"/>
+                <a16:creationId xmlns:a16="http://schemas.microsoft.com/office/drawing/2014/main" id="{DC54F768-E619-41EE-83B4-4C7A8A678C28}"/>
               </a:ext>
             </a:extLst>
           </p:cNvPr>
@@ -7837,22 +12144,235 @@
             <p:ph type="title"/>
           </p:nvPr>
         </p:nvSpPr>
-        <p:spPr/>
+        <p:spPr>
+          <a:xfrm>
+            <a:off x="677334" y="609600"/>
+            <a:ext cx="8596668" cy="1320800"/>
+          </a:xfrm>
+        </p:spPr>
         <p:txBody>
           <a:bodyPr/>
           <a:lstStyle/>
           <a:p>
             <a:r>
               <a:rPr kumimoji="1" lang="ja-JP" altLang="en-US" dirty="0"/>
-              <a:t>コンペのデータ</a:t>
-            </a:r>
+              <a:t>日本語は難しい。コードで語って</a:t>
+            </a:r>
+          </a:p>
+        </p:txBody>
+      </p:sp>
+      <p:sp>
+        <p:nvSpPr>
+          <p:cNvPr id="3" name="テキスト ボックス 2">
+            <a:extLst>
+              <a:ext uri="{FF2B5EF4-FFF2-40B4-BE49-F238E27FC236}">
+                <a16:creationId xmlns:a16="http://schemas.microsoft.com/office/drawing/2014/main" id="{672CA50A-1F21-4BD2-941C-5B52A73EE933}"/>
+              </a:ext>
+            </a:extLst>
+          </p:cNvPr>
+          <p:cNvSpPr txBox="1"/>
+          <p:nvPr/>
+        </p:nvSpPr>
+        <p:spPr>
+          <a:xfrm>
+            <a:off x="692740" y="1683711"/>
+            <a:ext cx="4938319" cy="1200329"/>
+          </a:xfrm>
+          <a:prstGeom prst="rect">
+            <a:avLst/>
+          </a:prstGeom>
+          <a:noFill/>
+        </p:spPr>
+        <p:txBody>
+          <a:bodyPr wrap="square" rtlCol="0">
+            <a:spAutoFit/>
+          </a:bodyPr>
+          <a:lstStyle/>
+          <a:p>
+            <a:r>
+              <a:rPr kumimoji="1" lang="ja-JP" altLang="en-US" dirty="0"/>
+              <a:t>こんなコードで予想できます。</a:t>
+            </a:r>
+            <a:endParaRPr kumimoji="1" lang="en-US" altLang="ja-JP" dirty="0"/>
+          </a:p>
+          <a:p>
+            <a:endParaRPr kumimoji="1" lang="en-US" altLang="ja-JP" dirty="0"/>
+          </a:p>
+          <a:p>
+            <a:r>
+              <a:rPr kumimoji="1" lang="en-US" altLang="ja-JP" dirty="0"/>
+              <a:t>model.fit(</a:t>
+            </a:r>
+            <a:r>
+              <a:rPr kumimoji="1" lang="en-US" altLang="ja-JP" dirty="0">
+                <a:solidFill>
+                  <a:schemeClr val="accent5">
+                    <a:lumMod val="60000"/>
+                    <a:lumOff val="40000"/>
+                  </a:schemeClr>
+                </a:solidFill>
+              </a:rPr>
+              <a:t>train_X</a:t>
+            </a:r>
+            <a:r>
+              <a:rPr kumimoji="1" lang="en-US" altLang="ja-JP" dirty="0"/>
+              <a:t>, </a:t>
+            </a:r>
+            <a:r>
+              <a:rPr kumimoji="1" lang="en-US" altLang="ja-JP" dirty="0">
+                <a:solidFill>
+                  <a:schemeClr val="accent3">
+                    <a:lumMod val="60000"/>
+                    <a:lumOff val="40000"/>
+                  </a:schemeClr>
+                </a:solidFill>
+              </a:rPr>
+              <a:t>train_y</a:t>
+            </a:r>
+            <a:r>
+              <a:rPr kumimoji="1" lang="en-US" altLang="ja-JP" dirty="0"/>
+              <a:t>)</a:t>
+            </a:r>
+          </a:p>
+          <a:p>
+            <a:r>
+              <a:rPr kumimoji="1" lang="en-US" altLang="ja-JP" dirty="0">
+                <a:solidFill>
+                  <a:schemeClr val="accent3">
+                    <a:lumMod val="60000"/>
+                    <a:lumOff val="40000"/>
+                  </a:schemeClr>
+                </a:solidFill>
+              </a:rPr>
+              <a:t>pred_y </a:t>
+            </a:r>
+            <a:r>
+              <a:rPr kumimoji="1" lang="en-US" altLang="ja-JP" dirty="0"/>
+              <a:t>= model.predict(</a:t>
+            </a:r>
+            <a:r>
+              <a:rPr kumimoji="1" lang="en-US" altLang="ja-JP" dirty="0">
+                <a:solidFill>
+                  <a:schemeClr val="accent5">
+                    <a:lumMod val="60000"/>
+                    <a:lumOff val="40000"/>
+                  </a:schemeClr>
+                </a:solidFill>
+              </a:rPr>
+              <a:t>pred_X</a:t>
+            </a:r>
+            <a:r>
+              <a:rPr kumimoji="1" lang="en-US" altLang="ja-JP" dirty="0"/>
+              <a:t>)</a:t>
+            </a:r>
+            <a:endParaRPr kumimoji="1" lang="ja-JP" altLang="en-US" dirty="0"/>
+          </a:p>
+        </p:txBody>
+      </p:sp>
+      <p:sp>
+        <p:nvSpPr>
+          <p:cNvPr id="4" name="テキスト ボックス 3">
+            <a:extLst>
+              <a:ext uri="{FF2B5EF4-FFF2-40B4-BE49-F238E27FC236}">
+                <a16:creationId xmlns:a16="http://schemas.microsoft.com/office/drawing/2014/main" id="{EDBB8F72-67CE-40CA-B4FE-6DAAADA91304}"/>
+              </a:ext>
+            </a:extLst>
+          </p:cNvPr>
+          <p:cNvSpPr txBox="1"/>
+          <p:nvPr/>
+        </p:nvSpPr>
+        <p:spPr>
+          <a:xfrm>
+            <a:off x="692740" y="3582598"/>
+            <a:ext cx="3975617" cy="1200329"/>
+          </a:xfrm>
+          <a:prstGeom prst="rect">
+            <a:avLst/>
+          </a:prstGeom>
+          <a:noFill/>
+        </p:spPr>
+        <p:txBody>
+          <a:bodyPr wrap="square" rtlCol="0">
+            <a:spAutoFit/>
+          </a:bodyPr>
+          <a:lstStyle/>
+          <a:p>
+            <a:r>
+              <a:rPr kumimoji="1" lang="ja-JP" altLang="en-US" dirty="0"/>
+              <a:t>おおむねデータを突っ込むだけ。</a:t>
+            </a:r>
+            <a:endParaRPr kumimoji="1" lang="en-US" altLang="ja-JP" dirty="0"/>
+          </a:p>
+          <a:p>
+            <a:r>
+              <a:rPr kumimoji="1" lang="ja-JP" altLang="en-US" sz="1200" dirty="0"/>
+              <a:t>（ライブラリによって記述は多少異なる）</a:t>
+            </a:r>
+            <a:endParaRPr kumimoji="1" lang="en-US" altLang="ja-JP" sz="1200" dirty="0"/>
+          </a:p>
+          <a:p>
+            <a:endParaRPr kumimoji="1" lang="en-US" altLang="ja-JP" sz="1200" dirty="0"/>
+          </a:p>
+          <a:p>
+            <a:endParaRPr kumimoji="1" lang="en-US" altLang="ja-JP" dirty="0"/>
+          </a:p>
+          <a:p>
+            <a:endParaRPr kumimoji="1" lang="ja-JP" altLang="en-US" sz="1200" dirty="0"/>
+          </a:p>
+        </p:txBody>
+      </p:sp>
+      <p:sp>
+        <p:nvSpPr>
+          <p:cNvPr id="19" name="テキスト ボックス 18">
+            <a:extLst>
+              <a:ext uri="{FF2B5EF4-FFF2-40B4-BE49-F238E27FC236}">
+                <a16:creationId xmlns:a16="http://schemas.microsoft.com/office/drawing/2014/main" id="{0A0EFA02-A21B-45CD-AC6D-BE50DA11C259}"/>
+              </a:ext>
+            </a:extLst>
+          </p:cNvPr>
+          <p:cNvSpPr txBox="1"/>
+          <p:nvPr/>
+        </p:nvSpPr>
+        <p:spPr>
+          <a:xfrm>
+            <a:off x="677334" y="6109900"/>
+            <a:ext cx="3271185" cy="276999"/>
+          </a:xfrm>
+          <a:prstGeom prst="rect">
+            <a:avLst/>
+          </a:prstGeom>
+          <a:noFill/>
+        </p:spPr>
+        <p:txBody>
+          <a:bodyPr wrap="square" rtlCol="0">
+            <a:spAutoFit/>
+          </a:bodyPr>
+          <a:lstStyle/>
+          <a:p>
+            <a:r>
+              <a:rPr kumimoji="1" lang="en-US" altLang="ja-JP" sz="1200" dirty="0"/>
+              <a:t>※</a:t>
+            </a:r>
+            <a:r>
+              <a:rPr kumimoji="1" lang="ja-JP" altLang="en-US" sz="1200" dirty="0"/>
+              <a:t>プロ向け：主に</a:t>
+            </a:r>
+            <a:r>
+              <a:rPr kumimoji="1" lang="en-US" altLang="ja-JP" sz="1200" dirty="0"/>
+              <a:t>LightGBM</a:t>
+            </a:r>
+            <a:r>
+              <a:rPr kumimoji="1" lang="ja-JP" altLang="en-US" sz="1200" dirty="0"/>
+              <a:t>を使いました</a:t>
+            </a:r>
+            <a:endParaRPr kumimoji="1" lang="en-US" altLang="ja-JP" sz="1200" dirty="0"/>
           </a:p>
         </p:txBody>
       </p:sp>
     </p:spTree>
     <p:extLst>
       <p:ext uri="{BB962C8B-B14F-4D97-AF65-F5344CB8AC3E}">
-        <p14:creationId xmlns:p14="http://schemas.microsoft.com/office/powerpoint/2010/main" val="4243882953"/>
+        <p14:creationId xmlns:p14="http://schemas.microsoft.com/office/powerpoint/2010/main" val="1859440434"/>
       </p:ext>
     </p:extLst>
   </p:cSld>

--- a/猫でもわかるKaggle.pptx
+++ b/猫でもわかるKaggle.pptx
@@ -19,11 +19,10 @@
     <p:sldId id="274" r:id="rId13"/>
     <p:sldId id="266" r:id="rId14"/>
     <p:sldId id="267" r:id="rId15"/>
-    <p:sldId id="268" r:id="rId16"/>
-    <p:sldId id="269" r:id="rId17"/>
-    <p:sldId id="275" r:id="rId18"/>
-    <p:sldId id="271" r:id="rId19"/>
-    <p:sldId id="272" r:id="rId20"/>
+    <p:sldId id="269" r:id="rId16"/>
+    <p:sldId id="275" r:id="rId17"/>
+    <p:sldId id="271" r:id="rId18"/>
+    <p:sldId id="272" r:id="rId19"/>
   </p:sldIdLst>
   <p:sldSz cx="12192000" cy="6858000"/>
   <p:notesSz cx="6858000" cy="9144000"/>
@@ -6242,7 +6241,12 @@
             <p:ph type="title"/>
           </p:nvPr>
         </p:nvSpPr>
-        <p:spPr/>
+        <p:spPr>
+          <a:xfrm>
+            <a:off x="677334" y="609600"/>
+            <a:ext cx="8596668" cy="1320800"/>
+          </a:xfrm>
+        </p:spPr>
         <p:txBody>
           <a:bodyPr/>
           <a:lstStyle/>
@@ -7918,6 +7922,132 @@
           </a:p>
         </p:txBody>
       </p:sp>
+      <p:sp>
+        <p:nvSpPr>
+          <p:cNvPr id="3" name="テキスト ボックス 2">
+            <a:extLst>
+              <a:ext uri="{FF2B5EF4-FFF2-40B4-BE49-F238E27FC236}">
+                <a16:creationId xmlns:a16="http://schemas.microsoft.com/office/drawing/2014/main" id="{A949C892-762A-4EE2-9DDB-315094C35181}"/>
+              </a:ext>
+            </a:extLst>
+          </p:cNvPr>
+          <p:cNvSpPr txBox="1"/>
+          <p:nvPr/>
+        </p:nvSpPr>
+        <p:spPr>
+          <a:xfrm>
+            <a:off x="4975668" y="1270932"/>
+            <a:ext cx="3975617" cy="553998"/>
+          </a:xfrm>
+          <a:prstGeom prst="rect">
+            <a:avLst/>
+          </a:prstGeom>
+          <a:noFill/>
+        </p:spPr>
+        <p:txBody>
+          <a:bodyPr wrap="square" rtlCol="0">
+            <a:spAutoFit/>
+          </a:bodyPr>
+          <a:lstStyle/>
+          <a:p>
+            <a:endParaRPr kumimoji="1" lang="en-US" altLang="ja-JP" dirty="0"/>
+          </a:p>
+          <a:p>
+            <a:endParaRPr kumimoji="1" lang="ja-JP" altLang="en-US" sz="1200" dirty="0"/>
+          </a:p>
+        </p:txBody>
+      </p:sp>
+      <p:pic>
+        <p:nvPicPr>
+          <p:cNvPr id="4" name="グラフィックス 3" descr="驚いた顔 (塗りつぶしなし)">
+            <a:extLst>
+              <a:ext uri="{FF2B5EF4-FFF2-40B4-BE49-F238E27FC236}">
+                <a16:creationId xmlns:a16="http://schemas.microsoft.com/office/drawing/2014/main" id="{E11F482B-F810-490F-8E97-7A76089C0D75}"/>
+              </a:ext>
+            </a:extLst>
+          </p:cNvPr>
+          <p:cNvPicPr>
+            <a:picLocks noChangeAspect="1"/>
+          </p:cNvPicPr>
+          <p:nvPr/>
+        </p:nvPicPr>
+        <p:blipFill>
+          <a:blip r:embed="rId2">
+            <a:extLst>
+              <a:ext uri="{28A0092B-C50C-407E-A947-70E740481C1C}">
+                <a14:useLocalDpi xmlns:a14="http://schemas.microsoft.com/office/drawing/2010/main" val="0"/>
+              </a:ext>
+              <a:ext uri="{96DAC541-7B7A-43D3-8B79-37D633B846F1}">
+                <asvg:svgBlip xmlns:asvg="http://schemas.microsoft.com/office/drawing/2016/SVG/main" r:embed="rId3"/>
+              </a:ext>
+            </a:extLst>
+          </a:blip>
+          <a:stretch>
+            <a:fillRect/>
+          </a:stretch>
+        </p:blipFill>
+        <p:spPr>
+          <a:xfrm>
+            <a:off x="1429698" y="3612871"/>
+            <a:ext cx="914400" cy="914400"/>
+          </a:xfrm>
+          <a:prstGeom prst="rect">
+            <a:avLst/>
+          </a:prstGeom>
+        </p:spPr>
+      </p:pic>
+      <p:sp>
+        <p:nvSpPr>
+          <p:cNvPr id="5" name="思考の吹き出し: 雲形 4">
+            <a:extLst>
+              <a:ext uri="{FF2B5EF4-FFF2-40B4-BE49-F238E27FC236}">
+                <a16:creationId xmlns:a16="http://schemas.microsoft.com/office/drawing/2014/main" id="{C04DE98D-D1C1-4360-989A-D4811A70530A}"/>
+              </a:ext>
+            </a:extLst>
+          </p:cNvPr>
+          <p:cNvSpPr/>
+          <p:nvPr/>
+        </p:nvSpPr>
+        <p:spPr>
+          <a:xfrm>
+            <a:off x="1631034" y="1725887"/>
+            <a:ext cx="5541553" cy="1520750"/>
+          </a:xfrm>
+          <a:prstGeom prst="cloudCallout">
+            <a:avLst>
+              <a:gd name="adj1" fmla="val -37850"/>
+              <a:gd name="adj2" fmla="val 81251"/>
+            </a:avLst>
+          </a:prstGeom>
+        </p:spPr>
+        <p:style>
+          <a:lnRef idx="2">
+            <a:schemeClr val="accent1">
+              <a:shade val="50000"/>
+            </a:schemeClr>
+          </a:lnRef>
+          <a:fillRef idx="1">
+            <a:schemeClr val="accent1"/>
+          </a:fillRef>
+          <a:effectRef idx="0">
+            <a:schemeClr val="accent1"/>
+          </a:effectRef>
+          <a:fontRef idx="minor">
+            <a:schemeClr val="lt1"/>
+          </a:fontRef>
+        </p:style>
+        <p:txBody>
+          <a:bodyPr rtlCol="0" anchor="ctr"/>
+          <a:lstStyle/>
+          <a:p>
+            <a:r>
+              <a:rPr kumimoji="1" lang="ja-JP" altLang="en-US" sz="1400" dirty="0"/>
+              <a:t>たしか、誤差を少なくしたいんですよね？</a:t>
+            </a:r>
+            <a:endParaRPr kumimoji="1" lang="en-US" altLang="ja-JP" sz="1400" dirty="0"/>
+          </a:p>
+        </p:txBody>
+      </p:sp>
     </p:spTree>
     <p:extLst>
       <p:ext uri="{BB962C8B-B14F-4D97-AF65-F5344CB8AC3E}">
@@ -8116,8 +8246,1577 @@
           <a:lstStyle/>
           <a:p>
             <a:r>
+              <a:rPr lang="ja-JP" altLang="en-US" dirty="0"/>
+              <a:t>精度</a:t>
+            </a:r>
+            <a:r>
               <a:rPr kumimoji="1" lang="ja-JP" altLang="en-US" dirty="0"/>
-              <a:t>精度を上げるには？</a:t>
+              <a:t>を上げるには？</a:t>
+            </a:r>
+          </a:p>
+        </p:txBody>
+      </p:sp>
+      <p:graphicFrame>
+        <p:nvGraphicFramePr>
+          <p:cNvPr id="3" name="表 2">
+            <a:extLst>
+              <a:ext uri="{FF2B5EF4-FFF2-40B4-BE49-F238E27FC236}">
+                <a16:creationId xmlns:a16="http://schemas.microsoft.com/office/drawing/2014/main" id="{0C7688D1-CE6E-47EB-8DA5-765AAD4BEAEC}"/>
+              </a:ext>
+            </a:extLst>
+          </p:cNvPr>
+          <p:cNvGraphicFramePr>
+            <a:graphicFrameLocks noGrp="1"/>
+          </p:cNvGraphicFramePr>
+          <p:nvPr>
+            <p:extLst>
+              <p:ext uri="{D42A27DB-BD31-4B8C-83A1-F6EECF244321}">
+                <p14:modId xmlns:p14="http://schemas.microsoft.com/office/powerpoint/2010/main" val="3182355807"/>
+              </p:ext>
+            </p:extLst>
+          </p:nvPr>
+        </p:nvGraphicFramePr>
+        <p:xfrm>
+          <a:off x="829332" y="2657179"/>
+          <a:ext cx="6280308" cy="1543641"/>
+        </p:xfrm>
+        <a:graphic>
+          <a:graphicData uri="http://schemas.openxmlformats.org/drawingml/2006/table">
+            <a:tbl>
+              <a:tblPr firstRow="1" bandRow="1">
+                <a:tableStyleId>{5C22544A-7EE6-4342-B048-85BDC9FD1C3A}</a:tableStyleId>
+              </a:tblPr>
+              <a:tblGrid>
+                <a:gridCol w="1046718">
+                  <a:extLst>
+                    <a:ext uri="{9D8B030D-6E8A-4147-A177-3AD203B41FA5}">
+                      <a16:colId xmlns:a16="http://schemas.microsoft.com/office/drawing/2014/main" val="3472953002"/>
+                    </a:ext>
+                  </a:extLst>
+                </a:gridCol>
+                <a:gridCol w="1046718">
+                  <a:extLst>
+                    <a:ext uri="{9D8B030D-6E8A-4147-A177-3AD203B41FA5}">
+                      <a16:colId xmlns:a16="http://schemas.microsoft.com/office/drawing/2014/main" val="1567616906"/>
+                    </a:ext>
+                  </a:extLst>
+                </a:gridCol>
+                <a:gridCol w="1046718">
+                  <a:extLst>
+                    <a:ext uri="{9D8B030D-6E8A-4147-A177-3AD203B41FA5}">
+                      <a16:colId xmlns:a16="http://schemas.microsoft.com/office/drawing/2014/main" val="3216724867"/>
+                    </a:ext>
+                  </a:extLst>
+                </a:gridCol>
+                <a:gridCol w="1046718">
+                  <a:extLst>
+                    <a:ext uri="{9D8B030D-6E8A-4147-A177-3AD203B41FA5}">
+                      <a16:colId xmlns:a16="http://schemas.microsoft.com/office/drawing/2014/main" val="659707241"/>
+                    </a:ext>
+                  </a:extLst>
+                </a:gridCol>
+                <a:gridCol w="1046718">
+                  <a:extLst>
+                    <a:ext uri="{9D8B030D-6E8A-4147-A177-3AD203B41FA5}">
+                      <a16:colId xmlns:a16="http://schemas.microsoft.com/office/drawing/2014/main" val="2288569116"/>
+                    </a:ext>
+                  </a:extLst>
+                </a:gridCol>
+                <a:gridCol w="1046718">
+                  <a:extLst>
+                    <a:ext uri="{9D8B030D-6E8A-4147-A177-3AD203B41FA5}">
+                      <a16:colId xmlns:a16="http://schemas.microsoft.com/office/drawing/2014/main" val="2439958870"/>
+                    </a:ext>
+                  </a:extLst>
+                </a:gridCol>
+              </a:tblGrid>
+              <a:tr h="294885">
+                <a:tc>
+                  <a:txBody>
+                    <a:bodyPr/>
+                    <a:lstStyle/>
+                    <a:p>
+                      <a:r>
+                        <a:rPr kumimoji="1" lang="ja-JP" altLang="en-US" sz="1100" baseline="0" dirty="0"/>
+                        <a:t>日付</a:t>
+                      </a:r>
+                    </a:p>
+                  </a:txBody>
+                  <a:tcPr/>
+                </a:tc>
+                <a:tc>
+                  <a:txBody>
+                    <a:bodyPr/>
+                    <a:lstStyle/>
+                    <a:p>
+                      <a:r>
+                        <a:rPr kumimoji="1" lang="ja-JP" altLang="en-US" sz="1100" dirty="0"/>
+                        <a:t>店名</a:t>
+                      </a:r>
+                    </a:p>
+                  </a:txBody>
+                  <a:tcPr/>
+                </a:tc>
+                <a:tc>
+                  <a:txBody>
+                    <a:bodyPr/>
+                    <a:lstStyle/>
+                    <a:p>
+                      <a:r>
+                        <a:rPr kumimoji="1" lang="ja-JP" altLang="en-US" sz="1100" dirty="0"/>
+                        <a:t>ジャンル</a:t>
+                      </a:r>
+                    </a:p>
+                  </a:txBody>
+                  <a:tcPr/>
+                </a:tc>
+                <a:tc>
+                  <a:txBody>
+                    <a:bodyPr/>
+                    <a:lstStyle/>
+                    <a:p>
+                      <a:r>
+                        <a:rPr kumimoji="1" lang="ja-JP" altLang="en-US" sz="1100" dirty="0"/>
+                        <a:t>場所</a:t>
+                      </a:r>
+                    </a:p>
+                  </a:txBody>
+                  <a:tcPr/>
+                </a:tc>
+                <a:tc>
+                  <a:txBody>
+                    <a:bodyPr/>
+                    <a:lstStyle/>
+                    <a:p>
+                      <a:r>
+                        <a:rPr kumimoji="1" lang="ja-JP" altLang="en-US" sz="1100" dirty="0"/>
+                        <a:t>予約</a:t>
+                      </a:r>
+                    </a:p>
+                  </a:txBody>
+                  <a:tcPr/>
+                </a:tc>
+                <a:tc>
+                  <a:txBody>
+                    <a:bodyPr/>
+                    <a:lstStyle/>
+                    <a:p>
+                      <a:r>
+                        <a:rPr kumimoji="1" lang="ja-JP" altLang="en-US" sz="1100" dirty="0"/>
+                        <a:t>来客数</a:t>
+                      </a:r>
+                    </a:p>
+                  </a:txBody>
+                  <a:tcPr/>
+                </a:tc>
+                <a:extLst>
+                  <a:ext uri="{0D108BD9-81ED-4DB2-BD59-A6C34878D82A}">
+                    <a16:rowId xmlns:a16="http://schemas.microsoft.com/office/drawing/2014/main" val="2541452345"/>
+                  </a:ext>
+                </a:extLst>
+              </a:tr>
+              <a:tr h="312189">
+                <a:tc>
+                  <a:txBody>
+                    <a:bodyPr/>
+                    <a:lstStyle/>
+                    <a:p>
+                      <a:r>
+                        <a:rPr kumimoji="1" lang="en-US" altLang="ja-JP" sz="1100" dirty="0"/>
+                        <a:t>2016/01/01</a:t>
+                      </a:r>
+                      <a:endParaRPr kumimoji="1" lang="ja-JP" altLang="en-US" sz="1100" dirty="0"/>
+                    </a:p>
+                  </a:txBody>
+                  <a:tcPr/>
+                </a:tc>
+                <a:tc>
+                  <a:txBody>
+                    <a:bodyPr/>
+                    <a:lstStyle/>
+                    <a:p>
+                      <a:r>
+                        <a:rPr kumimoji="1" lang="en-US" altLang="ja-JP" sz="1100" dirty="0"/>
+                        <a:t>A</a:t>
+                      </a:r>
+                      <a:r>
+                        <a:rPr kumimoji="1" lang="ja-JP" altLang="en-US" sz="1100" dirty="0"/>
+                        <a:t>店</a:t>
+                      </a:r>
+                    </a:p>
+                  </a:txBody>
+                  <a:tcPr/>
+                </a:tc>
+                <a:tc>
+                  <a:txBody>
+                    <a:bodyPr/>
+                    <a:lstStyle/>
+                    <a:p>
+                      <a:r>
+                        <a:rPr kumimoji="1" lang="ja-JP" altLang="en-US" sz="1100" dirty="0"/>
+                        <a:t>焼き肉</a:t>
+                      </a:r>
+                    </a:p>
+                  </a:txBody>
+                  <a:tcPr/>
+                </a:tc>
+                <a:tc>
+                  <a:txBody>
+                    <a:bodyPr/>
+                    <a:lstStyle/>
+                    <a:p>
+                      <a:r>
+                        <a:rPr kumimoji="1" lang="ja-JP" altLang="en-US" sz="1100" dirty="0"/>
+                        <a:t>東京</a:t>
+                      </a:r>
+                    </a:p>
+                  </a:txBody>
+                  <a:tcPr/>
+                </a:tc>
+                <a:tc>
+                  <a:txBody>
+                    <a:bodyPr/>
+                    <a:lstStyle/>
+                    <a:p>
+                      <a:r>
+                        <a:rPr kumimoji="1" lang="en-US" altLang="ja-JP" sz="1100" dirty="0"/>
+                        <a:t>10</a:t>
+                      </a:r>
+                      <a:r>
+                        <a:rPr kumimoji="1" lang="ja-JP" altLang="en-US" sz="1100" dirty="0"/>
+                        <a:t>名</a:t>
+                      </a:r>
+                    </a:p>
+                  </a:txBody>
+                  <a:tcPr/>
+                </a:tc>
+                <a:tc>
+                  <a:txBody>
+                    <a:bodyPr/>
+                    <a:lstStyle/>
+                    <a:p>
+                      <a:r>
+                        <a:rPr kumimoji="1" lang="en-US" altLang="ja-JP" sz="1100" dirty="0"/>
+                        <a:t>20</a:t>
+                      </a:r>
+                      <a:r>
+                        <a:rPr kumimoji="1" lang="ja-JP" altLang="en-US" sz="1100" dirty="0"/>
+                        <a:t>名</a:t>
+                      </a:r>
+                    </a:p>
+                  </a:txBody>
+                  <a:tcPr/>
+                </a:tc>
+                <a:extLst>
+                  <a:ext uri="{0D108BD9-81ED-4DB2-BD59-A6C34878D82A}">
+                    <a16:rowId xmlns:a16="http://schemas.microsoft.com/office/drawing/2014/main" val="2235806074"/>
+                  </a:ext>
+                </a:extLst>
+              </a:tr>
+              <a:tr h="312189">
+                <a:tc>
+                  <a:txBody>
+                    <a:bodyPr/>
+                    <a:lstStyle/>
+                    <a:p>
+                      <a:r>
+                        <a:rPr kumimoji="1" lang="en-US" altLang="ja-JP" sz="1100" dirty="0"/>
+                        <a:t>2016/01/01</a:t>
+                      </a:r>
+                      <a:endParaRPr kumimoji="1" lang="ja-JP" altLang="en-US" sz="1100" dirty="0"/>
+                    </a:p>
+                  </a:txBody>
+                  <a:tcPr/>
+                </a:tc>
+                <a:tc>
+                  <a:txBody>
+                    <a:bodyPr/>
+                    <a:lstStyle/>
+                    <a:p>
+                      <a:r>
+                        <a:rPr kumimoji="1" lang="en-US" altLang="ja-JP" sz="1100" dirty="0"/>
+                        <a:t>B</a:t>
+                      </a:r>
+                      <a:r>
+                        <a:rPr kumimoji="1" lang="ja-JP" altLang="en-US" sz="1100" dirty="0"/>
+                        <a:t>店</a:t>
+                      </a:r>
+                    </a:p>
+                  </a:txBody>
+                  <a:tcPr/>
+                </a:tc>
+                <a:tc>
+                  <a:txBody>
+                    <a:bodyPr/>
+                    <a:lstStyle/>
+                    <a:p>
+                      <a:r>
+                        <a:rPr kumimoji="1" lang="ja-JP" altLang="en-US" sz="1100" dirty="0"/>
+                        <a:t>そば</a:t>
+                      </a:r>
+                    </a:p>
+                  </a:txBody>
+                  <a:tcPr/>
+                </a:tc>
+                <a:tc>
+                  <a:txBody>
+                    <a:bodyPr/>
+                    <a:lstStyle/>
+                    <a:p>
+                      <a:r>
+                        <a:rPr kumimoji="1" lang="ja-JP" altLang="en-US" sz="1100" dirty="0"/>
+                        <a:t>福岡</a:t>
+                      </a:r>
+                    </a:p>
+                  </a:txBody>
+                  <a:tcPr/>
+                </a:tc>
+                <a:tc>
+                  <a:txBody>
+                    <a:bodyPr/>
+                    <a:lstStyle/>
+                    <a:p>
+                      <a:r>
+                        <a:rPr kumimoji="1" lang="en-US" altLang="ja-JP" sz="1100" dirty="0"/>
+                        <a:t>3</a:t>
+                      </a:r>
+                      <a:r>
+                        <a:rPr kumimoji="1" lang="ja-JP" altLang="en-US" sz="1100" dirty="0"/>
+                        <a:t>名</a:t>
+                      </a:r>
+                    </a:p>
+                  </a:txBody>
+                  <a:tcPr/>
+                </a:tc>
+                <a:tc>
+                  <a:txBody>
+                    <a:bodyPr/>
+                    <a:lstStyle/>
+                    <a:p>
+                      <a:r>
+                        <a:rPr kumimoji="1" lang="en-US" altLang="ja-JP" sz="1100" dirty="0"/>
+                        <a:t>1</a:t>
+                      </a:r>
+                      <a:r>
+                        <a:rPr kumimoji="1" lang="ja-JP" altLang="en-US" sz="1100" dirty="0"/>
+                        <a:t>名</a:t>
+                      </a:r>
+                    </a:p>
+                  </a:txBody>
+                  <a:tcPr/>
+                </a:tc>
+                <a:extLst>
+                  <a:ext uri="{0D108BD9-81ED-4DB2-BD59-A6C34878D82A}">
+                    <a16:rowId xmlns:a16="http://schemas.microsoft.com/office/drawing/2014/main" val="1872554097"/>
+                  </a:ext>
+                </a:extLst>
+              </a:tr>
+              <a:tr h="312189">
+                <a:tc>
+                  <a:txBody>
+                    <a:bodyPr/>
+                    <a:lstStyle/>
+                    <a:p>
+                      <a:r>
+                        <a:rPr kumimoji="1" lang="en-US" altLang="ja-JP" sz="1100" dirty="0"/>
+                        <a:t>2016/01/02</a:t>
+                      </a:r>
+                      <a:endParaRPr kumimoji="1" lang="ja-JP" altLang="en-US" sz="1100" dirty="0"/>
+                    </a:p>
+                  </a:txBody>
+                  <a:tcPr/>
+                </a:tc>
+                <a:tc>
+                  <a:txBody>
+                    <a:bodyPr/>
+                    <a:lstStyle/>
+                    <a:p>
+                      <a:r>
+                        <a:rPr kumimoji="1" lang="en-US" altLang="ja-JP" sz="1100" dirty="0"/>
+                        <a:t>A</a:t>
+                      </a:r>
+                      <a:r>
+                        <a:rPr kumimoji="1" lang="ja-JP" altLang="en-US" sz="1100" dirty="0"/>
+                        <a:t>店</a:t>
+                      </a:r>
+                    </a:p>
+                  </a:txBody>
+                  <a:tcPr/>
+                </a:tc>
+                <a:tc>
+                  <a:txBody>
+                    <a:bodyPr/>
+                    <a:lstStyle/>
+                    <a:p>
+                      <a:r>
+                        <a:rPr kumimoji="1" lang="ja-JP" altLang="en-US" sz="1100" dirty="0"/>
+                        <a:t>焼き肉</a:t>
+                      </a:r>
+                    </a:p>
+                  </a:txBody>
+                  <a:tcPr/>
+                </a:tc>
+                <a:tc>
+                  <a:txBody>
+                    <a:bodyPr/>
+                    <a:lstStyle/>
+                    <a:p>
+                      <a:r>
+                        <a:rPr kumimoji="1" lang="ja-JP" altLang="en-US" sz="1100" dirty="0"/>
+                        <a:t>東京</a:t>
+                      </a:r>
+                    </a:p>
+                  </a:txBody>
+                  <a:tcPr/>
+                </a:tc>
+                <a:tc>
+                  <a:txBody>
+                    <a:bodyPr/>
+                    <a:lstStyle/>
+                    <a:p>
+                      <a:r>
+                        <a:rPr kumimoji="1" lang="en-US" altLang="ja-JP" sz="1100" dirty="0"/>
+                        <a:t>20</a:t>
+                      </a:r>
+                      <a:r>
+                        <a:rPr kumimoji="1" lang="ja-JP" altLang="en-US" sz="1100" dirty="0"/>
+                        <a:t>名</a:t>
+                      </a:r>
+                    </a:p>
+                  </a:txBody>
+                  <a:tcPr/>
+                </a:tc>
+                <a:tc>
+                  <a:txBody>
+                    <a:bodyPr/>
+                    <a:lstStyle/>
+                    <a:p>
+                      <a:r>
+                        <a:rPr kumimoji="1" lang="en-US" altLang="ja-JP" sz="1100" dirty="0"/>
+                        <a:t>30</a:t>
+                      </a:r>
+                      <a:r>
+                        <a:rPr kumimoji="1" lang="ja-JP" altLang="en-US" sz="1100" dirty="0"/>
+                        <a:t>名</a:t>
+                      </a:r>
+                    </a:p>
+                  </a:txBody>
+                  <a:tcPr/>
+                </a:tc>
+                <a:extLst>
+                  <a:ext uri="{0D108BD9-81ED-4DB2-BD59-A6C34878D82A}">
+                    <a16:rowId xmlns:a16="http://schemas.microsoft.com/office/drawing/2014/main" val="683497724"/>
+                  </a:ext>
+                </a:extLst>
+              </a:tr>
+              <a:tr h="312189">
+                <a:tc>
+                  <a:txBody>
+                    <a:bodyPr/>
+                    <a:lstStyle/>
+                    <a:p>
+                      <a:r>
+                        <a:rPr kumimoji="1" lang="en-US" altLang="ja-JP" sz="1100" dirty="0"/>
+                        <a:t>2016/01/02</a:t>
+                      </a:r>
+                      <a:endParaRPr kumimoji="1" lang="ja-JP" altLang="en-US" sz="1100" dirty="0"/>
+                    </a:p>
+                  </a:txBody>
+                  <a:tcPr/>
+                </a:tc>
+                <a:tc>
+                  <a:txBody>
+                    <a:bodyPr/>
+                    <a:lstStyle/>
+                    <a:p>
+                      <a:r>
+                        <a:rPr kumimoji="1" lang="en-US" altLang="ja-JP" sz="1100" dirty="0"/>
+                        <a:t>B</a:t>
+                      </a:r>
+                      <a:r>
+                        <a:rPr kumimoji="1" lang="ja-JP" altLang="en-US" sz="1100" dirty="0"/>
+                        <a:t>店</a:t>
+                      </a:r>
+                    </a:p>
+                  </a:txBody>
+                  <a:tcPr/>
+                </a:tc>
+                <a:tc>
+                  <a:txBody>
+                    <a:bodyPr/>
+                    <a:lstStyle/>
+                    <a:p>
+                      <a:r>
+                        <a:rPr kumimoji="1" lang="ja-JP" altLang="en-US" sz="1100" dirty="0"/>
+                        <a:t>そば</a:t>
+                      </a:r>
+                    </a:p>
+                  </a:txBody>
+                  <a:tcPr/>
+                </a:tc>
+                <a:tc>
+                  <a:txBody>
+                    <a:bodyPr/>
+                    <a:lstStyle/>
+                    <a:p>
+                      <a:r>
+                        <a:rPr kumimoji="1" lang="ja-JP" altLang="en-US" sz="1100" dirty="0"/>
+                        <a:t>福岡</a:t>
+                      </a:r>
+                    </a:p>
+                  </a:txBody>
+                  <a:tcPr/>
+                </a:tc>
+                <a:tc>
+                  <a:txBody>
+                    <a:bodyPr/>
+                    <a:lstStyle/>
+                    <a:p>
+                      <a:r>
+                        <a:rPr kumimoji="1" lang="en-US" altLang="ja-JP" sz="1100" dirty="0"/>
+                        <a:t>3</a:t>
+                      </a:r>
+                      <a:r>
+                        <a:rPr kumimoji="1" lang="ja-JP" altLang="en-US" sz="1100" dirty="0"/>
+                        <a:t>名</a:t>
+                      </a:r>
+                    </a:p>
+                  </a:txBody>
+                  <a:tcPr/>
+                </a:tc>
+                <a:tc>
+                  <a:txBody>
+                    <a:bodyPr/>
+                    <a:lstStyle/>
+                    <a:p>
+                      <a:r>
+                        <a:rPr kumimoji="1" lang="en-US" altLang="ja-JP" sz="1100" dirty="0"/>
+                        <a:t>5</a:t>
+                      </a:r>
+                      <a:r>
+                        <a:rPr kumimoji="1" lang="ja-JP" altLang="en-US" sz="1100" dirty="0"/>
+                        <a:t>名</a:t>
+                      </a:r>
+                    </a:p>
+                  </a:txBody>
+                  <a:tcPr/>
+                </a:tc>
+                <a:extLst>
+                  <a:ext uri="{0D108BD9-81ED-4DB2-BD59-A6C34878D82A}">
+                    <a16:rowId xmlns:a16="http://schemas.microsoft.com/office/drawing/2014/main" val="936262606"/>
+                  </a:ext>
+                </a:extLst>
+              </a:tr>
+            </a:tbl>
+          </a:graphicData>
+        </a:graphic>
+      </p:graphicFrame>
+      <p:sp>
+        <p:nvSpPr>
+          <p:cNvPr id="4" name="正方形/長方形 3">
+            <a:extLst>
+              <a:ext uri="{FF2B5EF4-FFF2-40B4-BE49-F238E27FC236}">
+                <a16:creationId xmlns:a16="http://schemas.microsoft.com/office/drawing/2014/main" id="{A22853BF-93B6-494E-956D-3F2E3560B2C2}"/>
+              </a:ext>
+            </a:extLst>
+          </p:cNvPr>
+          <p:cNvSpPr/>
+          <p:nvPr/>
+        </p:nvSpPr>
+        <p:spPr>
+          <a:xfrm>
+            <a:off x="829331" y="2962744"/>
+            <a:ext cx="5183403" cy="1238076"/>
+          </a:xfrm>
+          <a:prstGeom prst="rect">
+            <a:avLst/>
+          </a:prstGeom>
+          <a:noFill/>
+          <a:ln w="50800">
+            <a:solidFill>
+              <a:schemeClr val="accent5">
+                <a:lumMod val="60000"/>
+                <a:lumOff val="40000"/>
+              </a:schemeClr>
+            </a:solidFill>
+          </a:ln>
+        </p:spPr>
+        <p:style>
+          <a:lnRef idx="2">
+            <a:schemeClr val="accent3"/>
+          </a:lnRef>
+          <a:fillRef idx="1">
+            <a:schemeClr val="lt1"/>
+          </a:fillRef>
+          <a:effectRef idx="0">
+            <a:schemeClr val="accent3"/>
+          </a:effectRef>
+          <a:fontRef idx="minor">
+            <a:schemeClr val="dk1"/>
+          </a:fontRef>
+        </p:style>
+        <p:txBody>
+          <a:bodyPr rtlCol="0" anchor="ctr"/>
+          <a:lstStyle/>
+          <a:p>
+            <a:pPr algn="ctr"/>
+            <a:endParaRPr kumimoji="1" lang="ja-JP" altLang="en-US" dirty="0"/>
+          </a:p>
+        </p:txBody>
+      </p:sp>
+      <p:sp>
+        <p:nvSpPr>
+          <p:cNvPr id="5" name="正方形/長方形 4">
+            <a:extLst>
+              <a:ext uri="{FF2B5EF4-FFF2-40B4-BE49-F238E27FC236}">
+                <a16:creationId xmlns:a16="http://schemas.microsoft.com/office/drawing/2014/main" id="{A94A7750-3A6A-40ED-98E4-BE64A73E371B}"/>
+              </a:ext>
+            </a:extLst>
+          </p:cNvPr>
+          <p:cNvSpPr/>
+          <p:nvPr/>
+        </p:nvSpPr>
+        <p:spPr>
+          <a:xfrm>
+            <a:off x="6077050" y="2962744"/>
+            <a:ext cx="1031986" cy="1238076"/>
+          </a:xfrm>
+          <a:prstGeom prst="rect">
+            <a:avLst/>
+          </a:prstGeom>
+          <a:noFill/>
+          <a:ln w="50800"/>
+        </p:spPr>
+        <p:style>
+          <a:lnRef idx="2">
+            <a:schemeClr val="accent3"/>
+          </a:lnRef>
+          <a:fillRef idx="1">
+            <a:schemeClr val="lt1"/>
+          </a:fillRef>
+          <a:effectRef idx="0">
+            <a:schemeClr val="accent3"/>
+          </a:effectRef>
+          <a:fontRef idx="minor">
+            <a:schemeClr val="dk1"/>
+          </a:fontRef>
+        </p:style>
+        <p:txBody>
+          <a:bodyPr rtlCol="0" anchor="ctr"/>
+          <a:lstStyle/>
+          <a:p>
+            <a:pPr algn="ctr"/>
+            <a:endParaRPr kumimoji="1" lang="ja-JP" altLang="en-US" dirty="0"/>
+          </a:p>
+        </p:txBody>
+      </p:sp>
+      <p:graphicFrame>
+        <p:nvGraphicFramePr>
+          <p:cNvPr id="8" name="表 7">
+            <a:extLst>
+              <a:ext uri="{FF2B5EF4-FFF2-40B4-BE49-F238E27FC236}">
+                <a16:creationId xmlns:a16="http://schemas.microsoft.com/office/drawing/2014/main" id="{CD2E3752-D439-415C-8F11-98739039C032}"/>
+              </a:ext>
+            </a:extLst>
+          </p:cNvPr>
+          <p:cNvGraphicFramePr>
+            <a:graphicFrameLocks noGrp="1"/>
+          </p:cNvGraphicFramePr>
+          <p:nvPr>
+            <p:extLst>
+              <p:ext uri="{D42A27DB-BD31-4B8C-83A1-F6EECF244321}">
+                <p14:modId xmlns:p14="http://schemas.microsoft.com/office/powerpoint/2010/main" val="1725226347"/>
+              </p:ext>
+            </p:extLst>
+          </p:nvPr>
+        </p:nvGraphicFramePr>
+        <p:xfrm>
+          <a:off x="828728" y="4506385"/>
+          <a:ext cx="7392480" cy="1543641"/>
+        </p:xfrm>
+        <a:graphic>
+          <a:graphicData uri="http://schemas.openxmlformats.org/drawingml/2006/table">
+            <a:tbl>
+              <a:tblPr firstRow="1" bandRow="1">
+                <a:tableStyleId>{5C22544A-7EE6-4342-B048-85BDC9FD1C3A}</a:tableStyleId>
+              </a:tblPr>
+              <a:tblGrid>
+                <a:gridCol w="924060">
+                  <a:extLst>
+                    <a:ext uri="{9D8B030D-6E8A-4147-A177-3AD203B41FA5}">
+                      <a16:colId xmlns:a16="http://schemas.microsoft.com/office/drawing/2014/main" val="3472953002"/>
+                    </a:ext>
+                  </a:extLst>
+                </a:gridCol>
+                <a:gridCol w="924060">
+                  <a:extLst>
+                    <a:ext uri="{9D8B030D-6E8A-4147-A177-3AD203B41FA5}">
+                      <a16:colId xmlns:a16="http://schemas.microsoft.com/office/drawing/2014/main" val="1567616906"/>
+                    </a:ext>
+                  </a:extLst>
+                </a:gridCol>
+                <a:gridCol w="924060">
+                  <a:extLst>
+                    <a:ext uri="{9D8B030D-6E8A-4147-A177-3AD203B41FA5}">
+                      <a16:colId xmlns:a16="http://schemas.microsoft.com/office/drawing/2014/main" val="3216724867"/>
+                    </a:ext>
+                  </a:extLst>
+                </a:gridCol>
+                <a:gridCol w="924060">
+                  <a:extLst>
+                    <a:ext uri="{9D8B030D-6E8A-4147-A177-3AD203B41FA5}">
+                      <a16:colId xmlns:a16="http://schemas.microsoft.com/office/drawing/2014/main" val="659707241"/>
+                    </a:ext>
+                  </a:extLst>
+                </a:gridCol>
+                <a:gridCol w="924060">
+                  <a:extLst>
+                    <a:ext uri="{9D8B030D-6E8A-4147-A177-3AD203B41FA5}">
+                      <a16:colId xmlns:a16="http://schemas.microsoft.com/office/drawing/2014/main" val="2288569116"/>
+                    </a:ext>
+                  </a:extLst>
+                </a:gridCol>
+                <a:gridCol w="924060">
+                  <a:extLst>
+                    <a:ext uri="{9D8B030D-6E8A-4147-A177-3AD203B41FA5}">
+                      <a16:colId xmlns:a16="http://schemas.microsoft.com/office/drawing/2014/main" val="2607653866"/>
+                    </a:ext>
+                  </a:extLst>
+                </a:gridCol>
+                <a:gridCol w="924060">
+                  <a:extLst>
+                    <a:ext uri="{9D8B030D-6E8A-4147-A177-3AD203B41FA5}">
+                      <a16:colId xmlns:a16="http://schemas.microsoft.com/office/drawing/2014/main" val="1264872593"/>
+                    </a:ext>
+                  </a:extLst>
+                </a:gridCol>
+                <a:gridCol w="924060">
+                  <a:extLst>
+                    <a:ext uri="{9D8B030D-6E8A-4147-A177-3AD203B41FA5}">
+                      <a16:colId xmlns:a16="http://schemas.microsoft.com/office/drawing/2014/main" val="2439958870"/>
+                    </a:ext>
+                  </a:extLst>
+                </a:gridCol>
+              </a:tblGrid>
+              <a:tr h="294885">
+                <a:tc>
+                  <a:txBody>
+                    <a:bodyPr/>
+                    <a:lstStyle/>
+                    <a:p>
+                      <a:r>
+                        <a:rPr kumimoji="1" lang="ja-JP" altLang="en-US" sz="1100" baseline="0" dirty="0"/>
+                        <a:t>日付</a:t>
+                      </a:r>
+                    </a:p>
+                  </a:txBody>
+                  <a:tcPr/>
+                </a:tc>
+                <a:tc>
+                  <a:txBody>
+                    <a:bodyPr/>
+                    <a:lstStyle/>
+                    <a:p>
+                      <a:r>
+                        <a:rPr kumimoji="1" lang="ja-JP" altLang="en-US" sz="1100" dirty="0"/>
+                        <a:t>店名</a:t>
+                      </a:r>
+                    </a:p>
+                  </a:txBody>
+                  <a:tcPr/>
+                </a:tc>
+                <a:tc>
+                  <a:txBody>
+                    <a:bodyPr/>
+                    <a:lstStyle/>
+                    <a:p>
+                      <a:r>
+                        <a:rPr kumimoji="1" lang="ja-JP" altLang="en-US" sz="1100" dirty="0"/>
+                        <a:t>ジャンル</a:t>
+                      </a:r>
+                    </a:p>
+                  </a:txBody>
+                  <a:tcPr/>
+                </a:tc>
+                <a:tc>
+                  <a:txBody>
+                    <a:bodyPr/>
+                    <a:lstStyle/>
+                    <a:p>
+                      <a:r>
+                        <a:rPr kumimoji="1" lang="ja-JP" altLang="en-US" sz="1100" dirty="0"/>
+                        <a:t>場所</a:t>
+                      </a:r>
+                    </a:p>
+                  </a:txBody>
+                  <a:tcPr/>
+                </a:tc>
+                <a:tc>
+                  <a:txBody>
+                    <a:bodyPr/>
+                    <a:lstStyle/>
+                    <a:p>
+                      <a:r>
+                        <a:rPr kumimoji="1" lang="ja-JP" altLang="en-US" sz="1100" dirty="0"/>
+                        <a:t>予約</a:t>
+                      </a:r>
+                    </a:p>
+                  </a:txBody>
+                  <a:tcPr/>
+                </a:tc>
+                <a:tc>
+                  <a:txBody>
+                    <a:bodyPr/>
+                    <a:lstStyle/>
+                    <a:p>
+                      <a:r>
+                        <a:rPr kumimoji="1" lang="ja-JP" altLang="en-US" sz="1100" dirty="0"/>
+                        <a:t>曜日</a:t>
+                      </a:r>
+                    </a:p>
+                  </a:txBody>
+                  <a:tcPr/>
+                </a:tc>
+                <a:tc>
+                  <a:txBody>
+                    <a:bodyPr/>
+                    <a:lstStyle/>
+                    <a:p>
+                      <a:r>
+                        <a:rPr kumimoji="1" lang="ja-JP" altLang="en-US" sz="1100" dirty="0"/>
+                        <a:t>先週来客数</a:t>
+                      </a:r>
+                    </a:p>
+                  </a:txBody>
+                  <a:tcPr/>
+                </a:tc>
+                <a:tc>
+                  <a:txBody>
+                    <a:bodyPr/>
+                    <a:lstStyle/>
+                    <a:p>
+                      <a:r>
+                        <a:rPr kumimoji="1" lang="ja-JP" altLang="en-US" sz="1100" dirty="0"/>
+                        <a:t>来客数</a:t>
+                      </a:r>
+                    </a:p>
+                  </a:txBody>
+                  <a:tcPr/>
+                </a:tc>
+                <a:extLst>
+                  <a:ext uri="{0D108BD9-81ED-4DB2-BD59-A6C34878D82A}">
+                    <a16:rowId xmlns:a16="http://schemas.microsoft.com/office/drawing/2014/main" val="2541452345"/>
+                  </a:ext>
+                </a:extLst>
+              </a:tr>
+              <a:tr h="312189">
+                <a:tc>
+                  <a:txBody>
+                    <a:bodyPr/>
+                    <a:lstStyle/>
+                    <a:p>
+                      <a:r>
+                        <a:rPr kumimoji="1" lang="en-US" altLang="ja-JP" sz="1100" dirty="0"/>
+                        <a:t>2016/01/01</a:t>
+                      </a:r>
+                      <a:endParaRPr kumimoji="1" lang="ja-JP" altLang="en-US" sz="1100" dirty="0"/>
+                    </a:p>
+                  </a:txBody>
+                  <a:tcPr/>
+                </a:tc>
+                <a:tc>
+                  <a:txBody>
+                    <a:bodyPr/>
+                    <a:lstStyle/>
+                    <a:p>
+                      <a:r>
+                        <a:rPr kumimoji="1" lang="en-US" altLang="ja-JP" sz="1100" dirty="0"/>
+                        <a:t>A</a:t>
+                      </a:r>
+                      <a:r>
+                        <a:rPr kumimoji="1" lang="ja-JP" altLang="en-US" sz="1100" dirty="0"/>
+                        <a:t>店</a:t>
+                      </a:r>
+                    </a:p>
+                  </a:txBody>
+                  <a:tcPr/>
+                </a:tc>
+                <a:tc>
+                  <a:txBody>
+                    <a:bodyPr/>
+                    <a:lstStyle/>
+                    <a:p>
+                      <a:r>
+                        <a:rPr kumimoji="1" lang="ja-JP" altLang="en-US" sz="1100" dirty="0"/>
+                        <a:t>焼き肉</a:t>
+                      </a:r>
+                    </a:p>
+                  </a:txBody>
+                  <a:tcPr/>
+                </a:tc>
+                <a:tc>
+                  <a:txBody>
+                    <a:bodyPr/>
+                    <a:lstStyle/>
+                    <a:p>
+                      <a:r>
+                        <a:rPr kumimoji="1" lang="ja-JP" altLang="en-US" sz="1100" dirty="0"/>
+                        <a:t>東京</a:t>
+                      </a:r>
+                    </a:p>
+                  </a:txBody>
+                  <a:tcPr/>
+                </a:tc>
+                <a:tc>
+                  <a:txBody>
+                    <a:bodyPr/>
+                    <a:lstStyle/>
+                    <a:p>
+                      <a:r>
+                        <a:rPr kumimoji="1" lang="en-US" altLang="ja-JP" sz="1100" dirty="0"/>
+                        <a:t>10</a:t>
+                      </a:r>
+                      <a:r>
+                        <a:rPr kumimoji="1" lang="ja-JP" altLang="en-US" sz="1100" dirty="0"/>
+                        <a:t>名</a:t>
+                      </a:r>
+                    </a:p>
+                  </a:txBody>
+                  <a:tcPr/>
+                </a:tc>
+                <a:tc>
+                  <a:txBody>
+                    <a:bodyPr/>
+                    <a:lstStyle/>
+                    <a:p>
+                      <a:r>
+                        <a:rPr kumimoji="1" lang="ja-JP" altLang="en-US" sz="1100" dirty="0"/>
+                        <a:t>金曜</a:t>
+                      </a:r>
+                    </a:p>
+                  </a:txBody>
+                  <a:tcPr/>
+                </a:tc>
+                <a:tc>
+                  <a:txBody>
+                    <a:bodyPr/>
+                    <a:lstStyle/>
+                    <a:p>
+                      <a:r>
+                        <a:rPr kumimoji="1" lang="en-US" altLang="ja-JP" sz="1100" dirty="0"/>
+                        <a:t>23.7</a:t>
+                      </a:r>
+                    </a:p>
+                  </a:txBody>
+                  <a:tcPr/>
+                </a:tc>
+                <a:tc>
+                  <a:txBody>
+                    <a:bodyPr/>
+                    <a:lstStyle/>
+                    <a:p>
+                      <a:r>
+                        <a:rPr kumimoji="1" lang="en-US" altLang="ja-JP" sz="1100" dirty="0"/>
+                        <a:t>20</a:t>
+                      </a:r>
+                      <a:r>
+                        <a:rPr kumimoji="1" lang="ja-JP" altLang="en-US" sz="1100" dirty="0"/>
+                        <a:t>名</a:t>
+                      </a:r>
+                    </a:p>
+                  </a:txBody>
+                  <a:tcPr/>
+                </a:tc>
+                <a:extLst>
+                  <a:ext uri="{0D108BD9-81ED-4DB2-BD59-A6C34878D82A}">
+                    <a16:rowId xmlns:a16="http://schemas.microsoft.com/office/drawing/2014/main" val="2235806074"/>
+                  </a:ext>
+                </a:extLst>
+              </a:tr>
+              <a:tr h="312189">
+                <a:tc>
+                  <a:txBody>
+                    <a:bodyPr/>
+                    <a:lstStyle/>
+                    <a:p>
+                      <a:r>
+                        <a:rPr kumimoji="1" lang="en-US" altLang="ja-JP" sz="1100" dirty="0"/>
+                        <a:t>2016/01/01</a:t>
+                      </a:r>
+                      <a:endParaRPr kumimoji="1" lang="ja-JP" altLang="en-US" sz="1100" dirty="0"/>
+                    </a:p>
+                  </a:txBody>
+                  <a:tcPr/>
+                </a:tc>
+                <a:tc>
+                  <a:txBody>
+                    <a:bodyPr/>
+                    <a:lstStyle/>
+                    <a:p>
+                      <a:r>
+                        <a:rPr kumimoji="1" lang="en-US" altLang="ja-JP" sz="1100" dirty="0"/>
+                        <a:t>B</a:t>
+                      </a:r>
+                      <a:r>
+                        <a:rPr kumimoji="1" lang="ja-JP" altLang="en-US" sz="1100" dirty="0"/>
+                        <a:t>店</a:t>
+                      </a:r>
+                    </a:p>
+                  </a:txBody>
+                  <a:tcPr/>
+                </a:tc>
+                <a:tc>
+                  <a:txBody>
+                    <a:bodyPr/>
+                    <a:lstStyle/>
+                    <a:p>
+                      <a:r>
+                        <a:rPr kumimoji="1" lang="ja-JP" altLang="en-US" sz="1100" dirty="0"/>
+                        <a:t>そば</a:t>
+                      </a:r>
+                    </a:p>
+                  </a:txBody>
+                  <a:tcPr/>
+                </a:tc>
+                <a:tc>
+                  <a:txBody>
+                    <a:bodyPr/>
+                    <a:lstStyle/>
+                    <a:p>
+                      <a:r>
+                        <a:rPr kumimoji="1" lang="ja-JP" altLang="en-US" sz="1100" dirty="0"/>
+                        <a:t>福岡</a:t>
+                      </a:r>
+                    </a:p>
+                  </a:txBody>
+                  <a:tcPr/>
+                </a:tc>
+                <a:tc>
+                  <a:txBody>
+                    <a:bodyPr/>
+                    <a:lstStyle/>
+                    <a:p>
+                      <a:r>
+                        <a:rPr kumimoji="1" lang="en-US" altLang="ja-JP" sz="1100" dirty="0"/>
+                        <a:t>3</a:t>
+                      </a:r>
+                      <a:r>
+                        <a:rPr kumimoji="1" lang="ja-JP" altLang="en-US" sz="1100" dirty="0"/>
+                        <a:t>名</a:t>
+                      </a:r>
+                    </a:p>
+                  </a:txBody>
+                  <a:tcPr/>
+                </a:tc>
+                <a:tc>
+                  <a:txBody>
+                    <a:bodyPr/>
+                    <a:lstStyle/>
+                    <a:p>
+                      <a:r>
+                        <a:rPr kumimoji="1" lang="ja-JP" altLang="en-US" sz="1100" dirty="0"/>
+                        <a:t>金曜</a:t>
+                      </a:r>
+                    </a:p>
+                  </a:txBody>
+                  <a:tcPr/>
+                </a:tc>
+                <a:tc>
+                  <a:txBody>
+                    <a:bodyPr/>
+                    <a:lstStyle/>
+                    <a:p>
+                      <a:r>
+                        <a:rPr kumimoji="1" lang="en-US" altLang="ja-JP" sz="1100" dirty="0"/>
+                        <a:t>3.4</a:t>
+                      </a:r>
+                      <a:endParaRPr kumimoji="1" lang="ja-JP" altLang="en-US" sz="1100" dirty="0"/>
+                    </a:p>
+                  </a:txBody>
+                  <a:tcPr/>
+                </a:tc>
+                <a:tc>
+                  <a:txBody>
+                    <a:bodyPr/>
+                    <a:lstStyle/>
+                    <a:p>
+                      <a:r>
+                        <a:rPr kumimoji="1" lang="en-US" altLang="ja-JP" sz="1100" dirty="0"/>
+                        <a:t>1</a:t>
+                      </a:r>
+                      <a:r>
+                        <a:rPr kumimoji="1" lang="ja-JP" altLang="en-US" sz="1100" dirty="0"/>
+                        <a:t>名</a:t>
+                      </a:r>
+                    </a:p>
+                  </a:txBody>
+                  <a:tcPr/>
+                </a:tc>
+                <a:extLst>
+                  <a:ext uri="{0D108BD9-81ED-4DB2-BD59-A6C34878D82A}">
+                    <a16:rowId xmlns:a16="http://schemas.microsoft.com/office/drawing/2014/main" val="1872554097"/>
+                  </a:ext>
+                </a:extLst>
+              </a:tr>
+              <a:tr h="312189">
+                <a:tc>
+                  <a:txBody>
+                    <a:bodyPr/>
+                    <a:lstStyle/>
+                    <a:p>
+                      <a:r>
+                        <a:rPr kumimoji="1" lang="en-US" altLang="ja-JP" sz="1100" dirty="0"/>
+                        <a:t>2016/01/02</a:t>
+                      </a:r>
+                      <a:endParaRPr kumimoji="1" lang="ja-JP" altLang="en-US" sz="1100" dirty="0"/>
+                    </a:p>
+                  </a:txBody>
+                  <a:tcPr/>
+                </a:tc>
+                <a:tc>
+                  <a:txBody>
+                    <a:bodyPr/>
+                    <a:lstStyle/>
+                    <a:p>
+                      <a:r>
+                        <a:rPr kumimoji="1" lang="en-US" altLang="ja-JP" sz="1100" dirty="0"/>
+                        <a:t>A</a:t>
+                      </a:r>
+                      <a:r>
+                        <a:rPr kumimoji="1" lang="ja-JP" altLang="en-US" sz="1100" dirty="0"/>
+                        <a:t>店</a:t>
+                      </a:r>
+                    </a:p>
+                  </a:txBody>
+                  <a:tcPr/>
+                </a:tc>
+                <a:tc>
+                  <a:txBody>
+                    <a:bodyPr/>
+                    <a:lstStyle/>
+                    <a:p>
+                      <a:r>
+                        <a:rPr kumimoji="1" lang="ja-JP" altLang="en-US" sz="1100" dirty="0"/>
+                        <a:t>焼き肉</a:t>
+                      </a:r>
+                    </a:p>
+                  </a:txBody>
+                  <a:tcPr/>
+                </a:tc>
+                <a:tc>
+                  <a:txBody>
+                    <a:bodyPr/>
+                    <a:lstStyle/>
+                    <a:p>
+                      <a:r>
+                        <a:rPr kumimoji="1" lang="ja-JP" altLang="en-US" sz="1100" dirty="0"/>
+                        <a:t>東京</a:t>
+                      </a:r>
+                    </a:p>
+                  </a:txBody>
+                  <a:tcPr/>
+                </a:tc>
+                <a:tc>
+                  <a:txBody>
+                    <a:bodyPr/>
+                    <a:lstStyle/>
+                    <a:p>
+                      <a:r>
+                        <a:rPr kumimoji="1" lang="en-US" altLang="ja-JP" sz="1100" dirty="0"/>
+                        <a:t>20</a:t>
+                      </a:r>
+                      <a:r>
+                        <a:rPr kumimoji="1" lang="ja-JP" altLang="en-US" sz="1100" dirty="0"/>
+                        <a:t>名</a:t>
+                      </a:r>
+                    </a:p>
+                  </a:txBody>
+                  <a:tcPr/>
+                </a:tc>
+                <a:tc>
+                  <a:txBody>
+                    <a:bodyPr/>
+                    <a:lstStyle/>
+                    <a:p>
+                      <a:r>
+                        <a:rPr kumimoji="1" lang="ja-JP" altLang="en-US" sz="1100" dirty="0"/>
+                        <a:t>土曜</a:t>
+                      </a:r>
+                      <a:endParaRPr kumimoji="1" lang="en-US" altLang="ja-JP" sz="1100" dirty="0"/>
+                    </a:p>
+                  </a:txBody>
+                  <a:tcPr/>
+                </a:tc>
+                <a:tc>
+                  <a:txBody>
+                    <a:bodyPr/>
+                    <a:lstStyle/>
+                    <a:p>
+                      <a:r>
+                        <a:rPr kumimoji="1" lang="en-US" altLang="ja-JP" sz="1100" dirty="0"/>
+                        <a:t>23.7</a:t>
+                      </a:r>
+                      <a:endParaRPr kumimoji="1" lang="ja-JP" altLang="en-US" sz="1100" dirty="0"/>
+                    </a:p>
+                  </a:txBody>
+                  <a:tcPr/>
+                </a:tc>
+                <a:tc>
+                  <a:txBody>
+                    <a:bodyPr/>
+                    <a:lstStyle/>
+                    <a:p>
+                      <a:r>
+                        <a:rPr kumimoji="1" lang="en-US" altLang="ja-JP" sz="1100" dirty="0"/>
+                        <a:t>30</a:t>
+                      </a:r>
+                      <a:r>
+                        <a:rPr kumimoji="1" lang="ja-JP" altLang="en-US" sz="1100" dirty="0"/>
+                        <a:t>名</a:t>
+                      </a:r>
+                    </a:p>
+                  </a:txBody>
+                  <a:tcPr/>
+                </a:tc>
+                <a:extLst>
+                  <a:ext uri="{0D108BD9-81ED-4DB2-BD59-A6C34878D82A}">
+                    <a16:rowId xmlns:a16="http://schemas.microsoft.com/office/drawing/2014/main" val="683497724"/>
+                  </a:ext>
+                </a:extLst>
+              </a:tr>
+              <a:tr h="312189">
+                <a:tc>
+                  <a:txBody>
+                    <a:bodyPr/>
+                    <a:lstStyle/>
+                    <a:p>
+                      <a:r>
+                        <a:rPr kumimoji="1" lang="en-US" altLang="ja-JP" sz="1100" dirty="0"/>
+                        <a:t>2016/01/02</a:t>
+                      </a:r>
+                      <a:endParaRPr kumimoji="1" lang="ja-JP" altLang="en-US" sz="1100" dirty="0"/>
+                    </a:p>
+                  </a:txBody>
+                  <a:tcPr/>
+                </a:tc>
+                <a:tc>
+                  <a:txBody>
+                    <a:bodyPr/>
+                    <a:lstStyle/>
+                    <a:p>
+                      <a:r>
+                        <a:rPr kumimoji="1" lang="en-US" altLang="ja-JP" sz="1100" dirty="0"/>
+                        <a:t>B</a:t>
+                      </a:r>
+                      <a:r>
+                        <a:rPr kumimoji="1" lang="ja-JP" altLang="en-US" sz="1100" dirty="0"/>
+                        <a:t>店</a:t>
+                      </a:r>
+                    </a:p>
+                  </a:txBody>
+                  <a:tcPr/>
+                </a:tc>
+                <a:tc>
+                  <a:txBody>
+                    <a:bodyPr/>
+                    <a:lstStyle/>
+                    <a:p>
+                      <a:r>
+                        <a:rPr kumimoji="1" lang="ja-JP" altLang="en-US" sz="1100" dirty="0"/>
+                        <a:t>そば</a:t>
+                      </a:r>
+                    </a:p>
+                  </a:txBody>
+                  <a:tcPr/>
+                </a:tc>
+                <a:tc>
+                  <a:txBody>
+                    <a:bodyPr/>
+                    <a:lstStyle/>
+                    <a:p>
+                      <a:r>
+                        <a:rPr kumimoji="1" lang="ja-JP" altLang="en-US" sz="1100" dirty="0"/>
+                        <a:t>福岡</a:t>
+                      </a:r>
+                    </a:p>
+                  </a:txBody>
+                  <a:tcPr/>
+                </a:tc>
+                <a:tc>
+                  <a:txBody>
+                    <a:bodyPr/>
+                    <a:lstStyle/>
+                    <a:p>
+                      <a:r>
+                        <a:rPr kumimoji="1" lang="en-US" altLang="ja-JP" sz="1100" dirty="0"/>
+                        <a:t>3</a:t>
+                      </a:r>
+                      <a:r>
+                        <a:rPr kumimoji="1" lang="ja-JP" altLang="en-US" sz="1100" dirty="0"/>
+                        <a:t>名</a:t>
+                      </a:r>
+                    </a:p>
+                  </a:txBody>
+                  <a:tcPr/>
+                </a:tc>
+                <a:tc>
+                  <a:txBody>
+                    <a:bodyPr/>
+                    <a:lstStyle/>
+                    <a:p>
+                      <a:r>
+                        <a:rPr kumimoji="1" lang="ja-JP" altLang="en-US" sz="1100" dirty="0"/>
+                        <a:t>土曜</a:t>
+                      </a:r>
+                    </a:p>
+                  </a:txBody>
+                  <a:tcPr/>
+                </a:tc>
+                <a:tc>
+                  <a:txBody>
+                    <a:bodyPr/>
+                    <a:lstStyle/>
+                    <a:p>
+                      <a:r>
+                        <a:rPr kumimoji="1" lang="en-US" altLang="ja-JP" sz="1100" dirty="0"/>
+                        <a:t>3.4</a:t>
+                      </a:r>
+                      <a:endParaRPr kumimoji="1" lang="ja-JP" altLang="en-US" sz="1100" dirty="0"/>
+                    </a:p>
+                  </a:txBody>
+                  <a:tcPr/>
+                </a:tc>
+                <a:tc>
+                  <a:txBody>
+                    <a:bodyPr/>
+                    <a:lstStyle/>
+                    <a:p>
+                      <a:r>
+                        <a:rPr kumimoji="1" lang="en-US" altLang="ja-JP" sz="1100" dirty="0"/>
+                        <a:t>5</a:t>
+                      </a:r>
+                      <a:r>
+                        <a:rPr kumimoji="1" lang="ja-JP" altLang="en-US" sz="1100" dirty="0"/>
+                        <a:t>名</a:t>
+                      </a:r>
+                    </a:p>
+                  </a:txBody>
+                  <a:tcPr/>
+                </a:tc>
+                <a:extLst>
+                  <a:ext uri="{0D108BD9-81ED-4DB2-BD59-A6C34878D82A}">
+                    <a16:rowId xmlns:a16="http://schemas.microsoft.com/office/drawing/2014/main" val="936262606"/>
+                  </a:ext>
+                </a:extLst>
+              </a:tr>
+            </a:tbl>
+          </a:graphicData>
+        </a:graphic>
+      </p:graphicFrame>
+      <p:sp>
+        <p:nvSpPr>
+          <p:cNvPr id="9" name="正方形/長方形 8">
+            <a:extLst>
+              <a:ext uri="{FF2B5EF4-FFF2-40B4-BE49-F238E27FC236}">
+                <a16:creationId xmlns:a16="http://schemas.microsoft.com/office/drawing/2014/main" id="{D9DBD90A-829C-4946-803A-CC1A2EFD6BD4}"/>
+              </a:ext>
+            </a:extLst>
+          </p:cNvPr>
+          <p:cNvSpPr/>
+          <p:nvPr/>
+        </p:nvSpPr>
+        <p:spPr>
+          <a:xfrm>
+            <a:off x="828728" y="4811950"/>
+            <a:ext cx="6472511" cy="1238076"/>
+          </a:xfrm>
+          <a:prstGeom prst="rect">
+            <a:avLst/>
+          </a:prstGeom>
+          <a:noFill/>
+          <a:ln w="50800">
+            <a:solidFill>
+              <a:schemeClr val="accent5">
+                <a:lumMod val="60000"/>
+                <a:lumOff val="40000"/>
+              </a:schemeClr>
+            </a:solidFill>
+          </a:ln>
+        </p:spPr>
+        <p:style>
+          <a:lnRef idx="2">
+            <a:schemeClr val="accent3"/>
+          </a:lnRef>
+          <a:fillRef idx="1">
+            <a:schemeClr val="lt1"/>
+          </a:fillRef>
+          <a:effectRef idx="0">
+            <a:schemeClr val="accent3"/>
+          </a:effectRef>
+          <a:fontRef idx="minor">
+            <a:schemeClr val="dk1"/>
+          </a:fontRef>
+        </p:style>
+        <p:txBody>
+          <a:bodyPr rtlCol="0" anchor="ctr"/>
+          <a:lstStyle/>
+          <a:p>
+            <a:pPr algn="ctr"/>
+            <a:endParaRPr kumimoji="1" lang="ja-JP" altLang="en-US" dirty="0"/>
+          </a:p>
+        </p:txBody>
+      </p:sp>
+      <p:sp>
+        <p:nvSpPr>
+          <p:cNvPr id="10" name="正方形/長方形 9">
+            <a:extLst>
+              <a:ext uri="{FF2B5EF4-FFF2-40B4-BE49-F238E27FC236}">
+                <a16:creationId xmlns:a16="http://schemas.microsoft.com/office/drawing/2014/main" id="{79D4775C-F12D-4FD0-AD94-15D3543C97B4}"/>
+              </a:ext>
+            </a:extLst>
+          </p:cNvPr>
+          <p:cNvSpPr/>
+          <p:nvPr/>
+        </p:nvSpPr>
+        <p:spPr>
+          <a:xfrm>
+            <a:off x="7301239" y="4811950"/>
+            <a:ext cx="919969" cy="1238076"/>
+          </a:xfrm>
+          <a:prstGeom prst="rect">
+            <a:avLst/>
+          </a:prstGeom>
+          <a:noFill/>
+          <a:ln w="50800"/>
+        </p:spPr>
+        <p:style>
+          <a:lnRef idx="2">
+            <a:schemeClr val="accent3"/>
+          </a:lnRef>
+          <a:fillRef idx="1">
+            <a:schemeClr val="lt1"/>
+          </a:fillRef>
+          <a:effectRef idx="0">
+            <a:schemeClr val="accent3"/>
+          </a:effectRef>
+          <a:fontRef idx="minor">
+            <a:schemeClr val="dk1"/>
+          </a:fontRef>
+        </p:style>
+        <p:txBody>
+          <a:bodyPr rtlCol="0" anchor="ctr"/>
+          <a:lstStyle/>
+          <a:p>
+            <a:pPr algn="ctr"/>
+            <a:endParaRPr kumimoji="1" lang="ja-JP" altLang="en-US" dirty="0"/>
+          </a:p>
+        </p:txBody>
+      </p:sp>
+      <p:sp>
+        <p:nvSpPr>
+          <p:cNvPr id="11" name="テキスト ボックス 10">
+            <a:extLst>
+              <a:ext uri="{FF2B5EF4-FFF2-40B4-BE49-F238E27FC236}">
+                <a16:creationId xmlns:a16="http://schemas.microsoft.com/office/drawing/2014/main" id="{E8CAC668-5F54-42FE-9F4B-D4E9A06BF129}"/>
+              </a:ext>
+            </a:extLst>
+          </p:cNvPr>
+          <p:cNvSpPr txBox="1"/>
+          <p:nvPr/>
+        </p:nvSpPr>
+        <p:spPr>
+          <a:xfrm>
+            <a:off x="751464" y="1456850"/>
+            <a:ext cx="7469744" cy="923330"/>
+          </a:xfrm>
+          <a:prstGeom prst="rect">
+            <a:avLst/>
+          </a:prstGeom>
+          <a:noFill/>
+        </p:spPr>
+        <p:txBody>
+          <a:bodyPr wrap="square" rtlCol="0">
+            <a:spAutoFit/>
+          </a:bodyPr>
+          <a:lstStyle/>
+          <a:p>
+            <a:r>
+              <a:rPr kumimoji="1" lang="ja-JP" altLang="en-US" dirty="0"/>
+              <a:t>情報を追加。</a:t>
+            </a:r>
+            <a:endParaRPr kumimoji="1" lang="en-US" altLang="ja-JP" dirty="0"/>
+          </a:p>
+          <a:p>
+            <a:r>
+              <a:rPr kumimoji="1" lang="ja-JP" altLang="en-US" dirty="0"/>
+              <a:t>ライブラリは、一行ずつ、赤枠（</a:t>
+            </a:r>
+            <a:r>
+              <a:rPr kumimoji="1" lang="en-US" altLang="ja-JP" dirty="0"/>
+              <a:t>X)</a:t>
+            </a:r>
+            <a:r>
+              <a:rPr kumimoji="1" lang="ja-JP" altLang="en-US" dirty="0"/>
+              <a:t>から黄枠（</a:t>
+            </a:r>
+            <a:r>
+              <a:rPr kumimoji="1" lang="en-US" altLang="ja-JP" dirty="0"/>
+              <a:t>y</a:t>
+            </a:r>
+            <a:r>
+              <a:rPr kumimoji="1" lang="ja-JP" altLang="en-US" dirty="0"/>
+              <a:t>）を予測する。</a:t>
+            </a:r>
+            <a:endParaRPr kumimoji="1" lang="en-US" altLang="ja-JP" dirty="0"/>
+          </a:p>
+          <a:p>
+            <a:r>
+              <a:rPr kumimoji="1" lang="ja-JP" altLang="en-US" dirty="0"/>
+              <a:t>例えば、先週の直近の来客数を教えてあげると、予想しやすくなる。</a:t>
+            </a:r>
+            <a:endParaRPr kumimoji="1" lang="en-US" altLang="ja-JP" dirty="0"/>
+          </a:p>
+        </p:txBody>
+      </p:sp>
+      <p:sp>
+        <p:nvSpPr>
+          <p:cNvPr id="12" name="テキスト ボックス 11">
+            <a:extLst>
+              <a:ext uri="{FF2B5EF4-FFF2-40B4-BE49-F238E27FC236}">
+                <a16:creationId xmlns:a16="http://schemas.microsoft.com/office/drawing/2014/main" id="{EFD93FAC-AF2E-4DE6-8C52-F75414203005}"/>
+              </a:ext>
+            </a:extLst>
+          </p:cNvPr>
+          <p:cNvSpPr txBox="1"/>
+          <p:nvPr/>
+        </p:nvSpPr>
+        <p:spPr>
+          <a:xfrm>
+            <a:off x="677334" y="6437071"/>
+            <a:ext cx="4431561" cy="276999"/>
+          </a:xfrm>
+          <a:prstGeom prst="rect">
+            <a:avLst/>
+          </a:prstGeom>
+          <a:noFill/>
+        </p:spPr>
+        <p:txBody>
+          <a:bodyPr wrap="square" rtlCol="0">
+            <a:spAutoFit/>
+          </a:bodyPr>
+          <a:lstStyle/>
+          <a:p>
+            <a:r>
+              <a:rPr kumimoji="1" lang="en-US" altLang="ja-JP" sz="1200" dirty="0"/>
+              <a:t>※</a:t>
+            </a:r>
+            <a:r>
+              <a:rPr kumimoji="1" lang="ja-JP" altLang="en-US" sz="1200" dirty="0"/>
+              <a:t>ググりたい人向け：特徴量追加</a:t>
+            </a:r>
+            <a:r>
+              <a:rPr kumimoji="1" lang="en-US" altLang="ja-JP" sz="1200" dirty="0"/>
+              <a:t>(Feature Engineering)</a:t>
             </a:r>
           </a:p>
         </p:txBody>
@@ -8174,9 +9873,1431 @@
           <a:lstStyle/>
           <a:p>
             <a:r>
+              <a:rPr lang="ja-JP" altLang="en-US" dirty="0"/>
+              <a:t>本当</a:t>
+            </a:r>
+            <a:r>
               <a:rPr kumimoji="1" lang="ja-JP" altLang="en-US" dirty="0"/>
-              <a:t>ほんとに精度、上がってるの？</a:t>
-            </a:r>
+              <a:t>に精度、上がってるの？</a:t>
+            </a:r>
+          </a:p>
+        </p:txBody>
+      </p:sp>
+      <p:sp>
+        <p:nvSpPr>
+          <p:cNvPr id="3" name="テキスト ボックス 2">
+            <a:extLst>
+              <a:ext uri="{FF2B5EF4-FFF2-40B4-BE49-F238E27FC236}">
+                <a16:creationId xmlns:a16="http://schemas.microsoft.com/office/drawing/2014/main" id="{4F55E3B8-1ED4-4429-B05A-A6A9B0E210B6}"/>
+              </a:ext>
+            </a:extLst>
+          </p:cNvPr>
+          <p:cNvSpPr txBox="1"/>
+          <p:nvPr/>
+        </p:nvSpPr>
+        <p:spPr>
+          <a:xfrm>
+            <a:off x="751464" y="1456850"/>
+            <a:ext cx="7469744" cy="923330"/>
+          </a:xfrm>
+          <a:prstGeom prst="rect">
+            <a:avLst/>
+          </a:prstGeom>
+          <a:noFill/>
+        </p:spPr>
+        <p:txBody>
+          <a:bodyPr wrap="square" rtlCol="0">
+            <a:spAutoFit/>
+          </a:bodyPr>
+          <a:lstStyle/>
+          <a:p>
+            <a:r>
+              <a:rPr kumimoji="1" lang="ja-JP" altLang="en-US" dirty="0"/>
+              <a:t>手元で精度を比較する。</a:t>
+            </a:r>
+            <a:endParaRPr kumimoji="1" lang="en-US" altLang="ja-JP" dirty="0"/>
+          </a:p>
+          <a:p>
+            <a:r>
+              <a:rPr kumimoji="1" lang="ja-JP" altLang="en-US" dirty="0"/>
+              <a:t>最終的な精度（スコア）は、コンペが終わるまで公開されないため、</a:t>
+            </a:r>
+            <a:endParaRPr kumimoji="1" lang="en-US" altLang="ja-JP" dirty="0"/>
+          </a:p>
+          <a:p>
+            <a:r>
+              <a:rPr kumimoji="1" lang="ja-JP" altLang="en-US" dirty="0"/>
+              <a:t>手元での評価が生死を分ける。</a:t>
+            </a:r>
+            <a:endParaRPr kumimoji="1" lang="en-US" altLang="ja-JP" dirty="0"/>
+          </a:p>
+        </p:txBody>
+      </p:sp>
+      <p:graphicFrame>
+        <p:nvGraphicFramePr>
+          <p:cNvPr id="4" name="表 3">
+            <a:extLst>
+              <a:ext uri="{FF2B5EF4-FFF2-40B4-BE49-F238E27FC236}">
+                <a16:creationId xmlns:a16="http://schemas.microsoft.com/office/drawing/2014/main" id="{735885DF-E61B-4B42-84B1-66324F04D178}"/>
+              </a:ext>
+            </a:extLst>
+          </p:cNvPr>
+          <p:cNvGraphicFramePr>
+            <a:graphicFrameLocks noGrp="1"/>
+          </p:cNvGraphicFramePr>
+          <p:nvPr>
+            <p:extLst>
+              <p:ext uri="{D42A27DB-BD31-4B8C-83A1-F6EECF244321}">
+                <p14:modId xmlns:p14="http://schemas.microsoft.com/office/powerpoint/2010/main" val="3578585389"/>
+              </p:ext>
+            </p:extLst>
+          </p:nvPr>
+        </p:nvGraphicFramePr>
+        <p:xfrm>
+          <a:off x="751464" y="3109475"/>
+          <a:ext cx="6280308" cy="1543641"/>
+        </p:xfrm>
+        <a:graphic>
+          <a:graphicData uri="http://schemas.openxmlformats.org/drawingml/2006/table">
+            <a:tbl>
+              <a:tblPr firstRow="1" bandRow="1">
+                <a:tableStyleId>{5C22544A-7EE6-4342-B048-85BDC9FD1C3A}</a:tableStyleId>
+              </a:tblPr>
+              <a:tblGrid>
+                <a:gridCol w="1046718">
+                  <a:extLst>
+                    <a:ext uri="{9D8B030D-6E8A-4147-A177-3AD203B41FA5}">
+                      <a16:colId xmlns:a16="http://schemas.microsoft.com/office/drawing/2014/main" val="3472953002"/>
+                    </a:ext>
+                  </a:extLst>
+                </a:gridCol>
+                <a:gridCol w="1046718">
+                  <a:extLst>
+                    <a:ext uri="{9D8B030D-6E8A-4147-A177-3AD203B41FA5}">
+                      <a16:colId xmlns:a16="http://schemas.microsoft.com/office/drawing/2014/main" val="1567616906"/>
+                    </a:ext>
+                  </a:extLst>
+                </a:gridCol>
+                <a:gridCol w="1046718">
+                  <a:extLst>
+                    <a:ext uri="{9D8B030D-6E8A-4147-A177-3AD203B41FA5}">
+                      <a16:colId xmlns:a16="http://schemas.microsoft.com/office/drawing/2014/main" val="3216724867"/>
+                    </a:ext>
+                  </a:extLst>
+                </a:gridCol>
+                <a:gridCol w="1046718">
+                  <a:extLst>
+                    <a:ext uri="{9D8B030D-6E8A-4147-A177-3AD203B41FA5}">
+                      <a16:colId xmlns:a16="http://schemas.microsoft.com/office/drawing/2014/main" val="659707241"/>
+                    </a:ext>
+                  </a:extLst>
+                </a:gridCol>
+                <a:gridCol w="1046718">
+                  <a:extLst>
+                    <a:ext uri="{9D8B030D-6E8A-4147-A177-3AD203B41FA5}">
+                      <a16:colId xmlns:a16="http://schemas.microsoft.com/office/drawing/2014/main" val="2288569116"/>
+                    </a:ext>
+                  </a:extLst>
+                </a:gridCol>
+                <a:gridCol w="1046718">
+                  <a:extLst>
+                    <a:ext uri="{9D8B030D-6E8A-4147-A177-3AD203B41FA5}">
+                      <a16:colId xmlns:a16="http://schemas.microsoft.com/office/drawing/2014/main" val="2439958870"/>
+                    </a:ext>
+                  </a:extLst>
+                </a:gridCol>
+              </a:tblGrid>
+              <a:tr h="294885">
+                <a:tc>
+                  <a:txBody>
+                    <a:bodyPr/>
+                    <a:lstStyle/>
+                    <a:p>
+                      <a:r>
+                        <a:rPr kumimoji="1" lang="ja-JP" altLang="en-US" sz="1100" baseline="0" dirty="0"/>
+                        <a:t>日付</a:t>
+                      </a:r>
+                    </a:p>
+                  </a:txBody>
+                  <a:tcPr/>
+                </a:tc>
+                <a:tc>
+                  <a:txBody>
+                    <a:bodyPr/>
+                    <a:lstStyle/>
+                    <a:p>
+                      <a:r>
+                        <a:rPr kumimoji="1" lang="ja-JP" altLang="en-US" sz="1100" dirty="0"/>
+                        <a:t>店名</a:t>
+                      </a:r>
+                    </a:p>
+                  </a:txBody>
+                  <a:tcPr/>
+                </a:tc>
+                <a:tc>
+                  <a:txBody>
+                    <a:bodyPr/>
+                    <a:lstStyle/>
+                    <a:p>
+                      <a:r>
+                        <a:rPr kumimoji="1" lang="ja-JP" altLang="en-US" sz="1100" dirty="0"/>
+                        <a:t>ジャンル</a:t>
+                      </a:r>
+                    </a:p>
+                  </a:txBody>
+                  <a:tcPr/>
+                </a:tc>
+                <a:tc>
+                  <a:txBody>
+                    <a:bodyPr/>
+                    <a:lstStyle/>
+                    <a:p>
+                      <a:r>
+                        <a:rPr kumimoji="1" lang="ja-JP" altLang="en-US" sz="1100" dirty="0"/>
+                        <a:t>場所</a:t>
+                      </a:r>
+                    </a:p>
+                  </a:txBody>
+                  <a:tcPr/>
+                </a:tc>
+                <a:tc>
+                  <a:txBody>
+                    <a:bodyPr/>
+                    <a:lstStyle/>
+                    <a:p>
+                      <a:r>
+                        <a:rPr kumimoji="1" lang="ja-JP" altLang="en-US" sz="1100" dirty="0"/>
+                        <a:t>予約</a:t>
+                      </a:r>
+                    </a:p>
+                  </a:txBody>
+                  <a:tcPr/>
+                </a:tc>
+                <a:tc>
+                  <a:txBody>
+                    <a:bodyPr/>
+                    <a:lstStyle/>
+                    <a:p>
+                      <a:r>
+                        <a:rPr kumimoji="1" lang="ja-JP" altLang="en-US" sz="1100" dirty="0"/>
+                        <a:t>来客数</a:t>
+                      </a:r>
+                    </a:p>
+                  </a:txBody>
+                  <a:tcPr/>
+                </a:tc>
+                <a:extLst>
+                  <a:ext uri="{0D108BD9-81ED-4DB2-BD59-A6C34878D82A}">
+                    <a16:rowId xmlns:a16="http://schemas.microsoft.com/office/drawing/2014/main" val="2541452345"/>
+                  </a:ext>
+                </a:extLst>
+              </a:tr>
+              <a:tr h="312189">
+                <a:tc>
+                  <a:txBody>
+                    <a:bodyPr/>
+                    <a:lstStyle/>
+                    <a:p>
+                      <a:r>
+                        <a:rPr kumimoji="1" lang="en-US" altLang="ja-JP" sz="1100" dirty="0"/>
+                        <a:t>2016/01/01</a:t>
+                      </a:r>
+                      <a:endParaRPr kumimoji="1" lang="ja-JP" altLang="en-US" sz="1100" dirty="0"/>
+                    </a:p>
+                  </a:txBody>
+                  <a:tcPr/>
+                </a:tc>
+                <a:tc>
+                  <a:txBody>
+                    <a:bodyPr/>
+                    <a:lstStyle/>
+                    <a:p>
+                      <a:r>
+                        <a:rPr kumimoji="1" lang="en-US" altLang="ja-JP" sz="1100" dirty="0"/>
+                        <a:t>A</a:t>
+                      </a:r>
+                      <a:r>
+                        <a:rPr kumimoji="1" lang="ja-JP" altLang="en-US" sz="1100" dirty="0"/>
+                        <a:t>店</a:t>
+                      </a:r>
+                    </a:p>
+                  </a:txBody>
+                  <a:tcPr/>
+                </a:tc>
+                <a:tc>
+                  <a:txBody>
+                    <a:bodyPr/>
+                    <a:lstStyle/>
+                    <a:p>
+                      <a:r>
+                        <a:rPr kumimoji="1" lang="ja-JP" altLang="en-US" sz="1100" dirty="0"/>
+                        <a:t>焼き肉</a:t>
+                      </a:r>
+                    </a:p>
+                  </a:txBody>
+                  <a:tcPr/>
+                </a:tc>
+                <a:tc>
+                  <a:txBody>
+                    <a:bodyPr/>
+                    <a:lstStyle/>
+                    <a:p>
+                      <a:r>
+                        <a:rPr kumimoji="1" lang="ja-JP" altLang="en-US" sz="1100" dirty="0"/>
+                        <a:t>東京</a:t>
+                      </a:r>
+                    </a:p>
+                  </a:txBody>
+                  <a:tcPr/>
+                </a:tc>
+                <a:tc>
+                  <a:txBody>
+                    <a:bodyPr/>
+                    <a:lstStyle/>
+                    <a:p>
+                      <a:r>
+                        <a:rPr kumimoji="1" lang="en-US" altLang="ja-JP" sz="1100" dirty="0"/>
+                        <a:t>10</a:t>
+                      </a:r>
+                      <a:r>
+                        <a:rPr kumimoji="1" lang="ja-JP" altLang="en-US" sz="1100" dirty="0"/>
+                        <a:t>名</a:t>
+                      </a:r>
+                    </a:p>
+                  </a:txBody>
+                  <a:tcPr/>
+                </a:tc>
+                <a:tc>
+                  <a:txBody>
+                    <a:bodyPr/>
+                    <a:lstStyle/>
+                    <a:p>
+                      <a:r>
+                        <a:rPr kumimoji="1" lang="en-US" altLang="ja-JP" sz="1100" dirty="0"/>
+                        <a:t>20</a:t>
+                      </a:r>
+                      <a:r>
+                        <a:rPr kumimoji="1" lang="ja-JP" altLang="en-US" sz="1100" dirty="0"/>
+                        <a:t>名</a:t>
+                      </a:r>
+                    </a:p>
+                  </a:txBody>
+                  <a:tcPr/>
+                </a:tc>
+                <a:extLst>
+                  <a:ext uri="{0D108BD9-81ED-4DB2-BD59-A6C34878D82A}">
+                    <a16:rowId xmlns:a16="http://schemas.microsoft.com/office/drawing/2014/main" val="2235806074"/>
+                  </a:ext>
+                </a:extLst>
+              </a:tr>
+              <a:tr h="312189">
+                <a:tc>
+                  <a:txBody>
+                    <a:bodyPr/>
+                    <a:lstStyle/>
+                    <a:p>
+                      <a:r>
+                        <a:rPr kumimoji="1" lang="en-US" altLang="ja-JP" sz="1100" dirty="0"/>
+                        <a:t>2016/01/01</a:t>
+                      </a:r>
+                      <a:endParaRPr kumimoji="1" lang="ja-JP" altLang="en-US" sz="1100" dirty="0"/>
+                    </a:p>
+                  </a:txBody>
+                  <a:tcPr/>
+                </a:tc>
+                <a:tc>
+                  <a:txBody>
+                    <a:bodyPr/>
+                    <a:lstStyle/>
+                    <a:p>
+                      <a:r>
+                        <a:rPr kumimoji="1" lang="en-US" altLang="ja-JP" sz="1100" dirty="0"/>
+                        <a:t>B</a:t>
+                      </a:r>
+                      <a:r>
+                        <a:rPr kumimoji="1" lang="ja-JP" altLang="en-US" sz="1100" dirty="0"/>
+                        <a:t>店</a:t>
+                      </a:r>
+                    </a:p>
+                  </a:txBody>
+                  <a:tcPr/>
+                </a:tc>
+                <a:tc>
+                  <a:txBody>
+                    <a:bodyPr/>
+                    <a:lstStyle/>
+                    <a:p>
+                      <a:r>
+                        <a:rPr kumimoji="1" lang="ja-JP" altLang="en-US" sz="1100" dirty="0"/>
+                        <a:t>そば</a:t>
+                      </a:r>
+                    </a:p>
+                  </a:txBody>
+                  <a:tcPr/>
+                </a:tc>
+                <a:tc>
+                  <a:txBody>
+                    <a:bodyPr/>
+                    <a:lstStyle/>
+                    <a:p>
+                      <a:r>
+                        <a:rPr kumimoji="1" lang="ja-JP" altLang="en-US" sz="1100" dirty="0"/>
+                        <a:t>福岡</a:t>
+                      </a:r>
+                    </a:p>
+                  </a:txBody>
+                  <a:tcPr/>
+                </a:tc>
+                <a:tc>
+                  <a:txBody>
+                    <a:bodyPr/>
+                    <a:lstStyle/>
+                    <a:p>
+                      <a:r>
+                        <a:rPr kumimoji="1" lang="en-US" altLang="ja-JP" sz="1100" dirty="0"/>
+                        <a:t>3</a:t>
+                      </a:r>
+                      <a:r>
+                        <a:rPr kumimoji="1" lang="ja-JP" altLang="en-US" sz="1100" dirty="0"/>
+                        <a:t>名</a:t>
+                      </a:r>
+                    </a:p>
+                  </a:txBody>
+                  <a:tcPr/>
+                </a:tc>
+                <a:tc>
+                  <a:txBody>
+                    <a:bodyPr/>
+                    <a:lstStyle/>
+                    <a:p>
+                      <a:r>
+                        <a:rPr kumimoji="1" lang="en-US" altLang="ja-JP" sz="1100" dirty="0"/>
+                        <a:t>1</a:t>
+                      </a:r>
+                      <a:r>
+                        <a:rPr kumimoji="1" lang="ja-JP" altLang="en-US" sz="1100" dirty="0"/>
+                        <a:t>名</a:t>
+                      </a:r>
+                    </a:p>
+                  </a:txBody>
+                  <a:tcPr/>
+                </a:tc>
+                <a:extLst>
+                  <a:ext uri="{0D108BD9-81ED-4DB2-BD59-A6C34878D82A}">
+                    <a16:rowId xmlns:a16="http://schemas.microsoft.com/office/drawing/2014/main" val="1872554097"/>
+                  </a:ext>
+                </a:extLst>
+              </a:tr>
+              <a:tr h="312189">
+                <a:tc>
+                  <a:txBody>
+                    <a:bodyPr/>
+                    <a:lstStyle/>
+                    <a:p>
+                      <a:r>
+                        <a:rPr kumimoji="1" lang="en-US" altLang="ja-JP" sz="1100" dirty="0"/>
+                        <a:t>2016/01/02</a:t>
+                      </a:r>
+                      <a:endParaRPr kumimoji="1" lang="ja-JP" altLang="en-US" sz="1100" dirty="0"/>
+                    </a:p>
+                  </a:txBody>
+                  <a:tcPr/>
+                </a:tc>
+                <a:tc>
+                  <a:txBody>
+                    <a:bodyPr/>
+                    <a:lstStyle/>
+                    <a:p>
+                      <a:r>
+                        <a:rPr kumimoji="1" lang="en-US" altLang="ja-JP" sz="1100" dirty="0"/>
+                        <a:t>A</a:t>
+                      </a:r>
+                      <a:r>
+                        <a:rPr kumimoji="1" lang="ja-JP" altLang="en-US" sz="1100" dirty="0"/>
+                        <a:t>店</a:t>
+                      </a:r>
+                    </a:p>
+                  </a:txBody>
+                  <a:tcPr/>
+                </a:tc>
+                <a:tc>
+                  <a:txBody>
+                    <a:bodyPr/>
+                    <a:lstStyle/>
+                    <a:p>
+                      <a:r>
+                        <a:rPr kumimoji="1" lang="ja-JP" altLang="en-US" sz="1100" dirty="0"/>
+                        <a:t>焼き肉</a:t>
+                      </a:r>
+                    </a:p>
+                  </a:txBody>
+                  <a:tcPr/>
+                </a:tc>
+                <a:tc>
+                  <a:txBody>
+                    <a:bodyPr/>
+                    <a:lstStyle/>
+                    <a:p>
+                      <a:r>
+                        <a:rPr kumimoji="1" lang="ja-JP" altLang="en-US" sz="1100" dirty="0"/>
+                        <a:t>東京</a:t>
+                      </a:r>
+                    </a:p>
+                  </a:txBody>
+                  <a:tcPr/>
+                </a:tc>
+                <a:tc>
+                  <a:txBody>
+                    <a:bodyPr/>
+                    <a:lstStyle/>
+                    <a:p>
+                      <a:r>
+                        <a:rPr kumimoji="1" lang="en-US" altLang="ja-JP" sz="1100" dirty="0"/>
+                        <a:t>20</a:t>
+                      </a:r>
+                      <a:r>
+                        <a:rPr kumimoji="1" lang="ja-JP" altLang="en-US" sz="1100" dirty="0"/>
+                        <a:t>名</a:t>
+                      </a:r>
+                    </a:p>
+                  </a:txBody>
+                  <a:tcPr/>
+                </a:tc>
+                <a:tc>
+                  <a:txBody>
+                    <a:bodyPr/>
+                    <a:lstStyle/>
+                    <a:p>
+                      <a:r>
+                        <a:rPr kumimoji="1" lang="en-US" altLang="ja-JP" sz="1100" dirty="0"/>
+                        <a:t>30</a:t>
+                      </a:r>
+                      <a:r>
+                        <a:rPr kumimoji="1" lang="ja-JP" altLang="en-US" sz="1100" dirty="0"/>
+                        <a:t>名</a:t>
+                      </a:r>
+                    </a:p>
+                  </a:txBody>
+                  <a:tcPr/>
+                </a:tc>
+                <a:extLst>
+                  <a:ext uri="{0D108BD9-81ED-4DB2-BD59-A6C34878D82A}">
+                    <a16:rowId xmlns:a16="http://schemas.microsoft.com/office/drawing/2014/main" val="683497724"/>
+                  </a:ext>
+                </a:extLst>
+              </a:tr>
+              <a:tr h="312189">
+                <a:tc>
+                  <a:txBody>
+                    <a:bodyPr/>
+                    <a:lstStyle/>
+                    <a:p>
+                      <a:r>
+                        <a:rPr kumimoji="1" lang="en-US" altLang="ja-JP" sz="1100" dirty="0"/>
+                        <a:t>2016/01/02</a:t>
+                      </a:r>
+                      <a:endParaRPr kumimoji="1" lang="ja-JP" altLang="en-US" sz="1100" dirty="0"/>
+                    </a:p>
+                  </a:txBody>
+                  <a:tcPr/>
+                </a:tc>
+                <a:tc>
+                  <a:txBody>
+                    <a:bodyPr/>
+                    <a:lstStyle/>
+                    <a:p>
+                      <a:r>
+                        <a:rPr kumimoji="1" lang="en-US" altLang="ja-JP" sz="1100" dirty="0"/>
+                        <a:t>B</a:t>
+                      </a:r>
+                      <a:r>
+                        <a:rPr kumimoji="1" lang="ja-JP" altLang="en-US" sz="1100" dirty="0"/>
+                        <a:t>店</a:t>
+                      </a:r>
+                    </a:p>
+                  </a:txBody>
+                  <a:tcPr/>
+                </a:tc>
+                <a:tc>
+                  <a:txBody>
+                    <a:bodyPr/>
+                    <a:lstStyle/>
+                    <a:p>
+                      <a:r>
+                        <a:rPr kumimoji="1" lang="ja-JP" altLang="en-US" sz="1100" dirty="0"/>
+                        <a:t>そば</a:t>
+                      </a:r>
+                    </a:p>
+                  </a:txBody>
+                  <a:tcPr/>
+                </a:tc>
+                <a:tc>
+                  <a:txBody>
+                    <a:bodyPr/>
+                    <a:lstStyle/>
+                    <a:p>
+                      <a:r>
+                        <a:rPr kumimoji="1" lang="ja-JP" altLang="en-US" sz="1100" dirty="0"/>
+                        <a:t>福岡</a:t>
+                      </a:r>
+                    </a:p>
+                  </a:txBody>
+                  <a:tcPr/>
+                </a:tc>
+                <a:tc>
+                  <a:txBody>
+                    <a:bodyPr/>
+                    <a:lstStyle/>
+                    <a:p>
+                      <a:r>
+                        <a:rPr kumimoji="1" lang="en-US" altLang="ja-JP" sz="1100" dirty="0"/>
+                        <a:t>3</a:t>
+                      </a:r>
+                      <a:r>
+                        <a:rPr kumimoji="1" lang="ja-JP" altLang="en-US" sz="1100" dirty="0"/>
+                        <a:t>名</a:t>
+                      </a:r>
+                    </a:p>
+                  </a:txBody>
+                  <a:tcPr/>
+                </a:tc>
+                <a:tc>
+                  <a:txBody>
+                    <a:bodyPr/>
+                    <a:lstStyle/>
+                    <a:p>
+                      <a:r>
+                        <a:rPr kumimoji="1" lang="en-US" altLang="ja-JP" sz="1100" dirty="0"/>
+                        <a:t>5</a:t>
+                      </a:r>
+                      <a:r>
+                        <a:rPr kumimoji="1" lang="ja-JP" altLang="en-US" sz="1100" dirty="0"/>
+                        <a:t>名</a:t>
+                      </a:r>
+                    </a:p>
+                  </a:txBody>
+                  <a:tcPr/>
+                </a:tc>
+                <a:extLst>
+                  <a:ext uri="{0D108BD9-81ED-4DB2-BD59-A6C34878D82A}">
+                    <a16:rowId xmlns:a16="http://schemas.microsoft.com/office/drawing/2014/main" val="936262606"/>
+                  </a:ext>
+                </a:extLst>
+              </a:tr>
+            </a:tbl>
+          </a:graphicData>
+        </a:graphic>
+      </p:graphicFrame>
+      <p:sp>
+        <p:nvSpPr>
+          <p:cNvPr id="5" name="テキスト ボックス 4">
+            <a:extLst>
+              <a:ext uri="{FF2B5EF4-FFF2-40B4-BE49-F238E27FC236}">
+                <a16:creationId xmlns:a16="http://schemas.microsoft.com/office/drawing/2014/main" id="{5F37C18A-E80D-481D-BCD5-82ADB2D13E69}"/>
+              </a:ext>
+            </a:extLst>
+          </p:cNvPr>
+          <p:cNvSpPr txBox="1"/>
+          <p:nvPr/>
+        </p:nvSpPr>
+        <p:spPr>
+          <a:xfrm>
+            <a:off x="751464" y="2508308"/>
+            <a:ext cx="6731516" cy="646331"/>
+          </a:xfrm>
+          <a:prstGeom prst="rect">
+            <a:avLst/>
+          </a:prstGeom>
+          <a:noFill/>
+        </p:spPr>
+        <p:txBody>
+          <a:bodyPr wrap="square" rtlCol="0">
+            <a:spAutoFit/>
+          </a:bodyPr>
+          <a:lstStyle/>
+          <a:p>
+            <a:r>
+              <a:rPr kumimoji="1" lang="en-US" altLang="ja-JP" dirty="0"/>
+              <a:t>2017/04/16</a:t>
+            </a:r>
+            <a:r>
+              <a:rPr kumimoji="1" lang="ja-JP" altLang="en-US" dirty="0"/>
+              <a:t>～</a:t>
+            </a:r>
+            <a:r>
+              <a:rPr kumimoji="1" lang="en-US" altLang="ja-JP" dirty="0"/>
+              <a:t>2017/04/22</a:t>
+            </a:r>
+            <a:r>
+              <a:rPr kumimoji="1" lang="ja-JP" altLang="en-US" dirty="0"/>
+              <a:t>のデータだけ来客数を隠して、</a:t>
+            </a:r>
+            <a:endParaRPr kumimoji="1" lang="en-US" altLang="ja-JP" dirty="0"/>
+          </a:p>
+          <a:p>
+            <a:r>
+              <a:rPr kumimoji="1" lang="ja-JP" altLang="en-US" dirty="0"/>
+              <a:t>どれだけうまく予想できるかを実験してみる</a:t>
+            </a:r>
+            <a:endParaRPr kumimoji="1" lang="en-US" altLang="ja-JP" dirty="0"/>
+          </a:p>
+        </p:txBody>
+      </p:sp>
+      <p:graphicFrame>
+        <p:nvGraphicFramePr>
+          <p:cNvPr id="6" name="表 5">
+            <a:extLst>
+              <a:ext uri="{FF2B5EF4-FFF2-40B4-BE49-F238E27FC236}">
+                <a16:creationId xmlns:a16="http://schemas.microsoft.com/office/drawing/2014/main" id="{0A384316-6719-4EF5-A0D8-E138C2150FB1}"/>
+              </a:ext>
+            </a:extLst>
+          </p:cNvPr>
+          <p:cNvGraphicFramePr>
+            <a:graphicFrameLocks noGrp="1"/>
+          </p:cNvGraphicFramePr>
+          <p:nvPr>
+            <p:extLst>
+              <p:ext uri="{D42A27DB-BD31-4B8C-83A1-F6EECF244321}">
+                <p14:modId xmlns:p14="http://schemas.microsoft.com/office/powerpoint/2010/main" val="3872641532"/>
+              </p:ext>
+            </p:extLst>
+          </p:nvPr>
+        </p:nvGraphicFramePr>
+        <p:xfrm>
+          <a:off x="751464" y="4956451"/>
+          <a:ext cx="6280308" cy="1543641"/>
+        </p:xfrm>
+        <a:graphic>
+          <a:graphicData uri="http://schemas.openxmlformats.org/drawingml/2006/table">
+            <a:tbl>
+              <a:tblPr firstRow="1" bandRow="1">
+                <a:tableStyleId>{5C22544A-7EE6-4342-B048-85BDC9FD1C3A}</a:tableStyleId>
+              </a:tblPr>
+              <a:tblGrid>
+                <a:gridCol w="1046718">
+                  <a:extLst>
+                    <a:ext uri="{9D8B030D-6E8A-4147-A177-3AD203B41FA5}">
+                      <a16:colId xmlns:a16="http://schemas.microsoft.com/office/drawing/2014/main" val="3472953002"/>
+                    </a:ext>
+                  </a:extLst>
+                </a:gridCol>
+                <a:gridCol w="1046718">
+                  <a:extLst>
+                    <a:ext uri="{9D8B030D-6E8A-4147-A177-3AD203B41FA5}">
+                      <a16:colId xmlns:a16="http://schemas.microsoft.com/office/drawing/2014/main" val="1567616906"/>
+                    </a:ext>
+                  </a:extLst>
+                </a:gridCol>
+                <a:gridCol w="1046718">
+                  <a:extLst>
+                    <a:ext uri="{9D8B030D-6E8A-4147-A177-3AD203B41FA5}">
+                      <a16:colId xmlns:a16="http://schemas.microsoft.com/office/drawing/2014/main" val="3216724867"/>
+                    </a:ext>
+                  </a:extLst>
+                </a:gridCol>
+                <a:gridCol w="1046718">
+                  <a:extLst>
+                    <a:ext uri="{9D8B030D-6E8A-4147-A177-3AD203B41FA5}">
+                      <a16:colId xmlns:a16="http://schemas.microsoft.com/office/drawing/2014/main" val="659707241"/>
+                    </a:ext>
+                  </a:extLst>
+                </a:gridCol>
+                <a:gridCol w="1046718">
+                  <a:extLst>
+                    <a:ext uri="{9D8B030D-6E8A-4147-A177-3AD203B41FA5}">
+                      <a16:colId xmlns:a16="http://schemas.microsoft.com/office/drawing/2014/main" val="2288569116"/>
+                    </a:ext>
+                  </a:extLst>
+                </a:gridCol>
+                <a:gridCol w="1046718">
+                  <a:extLst>
+                    <a:ext uri="{9D8B030D-6E8A-4147-A177-3AD203B41FA5}">
+                      <a16:colId xmlns:a16="http://schemas.microsoft.com/office/drawing/2014/main" val="2439958870"/>
+                    </a:ext>
+                  </a:extLst>
+                </a:gridCol>
+              </a:tblGrid>
+              <a:tr h="294885">
+                <a:tc>
+                  <a:txBody>
+                    <a:bodyPr/>
+                    <a:lstStyle/>
+                    <a:p>
+                      <a:r>
+                        <a:rPr kumimoji="1" lang="ja-JP" altLang="en-US" sz="1100" baseline="0" dirty="0"/>
+                        <a:t>日付</a:t>
+                      </a:r>
+                    </a:p>
+                  </a:txBody>
+                  <a:tcPr/>
+                </a:tc>
+                <a:tc>
+                  <a:txBody>
+                    <a:bodyPr/>
+                    <a:lstStyle/>
+                    <a:p>
+                      <a:r>
+                        <a:rPr kumimoji="1" lang="ja-JP" altLang="en-US" sz="1100" dirty="0"/>
+                        <a:t>店名</a:t>
+                      </a:r>
+                    </a:p>
+                  </a:txBody>
+                  <a:tcPr/>
+                </a:tc>
+                <a:tc>
+                  <a:txBody>
+                    <a:bodyPr/>
+                    <a:lstStyle/>
+                    <a:p>
+                      <a:r>
+                        <a:rPr kumimoji="1" lang="ja-JP" altLang="en-US" sz="1100" dirty="0"/>
+                        <a:t>ジャンル</a:t>
+                      </a:r>
+                    </a:p>
+                  </a:txBody>
+                  <a:tcPr/>
+                </a:tc>
+                <a:tc>
+                  <a:txBody>
+                    <a:bodyPr/>
+                    <a:lstStyle/>
+                    <a:p>
+                      <a:r>
+                        <a:rPr kumimoji="1" lang="ja-JP" altLang="en-US" sz="1100" dirty="0"/>
+                        <a:t>場所</a:t>
+                      </a:r>
+                    </a:p>
+                  </a:txBody>
+                  <a:tcPr/>
+                </a:tc>
+                <a:tc>
+                  <a:txBody>
+                    <a:bodyPr/>
+                    <a:lstStyle/>
+                    <a:p>
+                      <a:r>
+                        <a:rPr kumimoji="1" lang="ja-JP" altLang="en-US" sz="1100" dirty="0"/>
+                        <a:t>予約</a:t>
+                      </a:r>
+                    </a:p>
+                  </a:txBody>
+                  <a:tcPr/>
+                </a:tc>
+                <a:tc>
+                  <a:txBody>
+                    <a:bodyPr/>
+                    <a:lstStyle/>
+                    <a:p>
+                      <a:r>
+                        <a:rPr kumimoji="1" lang="ja-JP" altLang="en-US" sz="1100" dirty="0"/>
+                        <a:t>来客数</a:t>
+                      </a:r>
+                    </a:p>
+                  </a:txBody>
+                  <a:tcPr/>
+                </a:tc>
+                <a:extLst>
+                  <a:ext uri="{0D108BD9-81ED-4DB2-BD59-A6C34878D82A}">
+                    <a16:rowId xmlns:a16="http://schemas.microsoft.com/office/drawing/2014/main" val="2541452345"/>
+                  </a:ext>
+                </a:extLst>
+              </a:tr>
+              <a:tr h="312189">
+                <a:tc>
+                  <a:txBody>
+                    <a:bodyPr/>
+                    <a:lstStyle/>
+                    <a:p>
+                      <a:r>
+                        <a:rPr kumimoji="1" lang="en-US" altLang="ja-JP" sz="1100" dirty="0"/>
+                        <a:t>2017/04/16</a:t>
+                      </a:r>
+                      <a:endParaRPr kumimoji="1" lang="ja-JP" altLang="en-US" sz="1100" dirty="0"/>
+                    </a:p>
+                  </a:txBody>
+                  <a:tcPr/>
+                </a:tc>
+                <a:tc>
+                  <a:txBody>
+                    <a:bodyPr/>
+                    <a:lstStyle/>
+                    <a:p>
+                      <a:r>
+                        <a:rPr kumimoji="1" lang="en-US" altLang="ja-JP" sz="1100" dirty="0"/>
+                        <a:t>A</a:t>
+                      </a:r>
+                      <a:r>
+                        <a:rPr kumimoji="1" lang="ja-JP" altLang="en-US" sz="1100" dirty="0"/>
+                        <a:t>店</a:t>
+                      </a:r>
+                    </a:p>
+                  </a:txBody>
+                  <a:tcPr/>
+                </a:tc>
+                <a:tc>
+                  <a:txBody>
+                    <a:bodyPr/>
+                    <a:lstStyle/>
+                    <a:p>
+                      <a:r>
+                        <a:rPr kumimoji="1" lang="ja-JP" altLang="en-US" sz="1100" dirty="0"/>
+                        <a:t>焼き肉</a:t>
+                      </a:r>
+                    </a:p>
+                  </a:txBody>
+                  <a:tcPr/>
+                </a:tc>
+                <a:tc>
+                  <a:txBody>
+                    <a:bodyPr/>
+                    <a:lstStyle/>
+                    <a:p>
+                      <a:r>
+                        <a:rPr kumimoji="1" lang="ja-JP" altLang="en-US" sz="1100" dirty="0"/>
+                        <a:t>東京</a:t>
+                      </a:r>
+                    </a:p>
+                  </a:txBody>
+                  <a:tcPr/>
+                </a:tc>
+                <a:tc>
+                  <a:txBody>
+                    <a:bodyPr/>
+                    <a:lstStyle/>
+                    <a:p>
+                      <a:r>
+                        <a:rPr kumimoji="1" lang="en-US" altLang="ja-JP" sz="1100" dirty="0"/>
+                        <a:t>10</a:t>
+                      </a:r>
+                      <a:r>
+                        <a:rPr kumimoji="1" lang="ja-JP" altLang="en-US" sz="1100" dirty="0"/>
+                        <a:t>名</a:t>
+                      </a:r>
+                    </a:p>
+                  </a:txBody>
+                  <a:tcPr/>
+                </a:tc>
+                <a:tc>
+                  <a:txBody>
+                    <a:bodyPr/>
+                    <a:lstStyle/>
+                    <a:p>
+                      <a:r>
+                        <a:rPr kumimoji="1" lang="en-US" altLang="ja-JP" sz="1100" dirty="0"/>
+                        <a:t>20</a:t>
+                      </a:r>
+                      <a:r>
+                        <a:rPr kumimoji="1" lang="ja-JP" altLang="en-US" sz="1100" dirty="0"/>
+                        <a:t>名</a:t>
+                      </a:r>
+                    </a:p>
+                  </a:txBody>
+                  <a:tcPr/>
+                </a:tc>
+                <a:extLst>
+                  <a:ext uri="{0D108BD9-81ED-4DB2-BD59-A6C34878D82A}">
+                    <a16:rowId xmlns:a16="http://schemas.microsoft.com/office/drawing/2014/main" val="2235806074"/>
+                  </a:ext>
+                </a:extLst>
+              </a:tr>
+              <a:tr h="312189">
+                <a:tc>
+                  <a:txBody>
+                    <a:bodyPr/>
+                    <a:lstStyle/>
+                    <a:p>
+                      <a:r>
+                        <a:rPr kumimoji="1" lang="en-US" altLang="ja-JP" sz="1100" dirty="0"/>
+                        <a:t>2017/04/16</a:t>
+                      </a:r>
+                      <a:endParaRPr kumimoji="1" lang="ja-JP" altLang="en-US" sz="1100" dirty="0"/>
+                    </a:p>
+                  </a:txBody>
+                  <a:tcPr/>
+                </a:tc>
+                <a:tc>
+                  <a:txBody>
+                    <a:bodyPr/>
+                    <a:lstStyle/>
+                    <a:p>
+                      <a:r>
+                        <a:rPr kumimoji="1" lang="en-US" altLang="ja-JP" sz="1100" dirty="0"/>
+                        <a:t>B</a:t>
+                      </a:r>
+                      <a:r>
+                        <a:rPr kumimoji="1" lang="ja-JP" altLang="en-US" sz="1100" dirty="0"/>
+                        <a:t>店</a:t>
+                      </a:r>
+                    </a:p>
+                  </a:txBody>
+                  <a:tcPr/>
+                </a:tc>
+                <a:tc>
+                  <a:txBody>
+                    <a:bodyPr/>
+                    <a:lstStyle/>
+                    <a:p>
+                      <a:r>
+                        <a:rPr kumimoji="1" lang="ja-JP" altLang="en-US" sz="1100" dirty="0"/>
+                        <a:t>そば</a:t>
+                      </a:r>
+                    </a:p>
+                  </a:txBody>
+                  <a:tcPr/>
+                </a:tc>
+                <a:tc>
+                  <a:txBody>
+                    <a:bodyPr/>
+                    <a:lstStyle/>
+                    <a:p>
+                      <a:r>
+                        <a:rPr kumimoji="1" lang="ja-JP" altLang="en-US" sz="1100" dirty="0"/>
+                        <a:t>福岡</a:t>
+                      </a:r>
+                    </a:p>
+                  </a:txBody>
+                  <a:tcPr/>
+                </a:tc>
+                <a:tc>
+                  <a:txBody>
+                    <a:bodyPr/>
+                    <a:lstStyle/>
+                    <a:p>
+                      <a:r>
+                        <a:rPr kumimoji="1" lang="en-US" altLang="ja-JP" sz="1100" dirty="0"/>
+                        <a:t>3</a:t>
+                      </a:r>
+                      <a:r>
+                        <a:rPr kumimoji="1" lang="ja-JP" altLang="en-US" sz="1100" dirty="0"/>
+                        <a:t>名</a:t>
+                      </a:r>
+                    </a:p>
+                  </a:txBody>
+                  <a:tcPr/>
+                </a:tc>
+                <a:tc>
+                  <a:txBody>
+                    <a:bodyPr/>
+                    <a:lstStyle/>
+                    <a:p>
+                      <a:r>
+                        <a:rPr kumimoji="1" lang="en-US" altLang="ja-JP" sz="1100" dirty="0"/>
+                        <a:t>1</a:t>
+                      </a:r>
+                      <a:r>
+                        <a:rPr kumimoji="1" lang="ja-JP" altLang="en-US" sz="1100" dirty="0"/>
+                        <a:t>名</a:t>
+                      </a:r>
+                    </a:p>
+                  </a:txBody>
+                  <a:tcPr/>
+                </a:tc>
+                <a:extLst>
+                  <a:ext uri="{0D108BD9-81ED-4DB2-BD59-A6C34878D82A}">
+                    <a16:rowId xmlns:a16="http://schemas.microsoft.com/office/drawing/2014/main" val="1872554097"/>
+                  </a:ext>
+                </a:extLst>
+              </a:tr>
+              <a:tr h="312189">
+                <a:tc>
+                  <a:txBody>
+                    <a:bodyPr/>
+                    <a:lstStyle/>
+                    <a:p>
+                      <a:r>
+                        <a:rPr kumimoji="1" lang="en-US" altLang="ja-JP" sz="1100" dirty="0"/>
+                        <a:t>2017/04/17</a:t>
+                      </a:r>
+                      <a:endParaRPr kumimoji="1" lang="ja-JP" altLang="en-US" sz="1100" dirty="0"/>
+                    </a:p>
+                  </a:txBody>
+                  <a:tcPr/>
+                </a:tc>
+                <a:tc>
+                  <a:txBody>
+                    <a:bodyPr/>
+                    <a:lstStyle/>
+                    <a:p>
+                      <a:r>
+                        <a:rPr kumimoji="1" lang="en-US" altLang="ja-JP" sz="1100" dirty="0"/>
+                        <a:t>A</a:t>
+                      </a:r>
+                      <a:r>
+                        <a:rPr kumimoji="1" lang="ja-JP" altLang="en-US" sz="1100" dirty="0"/>
+                        <a:t>店</a:t>
+                      </a:r>
+                    </a:p>
+                  </a:txBody>
+                  <a:tcPr/>
+                </a:tc>
+                <a:tc>
+                  <a:txBody>
+                    <a:bodyPr/>
+                    <a:lstStyle/>
+                    <a:p>
+                      <a:r>
+                        <a:rPr kumimoji="1" lang="ja-JP" altLang="en-US" sz="1100" dirty="0"/>
+                        <a:t>焼き肉</a:t>
+                      </a:r>
+                    </a:p>
+                  </a:txBody>
+                  <a:tcPr/>
+                </a:tc>
+                <a:tc>
+                  <a:txBody>
+                    <a:bodyPr/>
+                    <a:lstStyle/>
+                    <a:p>
+                      <a:r>
+                        <a:rPr kumimoji="1" lang="ja-JP" altLang="en-US" sz="1100" dirty="0"/>
+                        <a:t>東京</a:t>
+                      </a:r>
+                    </a:p>
+                  </a:txBody>
+                  <a:tcPr/>
+                </a:tc>
+                <a:tc>
+                  <a:txBody>
+                    <a:bodyPr/>
+                    <a:lstStyle/>
+                    <a:p>
+                      <a:r>
+                        <a:rPr kumimoji="1" lang="en-US" altLang="ja-JP" sz="1100" dirty="0"/>
+                        <a:t>20</a:t>
+                      </a:r>
+                      <a:r>
+                        <a:rPr kumimoji="1" lang="ja-JP" altLang="en-US" sz="1100" dirty="0"/>
+                        <a:t>名</a:t>
+                      </a:r>
+                    </a:p>
+                  </a:txBody>
+                  <a:tcPr/>
+                </a:tc>
+                <a:tc>
+                  <a:txBody>
+                    <a:bodyPr/>
+                    <a:lstStyle/>
+                    <a:p>
+                      <a:r>
+                        <a:rPr kumimoji="1" lang="en-US" altLang="ja-JP" sz="1100" dirty="0"/>
+                        <a:t>30</a:t>
+                      </a:r>
+                      <a:r>
+                        <a:rPr kumimoji="1" lang="ja-JP" altLang="en-US" sz="1100" dirty="0"/>
+                        <a:t>名</a:t>
+                      </a:r>
+                    </a:p>
+                  </a:txBody>
+                  <a:tcPr/>
+                </a:tc>
+                <a:extLst>
+                  <a:ext uri="{0D108BD9-81ED-4DB2-BD59-A6C34878D82A}">
+                    <a16:rowId xmlns:a16="http://schemas.microsoft.com/office/drawing/2014/main" val="683497724"/>
+                  </a:ext>
+                </a:extLst>
+              </a:tr>
+              <a:tr h="312189">
+                <a:tc>
+                  <a:txBody>
+                    <a:bodyPr/>
+                    <a:lstStyle/>
+                    <a:p>
+                      <a:r>
+                        <a:rPr kumimoji="1" lang="en-US" altLang="ja-JP" sz="1100" dirty="0"/>
+                        <a:t>2017/04/17</a:t>
+                      </a:r>
+                      <a:endParaRPr kumimoji="1" lang="ja-JP" altLang="en-US" sz="1100" dirty="0"/>
+                    </a:p>
+                  </a:txBody>
+                  <a:tcPr/>
+                </a:tc>
+                <a:tc>
+                  <a:txBody>
+                    <a:bodyPr/>
+                    <a:lstStyle/>
+                    <a:p>
+                      <a:r>
+                        <a:rPr kumimoji="1" lang="en-US" altLang="ja-JP" sz="1100" dirty="0"/>
+                        <a:t>B</a:t>
+                      </a:r>
+                      <a:r>
+                        <a:rPr kumimoji="1" lang="ja-JP" altLang="en-US" sz="1100" dirty="0"/>
+                        <a:t>店</a:t>
+                      </a:r>
+                    </a:p>
+                  </a:txBody>
+                  <a:tcPr/>
+                </a:tc>
+                <a:tc>
+                  <a:txBody>
+                    <a:bodyPr/>
+                    <a:lstStyle/>
+                    <a:p>
+                      <a:r>
+                        <a:rPr kumimoji="1" lang="ja-JP" altLang="en-US" sz="1100" dirty="0"/>
+                        <a:t>そば</a:t>
+                      </a:r>
+                    </a:p>
+                  </a:txBody>
+                  <a:tcPr/>
+                </a:tc>
+                <a:tc>
+                  <a:txBody>
+                    <a:bodyPr/>
+                    <a:lstStyle/>
+                    <a:p>
+                      <a:r>
+                        <a:rPr kumimoji="1" lang="ja-JP" altLang="en-US" sz="1100" dirty="0"/>
+                        <a:t>福岡</a:t>
+                      </a:r>
+                    </a:p>
+                  </a:txBody>
+                  <a:tcPr/>
+                </a:tc>
+                <a:tc>
+                  <a:txBody>
+                    <a:bodyPr/>
+                    <a:lstStyle/>
+                    <a:p>
+                      <a:r>
+                        <a:rPr kumimoji="1" lang="en-US" altLang="ja-JP" sz="1100" dirty="0"/>
+                        <a:t>3</a:t>
+                      </a:r>
+                      <a:r>
+                        <a:rPr kumimoji="1" lang="ja-JP" altLang="en-US" sz="1100" dirty="0"/>
+                        <a:t>名</a:t>
+                      </a:r>
+                    </a:p>
+                  </a:txBody>
+                  <a:tcPr/>
+                </a:tc>
+                <a:tc>
+                  <a:txBody>
+                    <a:bodyPr/>
+                    <a:lstStyle/>
+                    <a:p>
+                      <a:r>
+                        <a:rPr kumimoji="1" lang="en-US" altLang="ja-JP" sz="1100" dirty="0"/>
+                        <a:t>5</a:t>
+                      </a:r>
+                      <a:r>
+                        <a:rPr kumimoji="1" lang="ja-JP" altLang="en-US" sz="1100" dirty="0"/>
+                        <a:t>名</a:t>
+                      </a:r>
+                    </a:p>
+                  </a:txBody>
+                  <a:tcPr/>
+                </a:tc>
+                <a:extLst>
+                  <a:ext uri="{0D108BD9-81ED-4DB2-BD59-A6C34878D82A}">
+                    <a16:rowId xmlns:a16="http://schemas.microsoft.com/office/drawing/2014/main" val="936262606"/>
+                  </a:ext>
+                </a:extLst>
+              </a:tr>
+            </a:tbl>
+          </a:graphicData>
+        </a:graphic>
+      </p:graphicFrame>
+      <p:sp>
+        <p:nvSpPr>
+          <p:cNvPr id="7" name="正方形/長方形 6">
+            <a:extLst>
+              <a:ext uri="{FF2B5EF4-FFF2-40B4-BE49-F238E27FC236}">
+                <a16:creationId xmlns:a16="http://schemas.microsoft.com/office/drawing/2014/main" id="{53D5128D-6C10-438B-984C-A2147039BF7B}"/>
+              </a:ext>
+            </a:extLst>
+          </p:cNvPr>
+          <p:cNvSpPr/>
+          <p:nvPr/>
+        </p:nvSpPr>
+        <p:spPr>
+          <a:xfrm>
+            <a:off x="6000945" y="5262016"/>
+            <a:ext cx="1030827" cy="1238076"/>
+          </a:xfrm>
+          <a:prstGeom prst="rect">
+            <a:avLst/>
+          </a:prstGeom>
+          <a:solidFill>
+            <a:schemeClr val="accent3">
+              <a:lumMod val="60000"/>
+              <a:lumOff val="40000"/>
+            </a:schemeClr>
+          </a:solidFill>
+          <a:ln w="50800"/>
+        </p:spPr>
+        <p:style>
+          <a:lnRef idx="2">
+            <a:schemeClr val="accent3"/>
+          </a:lnRef>
+          <a:fillRef idx="1">
+            <a:schemeClr val="lt1"/>
+          </a:fillRef>
+          <a:effectRef idx="0">
+            <a:schemeClr val="accent3"/>
+          </a:effectRef>
+          <a:fontRef idx="minor">
+            <a:schemeClr val="dk1"/>
+          </a:fontRef>
+        </p:style>
+        <p:txBody>
+          <a:bodyPr rtlCol="0" anchor="ctr"/>
+          <a:lstStyle/>
+          <a:p>
+            <a:pPr algn="ctr"/>
+            <a:endParaRPr kumimoji="1" lang="ja-JP" altLang="en-US" dirty="0"/>
+          </a:p>
+        </p:txBody>
+      </p:sp>
+      <p:sp>
+        <p:nvSpPr>
+          <p:cNvPr id="8" name="正方形/長方形 7">
+            <a:extLst>
+              <a:ext uri="{FF2B5EF4-FFF2-40B4-BE49-F238E27FC236}">
+                <a16:creationId xmlns:a16="http://schemas.microsoft.com/office/drawing/2014/main" id="{652DB183-9A3D-4EAE-BB88-83C6B7C00C0F}"/>
+              </a:ext>
+            </a:extLst>
+          </p:cNvPr>
+          <p:cNvSpPr/>
+          <p:nvPr/>
+        </p:nvSpPr>
+        <p:spPr>
+          <a:xfrm>
+            <a:off x="751464" y="3415040"/>
+            <a:ext cx="5183403" cy="1238076"/>
+          </a:xfrm>
+          <a:prstGeom prst="rect">
+            <a:avLst/>
+          </a:prstGeom>
+          <a:noFill/>
+          <a:ln w="50800">
+            <a:solidFill>
+              <a:schemeClr val="accent5">
+                <a:lumMod val="60000"/>
+                <a:lumOff val="40000"/>
+              </a:schemeClr>
+            </a:solidFill>
+          </a:ln>
+        </p:spPr>
+        <p:style>
+          <a:lnRef idx="2">
+            <a:schemeClr val="accent3"/>
+          </a:lnRef>
+          <a:fillRef idx="1">
+            <a:schemeClr val="lt1"/>
+          </a:fillRef>
+          <a:effectRef idx="0">
+            <a:schemeClr val="accent3"/>
+          </a:effectRef>
+          <a:fontRef idx="minor">
+            <a:schemeClr val="dk1"/>
+          </a:fontRef>
+        </p:style>
+        <p:txBody>
+          <a:bodyPr rtlCol="0" anchor="ctr"/>
+          <a:lstStyle/>
+          <a:p>
+            <a:pPr algn="ctr"/>
+            <a:endParaRPr kumimoji="1" lang="ja-JP" altLang="en-US" dirty="0"/>
+          </a:p>
+        </p:txBody>
+      </p:sp>
+      <p:sp>
+        <p:nvSpPr>
+          <p:cNvPr id="9" name="正方形/長方形 8">
+            <a:extLst>
+              <a:ext uri="{FF2B5EF4-FFF2-40B4-BE49-F238E27FC236}">
+                <a16:creationId xmlns:a16="http://schemas.microsoft.com/office/drawing/2014/main" id="{7A1AD988-CD52-414D-9864-F54A79D5E162}"/>
+              </a:ext>
+            </a:extLst>
+          </p:cNvPr>
+          <p:cNvSpPr/>
+          <p:nvPr/>
+        </p:nvSpPr>
+        <p:spPr>
+          <a:xfrm>
+            <a:off x="751463" y="5254283"/>
+            <a:ext cx="5183403" cy="1238076"/>
+          </a:xfrm>
+          <a:prstGeom prst="rect">
+            <a:avLst/>
+          </a:prstGeom>
+          <a:noFill/>
+          <a:ln w="50800">
+            <a:solidFill>
+              <a:schemeClr val="accent5">
+                <a:lumMod val="60000"/>
+                <a:lumOff val="40000"/>
+              </a:schemeClr>
+            </a:solidFill>
+          </a:ln>
+        </p:spPr>
+        <p:style>
+          <a:lnRef idx="2">
+            <a:schemeClr val="accent3"/>
+          </a:lnRef>
+          <a:fillRef idx="1">
+            <a:schemeClr val="lt1"/>
+          </a:fillRef>
+          <a:effectRef idx="0">
+            <a:schemeClr val="accent3"/>
+          </a:effectRef>
+          <a:fontRef idx="minor">
+            <a:schemeClr val="dk1"/>
+          </a:fontRef>
+        </p:style>
+        <p:txBody>
+          <a:bodyPr rtlCol="0" anchor="ctr"/>
+          <a:lstStyle/>
+          <a:p>
+            <a:pPr algn="ctr"/>
+            <a:endParaRPr kumimoji="1" lang="ja-JP" altLang="en-US" dirty="0"/>
+          </a:p>
+        </p:txBody>
+      </p:sp>
+      <p:sp>
+        <p:nvSpPr>
+          <p:cNvPr id="10" name="正方形/長方形 9">
+            <a:extLst>
+              <a:ext uri="{FF2B5EF4-FFF2-40B4-BE49-F238E27FC236}">
+                <a16:creationId xmlns:a16="http://schemas.microsoft.com/office/drawing/2014/main" id="{85591986-867D-4D27-A813-8D85E754422B}"/>
+              </a:ext>
+            </a:extLst>
+          </p:cNvPr>
+          <p:cNvSpPr/>
+          <p:nvPr/>
+        </p:nvSpPr>
+        <p:spPr>
+          <a:xfrm>
+            <a:off x="5967326" y="3415040"/>
+            <a:ext cx="1031986" cy="1238076"/>
+          </a:xfrm>
+          <a:prstGeom prst="rect">
+            <a:avLst/>
+          </a:prstGeom>
+          <a:noFill/>
+          <a:ln w="50800"/>
+        </p:spPr>
+        <p:style>
+          <a:lnRef idx="2">
+            <a:schemeClr val="accent3"/>
+          </a:lnRef>
+          <a:fillRef idx="1">
+            <a:schemeClr val="lt1"/>
+          </a:fillRef>
+          <a:effectRef idx="0">
+            <a:schemeClr val="accent3"/>
+          </a:effectRef>
+          <a:fontRef idx="minor">
+            <a:schemeClr val="dk1"/>
+          </a:fontRef>
+        </p:style>
+        <p:txBody>
+          <a:bodyPr rtlCol="0" anchor="ctr"/>
+          <a:lstStyle/>
+          <a:p>
+            <a:pPr algn="ctr"/>
+            <a:endParaRPr kumimoji="1" lang="ja-JP" altLang="en-US" dirty="0"/>
           </a:p>
         </p:txBody>
       </p:sp>
@@ -8215,65 +11336,6 @@
           <p:cNvPr id="2" name="タイトル 1">
             <a:extLst>
               <a:ext uri="{FF2B5EF4-FFF2-40B4-BE49-F238E27FC236}">
-                <a16:creationId xmlns:a16="http://schemas.microsoft.com/office/drawing/2014/main" id="{2ED6D2FB-8DF7-4A43-B2CF-B5111B2D58DA}"/>
-              </a:ext>
-            </a:extLst>
-          </p:cNvPr>
-          <p:cNvSpPr>
-            <a:spLocks noGrp="1"/>
-          </p:cNvSpPr>
-          <p:nvPr>
-            <p:ph type="title"/>
-          </p:nvPr>
-        </p:nvSpPr>
-        <p:spPr/>
-        <p:txBody>
-          <a:bodyPr/>
-          <a:lstStyle/>
-          <a:p>
-            <a:r>
-              <a:rPr kumimoji="1" lang="en-US" altLang="ja-JP" dirty="0"/>
-              <a:t>Validation</a:t>
-            </a:r>
-            <a:endParaRPr kumimoji="1" lang="ja-JP" altLang="en-US" dirty="0"/>
-          </a:p>
-        </p:txBody>
-      </p:sp>
-    </p:spTree>
-    <p:extLst>
-      <p:ext uri="{BB962C8B-B14F-4D97-AF65-F5344CB8AC3E}">
-        <p14:creationId xmlns:p14="http://schemas.microsoft.com/office/powerpoint/2010/main" val="3611210133"/>
-      </p:ext>
-    </p:extLst>
-  </p:cSld>
-  <p:clrMapOvr>
-    <a:masterClrMapping/>
-  </p:clrMapOvr>
-</p:sld>
-</file>
-
-<file path=ppt/slides/slide16.xml><?xml version="1.0" encoding="utf-8"?>
-<p:sld xmlns:a="http://schemas.openxmlformats.org/drawingml/2006/main" xmlns:r="http://schemas.openxmlformats.org/officeDocument/2006/relationships" xmlns:p="http://schemas.openxmlformats.org/presentationml/2006/main">
-  <p:cSld>
-    <p:spTree>
-      <p:nvGrpSpPr>
-        <p:cNvPr id="1" name=""/>
-        <p:cNvGrpSpPr/>
-        <p:nvPr/>
-      </p:nvGrpSpPr>
-      <p:grpSpPr>
-        <a:xfrm>
-          <a:off x="0" y="0"/>
-          <a:ext cx="0" cy="0"/>
-          <a:chOff x="0" y="0"/>
-          <a:chExt cx="0" cy="0"/>
-        </a:xfrm>
-      </p:grpSpPr>
-      <p:sp>
-        <p:nvSpPr>
-          <p:cNvPr id="2" name="タイトル 1">
-            <a:extLst>
-              <a:ext uri="{FF2B5EF4-FFF2-40B4-BE49-F238E27FC236}">
                 <a16:creationId xmlns:a16="http://schemas.microsoft.com/office/drawing/2014/main" id="{F9390E12-BB6D-49FC-B83B-1B601BFF6E75}"/>
               </a:ext>
             </a:extLst>
@@ -8298,6 +11360,830 @@
           </a:p>
         </p:txBody>
       </p:sp>
+      <p:sp>
+        <p:nvSpPr>
+          <p:cNvPr id="3" name="テキスト ボックス 2">
+            <a:extLst>
+              <a:ext uri="{FF2B5EF4-FFF2-40B4-BE49-F238E27FC236}">
+                <a16:creationId xmlns:a16="http://schemas.microsoft.com/office/drawing/2014/main" id="{73EDE8E1-F9D6-47A2-9DFA-974C3F263162}"/>
+              </a:ext>
+            </a:extLst>
+          </p:cNvPr>
+          <p:cNvSpPr txBox="1"/>
+          <p:nvPr/>
+        </p:nvSpPr>
+        <p:spPr>
+          <a:xfrm>
+            <a:off x="751464" y="1456850"/>
+            <a:ext cx="7469744" cy="646331"/>
+          </a:xfrm>
+          <a:prstGeom prst="rect">
+            <a:avLst/>
+          </a:prstGeom>
+          <a:noFill/>
+        </p:spPr>
+        <p:txBody>
+          <a:bodyPr wrap="square" rtlCol="0">
+            <a:spAutoFit/>
+          </a:bodyPr>
+          <a:lstStyle/>
+          <a:p>
+            <a:r>
+              <a:rPr kumimoji="1" lang="ja-JP" altLang="en-US" dirty="0"/>
+              <a:t>土曜＞金曜＞日曜＞その他　の順番で来客数が多い</a:t>
+            </a:r>
+            <a:endParaRPr kumimoji="1" lang="en-US" altLang="ja-JP" dirty="0"/>
+          </a:p>
+          <a:p>
+            <a:r>
+              <a:rPr kumimoji="1" lang="ja-JP" altLang="en-US" dirty="0"/>
+              <a:t>⇒翌日が休みかどうかに左右される？</a:t>
+            </a:r>
+            <a:endParaRPr kumimoji="1" lang="en-US" altLang="ja-JP" dirty="0"/>
+          </a:p>
+        </p:txBody>
+      </p:sp>
+      <p:pic>
+        <p:nvPicPr>
+          <p:cNvPr id="7" name="図 6">
+            <a:extLst>
+              <a:ext uri="{FF2B5EF4-FFF2-40B4-BE49-F238E27FC236}">
+                <a16:creationId xmlns:a16="http://schemas.microsoft.com/office/drawing/2014/main" id="{1197C755-80AB-43F0-ADF9-EFB0E3AF1955}"/>
+              </a:ext>
+            </a:extLst>
+          </p:cNvPr>
+          <p:cNvPicPr>
+            <a:picLocks noChangeAspect="1"/>
+          </p:cNvPicPr>
+          <p:nvPr/>
+        </p:nvPicPr>
+        <p:blipFill>
+          <a:blip r:embed="rId2">
+            <a:extLst>
+              <a:ext uri="{28A0092B-C50C-407E-A947-70E740481C1C}">
+                <a14:useLocalDpi xmlns:a14="http://schemas.microsoft.com/office/drawing/2010/main" val="0"/>
+              </a:ext>
+            </a:extLst>
+          </a:blip>
+          <a:stretch>
+            <a:fillRect/>
+          </a:stretch>
+        </p:blipFill>
+        <p:spPr>
+          <a:xfrm>
+            <a:off x="677334" y="2238209"/>
+            <a:ext cx="3753374" cy="2381582"/>
+          </a:xfrm>
+          <a:prstGeom prst="rect">
+            <a:avLst/>
+          </a:prstGeom>
+        </p:spPr>
+      </p:pic>
+      <p:graphicFrame>
+        <p:nvGraphicFramePr>
+          <p:cNvPr id="8" name="表 7">
+            <a:extLst>
+              <a:ext uri="{FF2B5EF4-FFF2-40B4-BE49-F238E27FC236}">
+                <a16:creationId xmlns:a16="http://schemas.microsoft.com/office/drawing/2014/main" id="{59E33693-1227-4A63-BBCF-D0E74003667C}"/>
+              </a:ext>
+            </a:extLst>
+          </p:cNvPr>
+          <p:cNvGraphicFramePr>
+            <a:graphicFrameLocks noGrp="1"/>
+          </p:cNvGraphicFramePr>
+          <p:nvPr>
+            <p:extLst>
+              <p:ext uri="{D42A27DB-BD31-4B8C-83A1-F6EECF244321}">
+                <p14:modId xmlns:p14="http://schemas.microsoft.com/office/powerpoint/2010/main" val="3291339748"/>
+              </p:ext>
+            </p:extLst>
+          </p:nvPr>
+        </p:nvGraphicFramePr>
+        <p:xfrm>
+          <a:off x="828728" y="4754819"/>
+          <a:ext cx="7392480" cy="1543641"/>
+        </p:xfrm>
+        <a:graphic>
+          <a:graphicData uri="http://schemas.openxmlformats.org/drawingml/2006/table">
+            <a:tbl>
+              <a:tblPr firstRow="1" bandRow="1">
+                <a:tableStyleId>{5C22544A-7EE6-4342-B048-85BDC9FD1C3A}</a:tableStyleId>
+              </a:tblPr>
+              <a:tblGrid>
+                <a:gridCol w="924060">
+                  <a:extLst>
+                    <a:ext uri="{9D8B030D-6E8A-4147-A177-3AD203B41FA5}">
+                      <a16:colId xmlns:a16="http://schemas.microsoft.com/office/drawing/2014/main" val="3472953002"/>
+                    </a:ext>
+                  </a:extLst>
+                </a:gridCol>
+                <a:gridCol w="924060">
+                  <a:extLst>
+                    <a:ext uri="{9D8B030D-6E8A-4147-A177-3AD203B41FA5}">
+                      <a16:colId xmlns:a16="http://schemas.microsoft.com/office/drawing/2014/main" val="1567616906"/>
+                    </a:ext>
+                  </a:extLst>
+                </a:gridCol>
+                <a:gridCol w="924060">
+                  <a:extLst>
+                    <a:ext uri="{9D8B030D-6E8A-4147-A177-3AD203B41FA5}">
+                      <a16:colId xmlns:a16="http://schemas.microsoft.com/office/drawing/2014/main" val="3216724867"/>
+                    </a:ext>
+                  </a:extLst>
+                </a:gridCol>
+                <a:gridCol w="924060">
+                  <a:extLst>
+                    <a:ext uri="{9D8B030D-6E8A-4147-A177-3AD203B41FA5}">
+                      <a16:colId xmlns:a16="http://schemas.microsoft.com/office/drawing/2014/main" val="659707241"/>
+                    </a:ext>
+                  </a:extLst>
+                </a:gridCol>
+                <a:gridCol w="924060">
+                  <a:extLst>
+                    <a:ext uri="{9D8B030D-6E8A-4147-A177-3AD203B41FA5}">
+                      <a16:colId xmlns:a16="http://schemas.microsoft.com/office/drawing/2014/main" val="2288569116"/>
+                    </a:ext>
+                  </a:extLst>
+                </a:gridCol>
+                <a:gridCol w="924060">
+                  <a:extLst>
+                    <a:ext uri="{9D8B030D-6E8A-4147-A177-3AD203B41FA5}">
+                      <a16:colId xmlns:a16="http://schemas.microsoft.com/office/drawing/2014/main" val="2607653866"/>
+                    </a:ext>
+                  </a:extLst>
+                </a:gridCol>
+                <a:gridCol w="1051169">
+                  <a:extLst>
+                    <a:ext uri="{9D8B030D-6E8A-4147-A177-3AD203B41FA5}">
+                      <a16:colId xmlns:a16="http://schemas.microsoft.com/office/drawing/2014/main" val="1264872593"/>
+                    </a:ext>
+                  </a:extLst>
+                </a:gridCol>
+                <a:gridCol w="796951">
+                  <a:extLst>
+                    <a:ext uri="{9D8B030D-6E8A-4147-A177-3AD203B41FA5}">
+                      <a16:colId xmlns:a16="http://schemas.microsoft.com/office/drawing/2014/main" val="2439958870"/>
+                    </a:ext>
+                  </a:extLst>
+                </a:gridCol>
+              </a:tblGrid>
+              <a:tr h="294885">
+                <a:tc>
+                  <a:txBody>
+                    <a:bodyPr/>
+                    <a:lstStyle/>
+                    <a:p>
+                      <a:r>
+                        <a:rPr kumimoji="1" lang="ja-JP" altLang="en-US" sz="1100" baseline="0" dirty="0"/>
+                        <a:t>日付</a:t>
+                      </a:r>
+                    </a:p>
+                  </a:txBody>
+                  <a:tcPr/>
+                </a:tc>
+                <a:tc>
+                  <a:txBody>
+                    <a:bodyPr/>
+                    <a:lstStyle/>
+                    <a:p>
+                      <a:r>
+                        <a:rPr kumimoji="1" lang="ja-JP" altLang="en-US" sz="1100" dirty="0"/>
+                        <a:t>店名</a:t>
+                      </a:r>
+                    </a:p>
+                  </a:txBody>
+                  <a:tcPr/>
+                </a:tc>
+                <a:tc>
+                  <a:txBody>
+                    <a:bodyPr/>
+                    <a:lstStyle/>
+                    <a:p>
+                      <a:r>
+                        <a:rPr kumimoji="1" lang="ja-JP" altLang="en-US" sz="1100" dirty="0"/>
+                        <a:t>ジャンル</a:t>
+                      </a:r>
+                    </a:p>
+                  </a:txBody>
+                  <a:tcPr/>
+                </a:tc>
+                <a:tc>
+                  <a:txBody>
+                    <a:bodyPr/>
+                    <a:lstStyle/>
+                    <a:p>
+                      <a:r>
+                        <a:rPr kumimoji="1" lang="ja-JP" altLang="en-US" sz="1100" dirty="0"/>
+                        <a:t>場所</a:t>
+                      </a:r>
+                    </a:p>
+                  </a:txBody>
+                  <a:tcPr/>
+                </a:tc>
+                <a:tc>
+                  <a:txBody>
+                    <a:bodyPr/>
+                    <a:lstStyle/>
+                    <a:p>
+                      <a:r>
+                        <a:rPr kumimoji="1" lang="ja-JP" altLang="en-US" sz="1100" dirty="0"/>
+                        <a:t>予約</a:t>
+                      </a:r>
+                    </a:p>
+                  </a:txBody>
+                  <a:tcPr/>
+                </a:tc>
+                <a:tc>
+                  <a:txBody>
+                    <a:bodyPr/>
+                    <a:lstStyle/>
+                    <a:p>
+                      <a:r>
+                        <a:rPr kumimoji="1" lang="ja-JP" altLang="en-US" sz="1100" dirty="0"/>
+                        <a:t>曜日</a:t>
+                      </a:r>
+                    </a:p>
+                  </a:txBody>
+                  <a:tcPr/>
+                </a:tc>
+                <a:tc>
+                  <a:txBody>
+                    <a:bodyPr/>
+                    <a:lstStyle/>
+                    <a:p>
+                      <a:r>
+                        <a:rPr kumimoji="1" lang="ja-JP" altLang="en-US" sz="1100" dirty="0"/>
+                        <a:t>翌日休フラグ</a:t>
+                      </a:r>
+                    </a:p>
+                  </a:txBody>
+                  <a:tcPr/>
+                </a:tc>
+                <a:tc>
+                  <a:txBody>
+                    <a:bodyPr/>
+                    <a:lstStyle/>
+                    <a:p>
+                      <a:r>
+                        <a:rPr kumimoji="1" lang="ja-JP" altLang="en-US" sz="1100" dirty="0"/>
+                        <a:t>来客数</a:t>
+                      </a:r>
+                    </a:p>
+                  </a:txBody>
+                  <a:tcPr/>
+                </a:tc>
+                <a:extLst>
+                  <a:ext uri="{0D108BD9-81ED-4DB2-BD59-A6C34878D82A}">
+                    <a16:rowId xmlns:a16="http://schemas.microsoft.com/office/drawing/2014/main" val="2541452345"/>
+                  </a:ext>
+                </a:extLst>
+              </a:tr>
+              <a:tr h="312189">
+                <a:tc>
+                  <a:txBody>
+                    <a:bodyPr/>
+                    <a:lstStyle/>
+                    <a:p>
+                      <a:r>
+                        <a:rPr kumimoji="1" lang="en-US" altLang="ja-JP" sz="1100" dirty="0"/>
+                        <a:t>2016/02/09</a:t>
+                      </a:r>
+                      <a:endParaRPr kumimoji="1" lang="ja-JP" altLang="en-US" sz="1100" dirty="0"/>
+                    </a:p>
+                  </a:txBody>
+                  <a:tcPr/>
+                </a:tc>
+                <a:tc>
+                  <a:txBody>
+                    <a:bodyPr/>
+                    <a:lstStyle/>
+                    <a:p>
+                      <a:r>
+                        <a:rPr kumimoji="1" lang="en-US" altLang="ja-JP" sz="1100" dirty="0"/>
+                        <a:t>A</a:t>
+                      </a:r>
+                      <a:r>
+                        <a:rPr kumimoji="1" lang="ja-JP" altLang="en-US" sz="1100" dirty="0"/>
+                        <a:t>店</a:t>
+                      </a:r>
+                    </a:p>
+                  </a:txBody>
+                  <a:tcPr/>
+                </a:tc>
+                <a:tc>
+                  <a:txBody>
+                    <a:bodyPr/>
+                    <a:lstStyle/>
+                    <a:p>
+                      <a:r>
+                        <a:rPr kumimoji="1" lang="ja-JP" altLang="en-US" sz="1100" dirty="0"/>
+                        <a:t>焼き肉</a:t>
+                      </a:r>
+                    </a:p>
+                  </a:txBody>
+                  <a:tcPr/>
+                </a:tc>
+                <a:tc>
+                  <a:txBody>
+                    <a:bodyPr/>
+                    <a:lstStyle/>
+                    <a:p>
+                      <a:r>
+                        <a:rPr kumimoji="1" lang="ja-JP" altLang="en-US" sz="1100" dirty="0"/>
+                        <a:t>東京</a:t>
+                      </a:r>
+                    </a:p>
+                  </a:txBody>
+                  <a:tcPr/>
+                </a:tc>
+                <a:tc>
+                  <a:txBody>
+                    <a:bodyPr/>
+                    <a:lstStyle/>
+                    <a:p>
+                      <a:r>
+                        <a:rPr kumimoji="1" lang="en-US" altLang="ja-JP" sz="1100" dirty="0"/>
+                        <a:t>10</a:t>
+                      </a:r>
+                      <a:r>
+                        <a:rPr kumimoji="1" lang="ja-JP" altLang="en-US" sz="1100" dirty="0"/>
+                        <a:t>名</a:t>
+                      </a:r>
+                    </a:p>
+                  </a:txBody>
+                  <a:tcPr/>
+                </a:tc>
+                <a:tc>
+                  <a:txBody>
+                    <a:bodyPr/>
+                    <a:lstStyle/>
+                    <a:p>
+                      <a:r>
+                        <a:rPr kumimoji="1" lang="ja-JP" altLang="en-US" sz="1100" dirty="0"/>
+                        <a:t>火曜</a:t>
+                      </a:r>
+                    </a:p>
+                  </a:txBody>
+                  <a:tcPr/>
+                </a:tc>
+                <a:tc>
+                  <a:txBody>
+                    <a:bodyPr/>
+                    <a:lstStyle/>
+                    <a:p>
+                      <a:r>
+                        <a:rPr kumimoji="1" lang="en-US" altLang="ja-JP" sz="1100" dirty="0"/>
+                        <a:t>0</a:t>
+                      </a:r>
+                    </a:p>
+                  </a:txBody>
+                  <a:tcPr/>
+                </a:tc>
+                <a:tc>
+                  <a:txBody>
+                    <a:bodyPr/>
+                    <a:lstStyle/>
+                    <a:p>
+                      <a:r>
+                        <a:rPr kumimoji="1" lang="en-US" altLang="ja-JP" sz="1100" dirty="0"/>
+                        <a:t>20</a:t>
+                      </a:r>
+                      <a:r>
+                        <a:rPr kumimoji="1" lang="ja-JP" altLang="en-US" sz="1100" dirty="0"/>
+                        <a:t>名</a:t>
+                      </a:r>
+                    </a:p>
+                  </a:txBody>
+                  <a:tcPr/>
+                </a:tc>
+                <a:extLst>
+                  <a:ext uri="{0D108BD9-81ED-4DB2-BD59-A6C34878D82A}">
+                    <a16:rowId xmlns:a16="http://schemas.microsoft.com/office/drawing/2014/main" val="2235806074"/>
+                  </a:ext>
+                </a:extLst>
+              </a:tr>
+              <a:tr h="312189">
+                <a:tc>
+                  <a:txBody>
+                    <a:bodyPr/>
+                    <a:lstStyle/>
+                    <a:p>
+                      <a:r>
+                        <a:rPr kumimoji="1" lang="en-US" altLang="ja-JP" sz="1100" dirty="0"/>
+                        <a:t>2016/02/10</a:t>
+                      </a:r>
+                      <a:endParaRPr kumimoji="1" lang="ja-JP" altLang="en-US" sz="1100" dirty="0"/>
+                    </a:p>
+                  </a:txBody>
+                  <a:tcPr/>
+                </a:tc>
+                <a:tc>
+                  <a:txBody>
+                    <a:bodyPr/>
+                    <a:lstStyle/>
+                    <a:p>
+                      <a:r>
+                        <a:rPr kumimoji="1" lang="en-US" altLang="ja-JP" sz="1100" dirty="0"/>
+                        <a:t>A</a:t>
+                      </a:r>
+                      <a:r>
+                        <a:rPr kumimoji="1" lang="ja-JP" altLang="en-US" sz="1100" dirty="0"/>
+                        <a:t>店</a:t>
+                      </a:r>
+                    </a:p>
+                  </a:txBody>
+                  <a:tcPr/>
+                </a:tc>
+                <a:tc>
+                  <a:txBody>
+                    <a:bodyPr/>
+                    <a:lstStyle/>
+                    <a:p>
+                      <a:r>
+                        <a:rPr kumimoji="1" lang="ja-JP" altLang="en-US" sz="1100" dirty="0"/>
+                        <a:t>焼き肉</a:t>
+                      </a:r>
+                    </a:p>
+                  </a:txBody>
+                  <a:tcPr/>
+                </a:tc>
+                <a:tc>
+                  <a:txBody>
+                    <a:bodyPr/>
+                    <a:lstStyle/>
+                    <a:p>
+                      <a:r>
+                        <a:rPr kumimoji="1" lang="ja-JP" altLang="en-US" sz="1100" dirty="0"/>
+                        <a:t>東京</a:t>
+                      </a:r>
+                    </a:p>
+                  </a:txBody>
+                  <a:tcPr/>
+                </a:tc>
+                <a:tc>
+                  <a:txBody>
+                    <a:bodyPr/>
+                    <a:lstStyle/>
+                    <a:p>
+                      <a:r>
+                        <a:rPr kumimoji="1" lang="en-US" altLang="ja-JP" sz="1100" dirty="0"/>
+                        <a:t>10</a:t>
+                      </a:r>
+                      <a:r>
+                        <a:rPr kumimoji="1" lang="ja-JP" altLang="en-US" sz="1100" dirty="0"/>
+                        <a:t>名</a:t>
+                      </a:r>
+                    </a:p>
+                  </a:txBody>
+                  <a:tcPr/>
+                </a:tc>
+                <a:tc>
+                  <a:txBody>
+                    <a:bodyPr/>
+                    <a:lstStyle/>
+                    <a:p>
+                      <a:r>
+                        <a:rPr kumimoji="1" lang="ja-JP" altLang="en-US" sz="1100" dirty="0"/>
+                        <a:t>水曜</a:t>
+                      </a:r>
+                    </a:p>
+                  </a:txBody>
+                  <a:tcPr/>
+                </a:tc>
+                <a:tc>
+                  <a:txBody>
+                    <a:bodyPr/>
+                    <a:lstStyle/>
+                    <a:p>
+                      <a:r>
+                        <a:rPr kumimoji="1" lang="en-US" altLang="ja-JP" sz="1100" dirty="0"/>
+                        <a:t>1</a:t>
+                      </a:r>
+                    </a:p>
+                  </a:txBody>
+                  <a:tcPr/>
+                </a:tc>
+                <a:tc>
+                  <a:txBody>
+                    <a:bodyPr/>
+                    <a:lstStyle/>
+                    <a:p>
+                      <a:r>
+                        <a:rPr kumimoji="1" lang="en-US" altLang="ja-JP" sz="1100" dirty="0"/>
+                        <a:t>20</a:t>
+                      </a:r>
+                      <a:r>
+                        <a:rPr kumimoji="1" lang="ja-JP" altLang="en-US" sz="1100" dirty="0"/>
+                        <a:t>名</a:t>
+                      </a:r>
+                    </a:p>
+                  </a:txBody>
+                  <a:tcPr/>
+                </a:tc>
+                <a:extLst>
+                  <a:ext uri="{0D108BD9-81ED-4DB2-BD59-A6C34878D82A}">
+                    <a16:rowId xmlns:a16="http://schemas.microsoft.com/office/drawing/2014/main" val="1872554097"/>
+                  </a:ext>
+                </a:extLst>
+              </a:tr>
+              <a:tr h="312189">
+                <a:tc>
+                  <a:txBody>
+                    <a:bodyPr/>
+                    <a:lstStyle/>
+                    <a:p>
+                      <a:r>
+                        <a:rPr kumimoji="1" lang="en-US" altLang="ja-JP" sz="1100" dirty="0"/>
+                        <a:t>2016/02/11</a:t>
+                      </a:r>
+                      <a:endParaRPr kumimoji="1" lang="ja-JP" altLang="en-US" sz="1100" dirty="0"/>
+                    </a:p>
+                  </a:txBody>
+                  <a:tcPr/>
+                </a:tc>
+                <a:tc>
+                  <a:txBody>
+                    <a:bodyPr/>
+                    <a:lstStyle/>
+                    <a:p>
+                      <a:r>
+                        <a:rPr kumimoji="1" lang="en-US" altLang="ja-JP" sz="1100" dirty="0"/>
+                        <a:t>A</a:t>
+                      </a:r>
+                      <a:r>
+                        <a:rPr kumimoji="1" lang="ja-JP" altLang="en-US" sz="1100" dirty="0"/>
+                        <a:t>店</a:t>
+                      </a:r>
+                    </a:p>
+                  </a:txBody>
+                  <a:tcPr/>
+                </a:tc>
+                <a:tc>
+                  <a:txBody>
+                    <a:bodyPr/>
+                    <a:lstStyle/>
+                    <a:p>
+                      <a:r>
+                        <a:rPr kumimoji="1" lang="ja-JP" altLang="en-US" sz="1100" dirty="0"/>
+                        <a:t>焼き肉</a:t>
+                      </a:r>
+                    </a:p>
+                  </a:txBody>
+                  <a:tcPr/>
+                </a:tc>
+                <a:tc>
+                  <a:txBody>
+                    <a:bodyPr/>
+                    <a:lstStyle/>
+                    <a:p>
+                      <a:r>
+                        <a:rPr kumimoji="1" lang="ja-JP" altLang="en-US" sz="1100" dirty="0"/>
+                        <a:t>東京</a:t>
+                      </a:r>
+                    </a:p>
+                  </a:txBody>
+                  <a:tcPr/>
+                </a:tc>
+                <a:tc>
+                  <a:txBody>
+                    <a:bodyPr/>
+                    <a:lstStyle/>
+                    <a:p>
+                      <a:r>
+                        <a:rPr kumimoji="1" lang="en-US" altLang="ja-JP" sz="1100" dirty="0"/>
+                        <a:t>10</a:t>
+                      </a:r>
+                      <a:r>
+                        <a:rPr kumimoji="1" lang="ja-JP" altLang="en-US" sz="1100" dirty="0"/>
+                        <a:t>名</a:t>
+                      </a:r>
+                    </a:p>
+                  </a:txBody>
+                  <a:tcPr/>
+                </a:tc>
+                <a:tc>
+                  <a:txBody>
+                    <a:bodyPr/>
+                    <a:lstStyle/>
+                    <a:p>
+                      <a:r>
+                        <a:rPr kumimoji="1" lang="ja-JP" altLang="en-US" sz="1100" dirty="0"/>
+                        <a:t>木曜（祝）</a:t>
+                      </a:r>
+                    </a:p>
+                  </a:txBody>
+                  <a:tcPr/>
+                </a:tc>
+                <a:tc>
+                  <a:txBody>
+                    <a:bodyPr/>
+                    <a:lstStyle/>
+                    <a:p>
+                      <a:r>
+                        <a:rPr kumimoji="1" lang="en-US" altLang="ja-JP" sz="1100" dirty="0"/>
+                        <a:t>0</a:t>
+                      </a:r>
+                    </a:p>
+                  </a:txBody>
+                  <a:tcPr/>
+                </a:tc>
+                <a:tc>
+                  <a:txBody>
+                    <a:bodyPr/>
+                    <a:lstStyle/>
+                    <a:p>
+                      <a:r>
+                        <a:rPr kumimoji="1" lang="en-US" altLang="ja-JP" sz="1100" dirty="0"/>
+                        <a:t>20</a:t>
+                      </a:r>
+                      <a:r>
+                        <a:rPr kumimoji="1" lang="ja-JP" altLang="en-US" sz="1100" dirty="0"/>
+                        <a:t>名</a:t>
+                      </a:r>
+                    </a:p>
+                  </a:txBody>
+                  <a:tcPr/>
+                </a:tc>
+                <a:extLst>
+                  <a:ext uri="{0D108BD9-81ED-4DB2-BD59-A6C34878D82A}">
+                    <a16:rowId xmlns:a16="http://schemas.microsoft.com/office/drawing/2014/main" val="683497724"/>
+                  </a:ext>
+                </a:extLst>
+              </a:tr>
+              <a:tr h="312189">
+                <a:tc>
+                  <a:txBody>
+                    <a:bodyPr/>
+                    <a:lstStyle/>
+                    <a:p>
+                      <a:r>
+                        <a:rPr kumimoji="1" lang="en-US" altLang="ja-JP" sz="1100" dirty="0"/>
+                        <a:t>2016/02/12</a:t>
+                      </a:r>
+                      <a:endParaRPr kumimoji="1" lang="ja-JP" altLang="en-US" sz="1100" dirty="0"/>
+                    </a:p>
+                  </a:txBody>
+                  <a:tcPr/>
+                </a:tc>
+                <a:tc>
+                  <a:txBody>
+                    <a:bodyPr/>
+                    <a:lstStyle/>
+                    <a:p>
+                      <a:r>
+                        <a:rPr kumimoji="1" lang="en-US" altLang="ja-JP" sz="1100" dirty="0"/>
+                        <a:t>A</a:t>
+                      </a:r>
+                      <a:r>
+                        <a:rPr kumimoji="1" lang="ja-JP" altLang="en-US" sz="1100" dirty="0"/>
+                        <a:t>店</a:t>
+                      </a:r>
+                    </a:p>
+                  </a:txBody>
+                  <a:tcPr/>
+                </a:tc>
+                <a:tc>
+                  <a:txBody>
+                    <a:bodyPr/>
+                    <a:lstStyle/>
+                    <a:p>
+                      <a:r>
+                        <a:rPr kumimoji="1" lang="ja-JP" altLang="en-US" sz="1100" dirty="0"/>
+                        <a:t>焼き肉</a:t>
+                      </a:r>
+                    </a:p>
+                  </a:txBody>
+                  <a:tcPr/>
+                </a:tc>
+                <a:tc>
+                  <a:txBody>
+                    <a:bodyPr/>
+                    <a:lstStyle/>
+                    <a:p>
+                      <a:r>
+                        <a:rPr kumimoji="1" lang="ja-JP" altLang="en-US" sz="1100" dirty="0"/>
+                        <a:t>東京</a:t>
+                      </a:r>
+                    </a:p>
+                  </a:txBody>
+                  <a:tcPr/>
+                </a:tc>
+                <a:tc>
+                  <a:txBody>
+                    <a:bodyPr/>
+                    <a:lstStyle/>
+                    <a:p>
+                      <a:r>
+                        <a:rPr kumimoji="1" lang="en-US" altLang="ja-JP" sz="1100" dirty="0"/>
+                        <a:t>10</a:t>
+                      </a:r>
+                      <a:r>
+                        <a:rPr kumimoji="1" lang="ja-JP" altLang="en-US" sz="1100" dirty="0"/>
+                        <a:t>名</a:t>
+                      </a:r>
+                    </a:p>
+                  </a:txBody>
+                  <a:tcPr/>
+                </a:tc>
+                <a:tc>
+                  <a:txBody>
+                    <a:bodyPr/>
+                    <a:lstStyle/>
+                    <a:p>
+                      <a:r>
+                        <a:rPr kumimoji="1" lang="ja-JP" altLang="en-US" sz="1100" dirty="0"/>
+                        <a:t>金曜</a:t>
+                      </a:r>
+                    </a:p>
+                  </a:txBody>
+                  <a:tcPr/>
+                </a:tc>
+                <a:tc>
+                  <a:txBody>
+                    <a:bodyPr/>
+                    <a:lstStyle/>
+                    <a:p>
+                      <a:r>
+                        <a:rPr kumimoji="1" lang="en-US" altLang="ja-JP" sz="1100" dirty="0"/>
+                        <a:t>1</a:t>
+                      </a:r>
+                    </a:p>
+                  </a:txBody>
+                  <a:tcPr/>
+                </a:tc>
+                <a:tc>
+                  <a:txBody>
+                    <a:bodyPr/>
+                    <a:lstStyle/>
+                    <a:p>
+                      <a:r>
+                        <a:rPr kumimoji="1" lang="en-US" altLang="ja-JP" sz="1100" dirty="0"/>
+                        <a:t>20</a:t>
+                      </a:r>
+                      <a:r>
+                        <a:rPr kumimoji="1" lang="ja-JP" altLang="en-US" sz="1100" dirty="0"/>
+                        <a:t>名</a:t>
+                      </a:r>
+                    </a:p>
+                  </a:txBody>
+                  <a:tcPr/>
+                </a:tc>
+                <a:extLst>
+                  <a:ext uri="{0D108BD9-81ED-4DB2-BD59-A6C34878D82A}">
+                    <a16:rowId xmlns:a16="http://schemas.microsoft.com/office/drawing/2014/main" val="936262606"/>
+                  </a:ext>
+                </a:extLst>
+              </a:tr>
+            </a:tbl>
+          </a:graphicData>
+        </a:graphic>
+      </p:graphicFrame>
+      <p:sp>
+        <p:nvSpPr>
+          <p:cNvPr id="9" name="正方形/長方形 8">
+            <a:extLst>
+              <a:ext uri="{FF2B5EF4-FFF2-40B4-BE49-F238E27FC236}">
+                <a16:creationId xmlns:a16="http://schemas.microsoft.com/office/drawing/2014/main" id="{A315E5B1-FFB5-4E9E-A546-A25FCA72702E}"/>
+              </a:ext>
+            </a:extLst>
+          </p:cNvPr>
+          <p:cNvSpPr/>
+          <p:nvPr/>
+        </p:nvSpPr>
+        <p:spPr>
+          <a:xfrm>
+            <a:off x="5444455" y="4754818"/>
+            <a:ext cx="1982695" cy="1543641"/>
+          </a:xfrm>
+          <a:prstGeom prst="rect">
+            <a:avLst/>
+          </a:prstGeom>
+          <a:noFill/>
+          <a:ln w="50800"/>
+        </p:spPr>
+        <p:style>
+          <a:lnRef idx="2">
+            <a:schemeClr val="accent3"/>
+          </a:lnRef>
+          <a:fillRef idx="1">
+            <a:schemeClr val="lt1"/>
+          </a:fillRef>
+          <a:effectRef idx="0">
+            <a:schemeClr val="accent3"/>
+          </a:effectRef>
+          <a:fontRef idx="minor">
+            <a:schemeClr val="dk1"/>
+          </a:fontRef>
+        </p:style>
+        <p:txBody>
+          <a:bodyPr rtlCol="0" anchor="ctr"/>
+          <a:lstStyle/>
+          <a:p>
+            <a:pPr algn="ctr"/>
+            <a:endParaRPr kumimoji="1" lang="ja-JP" altLang="en-US" dirty="0"/>
+          </a:p>
+        </p:txBody>
+      </p:sp>
     </p:spTree>
     <p:extLst>
       <p:ext uri="{BB962C8B-B14F-4D97-AF65-F5344CB8AC3E}">
@@ -8311,7 +12197,7 @@
 </p:sld>
 </file>
 
-<file path=ppt/slides/slide17.xml><?xml version="1.0" encoding="utf-8"?>
+<file path=ppt/slides/slide16.xml><?xml version="1.0" encoding="utf-8"?>
 <p:sld xmlns:a="http://schemas.openxmlformats.org/drawingml/2006/main" xmlns:r="http://schemas.openxmlformats.org/officeDocument/2006/relationships" xmlns:p="http://schemas.openxmlformats.org/presentationml/2006/main">
   <p:cSld>
     <p:spTree>
@@ -8457,7 +12343,7 @@
 </p:sld>
 </file>
 
-<file path=ppt/slides/slide18.xml><?xml version="1.0" encoding="utf-8"?>
+<file path=ppt/slides/slide17.xml><?xml version="1.0" encoding="utf-8"?>
 <p:sld xmlns:a="http://schemas.openxmlformats.org/drawingml/2006/main" xmlns:r="http://schemas.openxmlformats.org/officeDocument/2006/relationships" xmlns:p="http://schemas.openxmlformats.org/presentationml/2006/main">
   <p:cSld>
     <p:spTree>
@@ -8524,7 +12410,7 @@
         </p:nvSpPr>
         <p:spPr>
           <a:xfrm>
-            <a:off x="677334" y="2902926"/>
+            <a:off x="677334" y="2305615"/>
             <a:ext cx="8191500" cy="2246769"/>
           </a:xfrm>
           <a:prstGeom prst="rect">
@@ -8606,7 +12492,7 @@
 </p:sld>
 </file>
 
-<file path=ppt/slides/slide19.xml><?xml version="1.0" encoding="utf-8"?>
+<file path=ppt/slides/slide18.xml><?xml version="1.0" encoding="utf-8"?>
 <p:sld xmlns:a="http://schemas.openxmlformats.org/drawingml/2006/main" xmlns:r="http://schemas.openxmlformats.org/officeDocument/2006/relationships" xmlns:p="http://schemas.openxmlformats.org/presentationml/2006/main">
   <p:cSld>
     <p:spTree>
@@ -8657,6 +12543,41 @@
               <a:t>みんなでやろう</a:t>
             </a:r>
             <a:endParaRPr kumimoji="1" lang="ja-JP" altLang="en-US" dirty="0"/>
+          </a:p>
+        </p:txBody>
+      </p:sp>
+      <p:sp>
+        <p:nvSpPr>
+          <p:cNvPr id="3" name="テキスト ボックス 2">
+            <a:extLst>
+              <a:ext uri="{FF2B5EF4-FFF2-40B4-BE49-F238E27FC236}">
+                <a16:creationId xmlns:a16="http://schemas.microsoft.com/office/drawing/2014/main" id="{A110C362-7049-4AAB-A970-D9A25381027D}"/>
+              </a:ext>
+            </a:extLst>
+          </p:cNvPr>
+          <p:cNvSpPr txBox="1"/>
+          <p:nvPr/>
+        </p:nvSpPr>
+        <p:spPr>
+          <a:xfrm>
+            <a:off x="677334" y="1668790"/>
+            <a:ext cx="8191500" cy="523220"/>
+          </a:xfrm>
+          <a:prstGeom prst="rect">
+            <a:avLst/>
+          </a:prstGeom>
+          <a:noFill/>
+        </p:spPr>
+        <p:txBody>
+          <a:bodyPr wrap="square" rtlCol="0">
+            <a:spAutoFit/>
+          </a:bodyPr>
+          <a:lstStyle/>
+          <a:p>
+            <a:r>
+              <a:rPr kumimoji="1" lang="ja-JP" altLang="en-US" sz="2800" dirty="0"/>
+              <a:t>・複数人チームでも出場できるよ</a:t>
+            </a:r>
           </a:p>
         </p:txBody>
       </p:sp>
@@ -8748,9 +12669,12 @@
           <a:p>
             <a:r>
               <a:rPr kumimoji="1" lang="ja-JP" altLang="en-US" sz="2800" dirty="0"/>
-              <a:t>・名前：大久保渉太</a:t>
-            </a:r>
-            <a:endParaRPr kumimoji="1" lang="en-US" altLang="ja-JP" sz="2800" dirty="0"/>
+              <a:t>・名前：</a:t>
+            </a:r>
+            <a:r>
+              <a:rPr kumimoji="1" lang="en-US" altLang="ja-JP" sz="2800" dirty="0"/>
+              <a:t>Kaggle@pocket</a:t>
+            </a:r>
           </a:p>
           <a:p>
             <a:r>
@@ -8784,7 +12708,7 @@
             </a:r>
             <a:r>
               <a:rPr kumimoji="1" lang="ja-JP" altLang="en-US" sz="2800" dirty="0"/>
-              <a:t>・英語はちょっとできる</a:t>
+              <a:t>・英語はチョットデキル</a:t>
             </a:r>
             <a:endParaRPr kumimoji="1" lang="en-US" altLang="ja-JP" sz="2800" dirty="0"/>
           </a:p>
@@ -8811,7 +12735,7 @@
             </a:r>
             <a:r>
               <a:rPr kumimoji="1" lang="ja-JP" altLang="en-US" sz="2800" dirty="0"/>
-              <a:t>数学は全部ダメ</a:t>
+              <a:t>数学は素人</a:t>
             </a:r>
             <a:endParaRPr kumimoji="1" lang="en-US" altLang="ja-JP" sz="2800" dirty="0"/>
           </a:p>
@@ -10864,6 +14788,54 @@
           </a:p>
         </p:txBody>
       </p:sp>
+      <p:sp>
+        <p:nvSpPr>
+          <p:cNvPr id="9" name="テキスト ボックス 8">
+            <a:extLst>
+              <a:ext uri="{FF2B5EF4-FFF2-40B4-BE49-F238E27FC236}">
+                <a16:creationId xmlns:a16="http://schemas.microsoft.com/office/drawing/2014/main" id="{7F89F45F-2F3D-4E74-9F14-3F3FC6437CA8}"/>
+              </a:ext>
+            </a:extLst>
+          </p:cNvPr>
+          <p:cNvSpPr txBox="1"/>
+          <p:nvPr/>
+        </p:nvSpPr>
+        <p:spPr>
+          <a:xfrm>
+            <a:off x="677334" y="6345729"/>
+            <a:ext cx="7074094" cy="276999"/>
+          </a:xfrm>
+          <a:prstGeom prst="rect">
+            <a:avLst/>
+          </a:prstGeom>
+          <a:noFill/>
+        </p:spPr>
+        <p:txBody>
+          <a:bodyPr wrap="square" rtlCol="0">
+            <a:spAutoFit/>
+          </a:bodyPr>
+          <a:lstStyle/>
+          <a:p>
+            <a:r>
+              <a:rPr kumimoji="1" lang="en-US" altLang="ja-JP" sz="1200" dirty="0"/>
+              <a:t>※</a:t>
+            </a:r>
+            <a:r>
+              <a:rPr kumimoji="1" lang="ja-JP" altLang="en-US" sz="1200" dirty="0"/>
+              <a:t>プロ向け：大体</a:t>
+            </a:r>
+            <a:r>
+              <a:rPr kumimoji="1" lang="en-US" altLang="ja-JP" sz="1200" dirty="0"/>
+              <a:t>20</a:t>
+            </a:r>
+            <a:r>
+              <a:rPr kumimoji="1" lang="ja-JP" altLang="en-US" sz="1200" dirty="0"/>
+              <a:t>万行のデータ</a:t>
+            </a:r>
+            <a:endParaRPr kumimoji="1" lang="en-US" altLang="ja-JP" sz="1200" dirty="0"/>
+          </a:p>
+        </p:txBody>
+      </p:sp>
     </p:spTree>
     <p:extLst>
       <p:ext uri="{BB962C8B-B14F-4D97-AF65-F5344CB8AC3E}">
@@ -11723,7 +15695,7 @@
         </p:nvSpPr>
         <p:spPr>
           <a:xfrm>
-            <a:off x="677331" y="6063734"/>
+            <a:off x="677331" y="6181180"/>
             <a:ext cx="7074094" cy="276999"/>
           </a:xfrm>
           <a:prstGeom prst="rect">
@@ -12156,7 +16128,7 @@
           <a:p>
             <a:r>
               <a:rPr kumimoji="1" lang="ja-JP" altLang="en-US" dirty="0"/>
-              <a:t>日本語は難しい。コードで語って</a:t>
+              <a:t>日本語難しい。コードで語って</a:t>
             </a:r>
           </a:p>
         </p:txBody>

--- a/猫でもわかるKaggle.pptx
+++ b/猫でもわかるKaggle.pptx
@@ -14746,8 +14746,8 @@
         </p:nvSpPr>
         <p:spPr>
           <a:xfrm>
-            <a:off x="848282" y="4097853"/>
-            <a:ext cx="6024666" cy="369332"/>
+            <a:off x="848281" y="4097853"/>
+            <a:ext cx="7557488" cy="369332"/>
           </a:xfrm>
           <a:prstGeom prst="rect">
             <a:avLst/>
@@ -14782,7 +14782,7 @@
             </a:r>
             <a:r>
               <a:rPr kumimoji="1" lang="ja-JP" altLang="en-US" dirty="0"/>
-              <a:t>提出</a:t>
+              <a:t>提出（２～３カ月中）</a:t>
             </a:r>
             <a:endParaRPr kumimoji="1" lang="en-US" altLang="ja-JP" dirty="0"/>
           </a:p>
